--- a/기초 로드맵_컴퓨터 구조_변승현_21.09.07.pptx
+++ b/기초 로드맵_컴퓨터 구조_변승현_21.09.07.pptx
@@ -5,10 +5,10 @@
     <p:sldMasterId id="2147484679" r:id="rId1"/>
   </p:sldMasterIdLst>
   <p:notesMasterIdLst>
-    <p:notesMasterId r:id="rId9"/>
+    <p:notesMasterId r:id="rId14"/>
   </p:notesMasterIdLst>
   <p:handoutMasterIdLst>
-    <p:handoutMasterId r:id="rId10"/>
+    <p:handoutMasterId r:id="rId15"/>
   </p:handoutMasterIdLst>
   <p:sldIdLst>
     <p:sldId id="256" r:id="rId2"/>
@@ -17,7 +17,12 @@
     <p:sldId id="894" r:id="rId5"/>
     <p:sldId id="904" r:id="rId6"/>
     <p:sldId id="905" r:id="rId7"/>
-    <p:sldId id="901" r:id="rId8"/>
+    <p:sldId id="906" r:id="rId8"/>
+    <p:sldId id="907" r:id="rId9"/>
+    <p:sldId id="908" r:id="rId10"/>
+    <p:sldId id="909" r:id="rId11"/>
+    <p:sldId id="910" r:id="rId12"/>
+    <p:sldId id="901" r:id="rId13"/>
   </p:sldIdLst>
   <p:sldSz cx="9906000" cy="6858000" type="A4"/>
   <p:notesSz cx="7104063" cy="10234613"/>
@@ -148,7 +153,7 @@
   </p:defaultTextStyle>
   <p:extLst>
     <p:ext uri="{EFAFB233-063F-42B5-8137-9DF3F51BA10A}">
-      <p15:sldGuideLst xmlns:p15="http://schemas.microsoft.com/office/powerpoint/2012/main" xmlns="">
+      <p15:sldGuideLst xmlns="" xmlns:p15="http://schemas.microsoft.com/office/powerpoint/2012/main">
         <p15:guide id="1" orient="horz" pos="2160" userDrawn="1">
           <p15:clr>
             <a:srgbClr val="A4A3A4"/>
@@ -162,7 +167,7 @@
       </p15:sldGuideLst>
     </p:ext>
     <p:ext uri="{2D200454-40CA-4A62-9FC3-DE9A4176ACB9}">
-      <p15:notesGuideLst xmlns:p15="http://schemas.microsoft.com/office/powerpoint/2012/main" xmlns=""/>
+      <p15:notesGuideLst xmlns="" xmlns:p15="http://schemas.microsoft.com/office/powerpoint/2012/main"/>
     </p:ext>
   </p:extLst>
 </p:presentation>
@@ -173,7 +178,7 @@
   <p:cmAuthor id="1" name="주식회사 에스더블유엠" initials="주에" lastIdx="1" clrIdx="0">
     <p:extLst>
       <p:ext uri="{19B8F6BF-5375-455C-9EA6-DF929625EA0E}">
-        <p15:presenceInfo xmlns:p15="http://schemas.microsoft.com/office/powerpoint/2012/main" xmlns="" userId="f7bdf26d2ec70107" providerId="Windows Live"/>
+        <p15:presenceInfo xmlns="" xmlns:p15="http://schemas.microsoft.com/office/powerpoint/2012/main" userId="f7bdf26d2ec70107" providerId="Windows Live"/>
       </p:ext>
     </p:extLst>
   </p:cmAuthor>
@@ -207,7 +212,7 @@
           <p:cNvPr id="2" name="머리글 개체 틀 1">
             <a:extLst>
               <a:ext uri="{FF2B5EF4-FFF2-40B4-BE49-F238E27FC236}">
-                <a16:creationId xmlns:a16="http://schemas.microsoft.com/office/drawing/2014/main" xmlns="" id="{F37184EB-2854-43E7-ABE4-BA5DBF88F9CD}"/>
+                <a16:creationId xmlns="" xmlns:a16="http://schemas.microsoft.com/office/drawing/2014/main" id="{F37184EB-2854-43E7-ABE4-BA5DBF88F9CD}"/>
               </a:ext>
             </a:extLst>
           </p:cNvPr>
@@ -244,7 +249,7 @@
           <p:cNvPr id="3" name="날짜 개체 틀 2">
             <a:extLst>
               <a:ext uri="{FF2B5EF4-FFF2-40B4-BE49-F238E27FC236}">
-                <a16:creationId xmlns:a16="http://schemas.microsoft.com/office/drawing/2014/main" xmlns="" id="{322137E9-0AE4-42C1-B573-782A03D2A70C}"/>
+                <a16:creationId xmlns="" xmlns:a16="http://schemas.microsoft.com/office/drawing/2014/main" id="{322137E9-0AE4-42C1-B573-782A03D2A70C}"/>
               </a:ext>
             </a:extLst>
           </p:cNvPr>
@@ -275,7 +280,7 @@
             <a:fld id="{4A230AD8-C21D-4B91-BDEA-269ECD8125C0}" type="datetimeFigureOut">
               <a:rPr lang="ko-KR" altLang="en-US" smtClean="0"/>
               <a:pPr/>
-              <a:t>2021-09-07</a:t>
+              <a:t>2021-09-08</a:t>
             </a:fld>
             <a:endParaRPr lang="ko-KR" altLang="en-US"/>
           </a:p>
@@ -286,7 +291,7 @@
           <p:cNvPr id="4" name="바닥글 개체 틀 3">
             <a:extLst>
               <a:ext uri="{FF2B5EF4-FFF2-40B4-BE49-F238E27FC236}">
-                <a16:creationId xmlns:a16="http://schemas.microsoft.com/office/drawing/2014/main" xmlns="" id="{7FE3ECD0-8A04-44B5-A632-0749329F1446}"/>
+                <a16:creationId xmlns="" xmlns:a16="http://schemas.microsoft.com/office/drawing/2014/main" id="{7FE3ECD0-8A04-44B5-A632-0749329F1446}"/>
               </a:ext>
             </a:extLst>
           </p:cNvPr>
@@ -323,7 +328,7 @@
           <p:cNvPr id="5" name="슬라이드 번호 개체 틀 4">
             <a:extLst>
               <a:ext uri="{FF2B5EF4-FFF2-40B4-BE49-F238E27FC236}">
-                <a16:creationId xmlns:a16="http://schemas.microsoft.com/office/drawing/2014/main" xmlns="" id="{D77F9C58-46B9-4487-92AF-4A105F1ACDEC}"/>
+                <a16:creationId xmlns="" xmlns:a16="http://schemas.microsoft.com/office/drawing/2014/main" id="{D77F9C58-46B9-4487-92AF-4A105F1ACDEC}"/>
               </a:ext>
             </a:extLst>
           </p:cNvPr>
@@ -363,7 +368,7 @@
     </p:spTree>
     <p:extLst>
       <p:ext uri="{BB962C8B-B14F-4D97-AF65-F5344CB8AC3E}">
-        <p14:creationId xmlns:p14="http://schemas.microsoft.com/office/powerpoint/2010/main" xmlns="" val="3823635510"/>
+        <p14:creationId xmlns="" xmlns:p14="http://schemas.microsoft.com/office/powerpoint/2010/main" val="3823635510"/>
       </p:ext>
     </p:extLst>
   </p:cSld>
@@ -483,7 +488,7 @@
               <a:pPr>
                 <a:defRPr/>
               </a:pPr>
-              <a:t>2021-09-07</a:t>
+              <a:t>2021-09-08</a:t>
             </a:fld>
             <a:endParaRPr lang="ko-KR" altLang="en-US"/>
           </a:p>
@@ -680,7 +685,7 @@
     </p:spTree>
     <p:extLst>
       <p:ext uri="{BB962C8B-B14F-4D97-AF65-F5344CB8AC3E}">
-        <p14:creationId xmlns:p14="http://schemas.microsoft.com/office/powerpoint/2010/main" xmlns="" val="332659884"/>
+        <p14:creationId xmlns="" xmlns:p14="http://schemas.microsoft.com/office/powerpoint/2010/main" val="332659884"/>
       </p:ext>
     </p:extLst>
   </p:cSld>
@@ -917,7 +922,7 @@
     </p:spTree>
     <p:extLst>
       <p:ext uri="{BB962C8B-B14F-4D97-AF65-F5344CB8AC3E}">
-        <p14:creationId xmlns:p14="http://schemas.microsoft.com/office/powerpoint/2010/main" xmlns="" val="2385430012"/>
+        <p14:creationId xmlns="" xmlns:p14="http://schemas.microsoft.com/office/powerpoint/2010/main" val="2385430012"/>
       </p:ext>
     </p:extLst>
   </p:cSld>
@@ -1034,7 +1039,7 @@
     </p:spTree>
     <p:extLst>
       <p:ext uri="{BB962C8B-B14F-4D97-AF65-F5344CB8AC3E}">
-        <p14:creationId xmlns:p14="http://schemas.microsoft.com/office/powerpoint/2010/main" xmlns="" val="2440216887"/>
+        <p14:creationId xmlns="" xmlns:p14="http://schemas.microsoft.com/office/powerpoint/2010/main" val="2440216887"/>
       </p:ext>
     </p:extLst>
   </p:cSld>
@@ -1066,7 +1071,7 @@
           <p:cNvPr id="3" name="텍스트 개체 틀 2">
             <a:extLst>
               <a:ext uri="{FF2B5EF4-FFF2-40B4-BE49-F238E27FC236}">
-                <a16:creationId xmlns:a16="http://schemas.microsoft.com/office/drawing/2014/main" xmlns="" id="{BE13907F-C351-4B64-8E61-A87546353100}"/>
+                <a16:creationId xmlns="" xmlns:a16="http://schemas.microsoft.com/office/drawing/2014/main" id="{BE13907F-C351-4B64-8E61-A87546353100}"/>
               </a:ext>
             </a:extLst>
           </p:cNvPr>
@@ -1127,7 +1132,7 @@
           <p:cNvPr id="6" name="슬라이드 번호 개체 틀 5">
             <a:extLst>
               <a:ext uri="{FF2B5EF4-FFF2-40B4-BE49-F238E27FC236}">
-                <a16:creationId xmlns:a16="http://schemas.microsoft.com/office/drawing/2014/main" xmlns="" id="{E408728A-7BEE-4A22-A609-8C444D44173F}"/>
+                <a16:creationId xmlns="" xmlns:a16="http://schemas.microsoft.com/office/drawing/2014/main" id="{E408728A-7BEE-4A22-A609-8C444D44173F}"/>
               </a:ext>
             </a:extLst>
           </p:cNvPr>
@@ -1181,7 +1186,7 @@
     </p:spTree>
     <p:extLst>
       <p:ext uri="{BB962C8B-B14F-4D97-AF65-F5344CB8AC3E}">
-        <p14:creationId xmlns:p14="http://schemas.microsoft.com/office/powerpoint/2010/main" xmlns="" val="816510239"/>
+        <p14:creationId xmlns="" xmlns:p14="http://schemas.microsoft.com/office/powerpoint/2010/main" val="816510239"/>
       </p:ext>
     </p:extLst>
   </p:cSld>
@@ -1213,7 +1218,7 @@
           <p:cNvPr id="9" name="직사각형 8">
             <a:extLst>
               <a:ext uri="{FF2B5EF4-FFF2-40B4-BE49-F238E27FC236}">
-                <a16:creationId xmlns:a16="http://schemas.microsoft.com/office/drawing/2014/main" xmlns="" id="{FFCD6510-A96D-438F-B329-8F2236F77B36}"/>
+                <a16:creationId xmlns="" xmlns:a16="http://schemas.microsoft.com/office/drawing/2014/main" id="{FFCD6510-A96D-438F-B329-8F2236F77B36}"/>
               </a:ext>
             </a:extLst>
           </p:cNvPr>
@@ -1265,7 +1270,7 @@
           <p:cNvPr id="3" name="텍스트 개체 틀 2">
             <a:extLst>
               <a:ext uri="{FF2B5EF4-FFF2-40B4-BE49-F238E27FC236}">
-                <a16:creationId xmlns:a16="http://schemas.microsoft.com/office/drawing/2014/main" xmlns="" id="{BE13907F-C351-4B64-8E61-A87546353100}"/>
+                <a16:creationId xmlns="" xmlns:a16="http://schemas.microsoft.com/office/drawing/2014/main" id="{BE13907F-C351-4B64-8E61-A87546353100}"/>
               </a:ext>
             </a:extLst>
           </p:cNvPr>
@@ -1325,7 +1330,7 @@
           <p:cNvPr id="4" name="직선 연결선 3">
             <a:extLst>
               <a:ext uri="{FF2B5EF4-FFF2-40B4-BE49-F238E27FC236}">
-                <a16:creationId xmlns:a16="http://schemas.microsoft.com/office/drawing/2014/main" xmlns="" id="{E301FF66-2B3E-40A8-B75B-646D25EF96D0}"/>
+                <a16:creationId xmlns="" xmlns:a16="http://schemas.microsoft.com/office/drawing/2014/main" id="{E301FF66-2B3E-40A8-B75B-646D25EF96D0}"/>
               </a:ext>
             </a:extLst>
           </p:cNvPr>
@@ -1370,7 +1375,7 @@
           <p:cNvPr id="7" name="그림 6">
             <a:extLst>
               <a:ext uri="{FF2B5EF4-FFF2-40B4-BE49-F238E27FC236}">
-                <a16:creationId xmlns:a16="http://schemas.microsoft.com/office/drawing/2014/main" xmlns="" id="{086FBE76-03DA-4F07-9364-79484B810F02}"/>
+                <a16:creationId xmlns="" xmlns:a16="http://schemas.microsoft.com/office/drawing/2014/main" id="{086FBE76-03DA-4F07-9364-79484B810F02}"/>
               </a:ext>
             </a:extLst>
           </p:cNvPr>
@@ -1383,7 +1388,7 @@
           <a:blip r:embed="rId2" cstate="print">
             <a:extLst>
               <a:ext uri="{28A0092B-C50C-407E-A947-70E740481C1C}">
-                <a14:useLocalDpi xmlns:a14="http://schemas.microsoft.com/office/drawing/2010/main" xmlns="" val="0"/>
+                <a14:useLocalDpi xmlns="" xmlns:a14="http://schemas.microsoft.com/office/drawing/2010/main" val="0"/>
               </a:ext>
             </a:extLst>
           </a:blip>
@@ -1404,7 +1409,7 @@
     </p:spTree>
     <p:extLst>
       <p:ext uri="{BB962C8B-B14F-4D97-AF65-F5344CB8AC3E}">
-        <p14:creationId xmlns:p14="http://schemas.microsoft.com/office/powerpoint/2010/main" xmlns="" val="3129551072"/>
+        <p14:creationId xmlns="" xmlns:p14="http://schemas.microsoft.com/office/powerpoint/2010/main" val="3129551072"/>
       </p:ext>
     </p:extLst>
   </p:cSld>
@@ -1434,7 +1439,7 @@
     </p:spTree>
     <p:extLst>
       <p:ext uri="{BB962C8B-B14F-4D97-AF65-F5344CB8AC3E}">
-        <p14:creationId xmlns:p14="http://schemas.microsoft.com/office/powerpoint/2010/main" xmlns="" val="2924269711"/>
+        <p14:creationId xmlns="" xmlns:p14="http://schemas.microsoft.com/office/powerpoint/2010/main" val="2924269711"/>
       </p:ext>
     </p:extLst>
   </p:cSld>
@@ -1466,7 +1471,7 @@
           <p:cNvPr id="2" name="직사각형 1">
             <a:extLst>
               <a:ext uri="{FF2B5EF4-FFF2-40B4-BE49-F238E27FC236}">
-                <a16:creationId xmlns:a16="http://schemas.microsoft.com/office/drawing/2014/main" xmlns="" id="{70797AC9-DD7D-4F2C-9124-833DE612286C}"/>
+                <a16:creationId xmlns="" xmlns:a16="http://schemas.microsoft.com/office/drawing/2014/main" id="{70797AC9-DD7D-4F2C-9124-833DE612286C}"/>
               </a:ext>
             </a:extLst>
           </p:cNvPr>
@@ -1516,7 +1521,7 @@
     </p:spTree>
     <p:extLst>
       <p:ext uri="{BB962C8B-B14F-4D97-AF65-F5344CB8AC3E}">
-        <p14:creationId xmlns:p14="http://schemas.microsoft.com/office/powerpoint/2010/main" xmlns="" val="2409429364"/>
+        <p14:creationId xmlns="" xmlns:p14="http://schemas.microsoft.com/office/powerpoint/2010/main" val="2409429364"/>
       </p:ext>
     </p:extLst>
   </p:cSld>
@@ -1556,7 +1561,7 @@
           <p:cNvPr id="2" name="직선 연결선 1">
             <a:extLst>
               <a:ext uri="{FF2B5EF4-FFF2-40B4-BE49-F238E27FC236}">
-                <a16:creationId xmlns:a16="http://schemas.microsoft.com/office/drawing/2014/main" xmlns="" id="{A558666D-FBEC-4F21-A4E2-55D5F0CF09E9}"/>
+                <a16:creationId xmlns="" xmlns:a16="http://schemas.microsoft.com/office/drawing/2014/main" id="{A558666D-FBEC-4F21-A4E2-55D5F0CF09E9}"/>
               </a:ext>
             </a:extLst>
           </p:cNvPr>
@@ -1603,7 +1608,7 @@
           <p:cNvPr id="4" name="직선 연결선 3">
             <a:extLst>
               <a:ext uri="{FF2B5EF4-FFF2-40B4-BE49-F238E27FC236}">
-                <a16:creationId xmlns:a16="http://schemas.microsoft.com/office/drawing/2014/main" xmlns="" id="{DABC4334-140E-41A9-8597-1C264E0BBE6B}"/>
+                <a16:creationId xmlns="" xmlns:a16="http://schemas.microsoft.com/office/drawing/2014/main" id="{DABC4334-140E-41A9-8597-1C264E0BBE6B}"/>
               </a:ext>
             </a:extLst>
           </p:cNvPr>
@@ -1650,7 +1655,7 @@
           <p:cNvPr id="5" name="Google Shape;11;p4">
             <a:extLst>
               <a:ext uri="{FF2B5EF4-FFF2-40B4-BE49-F238E27FC236}">
-                <a16:creationId xmlns:a16="http://schemas.microsoft.com/office/drawing/2014/main" xmlns="" id="{C0D596C2-BECE-45B2-86E2-2B6773F52F2E}"/>
+                <a16:creationId xmlns="" xmlns:a16="http://schemas.microsoft.com/office/drawing/2014/main" id="{C0D596C2-BECE-45B2-86E2-2B6773F52F2E}"/>
               </a:ext>
             </a:extLst>
           </p:cNvPr>
@@ -2164,7 +2169,7 @@
           <p:cNvPr id="3" name="텍스트 개체 틀 2">
             <a:extLst>
               <a:ext uri="{FF2B5EF4-FFF2-40B4-BE49-F238E27FC236}">
-                <a16:creationId xmlns:a16="http://schemas.microsoft.com/office/drawing/2014/main" xmlns="" id="{346260F6-45C8-4DC3-9608-598F9C41130D}"/>
+                <a16:creationId xmlns="" xmlns:a16="http://schemas.microsoft.com/office/drawing/2014/main" id="{346260F6-45C8-4DC3-9608-598F9C41130D}"/>
               </a:ext>
             </a:extLst>
           </p:cNvPr>
@@ -2190,11 +2195,7 @@
             </a:r>
             <a:r>
               <a:rPr lang="en-US" altLang="ko-KR" dirty="0" smtClean="0"/>
-              <a:t> </a:t>
-            </a:r>
-            <a:r>
-              <a:rPr lang="en-US" altLang="ko-KR" dirty="0" smtClean="0"/>
-              <a:t>: </a:t>
+              <a:t> : </a:t>
             </a:r>
             <a:r>
               <a:rPr lang="ko-KR" altLang="en-US" dirty="0" smtClean="0"/>
@@ -2209,7 +2210,7 @@
           <p:cNvPr id="5" name="표 2">
             <a:extLst>
               <a:ext uri="{FF2B5EF4-FFF2-40B4-BE49-F238E27FC236}">
-                <a16:creationId xmlns:a16="http://schemas.microsoft.com/office/drawing/2014/main" xmlns="" id="{183EE07E-B585-4BFB-8BED-1C3615BA29A9}"/>
+                <a16:creationId xmlns="" xmlns:a16="http://schemas.microsoft.com/office/drawing/2014/main" id="{183EE07E-B585-4BFB-8BED-1C3615BA29A9}"/>
               </a:ext>
             </a:extLst>
           </p:cNvPr>
@@ -2219,7 +2220,7 @@
           <p:nvPr>
             <p:extLst>
               <p:ext uri="{D42A27DB-BD31-4B8C-83A1-F6EECF244321}">
-                <p14:modId xmlns:p14="http://schemas.microsoft.com/office/powerpoint/2010/main" xmlns="" val="1860186984"/>
+                <p14:modId xmlns="" xmlns:p14="http://schemas.microsoft.com/office/powerpoint/2010/main" val="1860186984"/>
               </p:ext>
             </p:extLst>
           </p:nvPr>
@@ -2238,14 +2239,14 @@
                 <a:gridCol w="864096">
                   <a:extLst>
                     <a:ext uri="{9D8B030D-6E8A-4147-A177-3AD203B41FA5}">
-                      <a16:colId xmlns:a16="http://schemas.microsoft.com/office/drawing/2014/main" xmlns="" val="2420285383"/>
+                      <a16:colId xmlns="" xmlns:a16="http://schemas.microsoft.com/office/drawing/2014/main" val="2420285383"/>
                     </a:ext>
                   </a:extLst>
                 </a:gridCol>
                 <a:gridCol w="685850">
                   <a:extLst>
                     <a:ext uri="{9D8B030D-6E8A-4147-A177-3AD203B41FA5}">
-                      <a16:colId xmlns:a16="http://schemas.microsoft.com/office/drawing/2014/main" xmlns="" val="1459850034"/>
+                      <a16:colId xmlns="" xmlns:a16="http://schemas.microsoft.com/office/drawing/2014/main" val="1459850034"/>
                     </a:ext>
                   </a:extLst>
                 </a:gridCol>
@@ -2387,7 +2388,7 @@
                 </a:tc>
                 <a:extLst>
                   <a:ext uri="{0D108BD9-81ED-4DB2-BD59-A6C34878D82A}">
-                    <a16:rowId xmlns:a16="http://schemas.microsoft.com/office/drawing/2014/main" xmlns="" val="3355899281"/>
+                    <a16:rowId xmlns="" xmlns:a16="http://schemas.microsoft.com/office/drawing/2014/main" val="3355899281"/>
                   </a:ext>
                 </a:extLst>
               </a:tr>
@@ -2525,7 +2526,7 @@
                 </a:tc>
                 <a:extLst>
                   <a:ext uri="{0D108BD9-81ED-4DB2-BD59-A6C34878D82A}">
-                    <a16:rowId xmlns:a16="http://schemas.microsoft.com/office/drawing/2014/main" xmlns="" val="626778822"/>
+                    <a16:rowId xmlns="" xmlns:a16="http://schemas.microsoft.com/office/drawing/2014/main" val="626778822"/>
                   </a:ext>
                 </a:extLst>
               </a:tr>
@@ -2663,7 +2664,7 @@
                 </a:tc>
                 <a:extLst>
                   <a:ext uri="{0D108BD9-81ED-4DB2-BD59-A6C34878D82A}">
-                    <a16:rowId xmlns:a16="http://schemas.microsoft.com/office/drawing/2014/main" xmlns="" val="3571797319"/>
+                    <a16:rowId xmlns="" xmlns:a16="http://schemas.microsoft.com/office/drawing/2014/main" val="3571797319"/>
                   </a:ext>
                 </a:extLst>
               </a:tr>
@@ -2801,7 +2802,7 @@
                 </a:tc>
                 <a:extLst>
                   <a:ext uri="{0D108BD9-81ED-4DB2-BD59-A6C34878D82A}">
-                    <a16:rowId xmlns:a16="http://schemas.microsoft.com/office/drawing/2014/main" xmlns="" val="4075794737"/>
+                    <a16:rowId xmlns="" xmlns:a16="http://schemas.microsoft.com/office/drawing/2014/main" val="4075794737"/>
                   </a:ext>
                 </a:extLst>
               </a:tr>
@@ -2814,7 +2815,7 @@
           <p:cNvPr id="7" name="제목 8">
             <a:extLst>
               <a:ext uri="{FF2B5EF4-FFF2-40B4-BE49-F238E27FC236}">
-                <a16:creationId xmlns:a16="http://schemas.microsoft.com/office/drawing/2014/main" xmlns="" id="{4D0ECCF2-3B65-4A2A-9E19-D87334AA8F92}"/>
+                <a16:creationId xmlns="" xmlns:a16="http://schemas.microsoft.com/office/drawing/2014/main" id="{4D0ECCF2-3B65-4A2A-9E19-D87334AA8F92}"/>
               </a:ext>
             </a:extLst>
           </p:cNvPr>
@@ -3149,7 +3150,26 @@
                 <a:ea typeface="+mn-ea"/>
                 <a:cs typeface="+mn-cs"/>
               </a:rPr>
-              <a:t>09. 07</a:t>
+              <a:t>09. </a:t>
+            </a:r>
+            <a:r>
+              <a:rPr lang="en-US" altLang="ko-KR" sz="1600" spc="-100" dirty="0" smtClean="0">
+                <a:ln>
+                  <a:solidFill>
+                    <a:schemeClr val="bg1">
+                      <a:lumMod val="65000"/>
+                      <a:alpha val="0"/>
+                    </a:schemeClr>
+                  </a:solidFill>
+                </a:ln>
+                <a:solidFill>
+                  <a:schemeClr val="tx1"/>
+                </a:solidFill>
+                <a:latin typeface="+mn-lt"/>
+                <a:ea typeface="+mn-ea"/>
+                <a:cs typeface="+mn-cs"/>
+              </a:rPr>
+              <a:t>10</a:t>
             </a:r>
             <a:endParaRPr lang="ko-KR" altLang="en-US" sz="1600" spc="-100" dirty="0">
               <a:ln>
@@ -3175,7 +3195,7 @@
           <p:cNvPr id="6" name="제목 8">
             <a:extLst>
               <a:ext uri="{FF2B5EF4-FFF2-40B4-BE49-F238E27FC236}">
-                <a16:creationId xmlns:a16="http://schemas.microsoft.com/office/drawing/2014/main" xmlns="" id="{4D0ECCF2-3B65-4A2A-9E19-D87334AA8F92}"/>
+                <a16:creationId xmlns="" xmlns:a16="http://schemas.microsoft.com/office/drawing/2014/main" id="{4D0ECCF2-3B65-4A2A-9E19-D87334AA8F92}"/>
               </a:ext>
             </a:extLst>
           </p:cNvPr>
@@ -3529,26 +3549,7 @@
                 <a:ea typeface="+mn-ea"/>
                 <a:cs typeface="+mn-cs"/>
               </a:rPr>
-              <a:t>변승</a:t>
-            </a:r>
-            <a:r>
-              <a:rPr lang="ko-KR" altLang="en-US" sz="1600" spc="-100" dirty="0" smtClean="0">
-                <a:ln>
-                  <a:solidFill>
-                    <a:schemeClr val="bg1">
-                      <a:lumMod val="65000"/>
-                      <a:alpha val="0"/>
-                    </a:schemeClr>
-                  </a:solidFill>
-                </a:ln>
-                <a:solidFill>
-                  <a:schemeClr val="tx1"/>
-                </a:solidFill>
-                <a:latin typeface="+mn-lt"/>
-                <a:ea typeface="+mn-ea"/>
-                <a:cs typeface="+mn-cs"/>
-              </a:rPr>
-              <a:t>현</a:t>
+              <a:t>변승현</a:t>
             </a:r>
             <a:endParaRPr lang="ko-KR" altLang="en-US" sz="1600" spc="-100" dirty="0">
               <a:ln>
@@ -3570,6 +3571,1768 @@
         </p:txBody>
       </p:sp>
     </p:spTree>
+  </p:cSld>
+  <p:clrMapOvr>
+    <a:masterClrMapping/>
+  </p:clrMapOvr>
+  <p:timing>
+    <p:tnLst>
+      <p:par>
+        <p:cTn id="1" dur="indefinite" restart="never" nodeType="tmRoot"/>
+      </p:par>
+    </p:tnLst>
+  </p:timing>
+</p:sld>
+</file>
+
+<file path=ppt/slides/slide10.xml><?xml version="1.0" encoding="utf-8"?>
+<p:sld xmlns:a="http://schemas.openxmlformats.org/drawingml/2006/main" xmlns:r="http://schemas.openxmlformats.org/officeDocument/2006/relationships" xmlns:p="http://schemas.openxmlformats.org/presentationml/2006/main">
+  <p:cSld>
+    <p:spTree>
+      <p:nvGrpSpPr>
+        <p:cNvPr id="1" name=""/>
+        <p:cNvGrpSpPr/>
+        <p:nvPr/>
+      </p:nvGrpSpPr>
+      <p:grpSpPr>
+        <a:xfrm>
+          <a:off x="0" y="0"/>
+          <a:ext cx="0" cy="0"/>
+          <a:chOff x="0" y="0"/>
+          <a:chExt cx="0" cy="0"/>
+        </a:xfrm>
+      </p:grpSpPr>
+      <p:sp>
+        <p:nvSpPr>
+          <p:cNvPr id="3" name="텍스트 개체 틀 2">
+            <a:extLst>
+              <a:ext uri="{FF2B5EF4-FFF2-40B4-BE49-F238E27FC236}">
+                <a16:creationId xmlns="" xmlns:a16="http://schemas.microsoft.com/office/drawing/2014/main" id="{193707F8-7D35-49D6-97F9-C7ED24B53287}"/>
+              </a:ext>
+            </a:extLst>
+          </p:cNvPr>
+          <p:cNvSpPr>
+            <a:spLocks noGrp="1"/>
+          </p:cNvSpPr>
+          <p:nvPr>
+            <p:ph type="body" sz="quarter" idx="10"/>
+          </p:nvPr>
+        </p:nvSpPr>
+        <p:spPr>
+          <a:xfrm>
+            <a:off x="488504" y="259080"/>
+            <a:ext cx="8928992" cy="394449"/>
+          </a:xfrm>
+        </p:spPr>
+        <p:txBody>
+          <a:bodyPr/>
+          <a:lstStyle/>
+          <a:p>
+            <a:r>
+              <a:rPr lang="ko-KR" altLang="en-US" dirty="0" smtClean="0"/>
+              <a:t>버스 및 입출력</a:t>
+            </a:r>
+            <a:endParaRPr lang="ko-KR" altLang="en-US" dirty="0" smtClean="0"/>
+          </a:p>
+        </p:txBody>
+      </p:sp>
+      <p:sp>
+        <p:nvSpPr>
+          <p:cNvPr id="5" name="슬라이드 번호 개체 틀 4">
+            <a:extLst>
+              <a:ext uri="{FF2B5EF4-FFF2-40B4-BE49-F238E27FC236}">
+                <a16:creationId xmlns="" xmlns:a16="http://schemas.microsoft.com/office/drawing/2014/main" id="{7B8300BC-19A2-42D0-BBC6-4599CDA8AB1E}"/>
+              </a:ext>
+            </a:extLst>
+          </p:cNvPr>
+          <p:cNvSpPr>
+            <a:spLocks noGrp="1"/>
+          </p:cNvSpPr>
+          <p:nvPr>
+            <p:ph type="sldNum" sz="quarter" idx="4"/>
+          </p:nvPr>
+        </p:nvSpPr>
+        <p:spPr>
+          <a:xfrm>
+            <a:off x="8705849" y="6457951"/>
+            <a:ext cx="671513" cy="238124"/>
+          </a:xfrm>
+        </p:spPr>
+        <p:txBody>
+          <a:bodyPr/>
+          <a:lstStyle/>
+          <a:p>
+            <a:fld id="{E6D3F70A-DAC0-4DEB-BE9D-9150D327277C}" type="slidenum">
+              <a:rPr lang="en-US" altLang="ko-KR" smtClean="0"/>
+              <a:pPr/>
+              <a:t>10</a:t>
+            </a:fld>
+            <a:endParaRPr lang="ko-KR" altLang="en-US" dirty="0"/>
+          </a:p>
+        </p:txBody>
+      </p:sp>
+      <p:sp>
+        <p:nvSpPr>
+          <p:cNvPr id="9" name="TextBox 8"/>
+          <p:cNvSpPr txBox="1"/>
+          <p:nvPr/>
+        </p:nvSpPr>
+        <p:spPr>
+          <a:xfrm>
+            <a:off x="704528" y="1052737"/>
+            <a:ext cx="8424936" cy="5256583"/>
+          </a:xfrm>
+          <a:prstGeom prst="rect">
+            <a:avLst/>
+          </a:prstGeom>
+          <a:noFill/>
+        </p:spPr>
+        <p:txBody>
+          <a:bodyPr wrap="square" numCol="2" rtlCol="0">
+            <a:spAutoFit/>
+          </a:bodyPr>
+          <a:lstStyle/>
+          <a:p>
+            <a:r>
+              <a:rPr lang="ko-KR" altLang="en-US" sz="1400" b="1" u="sng" dirty="0" smtClean="0"/>
+              <a:t> </a:t>
+            </a:r>
+            <a:r>
+              <a:rPr lang="en-US" altLang="ko-KR" sz="1400" b="1" u="sng" dirty="0" smtClean="0"/>
+              <a:t>- </a:t>
+            </a:r>
+            <a:r>
+              <a:rPr lang="ko-KR" altLang="en-US" sz="1400" b="1" u="sng" dirty="0" smtClean="0"/>
+              <a:t>시스템 버스</a:t>
+            </a:r>
+          </a:p>
+          <a:p>
+            <a:r>
+              <a:rPr lang="ko-KR" altLang="en-US" sz="1400" dirty="0" smtClean="0"/>
+              <a:t>    </a:t>
+            </a:r>
+            <a:r>
+              <a:rPr lang="en-US" altLang="ko-KR" sz="1400" dirty="0" smtClean="0"/>
+              <a:t>: CPU</a:t>
+            </a:r>
+            <a:r>
+              <a:rPr lang="ko-KR" altLang="en-US" sz="1400" dirty="0" smtClean="0"/>
+              <a:t>와 메모리를 연결하는 </a:t>
+            </a:r>
+            <a:r>
+              <a:rPr lang="en-US" altLang="ko-KR" sz="1400" dirty="0" smtClean="0"/>
+              <a:t>Subsystem</a:t>
+            </a:r>
+            <a:r>
+              <a:rPr lang="ko-KR" altLang="en-US" sz="1400" dirty="0" smtClean="0"/>
+              <a:t>을 </a:t>
+            </a:r>
+            <a:r>
+              <a:rPr lang="en-US" altLang="ko-KR" sz="1400" dirty="0" smtClean="0"/>
+              <a:t>System Bus</a:t>
+            </a:r>
+          </a:p>
+          <a:p>
+            <a:r>
+              <a:rPr lang="en-US" altLang="ko-KR" sz="1400" dirty="0" smtClean="0"/>
+              <a:t>    : </a:t>
+            </a:r>
+            <a:r>
+              <a:rPr lang="ko-KR" altLang="en-US" sz="1400" dirty="0" smtClean="0"/>
+              <a:t>메모리와 다른 입출력 장치와 통신을 하는 </a:t>
+            </a:r>
+            <a:r>
+              <a:rPr lang="en-US" altLang="ko-KR" sz="1400" dirty="0" smtClean="0"/>
+              <a:t>Subsystem</a:t>
+            </a:r>
+            <a:r>
+              <a:rPr lang="ko-KR" altLang="en-US" sz="1400" dirty="0" smtClean="0"/>
+              <a:t>을 </a:t>
+            </a:r>
+            <a:r>
+              <a:rPr lang="en-US" altLang="ko-KR" sz="1400" dirty="0" smtClean="0"/>
+              <a:t>I/O Bus</a:t>
+            </a:r>
+          </a:p>
+          <a:p>
+            <a:r>
+              <a:rPr lang="en-US" altLang="ko-KR" sz="1400" dirty="0" smtClean="0"/>
+              <a:t>    : </a:t>
+            </a:r>
+            <a:r>
+              <a:rPr lang="ko-KR" altLang="en-US" sz="1400" dirty="0" smtClean="0"/>
+              <a:t>시스템 버스가 전송할 </a:t>
+            </a:r>
+            <a:r>
+              <a:rPr lang="ko-KR" altLang="en-US" sz="1400" dirty="0" err="1" smtClean="0"/>
+              <a:t>수있는</a:t>
+            </a:r>
+            <a:r>
+              <a:rPr lang="ko-KR" altLang="en-US" sz="1400" dirty="0" smtClean="0"/>
+              <a:t> 정보의 타입은 </a:t>
+            </a:r>
+            <a:r>
+              <a:rPr lang="en-US" altLang="ko-KR" sz="1400" dirty="0" smtClean="0"/>
+              <a:t>3</a:t>
+            </a:r>
+            <a:r>
+              <a:rPr lang="ko-KR" altLang="en-US" sz="1400" dirty="0" smtClean="0"/>
+              <a:t>가지</a:t>
+            </a:r>
+          </a:p>
+          <a:p>
+            <a:r>
+              <a:rPr lang="ko-KR" altLang="en-US" sz="1400" dirty="0" smtClean="0"/>
+              <a:t>        </a:t>
+            </a:r>
+            <a:r>
+              <a:rPr lang="en-US" altLang="ko-KR" sz="1400" dirty="0" smtClean="0"/>
+              <a:t>Address // </a:t>
+            </a:r>
+            <a:r>
+              <a:rPr lang="ko-KR" altLang="en-US" sz="1400" dirty="0" smtClean="0"/>
+              <a:t>데이터 전송을 </a:t>
+            </a:r>
+            <a:r>
+              <a:rPr lang="ko-KR" altLang="en-US" sz="1400" dirty="0" err="1" smtClean="0"/>
+              <a:t>할때</a:t>
+            </a:r>
+            <a:r>
+              <a:rPr lang="ko-KR" altLang="en-US" sz="1400" dirty="0" smtClean="0"/>
+              <a:t> 데이터가 메모리 어디에 있는지를 나타내는 위치</a:t>
+            </a:r>
+          </a:p>
+          <a:p>
+            <a:r>
+              <a:rPr lang="ko-KR" altLang="en-US" sz="1400" dirty="0" smtClean="0"/>
+              <a:t>        </a:t>
+            </a:r>
+            <a:r>
+              <a:rPr lang="en-US" altLang="ko-KR" sz="1400" dirty="0" smtClean="0"/>
+              <a:t>Data // </a:t>
+            </a:r>
+            <a:r>
+              <a:rPr lang="ko-KR" altLang="en-US" sz="1400" dirty="0" smtClean="0"/>
+              <a:t>연산된 결과와 같이 </a:t>
+            </a:r>
+            <a:r>
+              <a:rPr lang="ko-KR" altLang="en-US" sz="1400" dirty="0" err="1" smtClean="0"/>
+              <a:t>의미있는</a:t>
+            </a:r>
+            <a:r>
+              <a:rPr lang="ko-KR" altLang="en-US" sz="1400" dirty="0" smtClean="0"/>
+              <a:t> 값</a:t>
+            </a:r>
+          </a:p>
+          <a:p>
+            <a:r>
+              <a:rPr lang="ko-KR" altLang="en-US" sz="1400" dirty="0" smtClean="0"/>
+              <a:t>        </a:t>
+            </a:r>
+            <a:r>
+              <a:rPr lang="en-US" altLang="ko-KR" sz="1400" dirty="0" smtClean="0"/>
+              <a:t>Control // </a:t>
+            </a:r>
+            <a:r>
+              <a:rPr lang="ko-KR" altLang="en-US" sz="1400" dirty="0" smtClean="0"/>
+              <a:t>앞의 주소 정보와 실제 데이터가 컴퓨터 </a:t>
+            </a:r>
+            <a:r>
+              <a:rPr lang="ko-KR" altLang="en-US" sz="1400" dirty="0" err="1" smtClean="0"/>
+              <a:t>시스템안에서</a:t>
+            </a:r>
+            <a:r>
+              <a:rPr lang="ko-KR" altLang="en-US" sz="1400" dirty="0" smtClean="0"/>
+              <a:t> 어떻게 관리되고 방향으로 전송되는 데이터 관리</a:t>
+            </a:r>
+          </a:p>
+          <a:p>
+            <a:r>
+              <a:rPr lang="ko-KR" altLang="en-US" sz="1400" dirty="0" smtClean="0"/>
+              <a:t/>
+            </a:r>
+            <a:br>
+              <a:rPr lang="ko-KR" altLang="en-US" sz="1400" dirty="0" smtClean="0"/>
+            </a:br>
+            <a:r>
+              <a:rPr lang="ko-KR" altLang="en-US" sz="1400" b="1" u="sng" dirty="0" smtClean="0"/>
+              <a:t> </a:t>
+            </a:r>
+            <a:r>
+              <a:rPr lang="en-US" altLang="ko-KR" sz="1400" b="1" u="sng" dirty="0" smtClean="0"/>
+              <a:t>- </a:t>
+            </a:r>
+            <a:r>
+              <a:rPr lang="ko-KR" altLang="en-US" sz="1400" b="1" u="sng" dirty="0" smtClean="0"/>
+              <a:t>버스 중재</a:t>
+            </a:r>
+            <a:r>
+              <a:rPr lang="en-US" altLang="ko-KR" sz="1400" b="1" u="sng" dirty="0" smtClean="0"/>
+              <a:t>(Bus Arbitration)</a:t>
+            </a:r>
+          </a:p>
+          <a:p>
+            <a:r>
+              <a:rPr lang="en-US" altLang="ko-KR" sz="1400" dirty="0" smtClean="0"/>
+              <a:t>    : </a:t>
+            </a:r>
+            <a:r>
+              <a:rPr lang="ko-KR" altLang="en-US" sz="1400" dirty="0" smtClean="0"/>
+              <a:t>버스 경합이 발생하였을 때</a:t>
+            </a:r>
+            <a:r>
+              <a:rPr lang="en-US" altLang="ko-KR" sz="1400" dirty="0" smtClean="0"/>
+              <a:t>, </a:t>
+            </a:r>
+            <a:r>
+              <a:rPr lang="ko-KR" altLang="en-US" sz="1400" dirty="0" smtClean="0"/>
+              <a:t>각 버스 마스터가 미리 정해진 기준에 따라 순서대로 버스를 사용할 수 있게 해주는 기술</a:t>
+            </a:r>
+          </a:p>
+          <a:p>
+            <a:r>
+              <a:rPr lang="ko-KR" altLang="en-US" sz="1400" dirty="0" smtClean="0"/>
+              <a:t>        버스 마스터 </a:t>
+            </a:r>
+            <a:r>
+              <a:rPr lang="en-US" altLang="ko-KR" sz="1400" dirty="0" smtClean="0"/>
+              <a:t>// </a:t>
+            </a:r>
+            <a:r>
+              <a:rPr lang="ko-KR" altLang="en-US" sz="1400" dirty="0" smtClean="0"/>
+              <a:t>시스템 버스에 연결된 컴퓨터의 기본 장치</a:t>
+            </a:r>
+          </a:p>
+          <a:p>
+            <a:r>
+              <a:rPr lang="ko-KR" altLang="en-US" sz="1400" dirty="0" smtClean="0"/>
+              <a:t>        버스 경합 </a:t>
+            </a:r>
+            <a:r>
+              <a:rPr lang="en-US" altLang="ko-KR" sz="1400" dirty="0" smtClean="0"/>
+              <a:t>// </a:t>
+            </a:r>
+            <a:r>
+              <a:rPr lang="ko-KR" altLang="en-US" sz="1400" dirty="0" smtClean="0"/>
+              <a:t>여러 버스 마스터가 동시에 시스템 버스 사용 요구 시 버스 경합이 발생</a:t>
+            </a:r>
+          </a:p>
+          <a:p>
+            <a:r>
+              <a:rPr lang="ko-KR" altLang="en-US" sz="1400" dirty="0" smtClean="0"/>
+              <a:t>        버스 중재기 </a:t>
+            </a:r>
+            <a:r>
+              <a:rPr lang="en-US" altLang="ko-KR" sz="1400" dirty="0" smtClean="0"/>
+              <a:t>// </a:t>
+            </a:r>
+            <a:r>
+              <a:rPr lang="ko-KR" altLang="en-US" sz="1400" dirty="0" smtClean="0"/>
+              <a:t>버스 중재를 수행하는 하드웨어 모듈</a:t>
+            </a:r>
+          </a:p>
+          <a:p>
+            <a:r>
+              <a:rPr lang="ko-KR" altLang="en-US" sz="1400" dirty="0" smtClean="0"/>
+              <a:t/>
+            </a:r>
+            <a:br>
+              <a:rPr lang="ko-KR" altLang="en-US" sz="1400" dirty="0" smtClean="0"/>
+            </a:br>
+            <a:r>
+              <a:rPr lang="ko-KR" altLang="en-US" sz="1400" dirty="0" smtClean="0"/>
+              <a:t> </a:t>
+            </a:r>
+            <a:r>
+              <a:rPr lang="en-US" altLang="ko-KR" sz="1400" b="1" u="sng" dirty="0" smtClean="0"/>
+              <a:t>- </a:t>
+            </a:r>
+            <a:r>
+              <a:rPr lang="ko-KR" altLang="en-US" sz="1400" b="1" u="sng" dirty="0" smtClean="0"/>
+              <a:t>데이터 입출력 방식</a:t>
+            </a:r>
+          </a:p>
+          <a:p>
+            <a:r>
+              <a:rPr lang="ko-KR" altLang="en-US" sz="1400" dirty="0" smtClean="0"/>
+              <a:t>    </a:t>
+            </a:r>
+            <a:r>
+              <a:rPr lang="en-US" altLang="ko-KR" sz="1400" dirty="0" smtClean="0"/>
+              <a:t>: </a:t>
+            </a:r>
+            <a:r>
+              <a:rPr lang="ko-KR" altLang="en-US" sz="1400" dirty="0" smtClean="0"/>
+              <a:t>프로그램에 의한 입출력 방식 </a:t>
+            </a:r>
+            <a:r>
+              <a:rPr lang="en-US" altLang="ko-KR" sz="1400" dirty="0" smtClean="0"/>
+              <a:t>// </a:t>
+            </a:r>
+            <a:r>
+              <a:rPr lang="ko-KR" altLang="en-US" sz="1400" dirty="0" smtClean="0"/>
+              <a:t>데이터의 입출력 동작이 </a:t>
+            </a:r>
+            <a:r>
+              <a:rPr lang="en-US" altLang="ko-KR" sz="1400" dirty="0" smtClean="0"/>
+              <a:t>CPU</a:t>
+            </a:r>
+            <a:r>
+              <a:rPr lang="ko-KR" altLang="en-US" sz="1400" dirty="0" smtClean="0"/>
+              <a:t>가 수행하는 프로그램의 입출력</a:t>
+            </a:r>
+            <a:r>
+              <a:rPr lang="en-US" altLang="ko-KR" sz="1400" dirty="0" smtClean="0"/>
+              <a:t>(IO) </a:t>
+            </a:r>
+            <a:r>
+              <a:rPr lang="ko-KR" altLang="en-US" sz="1400" dirty="0" smtClean="0"/>
+              <a:t>명령에 의해 수행</a:t>
+            </a:r>
+          </a:p>
+          <a:p>
+            <a:r>
+              <a:rPr lang="ko-KR" altLang="en-US" sz="1400" dirty="0" smtClean="0"/>
+              <a:t>    </a:t>
+            </a:r>
+            <a:r>
+              <a:rPr lang="en-US" altLang="ko-KR" sz="1400" dirty="0" smtClean="0"/>
+              <a:t>: </a:t>
+            </a:r>
+            <a:r>
+              <a:rPr lang="ko-KR" altLang="en-US" sz="1400" dirty="0" smtClean="0"/>
+              <a:t>인터럽트에 의한 입출력 방식 </a:t>
+            </a:r>
+            <a:r>
+              <a:rPr lang="en-US" altLang="ko-KR" sz="1400" dirty="0" smtClean="0"/>
+              <a:t>// CPU</a:t>
+            </a:r>
+            <a:r>
+              <a:rPr lang="ko-KR" altLang="en-US" sz="1400" dirty="0" smtClean="0"/>
+              <a:t>가 계속해서 입출력 상태를 검사하고 있는 것이 아니라 입출력장치가 데이터를 전송할 준비가 되면 </a:t>
+            </a:r>
+            <a:r>
+              <a:rPr lang="en-US" altLang="ko-KR" sz="1400" dirty="0" smtClean="0"/>
+              <a:t>CPU</a:t>
+            </a:r>
+            <a:r>
+              <a:rPr lang="ko-KR" altLang="en-US" sz="1400" dirty="0" smtClean="0"/>
+              <a:t>에 인터럽트를 발생</a:t>
+            </a:r>
+          </a:p>
+          <a:p>
+            <a:r>
+              <a:rPr lang="ko-KR" altLang="en-US" sz="1400" dirty="0" smtClean="0"/>
+              <a:t>    </a:t>
+            </a:r>
+            <a:r>
+              <a:rPr lang="en-US" altLang="ko-KR" sz="1400" dirty="0" smtClean="0"/>
+              <a:t>: DMA(Direct Memory Access)</a:t>
+            </a:r>
+            <a:r>
+              <a:rPr lang="ko-KR" altLang="en-US" sz="1400" dirty="0" smtClean="0"/>
+              <a:t>에 의한 입출력방식 </a:t>
+            </a:r>
+            <a:r>
+              <a:rPr lang="en-US" altLang="ko-KR" sz="1400" dirty="0" smtClean="0"/>
+              <a:t>// CPU</a:t>
+            </a:r>
+            <a:r>
+              <a:rPr lang="ko-KR" altLang="en-US" sz="1400" dirty="0" smtClean="0"/>
+              <a:t>를 거치지 않고</a:t>
+            </a:r>
+            <a:r>
+              <a:rPr lang="en-US" altLang="ko-KR" sz="1400" dirty="0" smtClean="0"/>
+              <a:t>, </a:t>
+            </a:r>
+            <a:r>
+              <a:rPr lang="ko-KR" altLang="en-US" sz="1400" dirty="0" smtClean="0"/>
+              <a:t>주변장치와 메모리 사이에 직접 데이터를 전달하도록 제어하는 인터페이스 방식으로 고속 주변장치와 컴퓨터간의 데이터 전송에 많이 사용</a:t>
+            </a:r>
+            <a:endParaRPr lang="ko-KR" altLang="en-US" sz="1400" dirty="0"/>
+          </a:p>
+        </p:txBody>
+      </p:sp>
+    </p:spTree>
+    <p:extLst>
+      <p:ext uri="{BB962C8B-B14F-4D97-AF65-F5344CB8AC3E}">
+        <p14:creationId xmlns="" xmlns:p14="http://schemas.microsoft.com/office/powerpoint/2010/main" val="4131542772"/>
+      </p:ext>
+    </p:extLst>
+  </p:cSld>
+  <p:clrMapOvr>
+    <a:masterClrMapping/>
+  </p:clrMapOvr>
+  <p:timing>
+    <p:tnLst>
+      <p:par>
+        <p:cTn id="1" dur="indefinite" restart="never" nodeType="tmRoot"/>
+      </p:par>
+    </p:tnLst>
+  </p:timing>
+</p:sld>
+</file>
+
+<file path=ppt/slides/slide11.xml><?xml version="1.0" encoding="utf-8"?>
+<p:sld xmlns:a="http://schemas.openxmlformats.org/drawingml/2006/main" xmlns:r="http://schemas.openxmlformats.org/officeDocument/2006/relationships" xmlns:p="http://schemas.openxmlformats.org/presentationml/2006/main">
+  <p:cSld>
+    <p:spTree>
+      <p:nvGrpSpPr>
+        <p:cNvPr id="1" name=""/>
+        <p:cNvGrpSpPr/>
+        <p:nvPr/>
+      </p:nvGrpSpPr>
+      <p:grpSpPr>
+        <a:xfrm>
+          <a:off x="0" y="0"/>
+          <a:ext cx="0" cy="0"/>
+          <a:chOff x="0" y="0"/>
+          <a:chExt cx="0" cy="0"/>
+        </a:xfrm>
+      </p:grpSpPr>
+      <p:sp>
+        <p:nvSpPr>
+          <p:cNvPr id="3" name="텍스트 개체 틀 2">
+            <a:extLst>
+              <a:ext uri="{FF2B5EF4-FFF2-40B4-BE49-F238E27FC236}">
+                <a16:creationId xmlns="" xmlns:a16="http://schemas.microsoft.com/office/drawing/2014/main" id="{193707F8-7D35-49D6-97F9-C7ED24B53287}"/>
+              </a:ext>
+            </a:extLst>
+          </p:cNvPr>
+          <p:cNvSpPr>
+            <a:spLocks noGrp="1"/>
+          </p:cNvSpPr>
+          <p:nvPr>
+            <p:ph type="body" sz="quarter" idx="10"/>
+          </p:nvPr>
+        </p:nvSpPr>
+        <p:spPr>
+          <a:xfrm>
+            <a:off x="488504" y="259080"/>
+            <a:ext cx="8928992" cy="394449"/>
+          </a:xfrm>
+        </p:spPr>
+        <p:txBody>
+          <a:bodyPr/>
+          <a:lstStyle/>
+          <a:p>
+            <a:r>
+              <a:rPr lang="ko-KR" altLang="en-US" dirty="0" smtClean="0"/>
+              <a:t>제어장치</a:t>
+            </a:r>
+            <a:endParaRPr lang="ko-KR" altLang="en-US" dirty="0" smtClean="0"/>
+          </a:p>
+        </p:txBody>
+      </p:sp>
+      <p:sp>
+        <p:nvSpPr>
+          <p:cNvPr id="5" name="슬라이드 번호 개체 틀 4">
+            <a:extLst>
+              <a:ext uri="{FF2B5EF4-FFF2-40B4-BE49-F238E27FC236}">
+                <a16:creationId xmlns="" xmlns:a16="http://schemas.microsoft.com/office/drawing/2014/main" id="{7B8300BC-19A2-42D0-BBC6-4599CDA8AB1E}"/>
+              </a:ext>
+            </a:extLst>
+          </p:cNvPr>
+          <p:cNvSpPr>
+            <a:spLocks noGrp="1"/>
+          </p:cNvSpPr>
+          <p:nvPr>
+            <p:ph type="sldNum" sz="quarter" idx="4"/>
+          </p:nvPr>
+        </p:nvSpPr>
+        <p:spPr>
+          <a:xfrm>
+            <a:off x="8705849" y="6457951"/>
+            <a:ext cx="671513" cy="238124"/>
+          </a:xfrm>
+        </p:spPr>
+        <p:txBody>
+          <a:bodyPr/>
+          <a:lstStyle/>
+          <a:p>
+            <a:fld id="{E6D3F70A-DAC0-4DEB-BE9D-9150D327277C}" type="slidenum">
+              <a:rPr lang="en-US" altLang="ko-KR" smtClean="0"/>
+              <a:pPr/>
+              <a:t>11</a:t>
+            </a:fld>
+            <a:endParaRPr lang="ko-KR" altLang="en-US" dirty="0"/>
+          </a:p>
+        </p:txBody>
+      </p:sp>
+      <p:sp>
+        <p:nvSpPr>
+          <p:cNvPr id="9" name="TextBox 8"/>
+          <p:cNvSpPr txBox="1"/>
+          <p:nvPr/>
+        </p:nvSpPr>
+        <p:spPr>
+          <a:xfrm>
+            <a:off x="704528" y="1052737"/>
+            <a:ext cx="8424936" cy="5047536"/>
+          </a:xfrm>
+          <a:prstGeom prst="rect">
+            <a:avLst/>
+          </a:prstGeom>
+          <a:noFill/>
+        </p:spPr>
+        <p:txBody>
+          <a:bodyPr wrap="square" numCol="2" rtlCol="0">
+            <a:spAutoFit/>
+          </a:bodyPr>
+          <a:lstStyle/>
+          <a:p>
+            <a:r>
+              <a:rPr lang="ko-KR" altLang="en-US" sz="1600" b="1" u="sng" dirty="0" smtClean="0"/>
+              <a:t> </a:t>
+            </a:r>
+            <a:r>
+              <a:rPr lang="en-US" altLang="ko-KR" sz="1600" b="1" u="sng" dirty="0" smtClean="0"/>
+              <a:t>- </a:t>
+            </a:r>
+            <a:r>
+              <a:rPr lang="ko-KR" altLang="en-US" sz="1600" b="1" u="sng" dirty="0" smtClean="0"/>
+              <a:t>제어장치의 기능</a:t>
+            </a:r>
+          </a:p>
+          <a:p>
+            <a:r>
+              <a:rPr lang="ko-KR" altLang="en-US" sz="1600" dirty="0" smtClean="0"/>
+              <a:t>    </a:t>
+            </a:r>
+            <a:r>
+              <a:rPr lang="en-US" altLang="ko-KR" sz="1600" dirty="0" smtClean="0"/>
+              <a:t>: </a:t>
+            </a:r>
+            <a:r>
+              <a:rPr lang="ko-KR" altLang="en-US" sz="1600" dirty="0" smtClean="0"/>
+              <a:t>프로세서의 조작을 지시하는 컴퓨터 중앙 처리 장치</a:t>
+            </a:r>
+            <a:r>
+              <a:rPr lang="en-US" altLang="ko-KR" sz="1600" dirty="0" smtClean="0"/>
+              <a:t>(CPU)</a:t>
+            </a:r>
+            <a:r>
+              <a:rPr lang="ko-KR" altLang="en-US" sz="1600" dirty="0" smtClean="0"/>
+              <a:t>의 한 부품</a:t>
+            </a:r>
+          </a:p>
+          <a:p>
+            <a:r>
+              <a:rPr lang="ko-KR" altLang="en-US" sz="1600" dirty="0" smtClean="0"/>
+              <a:t>    </a:t>
+            </a:r>
+            <a:r>
+              <a:rPr lang="en-US" altLang="ko-KR" sz="1600" dirty="0" smtClean="0"/>
+              <a:t>: </a:t>
+            </a:r>
+            <a:r>
+              <a:rPr lang="ko-KR" altLang="en-US" sz="1600" dirty="0" smtClean="0"/>
+              <a:t>입출력 장치 간 통신 및 조율을 제어</a:t>
+            </a:r>
+          </a:p>
+          <a:p>
+            <a:r>
+              <a:rPr lang="ko-KR" altLang="en-US" sz="1600" dirty="0" smtClean="0"/>
+              <a:t>    </a:t>
+            </a:r>
+            <a:r>
+              <a:rPr lang="en-US" altLang="ko-KR" sz="1600" dirty="0" smtClean="0"/>
+              <a:t>: </a:t>
+            </a:r>
+            <a:r>
+              <a:rPr lang="ko-KR" altLang="en-US" sz="1600" dirty="0" smtClean="0"/>
+              <a:t>명령어들을 읽고 해석하며 데이터 처리를 위한 시퀀스를 결정</a:t>
+            </a:r>
+          </a:p>
+          <a:p>
+            <a:r>
+              <a:rPr lang="ko-KR" altLang="en-US" sz="1600" dirty="0" smtClean="0"/>
+              <a:t/>
+            </a:r>
+            <a:br>
+              <a:rPr lang="ko-KR" altLang="en-US" sz="1600" dirty="0" smtClean="0"/>
+            </a:br>
+            <a:r>
+              <a:rPr lang="ko-KR" altLang="en-US" sz="1600" dirty="0" smtClean="0"/>
+              <a:t> </a:t>
+            </a:r>
+            <a:r>
+              <a:rPr lang="en-US" altLang="ko-KR" sz="1600" b="1" u="sng" dirty="0" smtClean="0"/>
+              <a:t>- </a:t>
+            </a:r>
+            <a:r>
+              <a:rPr lang="ko-KR" altLang="en-US" sz="1600" b="1" u="sng" dirty="0" smtClean="0"/>
+              <a:t>제어장치의 구조</a:t>
+            </a:r>
+          </a:p>
+          <a:p>
+            <a:r>
+              <a:rPr lang="ko-KR" altLang="en-US" sz="1600" dirty="0" smtClean="0"/>
+              <a:t>    </a:t>
+            </a:r>
+            <a:r>
+              <a:rPr lang="en-US" altLang="ko-KR" sz="1600" dirty="0" smtClean="0"/>
+              <a:t>: </a:t>
+            </a:r>
+            <a:r>
+              <a:rPr lang="ko-KR" altLang="en-US" sz="1600" dirty="0" smtClean="0"/>
+              <a:t>명령어 레지스터</a:t>
+            </a:r>
+            <a:r>
+              <a:rPr lang="en-US" altLang="ko-KR" sz="1600" dirty="0" smtClean="0"/>
+              <a:t>, </a:t>
+            </a:r>
+            <a:r>
+              <a:rPr lang="ko-KR" altLang="en-US" sz="1600" dirty="0" smtClean="0"/>
+              <a:t>명령어 해독기</a:t>
+            </a:r>
+            <a:r>
+              <a:rPr lang="en-US" altLang="ko-KR" sz="1600" dirty="0" smtClean="0"/>
+              <a:t>, </a:t>
+            </a:r>
+            <a:r>
+              <a:rPr lang="ko-KR" altLang="en-US" sz="1600" dirty="0" smtClean="0"/>
+              <a:t>주소 처리기</a:t>
+            </a:r>
+            <a:r>
+              <a:rPr lang="en-US" altLang="ko-KR" sz="1600" dirty="0" smtClean="0"/>
+              <a:t>, </a:t>
+            </a:r>
+            <a:r>
+              <a:rPr lang="ko-KR" altLang="en-US" sz="1600" dirty="0" smtClean="0"/>
+              <a:t>순서 제어기로 구성</a:t>
+            </a:r>
+          </a:p>
+          <a:p>
+            <a:r>
+              <a:rPr lang="ko-KR" altLang="en-US" sz="1600" dirty="0" smtClean="0"/>
+              <a:t>    </a:t>
+            </a:r>
+            <a:r>
+              <a:rPr lang="en-US" altLang="ko-KR" sz="1600" dirty="0" smtClean="0"/>
+              <a:t>: </a:t>
+            </a:r>
+            <a:r>
+              <a:rPr lang="ko-KR" altLang="en-US" sz="1600" dirty="0" smtClean="0"/>
+              <a:t>제어장치의 구성요소 </a:t>
+            </a:r>
+            <a:r>
+              <a:rPr lang="en-US" altLang="ko-KR" sz="1600" dirty="0" smtClean="0"/>
+              <a:t>== </a:t>
+            </a:r>
+            <a:r>
+              <a:rPr lang="ko-KR" altLang="en-US" sz="1600" dirty="0" smtClean="0"/>
+              <a:t>제어기억장치</a:t>
+            </a:r>
+            <a:r>
+              <a:rPr lang="en-US" altLang="ko-KR" sz="1600" dirty="0" smtClean="0"/>
+              <a:t>(ROM), </a:t>
+            </a:r>
+            <a:r>
+              <a:rPr lang="ko-KR" altLang="en-US" sz="1600" dirty="0" smtClean="0"/>
+              <a:t>제어주소레지스터</a:t>
+            </a:r>
+            <a:r>
+              <a:rPr lang="en-US" altLang="ko-KR" sz="1600" dirty="0" smtClean="0"/>
+              <a:t>(CAR), </a:t>
+            </a:r>
+            <a:r>
+              <a:rPr lang="ko-KR" altLang="en-US" sz="1600" dirty="0" smtClean="0"/>
+              <a:t>제어데이터레지스터</a:t>
+            </a:r>
+            <a:r>
+              <a:rPr lang="en-US" altLang="ko-KR" sz="1600" dirty="0" smtClean="0"/>
+              <a:t>(CDR), </a:t>
+            </a:r>
+            <a:r>
+              <a:rPr lang="ko-KR" altLang="en-US" sz="1600" dirty="0" smtClean="0"/>
+              <a:t>다음주소생성기</a:t>
+            </a:r>
+          </a:p>
+          <a:p>
+            <a:r>
+              <a:rPr lang="ko-KR" altLang="en-US" sz="1600" dirty="0" smtClean="0"/>
+              <a:t>    </a:t>
+            </a:r>
+          </a:p>
+          <a:p>
+            <a:r>
+              <a:rPr lang="ko-KR" altLang="en-US" sz="1600" dirty="0" smtClean="0"/>
+              <a:t> </a:t>
+            </a:r>
+            <a:r>
+              <a:rPr lang="en-US" altLang="ko-KR" sz="1600" b="1" u="sng" dirty="0" smtClean="0"/>
+              <a:t>- </a:t>
+            </a:r>
+            <a:r>
+              <a:rPr lang="ko-KR" altLang="en-US" sz="1600" b="1" u="sng" dirty="0" smtClean="0"/>
+              <a:t>마이크로 명령어</a:t>
+            </a:r>
+          </a:p>
+          <a:p>
+            <a:r>
+              <a:rPr lang="ko-KR" altLang="en-US" sz="1600" dirty="0" smtClean="0"/>
+              <a:t>    </a:t>
+            </a:r>
+            <a:r>
+              <a:rPr lang="en-US" altLang="ko-KR" sz="1600" dirty="0" smtClean="0"/>
+              <a:t>: </a:t>
+            </a:r>
+            <a:r>
+              <a:rPr lang="ko-KR" altLang="en-US" sz="1600" dirty="0" smtClean="0"/>
+              <a:t>하드웨어와 컴퓨터의 아키텍처 사이에서 통역사의 역할을 하는 것으로</a:t>
+            </a:r>
+            <a:r>
+              <a:rPr lang="en-US" altLang="ko-KR" sz="1600" dirty="0" smtClean="0"/>
+              <a:t>, </a:t>
+            </a:r>
+            <a:r>
+              <a:rPr lang="ko-KR" altLang="en-US" sz="1600" dirty="0" smtClean="0"/>
+              <a:t>컴퓨터에 특수한 연산을 실행하도록 명령하는 코드들의 집합</a:t>
+            </a:r>
+          </a:p>
+          <a:p>
+            <a:r>
+              <a:rPr lang="ko-KR" altLang="en-US" sz="1600" dirty="0" smtClean="0"/>
+              <a:t>    </a:t>
+            </a:r>
+            <a:r>
+              <a:rPr lang="en-US" altLang="ko-KR" sz="1600" dirty="0" smtClean="0"/>
+              <a:t>: </a:t>
+            </a:r>
+            <a:r>
+              <a:rPr lang="ko-KR" altLang="en-US" sz="1600" dirty="0" smtClean="0"/>
+              <a:t>중앙 처리 장치뿐만 아니라</a:t>
+            </a:r>
+            <a:r>
+              <a:rPr lang="en-US" altLang="ko-KR" sz="1600" dirty="0" smtClean="0"/>
+              <a:t>, </a:t>
+            </a:r>
+            <a:r>
+              <a:rPr lang="ko-KR" altLang="en-US" sz="1600" dirty="0" smtClean="0"/>
+              <a:t>마이크로 컨트롤러</a:t>
+            </a:r>
+            <a:r>
+              <a:rPr lang="en-US" altLang="ko-KR" sz="1600" dirty="0" smtClean="0"/>
+              <a:t>, </a:t>
+            </a:r>
+            <a:r>
+              <a:rPr lang="ko-KR" altLang="en-US" sz="1600" dirty="0" smtClean="0"/>
+              <a:t>디지털 신호 프로세스</a:t>
+            </a:r>
+            <a:r>
+              <a:rPr lang="en-US" altLang="ko-KR" sz="1600" dirty="0" smtClean="0"/>
+              <a:t>, </a:t>
+            </a:r>
+            <a:r>
+              <a:rPr lang="ko-KR" altLang="en-US" sz="1600" dirty="0" smtClean="0"/>
+              <a:t>채널 컨트롤러</a:t>
+            </a:r>
+            <a:r>
+              <a:rPr lang="en-US" altLang="ko-KR" sz="1600" dirty="0" smtClean="0"/>
+              <a:t>, </a:t>
+            </a:r>
+            <a:r>
+              <a:rPr lang="ko-KR" altLang="en-US" sz="1600" dirty="0" smtClean="0"/>
+              <a:t>디스크 컨트롤러</a:t>
+            </a:r>
+            <a:r>
+              <a:rPr lang="en-US" altLang="ko-KR" sz="1600" dirty="0" smtClean="0"/>
+              <a:t>, </a:t>
+            </a:r>
+            <a:r>
+              <a:rPr lang="ko-KR" altLang="en-US" sz="1600" dirty="0" smtClean="0"/>
+              <a:t>네트워크 인터페이스 컨트롤러</a:t>
+            </a:r>
+            <a:r>
+              <a:rPr lang="en-US" altLang="ko-KR" sz="1600" dirty="0" smtClean="0"/>
+              <a:t>, </a:t>
+            </a:r>
+            <a:r>
+              <a:rPr lang="ko-KR" altLang="en-US" sz="1600" dirty="0" smtClean="0"/>
+              <a:t>네트워크 프로세서</a:t>
+            </a:r>
+            <a:r>
+              <a:rPr lang="en-US" altLang="ko-KR" sz="1600" dirty="0" smtClean="0"/>
+              <a:t>, </a:t>
+            </a:r>
+            <a:r>
+              <a:rPr lang="ko-KR" altLang="en-US" sz="1600" dirty="0" smtClean="0"/>
+              <a:t>그래픽 처리 장치와 같은 특수화된 프로세서에서도 사용</a:t>
+            </a:r>
+            <a:endParaRPr lang="ko-KR" altLang="en-US" sz="1600" dirty="0"/>
+          </a:p>
+        </p:txBody>
+      </p:sp>
+      <p:pic>
+        <p:nvPicPr>
+          <p:cNvPr id="20482" name="Picture 2" descr="https://postfiles.pstatic.net/20160707_46/ysw0732s_1467817787023dpcCQ_JPEG/1.JPG?type=w1"/>
+          <p:cNvPicPr>
+            <a:picLocks noChangeAspect="1" noChangeArrowheads="1"/>
+          </p:cNvPicPr>
+          <p:nvPr/>
+        </p:nvPicPr>
+        <p:blipFill>
+          <a:blip r:embed="rId2" cstate="print"/>
+          <a:srcRect/>
+          <a:stretch>
+            <a:fillRect/>
+          </a:stretch>
+        </p:blipFill>
+        <p:spPr bwMode="auto">
+          <a:xfrm>
+            <a:off x="4953000" y="2492896"/>
+            <a:ext cx="4392488" cy="3672408"/>
+          </a:xfrm>
+          <a:prstGeom prst="rect">
+            <a:avLst/>
+          </a:prstGeom>
+          <a:noFill/>
+        </p:spPr>
+      </p:pic>
+    </p:spTree>
+    <p:extLst>
+      <p:ext uri="{BB962C8B-B14F-4D97-AF65-F5344CB8AC3E}">
+        <p14:creationId xmlns="" xmlns:p14="http://schemas.microsoft.com/office/powerpoint/2010/main" val="4131542772"/>
+      </p:ext>
+    </p:extLst>
+  </p:cSld>
+  <p:clrMapOvr>
+    <a:masterClrMapping/>
+  </p:clrMapOvr>
+  <p:timing>
+    <p:tnLst>
+      <p:par>
+        <p:cTn id="1" dur="indefinite" restart="never" nodeType="tmRoot"/>
+      </p:par>
+    </p:tnLst>
+  </p:timing>
+</p:sld>
+</file>
+
+<file path=ppt/slides/slide12.xml><?xml version="1.0" encoding="utf-8"?>
+<p:sld xmlns:a="http://schemas.openxmlformats.org/drawingml/2006/main" xmlns:r="http://schemas.openxmlformats.org/officeDocument/2006/relationships" xmlns:p="http://schemas.openxmlformats.org/presentationml/2006/main">
+  <p:cSld>
+    <p:spTree>
+      <p:nvGrpSpPr>
+        <p:cNvPr id="1" name="Shape 42"/>
+        <p:cNvGrpSpPr/>
+        <p:nvPr/>
+      </p:nvGrpSpPr>
+      <p:grpSpPr>
+        <a:xfrm>
+          <a:off x="0" y="0"/>
+          <a:ext cx="0" cy="0"/>
+          <a:chOff x="0" y="0"/>
+          <a:chExt cx="0" cy="0"/>
+        </a:xfrm>
+      </p:grpSpPr>
+      <p:pic>
+        <p:nvPicPr>
+          <p:cNvPr id="8" name="Google Shape;256;p30" descr="3577377975_97c3a4934b_b.jpg">
+            <a:extLst>
+              <a:ext uri="{FF2B5EF4-FFF2-40B4-BE49-F238E27FC236}">
+                <a16:creationId xmlns="" xmlns:a16="http://schemas.microsoft.com/office/drawing/2014/main" id="{D85A8641-E761-4D3F-878D-CF8DB428506A}"/>
+              </a:ext>
+            </a:extLst>
+          </p:cNvPr>
+          <p:cNvPicPr preferRelativeResize="0"/>
+          <p:nvPr/>
+        </p:nvPicPr>
+        <p:blipFill rotWithShape="1">
+          <a:blip r:embed="rId3" cstate="print">
+            <a:alphaModFix/>
+          </a:blip>
+          <a:srcRect/>
+          <a:stretch/>
+        </p:blipFill>
+        <p:spPr>
+          <a:xfrm>
+            <a:off x="3445540" y="3152560"/>
+            <a:ext cx="4257676" cy="2299188"/>
+          </a:xfrm>
+          <a:prstGeom prst="rect">
+            <a:avLst/>
+          </a:prstGeom>
+          <a:noFill/>
+          <a:ln>
+            <a:noFill/>
+          </a:ln>
+        </p:spPr>
+      </p:pic>
+      <p:sp>
+        <p:nvSpPr>
+          <p:cNvPr id="9" name="Google Shape;257;p30">
+            <a:extLst>
+              <a:ext uri="{FF2B5EF4-FFF2-40B4-BE49-F238E27FC236}">
+                <a16:creationId xmlns="" xmlns:a16="http://schemas.microsoft.com/office/drawing/2014/main" id="{6529DBB0-C8B5-46AE-97E7-F927E787FD56}"/>
+              </a:ext>
+            </a:extLst>
+          </p:cNvPr>
+          <p:cNvSpPr/>
+          <p:nvPr/>
+        </p:nvSpPr>
+        <p:spPr>
+          <a:xfrm>
+            <a:off x="1712" y="0"/>
+            <a:ext cx="9904288" cy="6858000"/>
+          </a:xfrm>
+          <a:prstGeom prst="rect">
+            <a:avLst/>
+          </a:prstGeom>
+          <a:gradFill>
+            <a:gsLst>
+              <a:gs pos="0">
+                <a:srgbClr val="FFFFFF"/>
+              </a:gs>
+              <a:gs pos="100000">
+                <a:srgbClr val="93AFC1">
+                  <a:alpha val="69803"/>
+                </a:srgbClr>
+              </a:gs>
+            </a:gsLst>
+            <a:lin ang="18900000" scaled="0"/>
+          </a:gradFill>
+          <a:ln>
+            <a:noFill/>
+          </a:ln>
+        </p:spPr>
+        <p:txBody>
+          <a:bodyPr spcFirstLastPara="1" wrap="square" lIns="91425" tIns="45700" rIns="91425" bIns="45700" anchor="ctr" anchorCtr="1">
+            <a:noAutofit/>
+          </a:bodyPr>
+          <a:lstStyle/>
+          <a:p>
+            <a:pPr marL="0" marR="0" lvl="0" indent="0" algn="l" rtl="0">
+              <a:lnSpc>
+                <a:spcPct val="100000"/>
+              </a:lnSpc>
+              <a:spcBef>
+                <a:spcPts val="0"/>
+              </a:spcBef>
+              <a:spcAft>
+                <a:spcPts val="0"/>
+              </a:spcAft>
+              <a:buClr>
+                <a:schemeClr val="dk1"/>
+              </a:buClr>
+              <a:buSzPts val="1400"/>
+              <a:buFont typeface="Calibri"/>
+              <a:buNone/>
+            </a:pPr>
+            <a:endParaRPr sz="1400" b="1" i="0" u="none" strike="noStrike" cap="none">
+              <a:solidFill>
+                <a:srgbClr val="000000"/>
+              </a:solidFill>
+              <a:latin typeface="Arial"/>
+              <a:ea typeface="Arial"/>
+              <a:cs typeface="Arial"/>
+              <a:sym typeface="Arial"/>
+            </a:endParaRPr>
+          </a:p>
+        </p:txBody>
+      </p:sp>
+      <p:cxnSp>
+        <p:nvCxnSpPr>
+          <p:cNvPr id="10" name="Google Shape;258;p30">
+            <a:extLst>
+              <a:ext uri="{FF2B5EF4-FFF2-40B4-BE49-F238E27FC236}">
+                <a16:creationId xmlns="" xmlns:a16="http://schemas.microsoft.com/office/drawing/2014/main" id="{166046AC-4D9E-4CD3-AEF1-5AE695845694}"/>
+              </a:ext>
+            </a:extLst>
+          </p:cNvPr>
+          <p:cNvCxnSpPr/>
+          <p:nvPr/>
+        </p:nvCxnSpPr>
+        <p:spPr>
+          <a:xfrm>
+            <a:off x="4132632" y="3393831"/>
+            <a:ext cx="836700" cy="0"/>
+          </a:xfrm>
+          <a:prstGeom prst="straightConnector1">
+            <a:avLst/>
+          </a:prstGeom>
+          <a:noFill/>
+          <a:ln>
+            <a:noFill/>
+          </a:ln>
+        </p:spPr>
+      </p:cxnSp>
+      <p:cxnSp>
+        <p:nvCxnSpPr>
+          <p:cNvPr id="11" name="Google Shape;259;p30">
+            <a:extLst>
+              <a:ext uri="{FF2B5EF4-FFF2-40B4-BE49-F238E27FC236}">
+                <a16:creationId xmlns="" xmlns:a16="http://schemas.microsoft.com/office/drawing/2014/main" id="{89487DF4-B578-4CB3-9747-A82E4C67C8E1}"/>
+              </a:ext>
+            </a:extLst>
+          </p:cNvPr>
+          <p:cNvCxnSpPr/>
+          <p:nvPr/>
+        </p:nvCxnSpPr>
+        <p:spPr>
+          <a:xfrm>
+            <a:off x="4132632" y="5542085"/>
+            <a:ext cx="836700" cy="0"/>
+          </a:xfrm>
+          <a:prstGeom prst="straightConnector1">
+            <a:avLst/>
+          </a:prstGeom>
+          <a:noFill/>
+          <a:ln>
+            <a:noFill/>
+          </a:ln>
+        </p:spPr>
+      </p:cxnSp>
+      <p:cxnSp>
+        <p:nvCxnSpPr>
+          <p:cNvPr id="12" name="Google Shape;260;p30">
+            <a:extLst>
+              <a:ext uri="{FF2B5EF4-FFF2-40B4-BE49-F238E27FC236}">
+                <a16:creationId xmlns="" xmlns:a16="http://schemas.microsoft.com/office/drawing/2014/main" id="{D3FE6C58-FA59-4F8E-B3BB-6F84950C9B15}"/>
+              </a:ext>
+            </a:extLst>
+          </p:cNvPr>
+          <p:cNvCxnSpPr/>
+          <p:nvPr/>
+        </p:nvCxnSpPr>
+        <p:spPr>
+          <a:xfrm>
+            <a:off x="4132632" y="3393831"/>
+            <a:ext cx="0" cy="508500"/>
+          </a:xfrm>
+          <a:prstGeom prst="straightConnector1">
+            <a:avLst/>
+          </a:prstGeom>
+          <a:noFill/>
+          <a:ln>
+            <a:noFill/>
+          </a:ln>
+        </p:spPr>
+      </p:cxnSp>
+      <p:cxnSp>
+        <p:nvCxnSpPr>
+          <p:cNvPr id="13" name="Google Shape;261;p30">
+            <a:extLst>
+              <a:ext uri="{FF2B5EF4-FFF2-40B4-BE49-F238E27FC236}">
+                <a16:creationId xmlns="" xmlns:a16="http://schemas.microsoft.com/office/drawing/2014/main" id="{5FF768E6-A978-43D9-BD08-255ED0EB3097}"/>
+              </a:ext>
+            </a:extLst>
+          </p:cNvPr>
+          <p:cNvCxnSpPr/>
+          <p:nvPr/>
+        </p:nvCxnSpPr>
+        <p:spPr>
+          <a:xfrm>
+            <a:off x="9027016" y="3393831"/>
+            <a:ext cx="0" cy="508500"/>
+          </a:xfrm>
+          <a:prstGeom prst="straightConnector1">
+            <a:avLst/>
+          </a:prstGeom>
+          <a:noFill/>
+          <a:ln>
+            <a:noFill/>
+          </a:ln>
+        </p:spPr>
+      </p:cxnSp>
+      <p:cxnSp>
+        <p:nvCxnSpPr>
+          <p:cNvPr id="14" name="Google Shape;262;p30">
+            <a:extLst>
+              <a:ext uri="{FF2B5EF4-FFF2-40B4-BE49-F238E27FC236}">
+                <a16:creationId xmlns="" xmlns:a16="http://schemas.microsoft.com/office/drawing/2014/main" id="{298E7B74-B7D4-497C-AF8B-08273C3AE196}"/>
+              </a:ext>
+            </a:extLst>
+          </p:cNvPr>
+          <p:cNvCxnSpPr/>
+          <p:nvPr/>
+        </p:nvCxnSpPr>
+        <p:spPr>
+          <a:xfrm>
+            <a:off x="4969366" y="3393831"/>
+            <a:ext cx="4057800" cy="0"/>
+          </a:xfrm>
+          <a:prstGeom prst="straightConnector1">
+            <a:avLst/>
+          </a:prstGeom>
+          <a:noFill/>
+          <a:ln>
+            <a:noFill/>
+          </a:ln>
+        </p:spPr>
+      </p:cxnSp>
+      <p:cxnSp>
+        <p:nvCxnSpPr>
+          <p:cNvPr id="15" name="Google Shape;263;p30">
+            <a:extLst>
+              <a:ext uri="{FF2B5EF4-FFF2-40B4-BE49-F238E27FC236}">
+                <a16:creationId xmlns="" xmlns:a16="http://schemas.microsoft.com/office/drawing/2014/main" id="{ACDDA6D9-BF8B-4F97-9F94-D8C2EF0FC340}"/>
+              </a:ext>
+            </a:extLst>
+          </p:cNvPr>
+          <p:cNvCxnSpPr/>
+          <p:nvPr/>
+        </p:nvCxnSpPr>
+        <p:spPr>
+          <a:xfrm>
+            <a:off x="4132632" y="3902320"/>
+            <a:ext cx="0" cy="1011000"/>
+          </a:xfrm>
+          <a:prstGeom prst="straightConnector1">
+            <a:avLst/>
+          </a:prstGeom>
+          <a:noFill/>
+          <a:ln>
+            <a:noFill/>
+          </a:ln>
+        </p:spPr>
+      </p:cxnSp>
+      <p:cxnSp>
+        <p:nvCxnSpPr>
+          <p:cNvPr id="16" name="Google Shape;264;p30">
+            <a:extLst>
+              <a:ext uri="{FF2B5EF4-FFF2-40B4-BE49-F238E27FC236}">
+                <a16:creationId xmlns="" xmlns:a16="http://schemas.microsoft.com/office/drawing/2014/main" id="{0A17A86B-976E-4AD6-B982-D328BB42988C}"/>
+              </a:ext>
+            </a:extLst>
+          </p:cNvPr>
+          <p:cNvCxnSpPr/>
+          <p:nvPr/>
+        </p:nvCxnSpPr>
+        <p:spPr>
+          <a:xfrm>
+            <a:off x="9027016" y="3902320"/>
+            <a:ext cx="0" cy="1011000"/>
+          </a:xfrm>
+          <a:prstGeom prst="straightConnector1">
+            <a:avLst/>
+          </a:prstGeom>
+          <a:noFill/>
+          <a:ln>
+            <a:noFill/>
+          </a:ln>
+        </p:spPr>
+      </p:cxnSp>
+      <p:cxnSp>
+        <p:nvCxnSpPr>
+          <p:cNvPr id="17" name="Google Shape;265;p30">
+            <a:extLst>
+              <a:ext uri="{FF2B5EF4-FFF2-40B4-BE49-F238E27FC236}">
+                <a16:creationId xmlns="" xmlns:a16="http://schemas.microsoft.com/office/drawing/2014/main" id="{A896A65B-E33A-402A-9059-F33DCA649B82}"/>
+              </a:ext>
+            </a:extLst>
+          </p:cNvPr>
+          <p:cNvCxnSpPr/>
+          <p:nvPr/>
+        </p:nvCxnSpPr>
+        <p:spPr>
+          <a:xfrm>
+            <a:off x="4132632" y="4913435"/>
+            <a:ext cx="0" cy="628500"/>
+          </a:xfrm>
+          <a:prstGeom prst="straightConnector1">
+            <a:avLst/>
+          </a:prstGeom>
+          <a:noFill/>
+          <a:ln>
+            <a:noFill/>
+          </a:ln>
+        </p:spPr>
+      </p:cxnSp>
+      <p:cxnSp>
+        <p:nvCxnSpPr>
+          <p:cNvPr id="18" name="Google Shape;266;p30">
+            <a:extLst>
+              <a:ext uri="{FF2B5EF4-FFF2-40B4-BE49-F238E27FC236}">
+                <a16:creationId xmlns="" xmlns:a16="http://schemas.microsoft.com/office/drawing/2014/main" id="{67009E4C-36CB-4196-9E75-FF5832F505FE}"/>
+              </a:ext>
+            </a:extLst>
+          </p:cNvPr>
+          <p:cNvCxnSpPr/>
+          <p:nvPr/>
+        </p:nvCxnSpPr>
+        <p:spPr>
+          <a:xfrm>
+            <a:off x="9027016" y="4913435"/>
+            <a:ext cx="0" cy="628500"/>
+          </a:xfrm>
+          <a:prstGeom prst="straightConnector1">
+            <a:avLst/>
+          </a:prstGeom>
+          <a:noFill/>
+          <a:ln>
+            <a:noFill/>
+          </a:ln>
+        </p:spPr>
+      </p:cxnSp>
+      <p:cxnSp>
+        <p:nvCxnSpPr>
+          <p:cNvPr id="19" name="Google Shape;267;p30">
+            <a:extLst>
+              <a:ext uri="{FF2B5EF4-FFF2-40B4-BE49-F238E27FC236}">
+                <a16:creationId xmlns="" xmlns:a16="http://schemas.microsoft.com/office/drawing/2014/main" id="{8D4C6A71-657E-4934-B9B3-07C144AD42A9}"/>
+              </a:ext>
+            </a:extLst>
+          </p:cNvPr>
+          <p:cNvCxnSpPr/>
+          <p:nvPr/>
+        </p:nvCxnSpPr>
+        <p:spPr>
+          <a:xfrm>
+            <a:off x="4969366" y="5542085"/>
+            <a:ext cx="4057800" cy="0"/>
+          </a:xfrm>
+          <a:prstGeom prst="straightConnector1">
+            <a:avLst/>
+          </a:prstGeom>
+          <a:noFill/>
+          <a:ln>
+            <a:noFill/>
+          </a:ln>
+        </p:spPr>
+      </p:cxnSp>
+      <p:cxnSp>
+        <p:nvCxnSpPr>
+          <p:cNvPr id="20" name="Google Shape;268;p30">
+            <a:extLst>
+              <a:ext uri="{FF2B5EF4-FFF2-40B4-BE49-F238E27FC236}">
+                <a16:creationId xmlns="" xmlns:a16="http://schemas.microsoft.com/office/drawing/2014/main" id="{BFDA0DAC-899F-47E4-BA91-6FC537B195F4}"/>
+              </a:ext>
+            </a:extLst>
+          </p:cNvPr>
+          <p:cNvCxnSpPr/>
+          <p:nvPr/>
+        </p:nvCxnSpPr>
+        <p:spPr>
+          <a:xfrm>
+            <a:off x="1712" y="3048000"/>
+            <a:ext cx="9144000" cy="0"/>
+          </a:xfrm>
+          <a:prstGeom prst="straightConnector1">
+            <a:avLst/>
+          </a:prstGeom>
+          <a:noFill/>
+          <a:ln w="28575" cap="flat" cmpd="sng">
+            <a:solidFill>
+              <a:srgbClr val="808080"/>
+            </a:solidFill>
+            <a:prstDash val="solid"/>
+            <a:round/>
+            <a:headEnd type="none" w="sm" len="sm"/>
+            <a:tailEnd type="none" w="sm" len="sm"/>
+          </a:ln>
+        </p:spPr>
+      </p:cxnSp>
+      <p:sp>
+        <p:nvSpPr>
+          <p:cNvPr id="21" name="Google Shape;269;p30">
+            <a:extLst>
+              <a:ext uri="{FF2B5EF4-FFF2-40B4-BE49-F238E27FC236}">
+                <a16:creationId xmlns="" xmlns:a16="http://schemas.microsoft.com/office/drawing/2014/main" id="{BB920256-744A-4E5D-B349-AC265C212870}"/>
+              </a:ext>
+            </a:extLst>
+          </p:cNvPr>
+          <p:cNvSpPr txBox="1"/>
+          <p:nvPr/>
+        </p:nvSpPr>
+        <p:spPr>
+          <a:xfrm>
+            <a:off x="186351" y="5945066"/>
+            <a:ext cx="8707200" cy="597600"/>
+          </a:xfrm>
+          <a:prstGeom prst="rect">
+            <a:avLst/>
+          </a:prstGeom>
+          <a:noFill/>
+          <a:ln>
+            <a:noFill/>
+          </a:ln>
+        </p:spPr>
+        <p:txBody>
+          <a:bodyPr spcFirstLastPara="1" wrap="square" lIns="70875" tIns="70875" rIns="70875" bIns="70875" anchor="t" anchorCtr="0">
+            <a:noAutofit/>
+          </a:bodyPr>
+          <a:lstStyle/>
+          <a:p>
+            <a:pPr marL="0" marR="0" lvl="0" indent="0" algn="l" rtl="0">
+              <a:spcBef>
+                <a:spcPts val="0"/>
+              </a:spcBef>
+              <a:spcAft>
+                <a:spcPts val="0"/>
+              </a:spcAft>
+              <a:buNone/>
+            </a:pPr>
+            <a:r>
+              <a:rPr lang="en" sz="1108" b="1" i="0" u="none" strike="noStrike" cap="none" dirty="0">
+                <a:ln>
+                  <a:solidFill>
+                    <a:schemeClr val="accent1">
+                      <a:shade val="50000"/>
+                      <a:alpha val="0"/>
+                    </a:schemeClr>
+                  </a:solidFill>
+                </a:ln>
+                <a:solidFill>
+                  <a:srgbClr val="000000"/>
+                </a:solidFill>
+                <a:latin typeface="+mn-ea"/>
+                <a:ea typeface="+mn-ea"/>
+                <a:cs typeface="Arial"/>
+                <a:sym typeface="Arial"/>
+              </a:rPr>
+              <a:t>Copyright ⓒ 2021 by </a:t>
+            </a:r>
+            <a:r>
+              <a:rPr lang="en" sz="1108" b="1" dirty="0">
+                <a:ln>
+                  <a:solidFill>
+                    <a:schemeClr val="accent1">
+                      <a:shade val="50000"/>
+                      <a:alpha val="0"/>
+                    </a:schemeClr>
+                  </a:solidFill>
+                </a:ln>
+                <a:latin typeface="+mn-ea"/>
+                <a:ea typeface="+mn-ea"/>
+              </a:rPr>
+              <a:t>SWM</a:t>
+            </a:r>
+            <a:endParaRPr dirty="0">
+              <a:ln>
+                <a:solidFill>
+                  <a:schemeClr val="accent1">
+                    <a:shade val="50000"/>
+                    <a:alpha val="0"/>
+                  </a:schemeClr>
+                </a:solidFill>
+              </a:ln>
+              <a:latin typeface="+mn-ea"/>
+              <a:ea typeface="+mn-ea"/>
+            </a:endParaRPr>
+          </a:p>
+          <a:p>
+            <a:pPr marL="0" marR="0" lvl="0" indent="0" algn="l" rtl="0">
+              <a:spcBef>
+                <a:spcPts val="369"/>
+              </a:spcBef>
+              <a:spcAft>
+                <a:spcPts val="0"/>
+              </a:spcAft>
+              <a:buNone/>
+            </a:pPr>
+            <a:r>
+              <a:rPr lang="en" sz="738" i="1" dirty="0">
+                <a:ln>
+                  <a:solidFill>
+                    <a:schemeClr val="accent1">
+                      <a:shade val="50000"/>
+                      <a:alpha val="0"/>
+                    </a:schemeClr>
+                  </a:solidFill>
+                </a:ln>
+                <a:latin typeface="+mn-ea"/>
+                <a:ea typeface="+mn-ea"/>
+              </a:rPr>
+              <a:t>SWM</a:t>
+            </a:r>
+            <a:r>
+              <a:rPr lang="en" sz="738" b="0" i="1" u="none" strike="noStrike" cap="none" dirty="0">
+                <a:ln>
+                  <a:solidFill>
+                    <a:schemeClr val="accent1">
+                      <a:shade val="50000"/>
+                      <a:alpha val="0"/>
+                    </a:schemeClr>
+                  </a:solidFill>
+                </a:ln>
+                <a:solidFill>
+                  <a:srgbClr val="000000"/>
+                </a:solidFill>
+                <a:latin typeface="+mn-ea"/>
+                <a:ea typeface="+mn-ea"/>
+                <a:cs typeface="Arial"/>
+                <a:sym typeface="Arial"/>
+              </a:rPr>
+              <a:t> reserves all right of this document.  No part of this document may be produced, stored in a retrieval system, or transmitted, in any form or by any means, electronic, mechanical, photocopying,  recording or otherwise, without the prior written permission of </a:t>
+            </a:r>
+            <a:r>
+              <a:rPr lang="en" sz="738" i="1" dirty="0">
+                <a:ln>
+                  <a:solidFill>
+                    <a:schemeClr val="accent1">
+                      <a:shade val="50000"/>
+                      <a:alpha val="0"/>
+                    </a:schemeClr>
+                  </a:solidFill>
+                </a:ln>
+                <a:latin typeface="+mn-ea"/>
+                <a:ea typeface="+mn-ea"/>
+              </a:rPr>
+              <a:t>SWM</a:t>
+            </a:r>
+            <a:endParaRPr sz="1108" b="1" i="0" u="none" strike="noStrike" cap="none" dirty="0">
+              <a:ln>
+                <a:solidFill>
+                  <a:schemeClr val="accent1">
+                    <a:shade val="50000"/>
+                    <a:alpha val="0"/>
+                  </a:schemeClr>
+                </a:solidFill>
+              </a:ln>
+              <a:solidFill>
+                <a:srgbClr val="000000"/>
+              </a:solidFill>
+              <a:latin typeface="+mn-ea"/>
+              <a:ea typeface="+mn-ea"/>
+              <a:cs typeface="Arial"/>
+              <a:sym typeface="Arial"/>
+            </a:endParaRPr>
+          </a:p>
+        </p:txBody>
+      </p:sp>
+      <p:sp>
+        <p:nvSpPr>
+          <p:cNvPr id="22" name="Google Shape;270;p30">
+            <a:extLst>
+              <a:ext uri="{FF2B5EF4-FFF2-40B4-BE49-F238E27FC236}">
+                <a16:creationId xmlns="" xmlns:a16="http://schemas.microsoft.com/office/drawing/2014/main" id="{637C7584-6185-489D-806D-D36C79F20292}"/>
+              </a:ext>
+            </a:extLst>
+          </p:cNvPr>
+          <p:cNvSpPr/>
+          <p:nvPr/>
+        </p:nvSpPr>
+        <p:spPr>
+          <a:xfrm>
+            <a:off x="304314" y="3225145"/>
+            <a:ext cx="5872815" cy="1627800"/>
+          </a:xfrm>
+          <a:prstGeom prst="rect">
+            <a:avLst/>
+          </a:prstGeom>
+          <a:noFill/>
+          <a:ln>
+            <a:solidFill>
+              <a:schemeClr val="accent1">
+                <a:shade val="50000"/>
+                <a:alpha val="0"/>
+              </a:schemeClr>
+            </a:solidFill>
+          </a:ln>
+        </p:spPr>
+        <p:txBody>
+          <a:bodyPr spcFirstLastPara="1" wrap="square" lIns="88600" tIns="53150" rIns="88600" bIns="53150" anchor="t" anchorCtr="0">
+            <a:noAutofit/>
+          </a:bodyPr>
+          <a:lstStyle/>
+          <a:p>
+            <a:pPr marL="0" marR="0" lvl="0" indent="0" algn="l" rtl="0">
+              <a:spcBef>
+                <a:spcPts val="0"/>
+              </a:spcBef>
+              <a:spcAft>
+                <a:spcPts val="0"/>
+              </a:spcAft>
+              <a:buNone/>
+            </a:pPr>
+            <a:r>
+              <a:rPr lang="en" sz="1477" b="0" i="0" u="none" strike="noStrike" cap="none" dirty="0">
+                <a:solidFill>
+                  <a:srgbClr val="000000"/>
+                </a:solidFill>
+                <a:latin typeface="+mn-ea"/>
+                <a:ea typeface="+mn-ea"/>
+                <a:cs typeface="Arial"/>
+                <a:sym typeface="Arial"/>
+              </a:rPr>
+              <a:t>FRTek Tower 7F, 11-25, Simin-daero 327beon-gil, Dongan-gu, Anyang-si, Gyeonggi-do, Korea</a:t>
+            </a:r>
+            <a:endParaRPr dirty="0">
+              <a:latin typeface="+mn-ea"/>
+              <a:ea typeface="+mn-ea"/>
+            </a:endParaRPr>
+          </a:p>
+          <a:p>
+            <a:pPr marL="0" marR="0" lvl="0" indent="0" algn="l" rtl="0">
+              <a:spcBef>
+                <a:spcPts val="693"/>
+              </a:spcBef>
+              <a:spcAft>
+                <a:spcPts val="0"/>
+              </a:spcAft>
+              <a:buNone/>
+            </a:pPr>
+            <a:r>
+              <a:rPr lang="en" sz="1385" b="0" i="0" u="none" strike="noStrike" cap="none" dirty="0">
+                <a:solidFill>
+                  <a:srgbClr val="000000"/>
+                </a:solidFill>
+                <a:latin typeface="+mn-ea"/>
+                <a:ea typeface="+mn-ea"/>
+                <a:cs typeface="Arial"/>
+                <a:sym typeface="Arial"/>
+              </a:rPr>
+              <a:t/>
+            </a:r>
+            <a:br>
+              <a:rPr lang="en" sz="1385" b="0" i="0" u="none" strike="noStrike" cap="none" dirty="0">
+                <a:solidFill>
+                  <a:srgbClr val="000000"/>
+                </a:solidFill>
+                <a:latin typeface="+mn-ea"/>
+                <a:ea typeface="+mn-ea"/>
+                <a:cs typeface="Arial"/>
+                <a:sym typeface="Arial"/>
+              </a:rPr>
+            </a:br>
+            <a:r>
+              <a:rPr lang="en" sz="1300" b="0" i="0" u="none" strike="noStrike" cap="none" dirty="0">
+                <a:solidFill>
+                  <a:srgbClr val="000000"/>
+                </a:solidFill>
+                <a:latin typeface="+mn-ea"/>
+                <a:ea typeface="+mn-ea"/>
+                <a:cs typeface="Arial"/>
+                <a:sym typeface="Arial"/>
+              </a:rPr>
+              <a:t>Phone  : +</a:t>
+            </a:r>
+            <a:r>
+              <a:rPr lang="en" sz="1300" b="0" i="0" u="none" strike="noStrike" cap="none" dirty="0" smtClean="0">
+                <a:solidFill>
+                  <a:srgbClr val="000000"/>
+                </a:solidFill>
+                <a:latin typeface="+mn-ea"/>
+                <a:ea typeface="+mn-ea"/>
+                <a:cs typeface="Arial"/>
+                <a:sym typeface="Arial"/>
+              </a:rPr>
+              <a:t>82-10-3356-3398</a:t>
+            </a:r>
+            <a:r>
+              <a:rPr lang="en" sz="1300" b="0" i="0" u="none" strike="noStrike" cap="none" dirty="0">
+                <a:solidFill>
+                  <a:srgbClr val="000000"/>
+                </a:solidFill>
+                <a:latin typeface="+mn-ea"/>
+                <a:ea typeface="+mn-ea"/>
+                <a:cs typeface="Arial"/>
+                <a:sym typeface="Arial"/>
+              </a:rPr>
+              <a:t/>
+            </a:r>
+            <a:br>
+              <a:rPr lang="en" sz="1300" b="0" i="0" u="none" strike="noStrike" cap="none" dirty="0">
+                <a:solidFill>
+                  <a:srgbClr val="000000"/>
+                </a:solidFill>
+                <a:latin typeface="+mn-ea"/>
+                <a:ea typeface="+mn-ea"/>
+                <a:cs typeface="Arial"/>
+                <a:sym typeface="Arial"/>
+              </a:rPr>
+            </a:br>
+            <a:r>
+              <a:rPr lang="en" sz="1300" b="0" i="0" u="none" strike="noStrike" cap="none" dirty="0">
+                <a:solidFill>
+                  <a:srgbClr val="000000"/>
+                </a:solidFill>
+                <a:latin typeface="+mn-ea"/>
+                <a:ea typeface="+mn-ea"/>
+                <a:cs typeface="Arial"/>
+                <a:sym typeface="Arial"/>
+              </a:rPr>
+              <a:t>Fax      : +82-31-470-5199</a:t>
+            </a:r>
+            <a:endParaRPr sz="1300" dirty="0">
+              <a:latin typeface="+mn-ea"/>
+              <a:ea typeface="+mn-ea"/>
+            </a:endParaRPr>
+          </a:p>
+          <a:p>
+            <a:pPr marL="0" marR="0" lvl="0" indent="0" algn="l" rtl="0">
+              <a:spcBef>
+                <a:spcPts val="693"/>
+              </a:spcBef>
+              <a:spcAft>
+                <a:spcPts val="0"/>
+              </a:spcAft>
+              <a:buNone/>
+            </a:pPr>
+            <a:r>
+              <a:rPr lang="en" sz="1385" u="sng" dirty="0">
+                <a:solidFill>
+                  <a:schemeClr val="hlink"/>
+                </a:solidFill>
+                <a:latin typeface="+mn-ea"/>
+                <a:ea typeface="+mn-ea"/>
+                <a:hlinkClick r:id="rId4"/>
+              </a:rPr>
+              <a:t>https://swm.ai</a:t>
+            </a:r>
+            <a:r>
+              <a:rPr lang="en" sz="1385" b="0" i="0" u="none" strike="noStrike" cap="none" dirty="0">
+                <a:solidFill>
+                  <a:srgbClr val="000000"/>
+                </a:solidFill>
+                <a:latin typeface="+mn-ea"/>
+                <a:ea typeface="+mn-ea"/>
+                <a:cs typeface="Arial"/>
+                <a:sym typeface="Arial"/>
+              </a:rPr>
+              <a:t> </a:t>
+            </a:r>
+            <a:endParaRPr dirty="0">
+              <a:latin typeface="+mn-ea"/>
+              <a:ea typeface="+mn-ea"/>
+            </a:endParaRPr>
+          </a:p>
+        </p:txBody>
+      </p:sp>
+      <p:pic>
+        <p:nvPicPr>
+          <p:cNvPr id="26" name="그림 25">
+            <a:extLst>
+              <a:ext uri="{FF2B5EF4-FFF2-40B4-BE49-F238E27FC236}">
+                <a16:creationId xmlns="" xmlns:a16="http://schemas.microsoft.com/office/drawing/2014/main" id="{E0010296-81EB-4D61-A6FF-A6784B1865E5}"/>
+              </a:ext>
+            </a:extLst>
+          </p:cNvPr>
+          <p:cNvPicPr>
+            <a:picLocks noChangeAspect="1"/>
+          </p:cNvPicPr>
+          <p:nvPr/>
+        </p:nvPicPr>
+        <p:blipFill>
+          <a:blip r:embed="rId5" cstate="print">
+            <a:extLst>
+              <a:ext uri="{28A0092B-C50C-407E-A947-70E740481C1C}">
+                <a14:useLocalDpi xmlns="" xmlns:a14="http://schemas.microsoft.com/office/drawing/2010/main" val="0"/>
+              </a:ext>
+            </a:extLst>
+          </a:blip>
+          <a:stretch>
+            <a:fillRect/>
+          </a:stretch>
+        </p:blipFill>
+        <p:spPr>
+          <a:xfrm>
+            <a:off x="336430" y="2139573"/>
+            <a:ext cx="1958196" cy="806496"/>
+          </a:xfrm>
+          <a:prstGeom prst="rect">
+            <a:avLst/>
+          </a:prstGeom>
+        </p:spPr>
+      </p:pic>
+    </p:spTree>
+    <p:extLst>
+      <p:ext uri="{BB962C8B-B14F-4D97-AF65-F5344CB8AC3E}">
+        <p14:creationId xmlns="" xmlns:p14="http://schemas.microsoft.com/office/powerpoint/2010/main" val="2520429303"/>
+      </p:ext>
+    </p:extLst>
   </p:cSld>
   <p:clrMapOvr>
     <a:masterClrMapping/>
@@ -3606,7 +5369,7 @@
           <p:cNvPr id="3" name="텍스트 개체 틀 2">
             <a:extLst>
               <a:ext uri="{FF2B5EF4-FFF2-40B4-BE49-F238E27FC236}">
-                <a16:creationId xmlns:a16="http://schemas.microsoft.com/office/drawing/2014/main" xmlns="" id="{193707F8-7D35-49D6-97F9-C7ED24B53287}"/>
+                <a16:creationId xmlns="" xmlns:a16="http://schemas.microsoft.com/office/drawing/2014/main" id="{193707F8-7D35-49D6-97F9-C7ED24B53287}"/>
               </a:ext>
             </a:extLst>
           </p:cNvPr>
@@ -3639,7 +5402,7 @@
           <p:cNvPr id="5" name="슬라이드 번호 개체 틀 4">
             <a:extLst>
               <a:ext uri="{FF2B5EF4-FFF2-40B4-BE49-F238E27FC236}">
-                <a16:creationId xmlns:a16="http://schemas.microsoft.com/office/drawing/2014/main" xmlns="" id="{7B8300BC-19A2-42D0-BBC6-4599CDA8AB1E}"/>
+                <a16:creationId xmlns="" xmlns:a16="http://schemas.microsoft.com/office/drawing/2014/main" id="{7B8300BC-19A2-42D0-BBC6-4599CDA8AB1E}"/>
               </a:ext>
             </a:extLst>
           </p:cNvPr>
@@ -3674,7 +5437,7 @@
           <p:cNvPr id="80" name="제목 8">
             <a:extLst>
               <a:ext uri="{FF2B5EF4-FFF2-40B4-BE49-F238E27FC236}">
-                <a16:creationId xmlns:a16="http://schemas.microsoft.com/office/drawing/2014/main" xmlns="" id="{B3C2DDB2-FD74-4FB5-9994-2F2DB8B449DC}"/>
+                <a16:creationId xmlns="" xmlns:a16="http://schemas.microsoft.com/office/drawing/2014/main" id="{B3C2DDB2-FD74-4FB5-9994-2F2DB8B449DC}"/>
               </a:ext>
             </a:extLst>
           </p:cNvPr>
@@ -4014,11 +5777,7 @@
             </a:r>
             <a:r>
               <a:rPr lang="ko-KR" altLang="en-US" sz="2000" dirty="0" smtClean="0"/>
-              <a:t> 논리 </a:t>
-            </a:r>
-            <a:r>
-              <a:rPr lang="ko-KR" altLang="en-US" sz="2000" dirty="0" smtClean="0"/>
-              <a:t>회로</a:t>
+              <a:t> 논리 회로</a:t>
             </a:r>
             <a:endParaRPr lang="en-US" altLang="ko-KR" sz="2000" spc="-100" dirty="0" smtClean="0">
               <a:ln>
@@ -4273,7 +6032,7 @@
     </p:spTree>
     <p:extLst>
       <p:ext uri="{BB962C8B-B14F-4D97-AF65-F5344CB8AC3E}">
-        <p14:creationId xmlns:p14="http://schemas.microsoft.com/office/powerpoint/2010/main" xmlns="" val="2083697323"/>
+        <p14:creationId xmlns="" xmlns:p14="http://schemas.microsoft.com/office/powerpoint/2010/main" val="2083697323"/>
       </p:ext>
     </p:extLst>
   </p:cSld>
@@ -4312,7 +6071,7 @@
           <p:cNvPr id="3" name="텍스트 개체 틀 2">
             <a:extLst>
               <a:ext uri="{FF2B5EF4-FFF2-40B4-BE49-F238E27FC236}">
-                <a16:creationId xmlns:a16="http://schemas.microsoft.com/office/drawing/2014/main" xmlns="" id="{193707F8-7D35-49D6-97F9-C7ED24B53287}"/>
+                <a16:creationId xmlns="" xmlns:a16="http://schemas.microsoft.com/office/drawing/2014/main" id="{193707F8-7D35-49D6-97F9-C7ED24B53287}"/>
               </a:ext>
             </a:extLst>
           </p:cNvPr>
@@ -4345,7 +6104,7 @@
           <p:cNvPr id="5" name="슬라이드 번호 개체 틀 4">
             <a:extLst>
               <a:ext uri="{FF2B5EF4-FFF2-40B4-BE49-F238E27FC236}">
-                <a16:creationId xmlns:a16="http://schemas.microsoft.com/office/drawing/2014/main" xmlns="" id="{7B8300BC-19A2-42D0-BBC6-4599CDA8AB1E}"/>
+                <a16:creationId xmlns="" xmlns:a16="http://schemas.microsoft.com/office/drawing/2014/main" id="{7B8300BC-19A2-42D0-BBC6-4599CDA8AB1E}"/>
               </a:ext>
             </a:extLst>
           </p:cNvPr>
@@ -4398,15 +6157,15 @@
           <a:lstStyle/>
           <a:p>
             <a:r>
-              <a:rPr lang="ko-KR" altLang="en-US" sz="1000" dirty="0" smtClean="0"/>
+              <a:rPr lang="ko-KR" altLang="en-US" sz="1000" b="1" dirty="0" smtClean="0"/>
               <a:t> </a:t>
             </a:r>
             <a:r>
-              <a:rPr lang="en-US" altLang="ko-KR" sz="1000" dirty="0" smtClean="0"/>
+              <a:rPr lang="en-US" altLang="ko-KR" sz="1000" b="1" u="sng" dirty="0" smtClean="0"/>
               <a:t>- </a:t>
             </a:r>
             <a:r>
-              <a:rPr lang="ko-KR" altLang="en-US" sz="1000" dirty="0" smtClean="0"/>
+              <a:rPr lang="ko-KR" altLang="en-US" sz="1000" b="1" u="sng" dirty="0" smtClean="0"/>
               <a:t>컴퓨터의 개념</a:t>
             </a:r>
           </a:p>
@@ -4455,15 +6214,15 @@
               <a:rPr lang="ko-KR" altLang="en-US" sz="1000" dirty="0" smtClean="0"/>
             </a:br>
             <a:r>
-              <a:rPr lang="ko-KR" altLang="en-US" sz="1000" dirty="0" smtClean="0"/>
+              <a:rPr lang="ko-KR" altLang="en-US" sz="1000" b="1" u="sng" dirty="0" smtClean="0"/>
               <a:t> </a:t>
             </a:r>
             <a:r>
-              <a:rPr lang="en-US" altLang="ko-KR" sz="1000" dirty="0" smtClean="0"/>
+              <a:rPr lang="en-US" altLang="ko-KR" sz="1000" b="1" u="sng" dirty="0" smtClean="0"/>
               <a:t>- </a:t>
             </a:r>
             <a:r>
-              <a:rPr lang="ko-KR" altLang="en-US" sz="1000" dirty="0" smtClean="0"/>
+              <a:rPr lang="ko-KR" altLang="en-US" sz="1000" b="1" u="sng" dirty="0" smtClean="0"/>
               <a:t>컴퓨터 구조의 발전 역사</a:t>
             </a:r>
           </a:p>
@@ -4736,15 +6495,15 @@
               <a:rPr lang="ko-KR" altLang="en-US" sz="1000" dirty="0" smtClean="0"/>
             </a:br>
             <a:r>
-              <a:rPr lang="ko-KR" altLang="en-US" sz="1000" dirty="0" smtClean="0"/>
+              <a:rPr lang="ko-KR" altLang="en-US" sz="1000" b="1" u="sng" dirty="0" smtClean="0"/>
               <a:t> </a:t>
             </a:r>
             <a:r>
-              <a:rPr lang="en-US" altLang="ko-KR" sz="1000" dirty="0" smtClean="0"/>
+              <a:rPr lang="en-US" altLang="ko-KR" sz="1000" b="1" u="sng" dirty="0" smtClean="0"/>
               <a:t>- </a:t>
             </a:r>
             <a:r>
-              <a:rPr lang="ko-KR" altLang="en-US" sz="1000" dirty="0" smtClean="0"/>
+              <a:rPr lang="ko-KR" altLang="en-US" sz="1000" b="1" u="sng" dirty="0" smtClean="0"/>
               <a:t>컴퓨터와 논리 구조</a:t>
             </a:r>
           </a:p>
@@ -5090,15 +6849,15 @@
               <a:rPr lang="ko-KR" altLang="en-US" sz="1000" dirty="0" smtClean="0"/>
             </a:br>
             <a:r>
-              <a:rPr lang="ko-KR" altLang="en-US" sz="1000" dirty="0" smtClean="0"/>
+              <a:rPr lang="ko-KR" altLang="en-US" sz="1000" u="sng" dirty="0" smtClean="0"/>
               <a:t> </a:t>
             </a:r>
             <a:r>
-              <a:rPr lang="en-US" altLang="ko-KR" sz="1000" dirty="0" smtClean="0"/>
+              <a:rPr lang="en-US" altLang="ko-KR" sz="1000" b="1" u="sng" dirty="0" smtClean="0"/>
               <a:t>- </a:t>
             </a:r>
             <a:r>
-              <a:rPr lang="ko-KR" altLang="en-US" sz="1000" dirty="0" smtClean="0"/>
+              <a:rPr lang="ko-KR" altLang="en-US" sz="1000" b="1" u="sng" dirty="0" smtClean="0"/>
               <a:t>컴퓨터의 기본 구조</a:t>
             </a:r>
           </a:p>
@@ -5249,15 +7008,15 @@
               <a:rPr lang="ko-KR" altLang="en-US" sz="1000" dirty="0" smtClean="0"/>
             </a:br>
             <a:r>
-              <a:rPr lang="ko-KR" altLang="en-US" sz="1000" dirty="0" smtClean="0"/>
+              <a:rPr lang="ko-KR" altLang="en-US" sz="1000" b="1" dirty="0" smtClean="0"/>
               <a:t> </a:t>
             </a:r>
             <a:r>
-              <a:rPr lang="en-US" altLang="ko-KR" sz="1000" dirty="0" smtClean="0"/>
+              <a:rPr lang="en-US" altLang="ko-KR" sz="1000" b="1" u="sng" dirty="0" smtClean="0"/>
               <a:t>- </a:t>
             </a:r>
             <a:r>
-              <a:rPr lang="ko-KR" altLang="en-US" sz="1000" dirty="0" smtClean="0"/>
+              <a:rPr lang="ko-KR" altLang="en-US" sz="1000" b="1" u="sng" dirty="0" smtClean="0"/>
               <a:t>시스템 접속 방법</a:t>
             </a:r>
           </a:p>
@@ -5398,11 +7157,11 @@
               <a:rPr lang="en-US" altLang="ko-KR" sz="1000" dirty="0" smtClean="0"/>
             </a:br>
             <a:r>
-              <a:rPr lang="en-US" altLang="ko-KR" sz="1000" dirty="0" smtClean="0"/>
+              <a:rPr lang="en-US" altLang="ko-KR" sz="1000" b="1" u="sng" dirty="0" smtClean="0"/>
               <a:t> - </a:t>
             </a:r>
             <a:r>
-              <a:rPr lang="ko-KR" altLang="en-US" sz="1000" dirty="0" smtClean="0"/>
+              <a:rPr lang="ko-KR" altLang="en-US" sz="1000" b="1" u="sng" dirty="0" smtClean="0"/>
               <a:t>컴퓨터의 활용 분야</a:t>
             </a:r>
           </a:p>
@@ -5526,7 +7285,7 @@
     </p:spTree>
     <p:extLst>
       <p:ext uri="{BB962C8B-B14F-4D97-AF65-F5344CB8AC3E}">
-        <p14:creationId xmlns:p14="http://schemas.microsoft.com/office/powerpoint/2010/main" xmlns="" val="4131542772"/>
+        <p14:creationId xmlns="" xmlns:p14="http://schemas.microsoft.com/office/powerpoint/2010/main" val="4131542772"/>
       </p:ext>
     </p:extLst>
   </p:cSld>
@@ -5565,7 +7324,7 @@
           <p:cNvPr id="3" name="텍스트 개체 틀 2">
             <a:extLst>
               <a:ext uri="{FF2B5EF4-FFF2-40B4-BE49-F238E27FC236}">
-                <a16:creationId xmlns:a16="http://schemas.microsoft.com/office/drawing/2014/main" xmlns="" id="{193707F8-7D35-49D6-97F9-C7ED24B53287}"/>
+                <a16:creationId xmlns="" xmlns:a16="http://schemas.microsoft.com/office/drawing/2014/main" id="{193707F8-7D35-49D6-97F9-C7ED24B53287}"/>
               </a:ext>
             </a:extLst>
           </p:cNvPr>
@@ -5588,13 +7347,8 @@
           <a:p>
             <a:r>
               <a:rPr lang="ko-KR" altLang="en-US" dirty="0" smtClean="0"/>
-              <a:t>자료 </a:t>
-            </a:r>
-            <a:r>
-              <a:rPr lang="ko-KR" altLang="en-US" dirty="0" smtClean="0"/>
-              <a:t> 표현</a:t>
-            </a:r>
-            <a:endParaRPr lang="ko-KR" altLang="en-US" dirty="0" smtClean="0"/>
+              <a:t>자료  표현</a:t>
+            </a:r>
           </a:p>
         </p:txBody>
       </p:sp>
@@ -5603,7 +7357,7 @@
           <p:cNvPr id="5" name="슬라이드 번호 개체 틀 4">
             <a:extLst>
               <a:ext uri="{FF2B5EF4-FFF2-40B4-BE49-F238E27FC236}">
-                <a16:creationId xmlns:a16="http://schemas.microsoft.com/office/drawing/2014/main" xmlns="" id="{7B8300BC-19A2-42D0-BBC6-4599CDA8AB1E}"/>
+                <a16:creationId xmlns="" xmlns:a16="http://schemas.microsoft.com/office/drawing/2014/main" id="{7B8300BC-19A2-42D0-BBC6-4599CDA8AB1E}"/>
               </a:ext>
             </a:extLst>
           </p:cNvPr>
@@ -5656,21 +7410,21 @@
           <a:lstStyle/>
           <a:p>
             <a:r>
-              <a:rPr lang="ko-KR" altLang="en-US" sz="1300" dirty="0" smtClean="0">
+              <a:rPr lang="ko-KR" altLang="en-US" sz="1300" b="1" u="sng" dirty="0" smtClean="0">
                 <a:latin typeface="+mn-ea"/>
                 <a:ea typeface="+mn-ea"/>
               </a:rPr>
               <a:t> </a:t>
             </a:r>
             <a:r>
-              <a:rPr lang="en-US" altLang="ko-KR" sz="1300" dirty="0" smtClean="0">
+              <a:rPr lang="en-US" altLang="ko-KR" sz="1300" b="1" u="sng" dirty="0" smtClean="0">
                 <a:latin typeface="+mn-ea"/>
                 <a:ea typeface="+mn-ea"/>
               </a:rPr>
               <a:t>- </a:t>
             </a:r>
             <a:r>
-              <a:rPr lang="ko-KR" altLang="en-US" sz="1300" dirty="0" smtClean="0">
+              <a:rPr lang="ko-KR" altLang="en-US" sz="1300" b="1" u="sng" dirty="0" smtClean="0">
                 <a:latin typeface="+mn-ea"/>
                 <a:ea typeface="+mn-ea"/>
               </a:rPr>
@@ -5826,21 +7580,21 @@
               </a:rPr>
             </a:br>
             <a:r>
-              <a:rPr lang="ko-KR" altLang="en-US" sz="1300" dirty="0" smtClean="0">
+              <a:rPr lang="ko-KR" altLang="en-US" sz="1300" b="1" u="sng" dirty="0" smtClean="0">
                 <a:latin typeface="+mn-ea"/>
                 <a:ea typeface="+mn-ea"/>
               </a:rPr>
               <a:t> </a:t>
             </a:r>
             <a:r>
-              <a:rPr lang="en-US" altLang="ko-KR" sz="1300" dirty="0" smtClean="0">
+              <a:rPr lang="en-US" altLang="ko-KR" sz="1300" b="1" u="sng" dirty="0" smtClean="0">
                 <a:latin typeface="+mn-ea"/>
                 <a:ea typeface="+mn-ea"/>
               </a:rPr>
               <a:t>- </a:t>
             </a:r>
             <a:r>
-              <a:rPr lang="ko-KR" altLang="en-US" sz="1300" dirty="0" smtClean="0">
+              <a:rPr lang="ko-KR" altLang="en-US" sz="1300" b="1" u="sng" dirty="0" smtClean="0">
                 <a:latin typeface="+mn-ea"/>
                 <a:ea typeface="+mn-ea"/>
               </a:rPr>
@@ -6395,205 +8149,205 @@
               </a:rPr>
             </a:br>
             <a:r>
+              <a:rPr lang="ko-KR" altLang="en-US" sz="1300" b="1" u="sng" dirty="0" smtClean="0">
+                <a:latin typeface="+mn-ea"/>
+                <a:ea typeface="+mn-ea"/>
+              </a:rPr>
+              <a:t> </a:t>
+            </a:r>
+            <a:r>
+              <a:rPr lang="en-US" altLang="ko-KR" sz="1300" b="1" u="sng" dirty="0" smtClean="0">
+                <a:latin typeface="+mn-ea"/>
+                <a:ea typeface="+mn-ea"/>
+              </a:rPr>
+              <a:t>- </a:t>
+            </a:r>
+            <a:r>
+              <a:rPr lang="ko-KR" altLang="en-US" sz="1300" b="1" u="sng" dirty="0" smtClean="0">
+                <a:latin typeface="+mn-ea"/>
+                <a:ea typeface="+mn-ea"/>
+              </a:rPr>
+              <a:t>숫자 및 문자 코드</a:t>
+            </a:r>
+          </a:p>
+          <a:p>
+            <a:r>
               <a:rPr lang="ko-KR" altLang="en-US" sz="1300" dirty="0" smtClean="0">
                 <a:latin typeface="+mn-ea"/>
                 <a:ea typeface="+mn-ea"/>
               </a:rPr>
+              <a:t>    </a:t>
+            </a:r>
+            <a:r>
+              <a:rPr lang="en-US" altLang="ko-KR" sz="1300" dirty="0" smtClean="0">
+                <a:latin typeface="+mn-ea"/>
+                <a:ea typeface="+mn-ea"/>
+              </a:rPr>
+              <a:t>: </a:t>
+            </a:r>
+            <a:r>
+              <a:rPr lang="ko-KR" altLang="en-US" sz="1300" dirty="0" smtClean="0">
+                <a:latin typeface="+mn-ea"/>
+                <a:ea typeface="+mn-ea"/>
+              </a:rPr>
+              <a:t>아스키 코드</a:t>
+            </a:r>
+          </a:p>
+          <a:p>
+            <a:r>
+              <a:rPr lang="ko-KR" altLang="en-US" sz="1300" dirty="0" smtClean="0">
+                <a:latin typeface="+mn-ea"/>
+                <a:ea typeface="+mn-ea"/>
+              </a:rPr>
+              <a:t>        미국에서 표준화가 추진된 정보교환용 </a:t>
+            </a:r>
+            <a:r>
+              <a:rPr lang="en-US" altLang="ko-KR" sz="1300" dirty="0" smtClean="0">
+                <a:latin typeface="+mn-ea"/>
+                <a:ea typeface="+mn-ea"/>
+              </a:rPr>
+              <a:t>7bit </a:t>
+            </a:r>
+            <a:r>
+              <a:rPr lang="ko-KR" altLang="en-US" sz="1300" dirty="0" smtClean="0">
+                <a:latin typeface="+mn-ea"/>
+                <a:ea typeface="+mn-ea"/>
+              </a:rPr>
+              <a:t>부호</a:t>
+            </a:r>
+          </a:p>
+          <a:p>
+            <a:r>
+              <a:rPr lang="ko-KR" altLang="en-US" sz="1300" dirty="0" smtClean="0">
+                <a:latin typeface="+mn-ea"/>
+                <a:ea typeface="+mn-ea"/>
+              </a:rPr>
+              <a:t>        코드는 </a:t>
+            </a:r>
+            <a:r>
+              <a:rPr lang="en-US" altLang="ko-KR" sz="1300" dirty="0" smtClean="0">
+                <a:latin typeface="+mn-ea"/>
+                <a:ea typeface="+mn-ea"/>
+              </a:rPr>
+              <a:t>7</a:t>
+            </a:r>
+            <a:r>
+              <a:rPr lang="ko-KR" altLang="en-US" sz="1300" dirty="0" smtClean="0">
+                <a:latin typeface="+mn-ea"/>
+                <a:ea typeface="+mn-ea"/>
+              </a:rPr>
+              <a:t>비트의 이진수 조합으로 만들어져 총 </a:t>
+            </a:r>
+            <a:r>
+              <a:rPr lang="en-US" altLang="ko-KR" sz="1300" dirty="0" smtClean="0">
+                <a:latin typeface="+mn-ea"/>
+                <a:ea typeface="+mn-ea"/>
+              </a:rPr>
+              <a:t>128</a:t>
+            </a:r>
+            <a:r>
+              <a:rPr lang="ko-KR" altLang="en-US" sz="1300" dirty="0" smtClean="0">
+                <a:latin typeface="+mn-ea"/>
+                <a:ea typeface="+mn-ea"/>
+              </a:rPr>
+              <a:t>개의 부호를 표현</a:t>
+            </a:r>
+          </a:p>
+          <a:p>
+            <a:r>
+              <a:rPr lang="ko-KR" altLang="en-US" sz="1300" dirty="0" smtClean="0">
+                <a:latin typeface="+mn-ea"/>
+                <a:ea typeface="+mn-ea"/>
+              </a:rPr>
+              <a:t>    </a:t>
+            </a:r>
+            <a:r>
+              <a:rPr lang="en-US" altLang="ko-KR" sz="1300" dirty="0" smtClean="0">
+                <a:latin typeface="+mn-ea"/>
+                <a:ea typeface="+mn-ea"/>
+              </a:rPr>
+              <a:t>: </a:t>
+            </a:r>
+            <a:r>
+              <a:rPr lang="ko-KR" altLang="en-US" sz="1300" dirty="0" smtClean="0">
+                <a:latin typeface="+mn-ea"/>
+                <a:ea typeface="+mn-ea"/>
+              </a:rPr>
+              <a:t>유니코드</a:t>
+            </a:r>
+          </a:p>
+          <a:p>
+            <a:r>
+              <a:rPr lang="ko-KR" altLang="en-US" sz="1300" dirty="0" smtClean="0">
+                <a:latin typeface="+mn-ea"/>
+                <a:ea typeface="+mn-ea"/>
+              </a:rPr>
+              <a:t>        각 나라별 언어를 모두 표현하기 위해 사용하는 코드</a:t>
+            </a:r>
+            <a:r>
+              <a:rPr lang="en-US" altLang="ko-KR" sz="1300" dirty="0" smtClean="0">
+                <a:latin typeface="+mn-ea"/>
+                <a:ea typeface="+mn-ea"/>
+              </a:rPr>
+              <a:t>( 1</a:t>
+            </a:r>
+            <a:r>
+              <a:rPr lang="ko-KR" altLang="en-US" sz="1300" dirty="0" smtClean="0">
+                <a:latin typeface="+mn-ea"/>
+                <a:ea typeface="+mn-ea"/>
+              </a:rPr>
+              <a:t>바이트로 정의된 코드 필요</a:t>
+            </a:r>
+            <a:r>
+              <a:rPr lang="en-US" altLang="ko-KR" sz="1300" dirty="0" smtClean="0">
+                <a:latin typeface="+mn-ea"/>
+                <a:ea typeface="+mn-ea"/>
+              </a:rPr>
+              <a:t>)</a:t>
+            </a:r>
+          </a:p>
+          <a:p>
+            <a:r>
+              <a:rPr lang="en-US" altLang="ko-KR" sz="1300" dirty="0" smtClean="0">
+                <a:latin typeface="+mn-ea"/>
+                <a:ea typeface="+mn-ea"/>
+              </a:rPr>
+              <a:t>        16</a:t>
+            </a:r>
+            <a:r>
+              <a:rPr lang="ko-KR" altLang="en-US" sz="1300" dirty="0" smtClean="0">
+                <a:latin typeface="+mn-ea"/>
+                <a:ea typeface="+mn-ea"/>
+              </a:rPr>
+              <a:t>비트로 표현</a:t>
+            </a:r>
+          </a:p>
+          <a:p>
+            <a:r>
+              <a:rPr lang="ko-KR" altLang="en-US" sz="1300" dirty="0" smtClean="0">
+                <a:latin typeface="+mn-ea"/>
+                <a:ea typeface="+mn-ea"/>
+              </a:rPr>
+              <a:t>        </a:t>
+            </a:r>
+          </a:p>
+          <a:p>
+            <a:r>
+              <a:rPr lang="ko-KR" altLang="en-US" sz="1300" dirty="0" smtClean="0">
+                <a:latin typeface="+mn-ea"/>
+                <a:ea typeface="+mn-ea"/>
+              </a:rPr>
               <a:t> </a:t>
             </a:r>
             <a:r>
-              <a:rPr lang="en-US" altLang="ko-KR" sz="1300" dirty="0" smtClean="0">
+              <a:rPr lang="en-US" altLang="ko-KR" sz="1300" b="1" u="sng" dirty="0" smtClean="0">
                 <a:latin typeface="+mn-ea"/>
                 <a:ea typeface="+mn-ea"/>
               </a:rPr>
               <a:t>- </a:t>
             </a:r>
             <a:r>
-              <a:rPr lang="ko-KR" altLang="en-US" sz="1300" dirty="0" smtClean="0">
-                <a:latin typeface="+mn-ea"/>
-                <a:ea typeface="+mn-ea"/>
-              </a:rPr>
-              <a:t>숫자 및 문자 코드</a:t>
-            </a:r>
-          </a:p>
-          <a:p>
-            <a:r>
-              <a:rPr lang="ko-KR" altLang="en-US" sz="1300" dirty="0" smtClean="0">
-                <a:latin typeface="+mn-ea"/>
-                <a:ea typeface="+mn-ea"/>
-              </a:rPr>
-              <a:t>    </a:t>
-            </a:r>
-            <a:r>
-              <a:rPr lang="en-US" altLang="ko-KR" sz="1300" dirty="0" smtClean="0">
-                <a:latin typeface="+mn-ea"/>
-                <a:ea typeface="+mn-ea"/>
-              </a:rPr>
-              <a:t>: </a:t>
-            </a:r>
-            <a:r>
-              <a:rPr lang="ko-KR" altLang="en-US" sz="1300" dirty="0" smtClean="0">
-                <a:latin typeface="+mn-ea"/>
-                <a:ea typeface="+mn-ea"/>
-              </a:rPr>
-              <a:t>아스키 코드</a:t>
-            </a:r>
-          </a:p>
-          <a:p>
-            <a:r>
-              <a:rPr lang="ko-KR" altLang="en-US" sz="1300" dirty="0" smtClean="0">
-                <a:latin typeface="+mn-ea"/>
-                <a:ea typeface="+mn-ea"/>
-              </a:rPr>
-              <a:t>        미국에서 표준화가 추진된 정보교환용 </a:t>
-            </a:r>
-            <a:r>
-              <a:rPr lang="en-US" altLang="ko-KR" sz="1300" dirty="0" smtClean="0">
-                <a:latin typeface="+mn-ea"/>
-                <a:ea typeface="+mn-ea"/>
-              </a:rPr>
-              <a:t>7bit </a:t>
-            </a:r>
-            <a:r>
-              <a:rPr lang="ko-KR" altLang="en-US" sz="1300" dirty="0" smtClean="0">
-                <a:latin typeface="+mn-ea"/>
-                <a:ea typeface="+mn-ea"/>
-              </a:rPr>
-              <a:t>부호</a:t>
-            </a:r>
-          </a:p>
-          <a:p>
-            <a:r>
-              <a:rPr lang="ko-KR" altLang="en-US" sz="1300" dirty="0" smtClean="0">
-                <a:latin typeface="+mn-ea"/>
-                <a:ea typeface="+mn-ea"/>
-              </a:rPr>
-              <a:t>        코드는 </a:t>
-            </a:r>
-            <a:r>
-              <a:rPr lang="en-US" altLang="ko-KR" sz="1300" dirty="0" smtClean="0">
-                <a:latin typeface="+mn-ea"/>
-                <a:ea typeface="+mn-ea"/>
-              </a:rPr>
-              <a:t>7</a:t>
-            </a:r>
-            <a:r>
-              <a:rPr lang="ko-KR" altLang="en-US" sz="1300" dirty="0" smtClean="0">
-                <a:latin typeface="+mn-ea"/>
-                <a:ea typeface="+mn-ea"/>
-              </a:rPr>
-              <a:t>비트의 이진수 조합으로 만들어져 총 </a:t>
-            </a:r>
-            <a:r>
-              <a:rPr lang="en-US" altLang="ko-KR" sz="1300" dirty="0" smtClean="0">
-                <a:latin typeface="+mn-ea"/>
-                <a:ea typeface="+mn-ea"/>
-              </a:rPr>
-              <a:t>128</a:t>
-            </a:r>
-            <a:r>
-              <a:rPr lang="ko-KR" altLang="en-US" sz="1300" dirty="0" smtClean="0">
-                <a:latin typeface="+mn-ea"/>
-                <a:ea typeface="+mn-ea"/>
-              </a:rPr>
-              <a:t>개의 부호를 표현</a:t>
-            </a:r>
-          </a:p>
-          <a:p>
-            <a:r>
-              <a:rPr lang="ko-KR" altLang="en-US" sz="1300" dirty="0" smtClean="0">
-                <a:latin typeface="+mn-ea"/>
-                <a:ea typeface="+mn-ea"/>
-              </a:rPr>
-              <a:t>    </a:t>
-            </a:r>
-            <a:r>
-              <a:rPr lang="en-US" altLang="ko-KR" sz="1300" dirty="0" smtClean="0">
-                <a:latin typeface="+mn-ea"/>
-                <a:ea typeface="+mn-ea"/>
-              </a:rPr>
-              <a:t>: </a:t>
-            </a:r>
-            <a:r>
-              <a:rPr lang="ko-KR" altLang="en-US" sz="1300" dirty="0" smtClean="0">
-                <a:latin typeface="+mn-ea"/>
-                <a:ea typeface="+mn-ea"/>
-              </a:rPr>
-              <a:t>유니코드</a:t>
-            </a:r>
-          </a:p>
-          <a:p>
-            <a:r>
-              <a:rPr lang="ko-KR" altLang="en-US" sz="1300" dirty="0" smtClean="0">
-                <a:latin typeface="+mn-ea"/>
-                <a:ea typeface="+mn-ea"/>
-              </a:rPr>
-              <a:t>        각 나라별 언어를 모두 표현하기 위해 사용하는 코드</a:t>
-            </a:r>
-            <a:r>
-              <a:rPr lang="en-US" altLang="ko-KR" sz="1300" dirty="0" smtClean="0">
-                <a:latin typeface="+mn-ea"/>
-                <a:ea typeface="+mn-ea"/>
-              </a:rPr>
-              <a:t>( 1</a:t>
-            </a:r>
-            <a:r>
-              <a:rPr lang="ko-KR" altLang="en-US" sz="1300" dirty="0" smtClean="0">
-                <a:latin typeface="+mn-ea"/>
-                <a:ea typeface="+mn-ea"/>
-              </a:rPr>
-              <a:t>바이트로 정의된 코드 필요</a:t>
-            </a:r>
-            <a:r>
-              <a:rPr lang="en-US" altLang="ko-KR" sz="1300" dirty="0" smtClean="0">
-                <a:latin typeface="+mn-ea"/>
-                <a:ea typeface="+mn-ea"/>
-              </a:rPr>
-              <a:t>)</a:t>
-            </a:r>
-          </a:p>
-          <a:p>
-            <a:r>
-              <a:rPr lang="en-US" altLang="ko-KR" sz="1300" dirty="0" smtClean="0">
-                <a:latin typeface="+mn-ea"/>
-                <a:ea typeface="+mn-ea"/>
-              </a:rPr>
-              <a:t>        16</a:t>
-            </a:r>
-            <a:r>
-              <a:rPr lang="ko-KR" altLang="en-US" sz="1300" dirty="0" smtClean="0">
-                <a:latin typeface="+mn-ea"/>
-                <a:ea typeface="+mn-ea"/>
-              </a:rPr>
-              <a:t>비트로 표현</a:t>
-            </a:r>
-          </a:p>
-          <a:p>
-            <a:r>
-              <a:rPr lang="ko-KR" altLang="en-US" sz="1300" dirty="0" smtClean="0">
-                <a:latin typeface="+mn-ea"/>
-                <a:ea typeface="+mn-ea"/>
-              </a:rPr>
-              <a:t>        </a:t>
-            </a:r>
-          </a:p>
-          <a:p>
-            <a:r>
-              <a:rPr lang="ko-KR" altLang="en-US" sz="1300" dirty="0" smtClean="0">
-                <a:latin typeface="+mn-ea"/>
-                <a:ea typeface="+mn-ea"/>
-              </a:rPr>
-              <a:t> </a:t>
-            </a:r>
-            <a:r>
-              <a:rPr lang="en-US" altLang="ko-KR" sz="1300" dirty="0" smtClean="0">
-                <a:latin typeface="+mn-ea"/>
-                <a:ea typeface="+mn-ea"/>
-              </a:rPr>
-              <a:t>- </a:t>
-            </a:r>
-            <a:r>
-              <a:rPr lang="ko-KR" altLang="en-US" sz="1300" dirty="0" smtClean="0">
+              <a:rPr lang="ko-KR" altLang="en-US" sz="1300" b="1" u="sng" dirty="0" smtClean="0">
                 <a:latin typeface="+mn-ea"/>
                 <a:ea typeface="+mn-ea"/>
               </a:rPr>
@@ -6863,7 +8617,7 @@
     </p:spTree>
     <p:extLst>
       <p:ext uri="{BB962C8B-B14F-4D97-AF65-F5344CB8AC3E}">
-        <p14:creationId xmlns:p14="http://schemas.microsoft.com/office/powerpoint/2010/main" xmlns="" val="4131542772"/>
+        <p14:creationId xmlns="" xmlns:p14="http://schemas.microsoft.com/office/powerpoint/2010/main" val="4131542772"/>
       </p:ext>
     </p:extLst>
   </p:cSld>
@@ -6902,7 +8656,7 @@
           <p:cNvPr id="3" name="텍스트 개체 틀 2">
             <a:extLst>
               <a:ext uri="{FF2B5EF4-FFF2-40B4-BE49-F238E27FC236}">
-                <a16:creationId xmlns:a16="http://schemas.microsoft.com/office/drawing/2014/main" xmlns="" id="{193707F8-7D35-49D6-97F9-C7ED24B53287}"/>
+                <a16:creationId xmlns="" xmlns:a16="http://schemas.microsoft.com/office/drawing/2014/main" id="{193707F8-7D35-49D6-97F9-C7ED24B53287}"/>
               </a:ext>
             </a:extLst>
           </p:cNvPr>
@@ -6935,7 +8689,7 @@
           <p:cNvPr id="5" name="슬라이드 번호 개체 틀 4">
             <a:extLst>
               <a:ext uri="{FF2B5EF4-FFF2-40B4-BE49-F238E27FC236}">
-                <a16:creationId xmlns:a16="http://schemas.microsoft.com/office/drawing/2014/main" xmlns="" id="{7B8300BC-19A2-42D0-BBC6-4599CDA8AB1E}"/>
+                <a16:creationId xmlns="" xmlns:a16="http://schemas.microsoft.com/office/drawing/2014/main" id="{7B8300BC-19A2-42D0-BBC6-4599CDA8AB1E}"/>
               </a:ext>
             </a:extLst>
           </p:cNvPr>
@@ -6988,34 +8742,62 @@
           <a:lstStyle/>
           <a:p>
             <a:r>
+              <a:rPr lang="ko-KR" altLang="en-US" sz="1200" b="1" u="sng" dirty="0" smtClean="0">
+                <a:latin typeface="+mn-ea"/>
+                <a:ea typeface="+mn-ea"/>
+              </a:rPr>
+              <a:t> </a:t>
+            </a:r>
+            <a:r>
+              <a:rPr lang="en-US" altLang="ko-KR" sz="1200" b="1" u="sng" dirty="0" smtClean="0">
+                <a:latin typeface="+mn-ea"/>
+                <a:ea typeface="+mn-ea"/>
+              </a:rPr>
+              <a:t>- ALU(Arithmetic and Logical Unit)</a:t>
+            </a:r>
+          </a:p>
+          <a:p>
+            <a:r>
+              <a:rPr lang="en-US" altLang="ko-KR" sz="1200" dirty="0" smtClean="0">
+                <a:latin typeface="+mn-ea"/>
+                <a:ea typeface="+mn-ea"/>
+              </a:rPr>
+              <a:t>    : </a:t>
+            </a:r>
+            <a:r>
               <a:rPr lang="ko-KR" altLang="en-US" sz="1200" dirty="0" smtClean="0">
                 <a:latin typeface="+mn-ea"/>
                 <a:ea typeface="+mn-ea"/>
               </a:rPr>
-              <a:t> </a:t>
+              <a:t>덧셈</a:t>
             </a:r>
             <a:r>
               <a:rPr lang="en-US" altLang="ko-KR" sz="1200" dirty="0" smtClean="0">
                 <a:latin typeface="+mn-ea"/>
                 <a:ea typeface="+mn-ea"/>
               </a:rPr>
-              <a:t>- ALU(Arithmetic and Logical Unit)</a:t>
-            </a:r>
-          </a:p>
-          <a:p>
+              <a:t>, </a:t>
+            </a:r>
+            <a:r>
+              <a:rPr lang="ko-KR" altLang="en-US" sz="1200" dirty="0" smtClean="0">
+                <a:latin typeface="+mn-ea"/>
+                <a:ea typeface="+mn-ea"/>
+              </a:rPr>
+              <a:t>뺄셈 같은 두 숫자의 산술연산과 배타적 논리합</a:t>
+            </a:r>
             <a:r>
               <a:rPr lang="en-US" altLang="ko-KR" sz="1200" dirty="0" smtClean="0">
                 <a:latin typeface="+mn-ea"/>
                 <a:ea typeface="+mn-ea"/>
               </a:rPr>
-              <a:t>    : </a:t>
+              <a:t>, </a:t>
             </a:r>
             <a:r>
               <a:rPr lang="ko-KR" altLang="en-US" sz="1200" dirty="0" smtClean="0">
                 <a:latin typeface="+mn-ea"/>
                 <a:ea typeface="+mn-ea"/>
               </a:rPr>
-              <a:t>덧셈</a:t>
+              <a:t>논리곱</a:t>
             </a:r>
             <a:r>
               <a:rPr lang="en-US" altLang="ko-KR" sz="1200" dirty="0" smtClean="0">
@@ -7029,13 +8811,36 @@
                 <a:latin typeface="+mn-ea"/>
                 <a:ea typeface="+mn-ea"/>
               </a:rPr>
-              <a:t>뺄셈 같은 두 숫자의 산술연산과 배타적 논리합</a:t>
+              <a:t>논리합 같은 논리연산을 계산하는 디지털 회로</a:t>
+            </a:r>
+          </a:p>
+          <a:p>
+            <a:r>
+              <a:rPr lang="ko-KR" altLang="en-US" sz="1200" dirty="0" smtClean="0">
+                <a:latin typeface="+mn-ea"/>
+                <a:ea typeface="+mn-ea"/>
+              </a:rPr>
+              <a:t>    </a:t>
             </a:r>
             <a:r>
               <a:rPr lang="en-US" altLang="ko-KR" sz="1200" dirty="0" smtClean="0">
                 <a:latin typeface="+mn-ea"/>
                 <a:ea typeface="+mn-ea"/>
               </a:rPr>
+              <a:t>: </a:t>
+            </a:r>
+            <a:r>
+              <a:rPr lang="ko-KR" altLang="en-US" sz="1200" dirty="0" smtClean="0">
+                <a:latin typeface="+mn-ea"/>
+                <a:ea typeface="+mn-ea"/>
+              </a:rPr>
+              <a:t>정수형 산술 연산</a:t>
+            </a:r>
+            <a:r>
+              <a:rPr lang="en-US" altLang="ko-KR" sz="1200" dirty="0" smtClean="0">
+                <a:latin typeface="+mn-ea"/>
+                <a:ea typeface="+mn-ea"/>
+              </a:rPr>
               <a:t>, </a:t>
             </a:r>
             <a:r>
@@ -7043,7 +8848,7 @@
                 <a:latin typeface="+mn-ea"/>
                 <a:ea typeface="+mn-ea"/>
               </a:rPr>
-              <a:t>논리곱</a:t>
+              <a:t>비트 논리 연산</a:t>
             </a:r>
             <a:r>
               <a:rPr lang="en-US" altLang="ko-KR" sz="1200" dirty="0" smtClean="0">
@@ -7057,7 +8862,7 @@
                 <a:latin typeface="+mn-ea"/>
                 <a:ea typeface="+mn-ea"/>
               </a:rPr>
-              <a:t>논리합 같은 논리연산을 계산하는 디지털 회로</a:t>
+              <a:t>비트 시프트 연산</a:t>
             </a:r>
           </a:p>
           <a:p>
@@ -7080,72 +8885,21 @@
                 <a:latin typeface="+mn-ea"/>
                 <a:ea typeface="+mn-ea"/>
               </a:rPr>
-              <a:t>정수형 산술 연산</a:t>
-            </a:r>
-            <a:r>
-              <a:rPr lang="en-US" altLang="ko-KR" sz="1200" dirty="0" smtClean="0">
-                <a:latin typeface="+mn-ea"/>
-                <a:ea typeface="+mn-ea"/>
-              </a:rPr>
-              <a:t>, </a:t>
+              <a:t>복잡한 연산은 간단한 산술논리연산의 조합으로 나누어 처리하도록 외부 처리 </a:t>
             </a:r>
             <a:r>
               <a:rPr lang="ko-KR" altLang="en-US" sz="1200" dirty="0" smtClean="0">
                 <a:latin typeface="+mn-ea"/>
                 <a:ea typeface="+mn-ea"/>
               </a:rPr>
-              <a:t>비트 논리 연산</a:t>
-            </a:r>
-            <a:r>
-              <a:rPr lang="en-US" altLang="ko-KR" sz="1200" dirty="0" smtClean="0">
-                <a:latin typeface="+mn-ea"/>
-                <a:ea typeface="+mn-ea"/>
-              </a:rPr>
-              <a:t>, </a:t>
+              <a:t>이용하는</a:t>
             </a:r>
             <a:r>
               <a:rPr lang="ko-KR" altLang="en-US" sz="1200" dirty="0" smtClean="0">
                 <a:latin typeface="+mn-ea"/>
                 <a:ea typeface="+mn-ea"/>
               </a:rPr>
-              <a:t>비트 시프트 연산</a:t>
-            </a:r>
-          </a:p>
-          <a:p>
-            <a:r>
-              <a:rPr lang="ko-KR" altLang="en-US" sz="1200" dirty="0" smtClean="0">
-                <a:latin typeface="+mn-ea"/>
-                <a:ea typeface="+mn-ea"/>
-              </a:rPr>
-              <a:t>    </a:t>
-            </a:r>
-            <a:r>
-              <a:rPr lang="en-US" altLang="ko-KR" sz="1200" dirty="0" smtClean="0">
-                <a:latin typeface="+mn-ea"/>
-                <a:ea typeface="+mn-ea"/>
-              </a:rPr>
-              <a:t>: </a:t>
-            </a:r>
-            <a:r>
-              <a:rPr lang="ko-KR" altLang="en-US" sz="1200" dirty="0" smtClean="0">
-                <a:latin typeface="+mn-ea"/>
-                <a:ea typeface="+mn-ea"/>
-              </a:rPr>
-              <a:t>복잡한 연산은 간단한 산술논리연산의 조합으로 나누어 처리하도록 외부 처리 </a:t>
-            </a:r>
-            <a:r>
-              <a:rPr lang="ko-KR" altLang="en-US" sz="1200" dirty="0" err="1" smtClean="0">
-                <a:latin typeface="+mn-ea"/>
-                <a:ea typeface="+mn-ea"/>
-              </a:rPr>
-              <a:t>외로를</a:t>
-            </a:r>
-            <a:r>
-              <a:rPr lang="ko-KR" altLang="en-US" sz="1200" dirty="0" smtClean="0">
-                <a:latin typeface="+mn-ea"/>
-                <a:ea typeface="+mn-ea"/>
-              </a:rPr>
-              <a:t> 이용하는 경우가 많음</a:t>
+              <a:t> 경우가 많음</a:t>
             </a:r>
           </a:p>
           <a:p>
@@ -7163,21 +8917,21 @@
               </a:rPr>
             </a:br>
             <a:r>
-              <a:rPr lang="ko-KR" altLang="en-US" sz="1200" dirty="0" smtClean="0">
+              <a:rPr lang="ko-KR" altLang="en-US" sz="1200" b="1" u="sng" dirty="0" smtClean="0">
                 <a:latin typeface="+mn-ea"/>
                 <a:ea typeface="+mn-ea"/>
               </a:rPr>
               <a:t> </a:t>
             </a:r>
             <a:r>
-              <a:rPr lang="en-US" altLang="ko-KR" sz="1200" dirty="0" smtClean="0">
+              <a:rPr lang="en-US" altLang="ko-KR" sz="1200" b="1" u="sng" dirty="0" smtClean="0">
                 <a:latin typeface="+mn-ea"/>
                 <a:ea typeface="+mn-ea"/>
               </a:rPr>
               <a:t>- </a:t>
             </a:r>
             <a:r>
-              <a:rPr lang="ko-KR" altLang="en-US" sz="1200" dirty="0" smtClean="0">
+              <a:rPr lang="ko-KR" altLang="en-US" sz="1200" b="1" u="sng" dirty="0" smtClean="0">
                 <a:latin typeface="+mn-ea"/>
                 <a:ea typeface="+mn-ea"/>
               </a:rPr>
@@ -7573,21 +9327,21 @@
               </a:rPr>
             </a:br>
             <a:r>
-              <a:rPr lang="ko-KR" altLang="en-US" sz="1200" dirty="0" smtClean="0">
+              <a:rPr lang="ko-KR" altLang="en-US" sz="1200" b="1" u="sng" dirty="0" smtClean="0">
                 <a:latin typeface="+mn-ea"/>
                 <a:ea typeface="+mn-ea"/>
               </a:rPr>
               <a:t> </a:t>
             </a:r>
             <a:r>
-              <a:rPr lang="en-US" altLang="ko-KR" sz="1200" dirty="0" smtClean="0">
+              <a:rPr lang="en-US" altLang="ko-KR" sz="1200" b="1" u="sng" dirty="0" smtClean="0">
                 <a:latin typeface="+mn-ea"/>
                 <a:ea typeface="+mn-ea"/>
               </a:rPr>
               <a:t>- </a:t>
             </a:r>
             <a:r>
-              <a:rPr lang="ko-KR" altLang="en-US" sz="1200" dirty="0" smtClean="0">
+              <a:rPr lang="ko-KR" altLang="en-US" sz="1200" b="1" u="sng" dirty="0" smtClean="0">
                 <a:latin typeface="+mn-ea"/>
                 <a:ea typeface="+mn-ea"/>
               </a:rPr>
@@ -7832,28 +9586,28 @@
               <a:t> </a:t>
             </a:r>
             <a:r>
-              <a:rPr lang="en-US" altLang="ko-KR" sz="1200" dirty="0" smtClean="0">
+              <a:rPr lang="en-US" altLang="ko-KR" sz="1200" b="1" u="sng" dirty="0" smtClean="0">
                 <a:latin typeface="+mn-ea"/>
                 <a:ea typeface="+mn-ea"/>
               </a:rPr>
               <a:t>- </a:t>
             </a:r>
             <a:r>
-              <a:rPr lang="ko-KR" altLang="en-US" sz="1200" dirty="0" smtClean="0">
+              <a:rPr lang="ko-KR" altLang="en-US" sz="1200" b="1" u="sng" dirty="0" smtClean="0">
                 <a:latin typeface="+mn-ea"/>
                 <a:ea typeface="+mn-ea"/>
               </a:rPr>
               <a:t>시프트</a:t>
             </a:r>
             <a:r>
-              <a:rPr lang="en-US" altLang="ko-KR" sz="1200" dirty="0" smtClean="0">
+              <a:rPr lang="en-US" altLang="ko-KR" sz="1200" b="1" u="sng" dirty="0" smtClean="0">
                 <a:latin typeface="+mn-ea"/>
                 <a:ea typeface="+mn-ea"/>
               </a:rPr>
               <a:t>(shift) </a:t>
             </a:r>
             <a:r>
-              <a:rPr lang="ko-KR" altLang="en-US" sz="1200" dirty="0" smtClean="0">
+              <a:rPr lang="ko-KR" altLang="en-US" sz="1200" b="1" u="sng" dirty="0" smtClean="0">
                 <a:latin typeface="+mn-ea"/>
                 <a:ea typeface="+mn-ea"/>
               </a:rPr>
@@ -8032,21 +9786,21 @@
               </a:rPr>
             </a:br>
             <a:r>
-              <a:rPr lang="ko-KR" altLang="en-US" sz="1200" dirty="0" smtClean="0">
+              <a:rPr lang="ko-KR" altLang="en-US" sz="1200" b="1" u="sng" dirty="0" smtClean="0">
                 <a:latin typeface="+mn-ea"/>
                 <a:ea typeface="+mn-ea"/>
               </a:rPr>
               <a:t> </a:t>
             </a:r>
             <a:r>
-              <a:rPr lang="en-US" altLang="ko-KR" sz="1200" dirty="0" smtClean="0">
+              <a:rPr lang="en-US" altLang="ko-KR" sz="1200" b="1" u="sng" dirty="0" smtClean="0">
                 <a:latin typeface="+mn-ea"/>
                 <a:ea typeface="+mn-ea"/>
               </a:rPr>
               <a:t>- </a:t>
             </a:r>
             <a:r>
-              <a:rPr lang="ko-KR" altLang="en-US" sz="1200" dirty="0" smtClean="0">
+              <a:rPr lang="ko-KR" altLang="en-US" sz="1200" b="1" u="sng" dirty="0" smtClean="0">
                 <a:latin typeface="+mn-ea"/>
                 <a:ea typeface="+mn-ea"/>
               </a:rPr>
@@ -8226,7 +9980,7 @@
     </p:spTree>
     <p:extLst>
       <p:ext uri="{BB962C8B-B14F-4D97-AF65-F5344CB8AC3E}">
-        <p14:creationId xmlns:p14="http://schemas.microsoft.com/office/powerpoint/2010/main" xmlns="" val="4131542772"/>
+        <p14:creationId xmlns="" xmlns:p14="http://schemas.microsoft.com/office/powerpoint/2010/main" val="4131542772"/>
       </p:ext>
     </p:extLst>
   </p:cSld>
@@ -8265,7 +10019,7 @@
           <p:cNvPr id="3" name="텍스트 개체 틀 2">
             <a:extLst>
               <a:ext uri="{FF2B5EF4-FFF2-40B4-BE49-F238E27FC236}">
-                <a16:creationId xmlns:a16="http://schemas.microsoft.com/office/drawing/2014/main" xmlns="" id="{193707F8-7D35-49D6-97F9-C7ED24B53287}"/>
+                <a16:creationId xmlns="" xmlns:a16="http://schemas.microsoft.com/office/drawing/2014/main" id="{193707F8-7D35-49D6-97F9-C7ED24B53287}"/>
               </a:ext>
             </a:extLst>
           </p:cNvPr>
@@ -8298,7 +10052,7 @@
           <p:cNvPr id="5" name="슬라이드 번호 개체 틀 4">
             <a:extLst>
               <a:ext uri="{FF2B5EF4-FFF2-40B4-BE49-F238E27FC236}">
-                <a16:creationId xmlns:a16="http://schemas.microsoft.com/office/drawing/2014/main" xmlns="" id="{7B8300BC-19A2-42D0-BBC6-4599CDA8AB1E}"/>
+                <a16:creationId xmlns="" xmlns:a16="http://schemas.microsoft.com/office/drawing/2014/main" id="{7B8300BC-19A2-42D0-BBC6-4599CDA8AB1E}"/>
               </a:ext>
             </a:extLst>
           </p:cNvPr>
@@ -8336,7 +10090,7 @@
         </p:nvSpPr>
         <p:spPr>
           <a:xfrm>
-            <a:off x="704528" y="1052736"/>
+            <a:off x="704528" y="1052737"/>
             <a:ext cx="8424936" cy="5184576"/>
           </a:xfrm>
           <a:prstGeom prst="rect">
@@ -8351,1245 +10105,1467 @@
           <a:lstStyle/>
           <a:p>
             <a:r>
-              <a:rPr lang="ko-KR" altLang="en-US" sz="1200" dirty="0" smtClean="0">
+              <a:rPr lang="en-US" altLang="ko-KR" sz="1100" b="1" u="sng" dirty="0" smtClean="0">
+                <a:latin typeface="+mn-ea"/>
+                <a:ea typeface="+mn-ea"/>
+              </a:rPr>
+              <a:t>- </a:t>
+            </a:r>
+            <a:r>
+              <a:rPr lang="ko-KR" altLang="en-US" sz="1100" b="1" u="sng" dirty="0" smtClean="0">
+                <a:latin typeface="+mn-ea"/>
+                <a:ea typeface="+mn-ea"/>
+              </a:rPr>
+              <a:t>기본 논리 회로</a:t>
+            </a:r>
+          </a:p>
+          <a:p>
+            <a:r>
+              <a:rPr lang="ko-KR" altLang="en-US" sz="1100" dirty="0" smtClean="0">
+                <a:latin typeface="+mn-ea"/>
+                <a:ea typeface="+mn-ea"/>
+              </a:rPr>
+              <a:t>    </a:t>
+            </a:r>
+            <a:r>
+              <a:rPr lang="en-US" altLang="ko-KR" sz="1100" dirty="0" smtClean="0">
+                <a:latin typeface="+mn-ea"/>
+                <a:ea typeface="+mn-ea"/>
+              </a:rPr>
+              <a:t>: AND </a:t>
+            </a:r>
+            <a:r>
+              <a:rPr lang="ko-KR" altLang="en-US" sz="1100" dirty="0" err="1" smtClean="0">
+                <a:latin typeface="+mn-ea"/>
+                <a:ea typeface="+mn-ea"/>
+              </a:rPr>
+              <a:t>게이트는</a:t>
+            </a:r>
+            <a:r>
+              <a:rPr lang="ko-KR" altLang="en-US" sz="1100" dirty="0" smtClean="0">
                 <a:latin typeface="+mn-ea"/>
                 <a:ea typeface="+mn-ea"/>
               </a:rPr>
               <a:t> </a:t>
             </a:r>
             <a:r>
-              <a:rPr lang="en-US" altLang="ko-KR" sz="1200" dirty="0" smtClean="0">
-                <a:latin typeface="+mn-ea"/>
-                <a:ea typeface="+mn-ea"/>
-              </a:rPr>
-              <a:t>- ALU(Arithmetic and Logical Unit)</a:t>
-            </a:r>
-          </a:p>
-          <a:p>
-            <a:r>
-              <a:rPr lang="en-US" altLang="ko-KR" sz="1200" dirty="0" smtClean="0">
+              <a:rPr lang="en-US" altLang="ko-KR" sz="1100" dirty="0" smtClean="0">
+                <a:latin typeface="+mn-ea"/>
+                <a:ea typeface="+mn-ea"/>
+              </a:rPr>
+              <a:t>2</a:t>
+            </a:r>
+            <a:r>
+              <a:rPr lang="ko-KR" altLang="en-US" sz="1100" dirty="0" smtClean="0">
+                <a:latin typeface="+mn-ea"/>
+                <a:ea typeface="+mn-ea"/>
+              </a:rPr>
+              <a:t>개 이상의 입력에 대해 </a:t>
+            </a:r>
+            <a:r>
+              <a:rPr lang="en-US" altLang="ko-KR" sz="1100" dirty="0" smtClean="0">
+                <a:latin typeface="+mn-ea"/>
+                <a:ea typeface="+mn-ea"/>
+              </a:rPr>
+              <a:t>1</a:t>
+            </a:r>
+            <a:r>
+              <a:rPr lang="ko-KR" altLang="en-US" sz="1100" dirty="0" smtClean="0">
+                <a:latin typeface="+mn-ea"/>
+                <a:ea typeface="+mn-ea"/>
+              </a:rPr>
+              <a:t>개의 출력을 얻는 </a:t>
+            </a:r>
+            <a:r>
+              <a:rPr lang="ko-KR" altLang="en-US" sz="1100" dirty="0" err="1" smtClean="0">
+                <a:latin typeface="+mn-ea"/>
+                <a:ea typeface="+mn-ea"/>
+              </a:rPr>
+              <a:t>게이트</a:t>
+            </a:r>
+            <a:endParaRPr lang="ko-KR" altLang="en-US" sz="1100" dirty="0" smtClean="0">
+              <a:latin typeface="+mn-ea"/>
+              <a:ea typeface="+mn-ea"/>
+            </a:endParaRPr>
+          </a:p>
+          <a:p>
+            <a:r>
+              <a:rPr lang="ko-KR" altLang="en-US" sz="1100" dirty="0" smtClean="0">
+                <a:latin typeface="+mn-ea"/>
+                <a:ea typeface="+mn-ea"/>
+              </a:rPr>
+              <a:t>    </a:t>
+            </a:r>
+            <a:r>
+              <a:rPr lang="en-US" altLang="ko-KR" sz="1100" dirty="0" smtClean="0">
+                <a:latin typeface="+mn-ea"/>
+                <a:ea typeface="+mn-ea"/>
+              </a:rPr>
+              <a:t>: OR </a:t>
+            </a:r>
+            <a:r>
+              <a:rPr lang="ko-KR" altLang="en-US" sz="1100" dirty="0" err="1" smtClean="0">
+                <a:latin typeface="+mn-ea"/>
+                <a:ea typeface="+mn-ea"/>
+              </a:rPr>
+              <a:t>게이트는</a:t>
+            </a:r>
+            <a:r>
+              <a:rPr lang="ko-KR" altLang="en-US" sz="1100" dirty="0" smtClean="0">
+                <a:latin typeface="+mn-ea"/>
+                <a:ea typeface="+mn-ea"/>
+              </a:rPr>
+              <a:t> </a:t>
+            </a:r>
+            <a:r>
+              <a:rPr lang="en-US" altLang="ko-KR" sz="1100" dirty="0" smtClean="0">
+                <a:latin typeface="+mn-ea"/>
+                <a:ea typeface="+mn-ea"/>
+              </a:rPr>
+              <a:t>2</a:t>
+            </a:r>
+            <a:r>
+              <a:rPr lang="ko-KR" altLang="en-US" sz="1100" dirty="0" smtClean="0">
+                <a:latin typeface="+mn-ea"/>
+                <a:ea typeface="+mn-ea"/>
+              </a:rPr>
+              <a:t>개 이상의 입력에 대해 </a:t>
+            </a:r>
+            <a:r>
+              <a:rPr lang="en-US" altLang="ko-KR" sz="1100" dirty="0" smtClean="0">
+                <a:latin typeface="+mn-ea"/>
+                <a:ea typeface="+mn-ea"/>
+              </a:rPr>
+              <a:t>1</a:t>
+            </a:r>
+            <a:r>
+              <a:rPr lang="ko-KR" altLang="en-US" sz="1100" dirty="0" smtClean="0">
+                <a:latin typeface="+mn-ea"/>
+                <a:ea typeface="+mn-ea"/>
+              </a:rPr>
+              <a:t>개의 출력을 얻는 </a:t>
+            </a:r>
+            <a:r>
+              <a:rPr lang="ko-KR" altLang="en-US" sz="1100" dirty="0" err="1" smtClean="0">
+                <a:latin typeface="+mn-ea"/>
+                <a:ea typeface="+mn-ea"/>
+              </a:rPr>
+              <a:t>게이트</a:t>
+            </a:r>
+            <a:endParaRPr lang="ko-KR" altLang="en-US" sz="1100" dirty="0" smtClean="0">
+              <a:latin typeface="+mn-ea"/>
+              <a:ea typeface="+mn-ea"/>
+            </a:endParaRPr>
+          </a:p>
+          <a:p>
+            <a:r>
+              <a:rPr lang="ko-KR" altLang="en-US" sz="1100" dirty="0" smtClean="0">
+                <a:latin typeface="+mn-ea"/>
+                <a:ea typeface="+mn-ea"/>
+              </a:rPr>
+              <a:t>    </a:t>
+            </a:r>
+            <a:r>
+              <a:rPr lang="en-US" altLang="ko-KR" sz="1100" dirty="0" smtClean="0">
+                <a:latin typeface="+mn-ea"/>
+                <a:ea typeface="+mn-ea"/>
+              </a:rPr>
+              <a:t>: NOT </a:t>
+            </a:r>
+            <a:r>
+              <a:rPr lang="ko-KR" altLang="en-US" sz="1100" dirty="0" err="1" smtClean="0">
+                <a:latin typeface="+mn-ea"/>
+                <a:ea typeface="+mn-ea"/>
+              </a:rPr>
+              <a:t>게이트는</a:t>
+            </a:r>
+            <a:r>
+              <a:rPr lang="ko-KR" altLang="en-US" sz="1100" dirty="0" smtClean="0">
+                <a:latin typeface="+mn-ea"/>
+                <a:ea typeface="+mn-ea"/>
+              </a:rPr>
+              <a:t> </a:t>
+            </a:r>
+            <a:r>
+              <a:rPr lang="en-US" altLang="ko-KR" sz="1100" dirty="0" smtClean="0">
+                <a:latin typeface="+mn-ea"/>
+                <a:ea typeface="+mn-ea"/>
+              </a:rPr>
+              <a:t>1</a:t>
+            </a:r>
+            <a:r>
+              <a:rPr lang="ko-KR" altLang="en-US" sz="1100" dirty="0" smtClean="0">
+                <a:latin typeface="+mn-ea"/>
+                <a:ea typeface="+mn-ea"/>
+              </a:rPr>
+              <a:t>개의 입력과 </a:t>
+            </a:r>
+            <a:r>
+              <a:rPr lang="en-US" altLang="ko-KR" sz="1100" dirty="0" smtClean="0">
+                <a:latin typeface="+mn-ea"/>
+                <a:ea typeface="+mn-ea"/>
+              </a:rPr>
+              <a:t>1</a:t>
+            </a:r>
+            <a:r>
+              <a:rPr lang="ko-KR" altLang="en-US" sz="1100" dirty="0" smtClean="0">
+                <a:latin typeface="+mn-ea"/>
+                <a:ea typeface="+mn-ea"/>
+              </a:rPr>
+              <a:t>개의 출력을 갖는 </a:t>
+            </a:r>
+            <a:r>
+              <a:rPr lang="ko-KR" altLang="en-US" sz="1100" dirty="0" err="1" smtClean="0">
+                <a:latin typeface="+mn-ea"/>
+                <a:ea typeface="+mn-ea"/>
+              </a:rPr>
+              <a:t>게이트로</a:t>
+            </a:r>
+            <a:r>
+              <a:rPr lang="ko-KR" altLang="en-US" sz="1100" dirty="0" smtClean="0">
+                <a:latin typeface="+mn-ea"/>
+                <a:ea typeface="+mn-ea"/>
+              </a:rPr>
+              <a:t> 논리 부정</a:t>
+            </a:r>
+          </a:p>
+          <a:p>
+            <a:r>
+              <a:rPr lang="ko-KR" altLang="en-US" sz="1100" dirty="0" smtClean="0">
+                <a:latin typeface="+mn-ea"/>
+                <a:ea typeface="+mn-ea"/>
+              </a:rPr>
+              <a:t>    </a:t>
+            </a:r>
+            <a:r>
+              <a:rPr lang="en-US" altLang="ko-KR" sz="1100" dirty="0" smtClean="0">
+                <a:latin typeface="+mn-ea"/>
+                <a:ea typeface="+mn-ea"/>
+              </a:rPr>
+              <a:t>: NAND </a:t>
+            </a:r>
+            <a:r>
+              <a:rPr lang="ko-KR" altLang="en-US" sz="1100" dirty="0" err="1" smtClean="0">
+                <a:latin typeface="+mn-ea"/>
+                <a:ea typeface="+mn-ea"/>
+              </a:rPr>
+              <a:t>게이트는</a:t>
+            </a:r>
+            <a:r>
+              <a:rPr lang="ko-KR" altLang="en-US" sz="1100" dirty="0" smtClean="0">
+                <a:latin typeface="+mn-ea"/>
+                <a:ea typeface="+mn-ea"/>
+              </a:rPr>
+              <a:t> </a:t>
+            </a:r>
+            <a:r>
+              <a:rPr lang="en-US" altLang="ko-KR" sz="1100" dirty="0" smtClean="0">
+                <a:latin typeface="+mn-ea"/>
+                <a:ea typeface="+mn-ea"/>
+              </a:rPr>
+              <a:t>2</a:t>
+            </a:r>
+            <a:r>
+              <a:rPr lang="ko-KR" altLang="en-US" sz="1100" dirty="0" smtClean="0">
+                <a:latin typeface="+mn-ea"/>
+                <a:ea typeface="+mn-ea"/>
+              </a:rPr>
+              <a:t>개 이상의 입력에 대해 </a:t>
+            </a:r>
+            <a:r>
+              <a:rPr lang="en-US" altLang="ko-KR" sz="1100" dirty="0" smtClean="0">
+                <a:latin typeface="+mn-ea"/>
+                <a:ea typeface="+mn-ea"/>
+              </a:rPr>
+              <a:t>1</a:t>
+            </a:r>
+            <a:r>
+              <a:rPr lang="ko-KR" altLang="en-US" sz="1100" dirty="0" smtClean="0">
+                <a:latin typeface="+mn-ea"/>
+                <a:ea typeface="+mn-ea"/>
+              </a:rPr>
+              <a:t>개의 출력을 얻는 </a:t>
+            </a:r>
+            <a:r>
+              <a:rPr lang="ko-KR" altLang="en-US" sz="1100" dirty="0" err="1" smtClean="0">
+                <a:latin typeface="+mn-ea"/>
+                <a:ea typeface="+mn-ea"/>
+              </a:rPr>
+              <a:t>게이트</a:t>
+            </a:r>
+            <a:endParaRPr lang="ko-KR" altLang="en-US" sz="1100" dirty="0" smtClean="0">
+              <a:latin typeface="+mn-ea"/>
+              <a:ea typeface="+mn-ea"/>
+            </a:endParaRPr>
+          </a:p>
+          <a:p>
+            <a:r>
+              <a:rPr lang="ko-KR" altLang="en-US" sz="1100" dirty="0" smtClean="0">
+                <a:latin typeface="+mn-ea"/>
+                <a:ea typeface="+mn-ea"/>
+              </a:rPr>
+              <a:t>    </a:t>
+            </a:r>
+            <a:r>
+              <a:rPr lang="en-US" altLang="ko-KR" sz="1100" dirty="0" smtClean="0">
+                <a:latin typeface="+mn-ea"/>
+                <a:ea typeface="+mn-ea"/>
+              </a:rPr>
+              <a:t>: NOR </a:t>
+            </a:r>
+            <a:r>
+              <a:rPr lang="ko-KR" altLang="en-US" sz="1100" dirty="0" err="1" smtClean="0">
+                <a:latin typeface="+mn-ea"/>
+                <a:ea typeface="+mn-ea"/>
+              </a:rPr>
+              <a:t>게이트는</a:t>
+            </a:r>
+            <a:r>
+              <a:rPr lang="ko-KR" altLang="en-US" sz="1100" dirty="0" smtClean="0">
+                <a:latin typeface="+mn-ea"/>
+                <a:ea typeface="+mn-ea"/>
+              </a:rPr>
+              <a:t> </a:t>
+            </a:r>
+            <a:r>
+              <a:rPr lang="en-US" altLang="ko-KR" sz="1100" dirty="0" smtClean="0">
+                <a:latin typeface="+mn-ea"/>
+                <a:ea typeface="+mn-ea"/>
+              </a:rPr>
+              <a:t>2</a:t>
+            </a:r>
+            <a:r>
+              <a:rPr lang="ko-KR" altLang="en-US" sz="1100" dirty="0" smtClean="0">
+                <a:latin typeface="+mn-ea"/>
+                <a:ea typeface="+mn-ea"/>
+              </a:rPr>
+              <a:t>개 이상의 입력에 대해 </a:t>
+            </a:r>
+            <a:r>
+              <a:rPr lang="en-US" altLang="ko-KR" sz="1100" dirty="0" smtClean="0">
+                <a:latin typeface="+mn-ea"/>
+                <a:ea typeface="+mn-ea"/>
+              </a:rPr>
+              <a:t>1</a:t>
+            </a:r>
+            <a:r>
+              <a:rPr lang="ko-KR" altLang="en-US" sz="1100" dirty="0" smtClean="0">
+                <a:latin typeface="+mn-ea"/>
+                <a:ea typeface="+mn-ea"/>
+              </a:rPr>
+              <a:t>개의 출력을 얻는 </a:t>
+            </a:r>
+            <a:r>
+              <a:rPr lang="ko-KR" altLang="en-US" sz="1100" dirty="0" err="1" smtClean="0">
+                <a:latin typeface="+mn-ea"/>
+                <a:ea typeface="+mn-ea"/>
+              </a:rPr>
+              <a:t>게이트</a:t>
+            </a:r>
+            <a:endParaRPr lang="ko-KR" altLang="en-US" sz="1100" dirty="0" smtClean="0">
+              <a:latin typeface="+mn-ea"/>
+              <a:ea typeface="+mn-ea"/>
+            </a:endParaRPr>
+          </a:p>
+          <a:p>
+            <a:r>
+              <a:rPr lang="ko-KR" altLang="en-US" sz="1100" dirty="0" smtClean="0">
+                <a:latin typeface="+mn-ea"/>
+                <a:ea typeface="+mn-ea"/>
+              </a:rPr>
+              <a:t>    </a:t>
+            </a:r>
+            <a:r>
+              <a:rPr lang="en-US" altLang="ko-KR" sz="1100" dirty="0" smtClean="0">
+                <a:latin typeface="+mn-ea"/>
+                <a:ea typeface="+mn-ea"/>
+              </a:rPr>
+              <a:t>: XOR </a:t>
+            </a:r>
+            <a:r>
+              <a:rPr lang="ko-KR" altLang="en-US" sz="1100" dirty="0" err="1" smtClean="0">
+                <a:latin typeface="+mn-ea"/>
+                <a:ea typeface="+mn-ea"/>
+              </a:rPr>
+              <a:t>게이트는</a:t>
+            </a:r>
+            <a:r>
+              <a:rPr lang="ko-KR" altLang="en-US" sz="1100" dirty="0" smtClean="0">
+                <a:latin typeface="+mn-ea"/>
+                <a:ea typeface="+mn-ea"/>
+              </a:rPr>
+              <a:t> 배타적 논리합이며 홀수 개의 </a:t>
+            </a:r>
+            <a:r>
+              <a:rPr lang="en-US" altLang="ko-KR" sz="1100" dirty="0" smtClean="0">
+                <a:latin typeface="+mn-ea"/>
+                <a:ea typeface="+mn-ea"/>
+              </a:rPr>
+              <a:t>1</a:t>
+            </a:r>
+            <a:r>
+              <a:rPr lang="ko-KR" altLang="en-US" sz="1100" dirty="0" smtClean="0">
+                <a:latin typeface="+mn-ea"/>
+                <a:ea typeface="+mn-ea"/>
+              </a:rPr>
+              <a:t>이 입력된 경우 출력이 </a:t>
+            </a:r>
+            <a:r>
+              <a:rPr lang="en-US" altLang="ko-KR" sz="1100" dirty="0" smtClean="0">
+                <a:latin typeface="+mn-ea"/>
+                <a:ea typeface="+mn-ea"/>
+              </a:rPr>
+              <a:t>1, </a:t>
+            </a:r>
+            <a:r>
+              <a:rPr lang="ko-KR" altLang="en-US" sz="1100" dirty="0" smtClean="0">
+                <a:latin typeface="+mn-ea"/>
+                <a:ea typeface="+mn-ea"/>
+              </a:rPr>
+              <a:t>짝수 개의 </a:t>
+            </a:r>
+            <a:r>
+              <a:rPr lang="en-US" altLang="ko-KR" sz="1100" dirty="0" smtClean="0">
+                <a:latin typeface="+mn-ea"/>
+                <a:ea typeface="+mn-ea"/>
+              </a:rPr>
+              <a:t>1</a:t>
+            </a:r>
+            <a:r>
+              <a:rPr lang="ko-KR" altLang="en-US" sz="1100" dirty="0" smtClean="0">
+                <a:latin typeface="+mn-ea"/>
+                <a:ea typeface="+mn-ea"/>
+              </a:rPr>
+              <a:t>이 입력된 경우 출력이 </a:t>
+            </a:r>
+            <a:r>
+              <a:rPr lang="en-US" altLang="ko-KR" sz="1100" dirty="0" smtClean="0">
+                <a:latin typeface="+mn-ea"/>
+                <a:ea typeface="+mn-ea"/>
+              </a:rPr>
+              <a:t>0</a:t>
+            </a:r>
+          </a:p>
+          <a:p>
+            <a:r>
+              <a:rPr lang="en-US" altLang="ko-KR" sz="1100" dirty="0" smtClean="0">
+                <a:latin typeface="+mn-ea"/>
+                <a:ea typeface="+mn-ea"/>
+              </a:rPr>
+              <a:t/>
+            </a:r>
+            <a:br>
+              <a:rPr lang="en-US" altLang="ko-KR" sz="1100" dirty="0" smtClean="0">
+                <a:latin typeface="+mn-ea"/>
+                <a:ea typeface="+mn-ea"/>
+              </a:rPr>
+            </a:br>
+            <a:r>
+              <a:rPr lang="en-US" altLang="ko-KR" sz="1100" dirty="0" smtClean="0">
+                <a:latin typeface="+mn-ea"/>
+                <a:ea typeface="+mn-ea"/>
+              </a:rPr>
+              <a:t>- </a:t>
+            </a:r>
+            <a:r>
+              <a:rPr lang="ko-KR" altLang="en-US" sz="1100" dirty="0" err="1" smtClean="0">
+                <a:latin typeface="+mn-ea"/>
+                <a:ea typeface="+mn-ea"/>
+              </a:rPr>
+              <a:t>부울</a:t>
+            </a:r>
+            <a:r>
+              <a:rPr lang="ko-KR" altLang="en-US" sz="1100" dirty="0" smtClean="0">
+                <a:latin typeface="+mn-ea"/>
+                <a:ea typeface="+mn-ea"/>
+              </a:rPr>
+              <a:t> 대수</a:t>
+            </a:r>
+            <a:r>
+              <a:rPr lang="en-US" altLang="ko-KR" sz="1100" dirty="0" smtClean="0">
+                <a:latin typeface="+mn-ea"/>
+                <a:ea typeface="+mn-ea"/>
+              </a:rPr>
+              <a:t>(Boolean Algebra)</a:t>
+            </a:r>
+          </a:p>
+          <a:p>
+            <a:r>
+              <a:rPr lang="en-US" altLang="ko-KR" sz="1100" dirty="0" smtClean="0">
                 <a:latin typeface="+mn-ea"/>
                 <a:ea typeface="+mn-ea"/>
               </a:rPr>
               <a:t>    : </a:t>
             </a:r>
             <a:r>
-              <a:rPr lang="ko-KR" altLang="en-US" sz="1200" dirty="0" smtClean="0">
-                <a:latin typeface="+mn-ea"/>
-                <a:ea typeface="+mn-ea"/>
-              </a:rPr>
-              <a:t>덧셈</a:t>
-            </a:r>
-            <a:r>
-              <a:rPr lang="en-US" altLang="ko-KR" sz="1200" dirty="0" smtClean="0">
+              <a:rPr lang="ko-KR" altLang="en-US" sz="1100" dirty="0" smtClean="0">
+                <a:latin typeface="+mn-ea"/>
+                <a:ea typeface="+mn-ea"/>
+              </a:rPr>
+              <a:t>어떤 명제의 참과 거짓을 이진수 </a:t>
+            </a:r>
+            <a:r>
+              <a:rPr lang="en-US" altLang="ko-KR" sz="1100" dirty="0" smtClean="0">
+                <a:latin typeface="+mn-ea"/>
+                <a:ea typeface="+mn-ea"/>
+              </a:rPr>
+              <a:t>1</a:t>
+            </a:r>
+            <a:r>
+              <a:rPr lang="ko-KR" altLang="en-US" sz="1100" dirty="0" smtClean="0">
+                <a:latin typeface="+mn-ea"/>
+                <a:ea typeface="+mn-ea"/>
+              </a:rPr>
+              <a:t>과 </a:t>
+            </a:r>
+            <a:r>
+              <a:rPr lang="en-US" altLang="ko-KR" sz="1100" dirty="0" smtClean="0">
+                <a:latin typeface="+mn-ea"/>
+                <a:ea typeface="+mn-ea"/>
+              </a:rPr>
+              <a:t>0</a:t>
+            </a:r>
+            <a:r>
+              <a:rPr lang="ko-KR" altLang="en-US" sz="1100" dirty="0" smtClean="0">
+                <a:latin typeface="+mn-ea"/>
+                <a:ea typeface="+mn-ea"/>
+              </a:rPr>
+              <a:t>에 대응시켜서 명제와 명제간의 관계를 수학적으로 표현하는 것</a:t>
+            </a:r>
+          </a:p>
+          <a:p>
+            <a:r>
+              <a:rPr lang="ko-KR" altLang="en-US" sz="1100" dirty="0" smtClean="0">
+                <a:latin typeface="+mn-ea"/>
+                <a:ea typeface="+mn-ea"/>
+              </a:rPr>
+              <a:t>    </a:t>
+            </a:r>
+            <a:r>
+              <a:rPr lang="en-US" altLang="ko-KR" sz="1100" dirty="0" smtClean="0">
+                <a:latin typeface="+mn-ea"/>
+                <a:ea typeface="+mn-ea"/>
+              </a:rPr>
+              <a:t>: </a:t>
+            </a:r>
+            <a:r>
+              <a:rPr lang="ko-KR" altLang="en-US" sz="1100" dirty="0" smtClean="0">
+                <a:latin typeface="+mn-ea"/>
+                <a:ea typeface="+mn-ea"/>
+              </a:rPr>
+              <a:t>기본 연산 </a:t>
+            </a:r>
+            <a:r>
+              <a:rPr lang="en-US" altLang="ko-KR" sz="1100" dirty="0" smtClean="0">
+                <a:latin typeface="+mn-ea"/>
+                <a:ea typeface="+mn-ea"/>
+              </a:rPr>
+              <a:t>// </a:t>
+            </a:r>
+            <a:r>
+              <a:rPr lang="ko-KR" altLang="en-US" sz="1100" dirty="0" smtClean="0">
+                <a:latin typeface="+mn-ea"/>
+                <a:ea typeface="+mn-ea"/>
+              </a:rPr>
+              <a:t>논리동작 </a:t>
+            </a:r>
+            <a:r>
+              <a:rPr lang="en-US" altLang="ko-KR" sz="1100" dirty="0" smtClean="0">
+                <a:latin typeface="+mn-ea"/>
+                <a:ea typeface="+mn-ea"/>
+              </a:rPr>
+              <a:t>(logic operation) == OR, AND, NOT</a:t>
+            </a:r>
+          </a:p>
+          <a:p>
+            <a:r>
+              <a:rPr lang="en-US" altLang="ko-KR" sz="1100" dirty="0" smtClean="0">
+                <a:latin typeface="+mn-ea"/>
+                <a:ea typeface="+mn-ea"/>
+              </a:rPr>
+              <a:t/>
+            </a:r>
+            <a:br>
+              <a:rPr lang="en-US" altLang="ko-KR" sz="1100" dirty="0" smtClean="0">
+                <a:latin typeface="+mn-ea"/>
+                <a:ea typeface="+mn-ea"/>
+              </a:rPr>
+            </a:br>
+            <a:r>
+              <a:rPr lang="en-US" altLang="ko-KR" sz="1100" b="1" u="sng" dirty="0" smtClean="0">
+                <a:latin typeface="+mn-ea"/>
+                <a:ea typeface="+mn-ea"/>
+              </a:rPr>
+              <a:t>- </a:t>
+            </a:r>
+            <a:r>
+              <a:rPr lang="ko-KR" altLang="en-US" sz="1100" b="1" u="sng" dirty="0" smtClean="0">
+                <a:latin typeface="+mn-ea"/>
+                <a:ea typeface="+mn-ea"/>
+              </a:rPr>
+              <a:t>논리 회로의 </a:t>
+            </a:r>
+            <a:r>
+              <a:rPr lang="ko-KR" altLang="en-US" sz="1100" b="1" u="sng" dirty="0" err="1" smtClean="0">
+                <a:latin typeface="+mn-ea"/>
+                <a:ea typeface="+mn-ea"/>
+              </a:rPr>
+              <a:t>간략화</a:t>
+            </a:r>
+            <a:endParaRPr lang="ko-KR" altLang="en-US" sz="1100" b="1" u="sng" dirty="0" smtClean="0">
+              <a:latin typeface="+mn-ea"/>
+              <a:ea typeface="+mn-ea"/>
+            </a:endParaRPr>
+          </a:p>
+          <a:p>
+            <a:r>
+              <a:rPr lang="ko-KR" altLang="en-US" sz="1100" dirty="0" smtClean="0">
+                <a:latin typeface="+mn-ea"/>
+                <a:ea typeface="+mn-ea"/>
+              </a:rPr>
+              <a:t>    </a:t>
+            </a:r>
+            <a:r>
+              <a:rPr lang="en-US" altLang="ko-KR" sz="1100" dirty="0" smtClean="0">
+                <a:latin typeface="+mn-ea"/>
+                <a:ea typeface="+mn-ea"/>
+              </a:rPr>
+              <a:t>: </a:t>
+            </a:r>
+            <a:r>
+              <a:rPr lang="ko-KR" altLang="en-US" sz="1100" dirty="0" smtClean="0">
+                <a:latin typeface="+mn-ea"/>
+                <a:ea typeface="+mn-ea"/>
+              </a:rPr>
+              <a:t>분배법칙</a:t>
+            </a:r>
+          </a:p>
+          <a:p>
+            <a:r>
+              <a:rPr lang="ko-KR" altLang="en-US" sz="1100" dirty="0" smtClean="0">
+                <a:latin typeface="+mn-ea"/>
+                <a:ea typeface="+mn-ea"/>
+              </a:rPr>
+              <a:t>        </a:t>
+            </a:r>
+            <a:r>
+              <a:rPr lang="en-US" altLang="ko-KR" sz="1100" dirty="0" smtClean="0">
+                <a:latin typeface="+mn-ea"/>
+                <a:ea typeface="+mn-ea"/>
+              </a:rPr>
+              <a:t>A+A'B=(A+A')(A+B)</a:t>
+            </a:r>
+          </a:p>
+          <a:p>
+            <a:r>
+              <a:rPr lang="en-US" altLang="ko-KR" sz="1100" dirty="0" smtClean="0">
+                <a:latin typeface="+mn-ea"/>
+                <a:ea typeface="+mn-ea"/>
+              </a:rPr>
+              <a:t>    : </a:t>
+            </a:r>
+            <a:r>
+              <a:rPr lang="ko-KR" altLang="en-US" sz="1100" dirty="0" smtClean="0">
+                <a:latin typeface="+mn-ea"/>
+                <a:ea typeface="+mn-ea"/>
+              </a:rPr>
+              <a:t>결합법칙</a:t>
+            </a:r>
+          </a:p>
+          <a:p>
+            <a:r>
+              <a:rPr lang="ko-KR" altLang="en-US" sz="1100" dirty="0" smtClean="0">
+                <a:latin typeface="+mn-ea"/>
+                <a:ea typeface="+mn-ea"/>
+              </a:rPr>
+              <a:t>        </a:t>
+            </a:r>
+            <a:r>
+              <a:rPr lang="en-US" altLang="ko-KR" sz="1100" dirty="0" smtClean="0">
+                <a:latin typeface="+mn-ea"/>
+                <a:ea typeface="+mn-ea"/>
+              </a:rPr>
+              <a:t>(A+A')(A+B)</a:t>
+            </a:r>
+            <a:endParaRPr lang="ko-KR" altLang="en-US" sz="1100" dirty="0" smtClean="0">
+              <a:latin typeface="+mn-ea"/>
+              <a:ea typeface="+mn-ea"/>
+            </a:endParaRPr>
+          </a:p>
+          <a:p>
+            <a:r>
+              <a:rPr lang="ko-KR" altLang="en-US" sz="1100" dirty="0" smtClean="0">
+                <a:latin typeface="+mn-ea"/>
+                <a:ea typeface="+mn-ea"/>
+              </a:rPr>
+              <a:t>    </a:t>
+            </a:r>
+            <a:r>
+              <a:rPr lang="en-US" altLang="ko-KR" sz="1100" dirty="0" smtClean="0">
+                <a:latin typeface="+mn-ea"/>
+                <a:ea typeface="+mn-ea"/>
+              </a:rPr>
+              <a:t>: </a:t>
+            </a:r>
+            <a:r>
+              <a:rPr lang="ko-KR" altLang="en-US" sz="1100" dirty="0" err="1" smtClean="0">
+                <a:latin typeface="+mn-ea"/>
+                <a:ea typeface="+mn-ea"/>
+              </a:rPr>
+              <a:t>드모르간의</a:t>
+            </a:r>
+            <a:r>
+              <a:rPr lang="ko-KR" altLang="en-US" sz="1100" dirty="0" smtClean="0">
+                <a:latin typeface="+mn-ea"/>
+                <a:ea typeface="+mn-ea"/>
+              </a:rPr>
+              <a:t> 법칙</a:t>
+            </a:r>
+          </a:p>
+          <a:p>
+            <a:r>
+              <a:rPr lang="ko-KR" altLang="en-US" sz="1100" dirty="0" smtClean="0">
+                <a:latin typeface="+mn-ea"/>
+                <a:ea typeface="+mn-ea"/>
+              </a:rPr>
+              <a:t>        </a:t>
+            </a:r>
+            <a:r>
+              <a:rPr lang="en-US" altLang="ko-KR" sz="1100" dirty="0" smtClean="0">
+                <a:latin typeface="+mn-ea"/>
+                <a:ea typeface="+mn-ea"/>
+              </a:rPr>
+              <a:t>(A+B)'=A'+B'</a:t>
+            </a:r>
+            <a:endParaRPr lang="ko-KR" altLang="en-US" sz="1100" dirty="0" smtClean="0">
+              <a:latin typeface="+mn-ea"/>
+              <a:ea typeface="+mn-ea"/>
+            </a:endParaRPr>
+          </a:p>
+          <a:p>
+            <a:r>
+              <a:rPr lang="ko-KR" altLang="en-US" sz="1100" dirty="0" smtClean="0">
+                <a:latin typeface="+mn-ea"/>
+                <a:ea typeface="+mn-ea"/>
+              </a:rPr>
+              <a:t/>
+            </a:r>
+            <a:br>
+              <a:rPr lang="ko-KR" altLang="en-US" sz="1100" dirty="0" smtClean="0">
+                <a:latin typeface="+mn-ea"/>
+                <a:ea typeface="+mn-ea"/>
+              </a:rPr>
+            </a:br>
+            <a:r>
+              <a:rPr lang="en-US" altLang="ko-KR" sz="1100" b="1" u="sng" dirty="0" smtClean="0">
+                <a:latin typeface="+mn-ea"/>
+                <a:ea typeface="+mn-ea"/>
+              </a:rPr>
+              <a:t>- </a:t>
+            </a:r>
+            <a:r>
+              <a:rPr lang="ko-KR" altLang="en-US" sz="1100" b="1" u="sng" dirty="0" smtClean="0">
+                <a:latin typeface="+mn-ea"/>
+                <a:ea typeface="+mn-ea"/>
+              </a:rPr>
+              <a:t>조합 회로</a:t>
+            </a:r>
+            <a:r>
+              <a:rPr lang="en-US" altLang="ko-KR" sz="1100" b="1" u="sng" dirty="0" smtClean="0">
+                <a:latin typeface="+mn-ea"/>
+                <a:ea typeface="+mn-ea"/>
+              </a:rPr>
+              <a:t>(Combinational Circuit)</a:t>
+            </a:r>
+          </a:p>
+          <a:p>
+            <a:r>
+              <a:rPr lang="en-US" altLang="ko-KR" sz="1100" dirty="0" smtClean="0">
+                <a:latin typeface="+mn-ea"/>
+                <a:ea typeface="+mn-ea"/>
+              </a:rPr>
+              <a:t>    : </a:t>
+            </a:r>
+            <a:r>
+              <a:rPr lang="ko-KR" altLang="en-US" sz="1100" dirty="0" smtClean="0">
+                <a:latin typeface="+mn-ea"/>
+                <a:ea typeface="+mn-ea"/>
+              </a:rPr>
+              <a:t>명세</a:t>
+            </a:r>
+            <a:r>
+              <a:rPr lang="en-US" altLang="ko-KR" sz="1100" dirty="0" smtClean="0">
+                <a:latin typeface="+mn-ea"/>
+                <a:ea typeface="+mn-ea"/>
+              </a:rPr>
+              <a:t>Specification: </a:t>
+            </a:r>
+            <a:r>
+              <a:rPr lang="ko-KR" altLang="en-US" sz="1100" dirty="0" smtClean="0">
+                <a:latin typeface="+mn-ea"/>
+                <a:ea typeface="+mn-ea"/>
+              </a:rPr>
+              <a:t>회로가 정확히 어떻게 동작할지 정의</a:t>
+            </a:r>
+          </a:p>
+          <a:p>
+            <a:r>
+              <a:rPr lang="ko-KR" altLang="en-US" sz="1100" dirty="0" smtClean="0">
+                <a:latin typeface="+mn-ea"/>
+                <a:ea typeface="+mn-ea"/>
+              </a:rPr>
+              <a:t>    </a:t>
+            </a:r>
+            <a:r>
+              <a:rPr lang="en-US" altLang="ko-KR" sz="1100" dirty="0" smtClean="0">
+                <a:latin typeface="+mn-ea"/>
+                <a:ea typeface="+mn-ea"/>
+              </a:rPr>
+              <a:t>: </a:t>
+            </a:r>
+            <a:r>
+              <a:rPr lang="ko-KR" altLang="en-US" sz="1100" dirty="0" smtClean="0">
+                <a:latin typeface="+mn-ea"/>
+                <a:ea typeface="+mn-ea"/>
+              </a:rPr>
+              <a:t>공식화</a:t>
+            </a:r>
+            <a:r>
+              <a:rPr lang="en-US" altLang="ko-KR" sz="1100" dirty="0" smtClean="0">
+                <a:latin typeface="+mn-ea"/>
+                <a:ea typeface="+mn-ea"/>
+              </a:rPr>
+              <a:t>Formulation: </a:t>
+            </a:r>
+            <a:r>
+              <a:rPr lang="ko-KR" altLang="en-US" sz="1100" dirty="0" smtClean="0">
+                <a:latin typeface="+mn-ea"/>
+                <a:ea typeface="+mn-ea"/>
+              </a:rPr>
+              <a:t>입력과 출력간의 관계를 나타내는 </a:t>
+            </a:r>
+            <a:r>
+              <a:rPr lang="ko-KR" altLang="en-US" sz="1100" dirty="0" err="1" smtClean="0">
+                <a:latin typeface="+mn-ea"/>
+                <a:ea typeface="+mn-ea"/>
+              </a:rPr>
+              <a:t>부울</a:t>
+            </a:r>
+            <a:r>
+              <a:rPr lang="ko-KR" altLang="en-US" sz="1100" dirty="0" smtClean="0">
+                <a:latin typeface="+mn-ea"/>
+                <a:ea typeface="+mn-ea"/>
+              </a:rPr>
+              <a:t> 공식이나 </a:t>
+            </a:r>
+            <a:r>
+              <a:rPr lang="ko-KR" altLang="en-US" sz="1100" dirty="0" err="1" smtClean="0">
+                <a:latin typeface="+mn-ea"/>
+                <a:ea typeface="+mn-ea"/>
+              </a:rPr>
+              <a:t>진리표를</a:t>
+            </a:r>
+            <a:r>
+              <a:rPr lang="ko-KR" altLang="en-US" sz="1100" dirty="0" smtClean="0">
+                <a:latin typeface="+mn-ea"/>
+                <a:ea typeface="+mn-ea"/>
+              </a:rPr>
+              <a:t> 작성</a:t>
+            </a:r>
+          </a:p>
+          <a:p>
+            <a:r>
+              <a:rPr lang="ko-KR" altLang="en-US" sz="1100" dirty="0" smtClean="0">
+                <a:latin typeface="+mn-ea"/>
+                <a:ea typeface="+mn-ea"/>
+              </a:rPr>
+              <a:t>    </a:t>
+            </a:r>
+            <a:r>
+              <a:rPr lang="en-US" altLang="ko-KR" sz="1100" dirty="0" smtClean="0">
+                <a:latin typeface="+mn-ea"/>
+                <a:ea typeface="+mn-ea"/>
+              </a:rPr>
+              <a:t>: </a:t>
+            </a:r>
+            <a:r>
+              <a:rPr lang="ko-KR" altLang="en-US" sz="1100" dirty="0" smtClean="0">
+                <a:latin typeface="+mn-ea"/>
+                <a:ea typeface="+mn-ea"/>
+              </a:rPr>
+              <a:t>최적화</a:t>
+            </a:r>
+            <a:r>
+              <a:rPr lang="en-US" altLang="ko-KR" sz="1100" dirty="0" smtClean="0">
+                <a:latin typeface="+mn-ea"/>
+                <a:ea typeface="+mn-ea"/>
+              </a:rPr>
+              <a:t>Optimization: K-map </a:t>
+            </a:r>
+            <a:r>
+              <a:rPr lang="ko-KR" altLang="en-US" sz="1100" dirty="0" smtClean="0">
+                <a:latin typeface="+mn-ea"/>
+                <a:ea typeface="+mn-ea"/>
+              </a:rPr>
+              <a:t>등을 사용하여 </a:t>
+            </a:r>
+            <a:r>
+              <a:rPr lang="ko-KR" altLang="en-US" sz="1100" dirty="0" err="1" smtClean="0">
+                <a:latin typeface="+mn-ea"/>
+                <a:ea typeface="+mn-ea"/>
+              </a:rPr>
+              <a:t>진리표를</a:t>
+            </a:r>
+            <a:r>
+              <a:rPr lang="ko-KR" altLang="en-US" sz="1100" dirty="0" smtClean="0">
+                <a:latin typeface="+mn-ea"/>
+                <a:ea typeface="+mn-ea"/>
+              </a:rPr>
+              <a:t> 최적화</a:t>
+            </a:r>
+          </a:p>
+          <a:p>
+            <a:r>
+              <a:rPr lang="ko-KR" altLang="en-US" sz="1100" dirty="0" smtClean="0">
+                <a:latin typeface="+mn-ea"/>
+                <a:ea typeface="+mn-ea"/>
+              </a:rPr>
+              <a:t>    </a:t>
+            </a:r>
+            <a:r>
+              <a:rPr lang="en-US" altLang="ko-KR" sz="1100" dirty="0" smtClean="0">
+                <a:latin typeface="+mn-ea"/>
+                <a:ea typeface="+mn-ea"/>
+              </a:rPr>
+              <a:t>: </a:t>
+            </a:r>
+            <a:r>
+              <a:rPr lang="ko-KR" altLang="en-US" sz="1100" dirty="0" err="1" smtClean="0">
+                <a:latin typeface="+mn-ea"/>
+                <a:ea typeface="+mn-ea"/>
+              </a:rPr>
+              <a:t>로직</a:t>
+            </a:r>
+            <a:r>
+              <a:rPr lang="ko-KR" altLang="en-US" sz="1100" dirty="0" smtClean="0">
+                <a:latin typeface="+mn-ea"/>
+                <a:ea typeface="+mn-ea"/>
+              </a:rPr>
+              <a:t> 다이어그램</a:t>
+            </a:r>
+            <a:r>
+              <a:rPr lang="en-US" altLang="ko-KR" sz="1100" dirty="0" smtClean="0">
+                <a:latin typeface="+mn-ea"/>
+                <a:ea typeface="+mn-ea"/>
+              </a:rPr>
+              <a:t>Logic Diagram: </a:t>
+            </a:r>
+            <a:r>
+              <a:rPr lang="ko-KR" altLang="en-US" sz="1100" dirty="0" err="1" smtClean="0">
+                <a:latin typeface="+mn-ea"/>
+                <a:ea typeface="+mn-ea"/>
+              </a:rPr>
+              <a:t>로직</a:t>
+            </a:r>
+            <a:r>
+              <a:rPr lang="ko-KR" altLang="en-US" sz="1100" dirty="0" smtClean="0">
+                <a:latin typeface="+mn-ea"/>
+                <a:ea typeface="+mn-ea"/>
+              </a:rPr>
+              <a:t> 다이어그램을 그려서 설계가 올바른지 최종 점검</a:t>
+            </a:r>
+          </a:p>
+          <a:p>
+            <a:r>
+              <a:rPr lang="ko-KR" altLang="en-US" sz="1100" dirty="0" smtClean="0">
+                <a:latin typeface="+mn-ea"/>
+                <a:ea typeface="+mn-ea"/>
+              </a:rPr>
+              <a:t/>
+            </a:r>
+            <a:br>
+              <a:rPr lang="ko-KR" altLang="en-US" sz="1100" dirty="0" smtClean="0">
+                <a:latin typeface="+mn-ea"/>
+                <a:ea typeface="+mn-ea"/>
+              </a:rPr>
+            </a:br>
+            <a:r>
+              <a:rPr lang="en-US" altLang="ko-KR" sz="1100" b="1" u="sng" dirty="0" smtClean="0">
+                <a:latin typeface="+mn-ea"/>
+                <a:ea typeface="+mn-ea"/>
+              </a:rPr>
+              <a:t>- </a:t>
+            </a:r>
+            <a:r>
+              <a:rPr lang="ko-KR" altLang="en-US" sz="1100" b="1" u="sng" dirty="0" smtClean="0">
+                <a:latin typeface="+mn-ea"/>
+                <a:ea typeface="+mn-ea"/>
+              </a:rPr>
+              <a:t>순서 회로</a:t>
+            </a:r>
+            <a:r>
+              <a:rPr lang="en-US" altLang="ko-KR" sz="1100" b="1" u="sng" dirty="0" smtClean="0">
+                <a:latin typeface="+mn-ea"/>
+                <a:ea typeface="+mn-ea"/>
+              </a:rPr>
+              <a:t>(Sequential Circuit)</a:t>
+            </a:r>
+          </a:p>
+          <a:p>
+            <a:r>
+              <a:rPr lang="en-US" altLang="ko-KR" sz="1100" dirty="0" smtClean="0">
+                <a:latin typeface="+mn-ea"/>
+                <a:ea typeface="+mn-ea"/>
+              </a:rPr>
+              <a:t>    : </a:t>
+            </a:r>
+            <a:r>
+              <a:rPr lang="ko-KR" altLang="en-US" sz="1100" dirty="0" smtClean="0">
+                <a:latin typeface="+mn-ea"/>
+                <a:ea typeface="+mn-ea"/>
+              </a:rPr>
+              <a:t>입력 및 현재 상태에 따라 출력 및 다음 상태가 결정되는 논리회로</a:t>
+            </a:r>
+          </a:p>
+          <a:p>
+            <a:r>
+              <a:rPr lang="ko-KR" altLang="en-US" sz="1100" dirty="0" smtClean="0">
+                <a:latin typeface="+mn-ea"/>
+                <a:ea typeface="+mn-ea"/>
+              </a:rPr>
+              <a:t>    </a:t>
+            </a:r>
+            <a:r>
+              <a:rPr lang="en-US" altLang="ko-KR" sz="1100" dirty="0" smtClean="0">
+                <a:latin typeface="+mn-ea"/>
+                <a:ea typeface="+mn-ea"/>
+              </a:rPr>
+              <a:t>: </a:t>
+            </a:r>
+            <a:r>
+              <a:rPr lang="ko-KR" altLang="en-US" sz="1100" dirty="0" smtClean="0">
+                <a:latin typeface="+mn-ea"/>
+                <a:ea typeface="+mn-ea"/>
+              </a:rPr>
+              <a:t>현재의 입력</a:t>
+            </a:r>
+            <a:r>
+              <a:rPr lang="en-US" altLang="ko-KR" sz="1100" dirty="0" smtClean="0">
                 <a:latin typeface="+mn-ea"/>
                 <a:ea typeface="+mn-ea"/>
               </a:rPr>
               <a:t>, </a:t>
             </a:r>
             <a:r>
-              <a:rPr lang="ko-KR" altLang="en-US" sz="1200" dirty="0" smtClean="0">
-                <a:latin typeface="+mn-ea"/>
-                <a:ea typeface="+mn-ea"/>
-              </a:rPr>
-              <a:t>뺄셈 같은 두 숫자의 산술연산과 배타적 논리합</a:t>
-            </a:r>
-            <a:r>
-              <a:rPr lang="en-US" altLang="ko-KR" sz="1200" dirty="0" smtClean="0">
+              <a:rPr lang="ko-KR" altLang="en-US" sz="1100" dirty="0" smtClean="0">
+                <a:latin typeface="+mn-ea"/>
+                <a:ea typeface="+mn-ea"/>
+              </a:rPr>
+              <a:t>과거의 출력 상태 모두에 의해서 출력 논리가 결정</a:t>
+            </a:r>
+            <a:r>
+              <a:rPr lang="en-US" altLang="ko-KR" sz="1100" dirty="0" smtClean="0">
                 <a:latin typeface="+mn-ea"/>
                 <a:ea typeface="+mn-ea"/>
               </a:rPr>
               <a:t>, </a:t>
             </a:r>
             <a:r>
-              <a:rPr lang="ko-KR" altLang="en-US" sz="1200" dirty="0" smtClean="0">
-                <a:latin typeface="+mn-ea"/>
-                <a:ea typeface="+mn-ea"/>
-              </a:rPr>
-              <a:t>논리곱</a:t>
-            </a:r>
-            <a:r>
-              <a:rPr lang="en-US" altLang="ko-KR" sz="1200" dirty="0" smtClean="0">
+              <a:rPr lang="ko-KR" altLang="en-US" sz="1100" dirty="0" smtClean="0">
+                <a:latin typeface="+mn-ea"/>
+                <a:ea typeface="+mn-ea"/>
+              </a:rPr>
+              <a:t>피드백 경로가 있음</a:t>
+            </a:r>
+            <a:r>
+              <a:rPr lang="en-US" altLang="ko-KR" sz="1100" dirty="0" smtClean="0">
                 <a:latin typeface="+mn-ea"/>
                 <a:ea typeface="+mn-ea"/>
               </a:rPr>
               <a:t>, </a:t>
             </a:r>
             <a:r>
-              <a:rPr lang="ko-KR" altLang="en-US" sz="1200" dirty="0" smtClean="0">
-                <a:latin typeface="+mn-ea"/>
-                <a:ea typeface="+mn-ea"/>
-              </a:rPr>
-              <a:t>논리합 같은 논리연산을 계산하는 디지털 회로</a:t>
-            </a:r>
-          </a:p>
-          <a:p>
-            <a:r>
-              <a:rPr lang="ko-KR" altLang="en-US" sz="1200" dirty="0" smtClean="0">
+              <a:rPr lang="ko-KR" altLang="en-US" sz="1100" dirty="0" err="1" smtClean="0">
+                <a:latin typeface="+mn-ea"/>
+                <a:ea typeface="+mn-ea"/>
+              </a:rPr>
+              <a:t>기억성</a:t>
+            </a:r>
+            <a:r>
+              <a:rPr lang="ko-KR" altLang="en-US" sz="1100" dirty="0" smtClean="0">
+                <a:latin typeface="+mn-ea"/>
+                <a:ea typeface="+mn-ea"/>
+              </a:rPr>
+              <a:t> 있음</a:t>
+            </a:r>
+          </a:p>
+          <a:p>
+            <a:r>
+              <a:rPr lang="ko-KR" altLang="en-US" sz="1100" dirty="0" smtClean="0">
                 <a:latin typeface="+mn-ea"/>
                 <a:ea typeface="+mn-ea"/>
               </a:rPr>
               <a:t>    </a:t>
             </a:r>
             <a:r>
-              <a:rPr lang="en-US" altLang="ko-KR" sz="1200" dirty="0" smtClean="0">
+              <a:rPr lang="en-US" altLang="ko-KR" sz="1100" dirty="0" smtClean="0">
                 <a:latin typeface="+mn-ea"/>
                 <a:ea typeface="+mn-ea"/>
               </a:rPr>
               <a:t>: </a:t>
             </a:r>
             <a:r>
-              <a:rPr lang="ko-KR" altLang="en-US" sz="1200" dirty="0" smtClean="0">
-                <a:latin typeface="+mn-ea"/>
-                <a:ea typeface="+mn-ea"/>
-              </a:rPr>
-              <a:t>정수형 산술 연산</a:t>
-            </a:r>
-            <a:r>
-              <a:rPr lang="en-US" altLang="ko-KR" sz="1200" dirty="0" smtClean="0">
-                <a:latin typeface="+mn-ea"/>
-                <a:ea typeface="+mn-ea"/>
-              </a:rPr>
-              <a:t>, </a:t>
-            </a:r>
-            <a:r>
-              <a:rPr lang="ko-KR" altLang="en-US" sz="1200" dirty="0" smtClean="0">
-                <a:latin typeface="+mn-ea"/>
-                <a:ea typeface="+mn-ea"/>
-              </a:rPr>
-              <a:t>비트 논리 연산</a:t>
-            </a:r>
-            <a:r>
-              <a:rPr lang="en-US" altLang="ko-KR" sz="1200" dirty="0" smtClean="0">
-                <a:latin typeface="+mn-ea"/>
-                <a:ea typeface="+mn-ea"/>
-              </a:rPr>
-              <a:t>, </a:t>
-            </a:r>
-            <a:r>
-              <a:rPr lang="ko-KR" altLang="en-US" sz="1200" dirty="0" smtClean="0">
-                <a:latin typeface="+mn-ea"/>
-                <a:ea typeface="+mn-ea"/>
-              </a:rPr>
-              <a:t>비트 시프트 연산</a:t>
-            </a:r>
-          </a:p>
-          <a:p>
-            <a:r>
-              <a:rPr lang="ko-KR" altLang="en-US" sz="1200" dirty="0" smtClean="0">
+              <a:rPr lang="ko-KR" altLang="en-US" sz="1100" dirty="0" smtClean="0">
+                <a:latin typeface="+mn-ea"/>
+                <a:ea typeface="+mn-ea"/>
+              </a:rPr>
+              <a:t>연산 사이에 정보를 저장할 수 있는 회로가 구성됨</a:t>
+            </a:r>
+          </a:p>
+          <a:p>
+            <a:r>
+              <a:rPr lang="ko-KR" altLang="en-US" sz="1100" dirty="0" smtClean="0">
                 <a:latin typeface="+mn-ea"/>
                 <a:ea typeface="+mn-ea"/>
               </a:rPr>
               <a:t>    </a:t>
             </a:r>
             <a:r>
-              <a:rPr lang="en-US" altLang="ko-KR" sz="1200" dirty="0" smtClean="0">
+              <a:rPr lang="en-US" altLang="ko-KR" sz="1100" dirty="0" smtClean="0">
                 <a:latin typeface="+mn-ea"/>
                 <a:ea typeface="+mn-ea"/>
               </a:rPr>
               <a:t>: </a:t>
             </a:r>
             <a:r>
-              <a:rPr lang="ko-KR" altLang="en-US" sz="1200" dirty="0" smtClean="0">
-                <a:latin typeface="+mn-ea"/>
-                <a:ea typeface="+mn-ea"/>
-              </a:rPr>
-              <a:t>복잡한 연산은 간단한 산술논리연산의 조합으로 나누어 처리하도록 외부 처리 </a:t>
-            </a:r>
-            <a:r>
-              <a:rPr lang="ko-KR" altLang="en-US" sz="1200" dirty="0" err="1" smtClean="0">
-                <a:latin typeface="+mn-ea"/>
-                <a:ea typeface="+mn-ea"/>
-              </a:rPr>
-              <a:t>외로를</a:t>
-            </a:r>
-            <a:r>
-              <a:rPr lang="ko-KR" altLang="en-US" sz="1200" dirty="0" smtClean="0">
-                <a:latin typeface="+mn-ea"/>
-                <a:ea typeface="+mn-ea"/>
-              </a:rPr>
-              <a:t> 이용하는 경우가 많음</a:t>
-            </a:r>
-          </a:p>
-          <a:p>
-            <a:r>
-              <a:rPr lang="ko-KR" altLang="en-US" sz="1200" dirty="0" smtClean="0">
-                <a:latin typeface="+mn-ea"/>
-                <a:ea typeface="+mn-ea"/>
-              </a:rPr>
-              <a:t/>
-            </a:r>
-            <a:br>
-              <a:rPr lang="ko-KR" altLang="en-US" sz="1200" dirty="0" smtClean="0">
-                <a:latin typeface="+mn-ea"/>
-                <a:ea typeface="+mn-ea"/>
-              </a:rPr>
-            </a:br>
-            <a:r>
-              <a:rPr lang="ko-KR" altLang="en-US" sz="1200" dirty="0" smtClean="0">
-                <a:latin typeface="+mn-ea"/>
-                <a:ea typeface="+mn-ea"/>
-              </a:rPr>
-              <a:t> </a:t>
-            </a:r>
-            <a:r>
-              <a:rPr lang="en-US" altLang="ko-KR" sz="1200" dirty="0" smtClean="0">
-                <a:latin typeface="+mn-ea"/>
-                <a:ea typeface="+mn-ea"/>
-              </a:rPr>
-              <a:t>- </a:t>
-            </a:r>
-            <a:r>
-              <a:rPr lang="ko-KR" altLang="en-US" sz="1200" dirty="0" smtClean="0">
-                <a:latin typeface="+mn-ea"/>
-                <a:ea typeface="+mn-ea"/>
-              </a:rPr>
-              <a:t>수의 표현 방법</a:t>
-            </a:r>
-          </a:p>
-          <a:p>
-            <a:r>
-              <a:rPr lang="ko-KR" altLang="en-US" sz="1200" dirty="0" smtClean="0">
+              <a:rPr lang="ko-KR" altLang="en-US" sz="1100" dirty="0" smtClean="0">
+                <a:latin typeface="+mn-ea"/>
+                <a:ea typeface="+mn-ea"/>
+              </a:rPr>
+              <a:t>조합논리회로</a:t>
+            </a:r>
+            <a:r>
+              <a:rPr lang="en-US" altLang="ko-KR" sz="1100" dirty="0" smtClean="0">
+                <a:latin typeface="+mn-ea"/>
+                <a:ea typeface="+mn-ea"/>
+              </a:rPr>
+              <a:t>(</a:t>
+            </a:r>
+            <a:r>
+              <a:rPr lang="ko-KR" altLang="en-US" sz="1100" dirty="0" smtClean="0">
+                <a:latin typeface="+mn-ea"/>
+                <a:ea typeface="+mn-ea"/>
+              </a:rPr>
+              <a:t>입력</a:t>
+            </a:r>
+            <a:r>
+              <a:rPr lang="en-US" altLang="ko-KR" sz="1100" dirty="0" smtClean="0">
+                <a:latin typeface="+mn-ea"/>
+                <a:ea typeface="+mn-ea"/>
+              </a:rPr>
+              <a:t>,</a:t>
+            </a:r>
+            <a:r>
+              <a:rPr lang="ko-KR" altLang="en-US" sz="1100" dirty="0" smtClean="0">
+                <a:latin typeface="+mn-ea"/>
+                <a:ea typeface="+mn-ea"/>
+              </a:rPr>
+              <a:t>출력</a:t>
+            </a:r>
+            <a:r>
+              <a:rPr lang="en-US" altLang="ko-KR" sz="1100" dirty="0" smtClean="0">
+                <a:latin typeface="+mn-ea"/>
+                <a:ea typeface="+mn-ea"/>
+              </a:rPr>
+              <a:t>)</a:t>
+            </a:r>
+            <a:r>
+              <a:rPr lang="ko-KR" altLang="en-US" sz="1100" dirty="0" smtClean="0">
+                <a:latin typeface="+mn-ea"/>
+                <a:ea typeface="+mn-ea"/>
+              </a:rPr>
+              <a:t>와 상태저장회로</a:t>
+            </a:r>
+            <a:r>
+              <a:rPr lang="en-US" altLang="ko-KR" sz="1100" dirty="0" smtClean="0">
+                <a:latin typeface="+mn-ea"/>
+                <a:ea typeface="+mn-ea"/>
+              </a:rPr>
+              <a:t>(</a:t>
+            </a:r>
+            <a:r>
+              <a:rPr lang="ko-KR" altLang="en-US" sz="1100" dirty="0" smtClean="0">
+                <a:latin typeface="+mn-ea"/>
+                <a:ea typeface="+mn-ea"/>
+              </a:rPr>
+              <a:t>기억소자</a:t>
+            </a:r>
+            <a:r>
+              <a:rPr lang="en-US" altLang="ko-KR" sz="1100" dirty="0" smtClean="0">
+                <a:latin typeface="+mn-ea"/>
+                <a:ea typeface="+mn-ea"/>
+              </a:rPr>
+              <a:t>)</a:t>
+            </a:r>
+            <a:r>
+              <a:rPr lang="ko-KR" altLang="en-US" sz="1100" dirty="0" smtClean="0">
+                <a:latin typeface="+mn-ea"/>
+                <a:ea typeface="+mn-ea"/>
+              </a:rPr>
+              <a:t>의 조합으로 다양한 형태로 만들 수 있게됨</a:t>
+            </a:r>
+          </a:p>
+          <a:p>
+            <a:r>
+              <a:rPr lang="ko-KR" altLang="en-US" sz="1100" dirty="0" smtClean="0">
                 <a:latin typeface="+mn-ea"/>
                 <a:ea typeface="+mn-ea"/>
               </a:rPr>
               <a:t>    </a:t>
             </a:r>
             <a:r>
-              <a:rPr lang="en-US" altLang="ko-KR" sz="1200" dirty="0" smtClean="0">
+              <a:rPr lang="en-US" altLang="ko-KR" sz="1100" dirty="0" smtClean="0">
                 <a:latin typeface="+mn-ea"/>
                 <a:ea typeface="+mn-ea"/>
               </a:rPr>
               <a:t>: </a:t>
             </a:r>
             <a:r>
-              <a:rPr lang="ko-KR" altLang="en-US" sz="1200" dirty="0" smtClean="0">
-                <a:latin typeface="+mn-ea"/>
-                <a:ea typeface="+mn-ea"/>
-              </a:rPr>
-              <a:t>컴퓨터는 </a:t>
-            </a:r>
-            <a:r>
-              <a:rPr lang="en-US" altLang="ko-KR" sz="1200" dirty="0" smtClean="0">
-                <a:latin typeface="+mn-ea"/>
-                <a:ea typeface="+mn-ea"/>
-              </a:rPr>
-              <a:t>10</a:t>
-            </a:r>
-            <a:r>
-              <a:rPr lang="ko-KR" altLang="en-US" sz="1200" dirty="0" smtClean="0">
-                <a:latin typeface="+mn-ea"/>
-                <a:ea typeface="+mn-ea"/>
-              </a:rPr>
-              <a:t>진수가 아닌 </a:t>
-            </a:r>
-            <a:r>
-              <a:rPr lang="en-US" altLang="ko-KR" sz="1200" dirty="0" smtClean="0">
-                <a:latin typeface="+mn-ea"/>
-                <a:ea typeface="+mn-ea"/>
-              </a:rPr>
-              <a:t>2</a:t>
-            </a:r>
-            <a:r>
-              <a:rPr lang="ko-KR" altLang="en-US" sz="1200" dirty="0" smtClean="0">
-                <a:latin typeface="+mn-ea"/>
-                <a:ea typeface="+mn-ea"/>
-              </a:rPr>
-              <a:t>진수로 수를 표현함</a:t>
-            </a:r>
-          </a:p>
-          <a:p>
-            <a:r>
-              <a:rPr lang="ko-KR" altLang="en-US" sz="1200" dirty="0" smtClean="0">
+              <a:rPr lang="ko-KR" altLang="en-US" sz="1100" dirty="0" smtClean="0">
+                <a:latin typeface="+mn-ea"/>
+                <a:ea typeface="+mn-ea"/>
+              </a:rPr>
+              <a:t>동기 순서회로</a:t>
+            </a:r>
+          </a:p>
+          <a:p>
+            <a:r>
+              <a:rPr lang="ko-KR" altLang="en-US" sz="1100" dirty="0" smtClean="0">
+                <a:latin typeface="+mn-ea"/>
+                <a:ea typeface="+mn-ea"/>
+              </a:rPr>
+              <a:t>        </a:t>
+            </a:r>
+            <a:r>
+              <a:rPr lang="ko-KR" altLang="en-US" sz="1100" dirty="0" err="1" smtClean="0">
+                <a:latin typeface="+mn-ea"/>
+                <a:ea typeface="+mn-ea"/>
+              </a:rPr>
+              <a:t>클럭을</a:t>
+            </a:r>
+            <a:r>
+              <a:rPr lang="ko-KR" altLang="en-US" sz="1100" dirty="0" smtClean="0">
+                <a:latin typeface="+mn-ea"/>
+                <a:ea typeface="+mn-ea"/>
+              </a:rPr>
+              <a:t> 통해서 만 동작</a:t>
+            </a:r>
+          </a:p>
+          <a:p>
+            <a:r>
+              <a:rPr lang="ko-KR" altLang="en-US" sz="1100" dirty="0" smtClean="0">
                 <a:latin typeface="+mn-ea"/>
                 <a:ea typeface="+mn-ea"/>
               </a:rPr>
               <a:t>    </a:t>
             </a:r>
             <a:r>
-              <a:rPr lang="en-US" altLang="ko-KR" sz="1200" dirty="0" smtClean="0">
+              <a:rPr lang="en-US" altLang="ko-KR" sz="1100" dirty="0" smtClean="0">
                 <a:latin typeface="+mn-ea"/>
                 <a:ea typeface="+mn-ea"/>
               </a:rPr>
               <a:t>: </a:t>
             </a:r>
             <a:r>
-              <a:rPr lang="ko-KR" altLang="en-US" sz="1200" dirty="0" smtClean="0">
-                <a:latin typeface="+mn-ea"/>
-                <a:ea typeface="+mn-ea"/>
-              </a:rPr>
-              <a:t>정수 표현하기</a:t>
-            </a:r>
-          </a:p>
-          <a:p>
-            <a:r>
-              <a:rPr lang="ko-KR" altLang="en-US" sz="1200" dirty="0" smtClean="0">
+              <a:rPr lang="ko-KR" altLang="en-US" sz="1100" dirty="0" err="1" smtClean="0">
+                <a:latin typeface="+mn-ea"/>
+                <a:ea typeface="+mn-ea"/>
+              </a:rPr>
+              <a:t>비동기</a:t>
+            </a:r>
+            <a:r>
+              <a:rPr lang="ko-KR" altLang="en-US" sz="1100" dirty="0" smtClean="0">
+                <a:latin typeface="+mn-ea"/>
+                <a:ea typeface="+mn-ea"/>
+              </a:rPr>
+              <a:t> 순서회로</a:t>
+            </a:r>
+          </a:p>
+          <a:p>
+            <a:r>
+              <a:rPr lang="ko-KR" altLang="en-US" sz="1100" dirty="0" smtClean="0">
+                <a:latin typeface="+mn-ea"/>
+                <a:ea typeface="+mn-ea"/>
+              </a:rPr>
+              <a:t>        단지 입력이 변하는 순서에 따라서 만 동작 </a:t>
+            </a:r>
+            <a:r>
+              <a:rPr lang="en-US" altLang="ko-KR" sz="1100" dirty="0" smtClean="0">
+                <a:latin typeface="+mn-ea"/>
+                <a:ea typeface="+mn-ea"/>
+              </a:rPr>
+              <a:t>(=&gt; </a:t>
+            </a:r>
+            <a:r>
+              <a:rPr lang="ko-KR" altLang="en-US" sz="1100" dirty="0" err="1" smtClean="0">
+                <a:latin typeface="+mn-ea"/>
+                <a:ea typeface="+mn-ea"/>
+              </a:rPr>
+              <a:t>래치</a:t>
+            </a:r>
+            <a:r>
+              <a:rPr lang="en-US" altLang="ko-KR" sz="1100" dirty="0" smtClean="0">
+                <a:latin typeface="+mn-ea"/>
+                <a:ea typeface="+mn-ea"/>
+              </a:rPr>
+              <a:t>)</a:t>
+            </a:r>
+          </a:p>
+          <a:p>
+            <a:r>
+              <a:rPr lang="en-US" altLang="ko-KR" sz="1100" dirty="0" smtClean="0">
+                <a:latin typeface="+mn-ea"/>
+                <a:ea typeface="+mn-ea"/>
+              </a:rPr>
+              <a:t>    : </a:t>
+            </a:r>
+            <a:r>
+              <a:rPr lang="ko-KR" altLang="en-US" sz="1100" dirty="0" smtClean="0">
+                <a:latin typeface="+mn-ea"/>
+                <a:ea typeface="+mn-ea"/>
+              </a:rPr>
+              <a:t>레지스터</a:t>
+            </a:r>
+          </a:p>
+          <a:p>
+            <a:r>
+              <a:rPr lang="ko-KR" altLang="en-US" sz="1100" dirty="0" smtClean="0">
                 <a:latin typeface="+mn-ea"/>
                 <a:ea typeface="+mn-ea"/>
               </a:rPr>
               <a:t>        </a:t>
             </a:r>
             <a:r>
-              <a:rPr lang="en-US" altLang="ko-KR" sz="1200" dirty="0" smtClean="0">
-                <a:latin typeface="+mn-ea"/>
-                <a:ea typeface="+mn-ea"/>
-              </a:rPr>
-              <a:t>char(8bit), short(16bit), </a:t>
-            </a:r>
-            <a:r>
-              <a:rPr lang="en-US" altLang="ko-KR" sz="1200" dirty="0" err="1" smtClean="0">
-                <a:latin typeface="+mn-ea"/>
-                <a:ea typeface="+mn-ea"/>
-              </a:rPr>
-              <a:t>int</a:t>
-            </a:r>
-            <a:r>
-              <a:rPr lang="en-US" altLang="ko-KR" sz="1200" dirty="0" smtClean="0">
-                <a:latin typeface="+mn-ea"/>
-                <a:ea typeface="+mn-ea"/>
-              </a:rPr>
-              <a:t>(32bit), long(32bit)</a:t>
-            </a:r>
-          </a:p>
-          <a:p>
-            <a:r>
-              <a:rPr lang="en-US" altLang="ko-KR" sz="1200" dirty="0" smtClean="0">
-                <a:latin typeface="+mn-ea"/>
-                <a:ea typeface="+mn-ea"/>
-              </a:rPr>
-              <a:t>    : </a:t>
-            </a:r>
-            <a:r>
-              <a:rPr lang="ko-KR" altLang="en-US" sz="1200" dirty="0" smtClean="0">
-                <a:latin typeface="+mn-ea"/>
-                <a:ea typeface="+mn-ea"/>
-              </a:rPr>
-              <a:t>메모리에 저장</a:t>
-            </a:r>
-          </a:p>
-          <a:p>
-            <a:r>
-              <a:rPr lang="ko-KR" altLang="en-US" sz="1200" dirty="0" smtClean="0">
-                <a:latin typeface="+mn-ea"/>
-                <a:ea typeface="+mn-ea"/>
-              </a:rPr>
-              <a:t>        정수 데이터를 저장하기 위해 </a:t>
-            </a:r>
-            <a:r>
-              <a:rPr lang="en-US" altLang="ko-KR" sz="1200" dirty="0" smtClean="0">
-                <a:latin typeface="+mn-ea"/>
-                <a:ea typeface="+mn-ea"/>
-              </a:rPr>
-              <a:t>4</a:t>
-            </a:r>
-            <a:r>
-              <a:rPr lang="ko-KR" altLang="en-US" sz="1200" dirty="0" smtClean="0">
-                <a:latin typeface="+mn-ea"/>
-                <a:ea typeface="+mn-ea"/>
-              </a:rPr>
-              <a:t>칸 사용</a:t>
-            </a:r>
-          </a:p>
-          <a:p>
-            <a:r>
-              <a:rPr lang="ko-KR" altLang="en-US" sz="1200" dirty="0" smtClean="0">
-                <a:latin typeface="+mn-ea"/>
-                <a:ea typeface="+mn-ea"/>
-              </a:rPr>
-              <a:t>        정수 </a:t>
-            </a:r>
-            <a:r>
-              <a:rPr lang="en-US" altLang="ko-KR" sz="1200" dirty="0" smtClean="0">
-                <a:latin typeface="+mn-ea"/>
-                <a:ea typeface="+mn-ea"/>
-              </a:rPr>
-              <a:t>4</a:t>
-            </a:r>
-            <a:r>
-              <a:rPr lang="ko-KR" altLang="en-US" sz="1200" dirty="0" smtClean="0">
-                <a:latin typeface="+mn-ea"/>
-                <a:ea typeface="+mn-ea"/>
-              </a:rPr>
-              <a:t>바이트</a:t>
-            </a:r>
-          </a:p>
-          <a:p>
-            <a:r>
-              <a:rPr lang="ko-KR" altLang="en-US" sz="1200" dirty="0" smtClean="0">
+              <a:rPr lang="ko-KR" altLang="en-US" sz="1100" dirty="0" err="1" smtClean="0">
+                <a:latin typeface="+mn-ea"/>
+                <a:ea typeface="+mn-ea"/>
+              </a:rPr>
+              <a:t>클럭을</a:t>
+            </a:r>
+            <a:r>
+              <a:rPr lang="ko-KR" altLang="en-US" sz="1100" dirty="0" smtClean="0">
+                <a:latin typeface="+mn-ea"/>
+                <a:ea typeface="+mn-ea"/>
+              </a:rPr>
+              <a:t> 공유하는 다수의 </a:t>
+            </a:r>
+            <a:r>
+              <a:rPr lang="ko-KR" altLang="en-US" sz="1100" dirty="0" err="1" smtClean="0">
+                <a:latin typeface="+mn-ea"/>
+                <a:ea typeface="+mn-ea"/>
+              </a:rPr>
+              <a:t>플립플롭들이</a:t>
+            </a:r>
+            <a:r>
+              <a:rPr lang="ko-KR" altLang="en-US" sz="1100" dirty="0" smtClean="0">
+                <a:latin typeface="+mn-ea"/>
+                <a:ea typeface="+mn-ea"/>
+              </a:rPr>
+              <a:t> 묶인 순서논리회로</a:t>
+            </a:r>
+          </a:p>
+          <a:p>
+            <a:r>
+              <a:rPr lang="ko-KR" altLang="en-US" sz="1100" dirty="0" smtClean="0">
                 <a:latin typeface="+mn-ea"/>
                 <a:ea typeface="+mn-ea"/>
               </a:rPr>
               <a:t>    </a:t>
             </a:r>
             <a:r>
-              <a:rPr lang="en-US" altLang="ko-KR" sz="1200" dirty="0" smtClean="0">
-                <a:latin typeface="+mn-ea"/>
-                <a:ea typeface="+mn-ea"/>
-              </a:rPr>
-              <a:t>:  </a:t>
-            </a:r>
-            <a:r>
-              <a:rPr lang="ko-KR" altLang="en-US" sz="1200" dirty="0" smtClean="0">
-                <a:latin typeface="+mn-ea"/>
-                <a:ea typeface="+mn-ea"/>
-              </a:rPr>
-              <a:t>부호 비트</a:t>
-            </a:r>
-            <a:r>
-              <a:rPr lang="en-US" altLang="ko-KR" sz="1200" dirty="0" smtClean="0">
-                <a:latin typeface="+mn-ea"/>
-                <a:ea typeface="+mn-ea"/>
-              </a:rPr>
-              <a:t>(signed bit)</a:t>
-            </a:r>
-          </a:p>
-          <a:p>
-            <a:r>
-              <a:rPr lang="en-US" altLang="ko-KR" sz="1200" dirty="0" smtClean="0">
-                <a:latin typeface="+mn-ea"/>
-                <a:ea typeface="+mn-ea"/>
-              </a:rPr>
-              <a:t>        </a:t>
-            </a:r>
-            <a:r>
-              <a:rPr lang="ko-KR" altLang="en-US" sz="1200" dirty="0" smtClean="0">
-                <a:latin typeface="+mn-ea"/>
-                <a:ea typeface="+mn-ea"/>
-              </a:rPr>
-              <a:t>총 </a:t>
-            </a:r>
-            <a:r>
-              <a:rPr lang="en-US" altLang="ko-KR" sz="1200" dirty="0" smtClean="0">
-                <a:latin typeface="+mn-ea"/>
-                <a:ea typeface="+mn-ea"/>
-              </a:rPr>
-              <a:t>32</a:t>
-            </a:r>
-            <a:r>
-              <a:rPr lang="ko-KR" altLang="en-US" sz="1200" dirty="0" smtClean="0">
-                <a:latin typeface="+mn-ea"/>
-                <a:ea typeface="+mn-ea"/>
-              </a:rPr>
-              <a:t>개의 비트 중 첫 번째 비트</a:t>
-            </a:r>
-            <a:r>
-              <a:rPr lang="en-US" altLang="ko-KR" sz="1200" dirty="0" smtClean="0">
-                <a:latin typeface="+mn-ea"/>
-                <a:ea typeface="+mn-ea"/>
-              </a:rPr>
-              <a:t>(</a:t>
-            </a:r>
-            <a:r>
-              <a:rPr lang="ko-KR" altLang="en-US" sz="1200" dirty="0" smtClean="0">
-                <a:latin typeface="+mn-ea"/>
-                <a:ea typeface="+mn-ea"/>
-              </a:rPr>
-              <a:t>가장 왼쪽에 위치한 비트</a:t>
-            </a:r>
-            <a:r>
-              <a:rPr lang="en-US" altLang="ko-KR" sz="1200" dirty="0" smtClean="0">
-                <a:latin typeface="+mn-ea"/>
-                <a:ea typeface="+mn-ea"/>
-              </a:rPr>
-              <a:t>)</a:t>
-            </a:r>
-            <a:r>
-              <a:rPr lang="ko-KR" altLang="en-US" sz="1200" dirty="0" smtClean="0">
-                <a:latin typeface="+mn-ea"/>
-                <a:ea typeface="+mn-ea"/>
-              </a:rPr>
-              <a:t>를 부호 표현을 위해 따로 배정</a:t>
-            </a:r>
-          </a:p>
-          <a:p>
-            <a:r>
-              <a:rPr lang="ko-KR" altLang="en-US" sz="1200" dirty="0" smtClean="0">
-                <a:latin typeface="+mn-ea"/>
-                <a:ea typeface="+mn-ea"/>
-              </a:rPr>
-              <a:t>        부호 비트가 </a:t>
-            </a:r>
-            <a:r>
-              <a:rPr lang="en-US" altLang="ko-KR" sz="1200" dirty="0" smtClean="0">
-                <a:latin typeface="+mn-ea"/>
-                <a:ea typeface="+mn-ea"/>
-              </a:rPr>
-              <a:t>0</a:t>
-            </a:r>
-            <a:r>
-              <a:rPr lang="ko-KR" altLang="en-US" sz="1200" dirty="0" smtClean="0">
-                <a:latin typeface="+mn-ea"/>
-                <a:ea typeface="+mn-ea"/>
-              </a:rPr>
-              <a:t>이면 양수를</a:t>
-            </a:r>
-            <a:r>
-              <a:rPr lang="en-US" altLang="ko-KR" sz="1200" dirty="0" smtClean="0">
-                <a:latin typeface="+mn-ea"/>
-                <a:ea typeface="+mn-ea"/>
-              </a:rPr>
-              <a:t>, 1</a:t>
-            </a:r>
-            <a:r>
-              <a:rPr lang="ko-KR" altLang="en-US" sz="1200" dirty="0" smtClean="0">
-                <a:latin typeface="+mn-ea"/>
-                <a:ea typeface="+mn-ea"/>
-              </a:rPr>
-              <a:t>이면 음수</a:t>
-            </a:r>
-          </a:p>
-          <a:p>
-            <a:r>
-              <a:rPr lang="ko-KR" altLang="en-US" sz="1200" dirty="0" smtClean="0">
+              <a:rPr lang="en-US" altLang="ko-KR" sz="1100" dirty="0" smtClean="0">
+                <a:latin typeface="+mn-ea"/>
+                <a:ea typeface="+mn-ea"/>
+              </a:rPr>
+              <a:t>: </a:t>
+            </a:r>
+            <a:r>
+              <a:rPr lang="ko-KR" altLang="en-US" sz="1100" dirty="0" smtClean="0">
+                <a:latin typeface="+mn-ea"/>
+                <a:ea typeface="+mn-ea"/>
+              </a:rPr>
+              <a:t>카운터</a:t>
+            </a:r>
+          </a:p>
+          <a:p>
+            <a:r>
+              <a:rPr lang="ko-KR" altLang="en-US" sz="1100" dirty="0" smtClean="0">
+                <a:latin typeface="+mn-ea"/>
+                <a:ea typeface="+mn-ea"/>
+              </a:rPr>
+              <a:t>        다수의 </a:t>
+            </a:r>
+            <a:r>
+              <a:rPr lang="ko-KR" altLang="en-US" sz="1100" dirty="0" err="1" smtClean="0">
+                <a:latin typeface="+mn-ea"/>
+                <a:ea typeface="+mn-ea"/>
+              </a:rPr>
+              <a:t>플립플롭들이</a:t>
+            </a:r>
+            <a:r>
+              <a:rPr lang="ko-KR" altLang="en-US" sz="1100" dirty="0" smtClean="0">
+                <a:latin typeface="+mn-ea"/>
+                <a:ea typeface="+mn-ea"/>
+              </a:rPr>
+              <a:t> 미리 정해진 순서대로 상태가 변하는 순서논리회로</a:t>
+            </a:r>
+          </a:p>
+          <a:p>
+            <a:r>
+              <a:rPr lang="ko-KR" altLang="en-US" sz="1100" dirty="0" smtClean="0">
                 <a:latin typeface="+mn-ea"/>
                 <a:ea typeface="+mn-ea"/>
               </a:rPr>
               <a:t>    </a:t>
             </a:r>
             <a:r>
-              <a:rPr lang="en-US" altLang="ko-KR" sz="1200" dirty="0" smtClean="0">
+              <a:rPr lang="en-US" altLang="ko-KR" sz="1100" dirty="0" smtClean="0">
                 <a:latin typeface="+mn-ea"/>
                 <a:ea typeface="+mn-ea"/>
               </a:rPr>
               <a:t>: </a:t>
             </a:r>
             <a:r>
-              <a:rPr lang="ko-KR" altLang="en-US" sz="1200" dirty="0" smtClean="0">
-                <a:latin typeface="+mn-ea"/>
-                <a:ea typeface="+mn-ea"/>
-              </a:rPr>
-              <a:t>형 변환</a:t>
-            </a:r>
-            <a:r>
-              <a:rPr lang="en-US" altLang="ko-KR" sz="1200" dirty="0" smtClean="0">
-                <a:latin typeface="+mn-ea"/>
-                <a:ea typeface="+mn-ea"/>
-              </a:rPr>
-              <a:t>(casting)</a:t>
-            </a:r>
-          </a:p>
-          <a:p>
-            <a:r>
-              <a:rPr lang="en-US" altLang="ko-KR" sz="1200" dirty="0" smtClean="0">
-                <a:latin typeface="+mn-ea"/>
-                <a:ea typeface="+mn-ea"/>
-              </a:rPr>
-              <a:t>        </a:t>
-            </a:r>
-            <a:r>
-              <a:rPr lang="ko-KR" altLang="en-US" sz="1200" dirty="0" smtClean="0">
-                <a:latin typeface="+mn-ea"/>
-                <a:ea typeface="+mn-ea"/>
-              </a:rPr>
-              <a:t>각 비트의 숫자들은 그대로 유지</a:t>
-            </a:r>
-          </a:p>
-          <a:p>
-            <a:r>
-              <a:rPr lang="ko-KR" altLang="en-US" sz="1200" dirty="0" smtClean="0">
-                <a:latin typeface="+mn-ea"/>
-                <a:ea typeface="+mn-ea"/>
-              </a:rPr>
-              <a:t>        각 </a:t>
-            </a:r>
-            <a:r>
-              <a:rPr lang="ko-KR" altLang="en-US" sz="1200" dirty="0" err="1" smtClean="0">
-                <a:latin typeface="+mn-ea"/>
-                <a:ea typeface="+mn-ea"/>
-              </a:rPr>
-              <a:t>비트를</a:t>
-            </a:r>
-            <a:r>
-              <a:rPr lang="ko-KR" altLang="en-US" sz="1200" dirty="0" smtClean="0">
-                <a:latin typeface="+mn-ea"/>
-                <a:ea typeface="+mn-ea"/>
-              </a:rPr>
-              <a:t> 해석</a:t>
-            </a:r>
-            <a:r>
-              <a:rPr lang="en-US" altLang="ko-KR" sz="1200" dirty="0" smtClean="0">
-                <a:latin typeface="+mn-ea"/>
-                <a:ea typeface="+mn-ea"/>
-              </a:rPr>
-              <a:t>(interpret)</a:t>
-            </a:r>
-            <a:r>
-              <a:rPr lang="ko-KR" altLang="en-US" sz="1200" dirty="0" smtClean="0">
-                <a:latin typeface="+mn-ea"/>
-                <a:ea typeface="+mn-ea"/>
-              </a:rPr>
-              <a:t>하는 방법 다르게 함</a:t>
-            </a:r>
-          </a:p>
-          <a:p>
-            <a:r>
-              <a:rPr lang="ko-KR" altLang="en-US" sz="1200" dirty="0" smtClean="0">
-                <a:latin typeface="+mn-ea"/>
-                <a:ea typeface="+mn-ea"/>
-              </a:rPr>
-              <a:t/>
-            </a:r>
-            <a:br>
-              <a:rPr lang="ko-KR" altLang="en-US" sz="1200" dirty="0" smtClean="0">
-                <a:latin typeface="+mn-ea"/>
-                <a:ea typeface="+mn-ea"/>
-              </a:rPr>
-            </a:br>
-            <a:r>
-              <a:rPr lang="ko-KR" altLang="en-US" sz="1200" dirty="0" smtClean="0">
-                <a:latin typeface="+mn-ea"/>
-                <a:ea typeface="+mn-ea"/>
-              </a:rPr>
-              <a:t> </a:t>
-            </a:r>
-            <a:r>
-              <a:rPr lang="en-US" altLang="ko-KR" sz="1200" dirty="0" smtClean="0">
-                <a:latin typeface="+mn-ea"/>
-                <a:ea typeface="+mn-ea"/>
-              </a:rPr>
-              <a:t>- </a:t>
-            </a:r>
-            <a:r>
-              <a:rPr lang="ko-KR" altLang="en-US" sz="1200" dirty="0" smtClean="0">
-                <a:latin typeface="+mn-ea"/>
-                <a:ea typeface="+mn-ea"/>
-              </a:rPr>
-              <a:t>논리 연산</a:t>
-            </a:r>
-          </a:p>
-          <a:p>
-            <a:r>
-              <a:rPr lang="ko-KR" altLang="en-US" sz="1200" dirty="0" smtClean="0">
-                <a:latin typeface="+mn-ea"/>
-                <a:ea typeface="+mn-ea"/>
-              </a:rPr>
-              <a:t>    </a:t>
-            </a:r>
-            <a:r>
-              <a:rPr lang="en-US" altLang="ko-KR" sz="1200" dirty="0" smtClean="0">
-                <a:latin typeface="+mn-ea"/>
-                <a:ea typeface="+mn-ea"/>
-              </a:rPr>
-              <a:t>: </a:t>
-            </a:r>
-            <a:r>
-              <a:rPr lang="ko-KR" altLang="en-US" sz="1200" dirty="0" smtClean="0">
-                <a:latin typeface="+mn-ea"/>
-                <a:ea typeface="+mn-ea"/>
-              </a:rPr>
-              <a:t>참</a:t>
-            </a:r>
-            <a:r>
-              <a:rPr lang="en-US" altLang="ko-KR" sz="1200" dirty="0" smtClean="0">
-                <a:latin typeface="+mn-ea"/>
-                <a:ea typeface="+mn-ea"/>
-              </a:rPr>
-              <a:t>, </a:t>
-            </a:r>
-            <a:r>
-              <a:rPr lang="ko-KR" altLang="en-US" sz="1200" dirty="0" smtClean="0">
-                <a:latin typeface="+mn-ea"/>
-                <a:ea typeface="+mn-ea"/>
-              </a:rPr>
-              <a:t>거짓 두 가지 원소</a:t>
-            </a:r>
-            <a:r>
-              <a:rPr lang="en-US" altLang="ko-KR" sz="1200" dirty="0" smtClean="0">
-                <a:latin typeface="+mn-ea"/>
-                <a:ea typeface="+mn-ea"/>
-              </a:rPr>
-              <a:t>(</a:t>
-            </a:r>
-            <a:r>
-              <a:rPr lang="ko-KR" altLang="en-US" sz="1200" dirty="0" err="1" smtClean="0">
-                <a:latin typeface="+mn-ea"/>
-                <a:ea typeface="+mn-ea"/>
-              </a:rPr>
-              <a:t>진리값으로</a:t>
-            </a:r>
-            <a:r>
-              <a:rPr lang="ko-KR" altLang="en-US" sz="1200" dirty="0" smtClean="0">
-                <a:latin typeface="+mn-ea"/>
-                <a:ea typeface="+mn-ea"/>
-              </a:rPr>
-              <a:t> 불림</a:t>
-            </a:r>
-            <a:r>
-              <a:rPr lang="en-US" altLang="ko-KR" sz="1200" dirty="0" smtClean="0">
-                <a:latin typeface="+mn-ea"/>
-                <a:ea typeface="+mn-ea"/>
-              </a:rPr>
-              <a:t>)</a:t>
-            </a:r>
-            <a:r>
-              <a:rPr lang="ko-KR" altLang="en-US" sz="1200" dirty="0" smtClean="0">
-                <a:latin typeface="+mn-ea"/>
-                <a:ea typeface="+mn-ea"/>
-              </a:rPr>
-              <a:t>만 존재하는 집합</a:t>
-            </a:r>
-            <a:r>
-              <a:rPr lang="en-US" altLang="ko-KR" sz="1200" dirty="0" smtClean="0">
-                <a:latin typeface="+mn-ea"/>
-                <a:ea typeface="+mn-ea"/>
-              </a:rPr>
-              <a:t>(</a:t>
-            </a:r>
-            <a:r>
-              <a:rPr lang="ko-KR" altLang="en-US" sz="1200" dirty="0" smtClean="0">
-                <a:latin typeface="+mn-ea"/>
-                <a:ea typeface="+mn-ea"/>
-              </a:rPr>
-              <a:t>환으로 불림</a:t>
-            </a:r>
-            <a:r>
-              <a:rPr lang="en-US" altLang="ko-KR" sz="1200" dirty="0" smtClean="0">
-                <a:latin typeface="+mn-ea"/>
-                <a:ea typeface="+mn-ea"/>
-              </a:rPr>
-              <a:t>)</a:t>
-            </a:r>
-            <a:r>
-              <a:rPr lang="ko-KR" altLang="en-US" sz="1200" dirty="0" smtClean="0">
-                <a:latin typeface="+mn-ea"/>
-                <a:ea typeface="+mn-ea"/>
-              </a:rPr>
-              <a:t>에서의 연산</a:t>
-            </a:r>
-          </a:p>
-          <a:p>
-            <a:r>
-              <a:rPr lang="ko-KR" altLang="en-US" sz="1200" dirty="0" smtClean="0">
-                <a:latin typeface="+mn-ea"/>
-                <a:ea typeface="+mn-ea"/>
-              </a:rPr>
-              <a:t>    </a:t>
-            </a:r>
-            <a:r>
-              <a:rPr lang="en-US" altLang="ko-KR" sz="1200" dirty="0" smtClean="0">
-                <a:latin typeface="+mn-ea"/>
-                <a:ea typeface="+mn-ea"/>
-              </a:rPr>
-              <a:t>: </a:t>
-            </a:r>
-            <a:r>
-              <a:rPr lang="ko-KR" altLang="en-US" sz="1200" dirty="0" smtClean="0">
-                <a:latin typeface="+mn-ea"/>
-                <a:ea typeface="+mn-ea"/>
-              </a:rPr>
-              <a:t>논리합</a:t>
-            </a:r>
-            <a:r>
-              <a:rPr lang="en-US" altLang="ko-KR" sz="1200" dirty="0" smtClean="0">
-                <a:latin typeface="+mn-ea"/>
-                <a:ea typeface="+mn-ea"/>
-              </a:rPr>
-              <a:t>(OR, ∨), </a:t>
-            </a:r>
-            <a:r>
-              <a:rPr lang="ko-KR" altLang="en-US" sz="1200" dirty="0" smtClean="0">
-                <a:latin typeface="+mn-ea"/>
-                <a:ea typeface="+mn-ea"/>
-              </a:rPr>
-              <a:t>논리곱</a:t>
-            </a:r>
-            <a:r>
-              <a:rPr lang="en-US" altLang="ko-KR" sz="1200" dirty="0" smtClean="0">
-                <a:latin typeface="+mn-ea"/>
-                <a:ea typeface="+mn-ea"/>
-              </a:rPr>
-              <a:t>(AND, ∧), </a:t>
-            </a:r>
-            <a:r>
-              <a:rPr lang="ko-KR" altLang="en-US" sz="1200" dirty="0" smtClean="0">
-                <a:latin typeface="+mn-ea"/>
-                <a:ea typeface="+mn-ea"/>
-              </a:rPr>
-              <a:t>부정</a:t>
-            </a:r>
-            <a:r>
-              <a:rPr lang="en-US" altLang="ko-KR" sz="1200" dirty="0" smtClean="0">
-                <a:latin typeface="+mn-ea"/>
-                <a:ea typeface="+mn-ea"/>
-              </a:rPr>
-              <a:t>(NOT, ~/¬), </a:t>
-            </a:r>
-            <a:r>
-              <a:rPr lang="ko-KR" altLang="en-US" sz="1200" dirty="0" smtClean="0">
-                <a:latin typeface="+mn-ea"/>
-                <a:ea typeface="+mn-ea"/>
-              </a:rPr>
-              <a:t>배타적 논리합</a:t>
-            </a:r>
-            <a:r>
-              <a:rPr lang="en-US" altLang="ko-KR" sz="1200" dirty="0" smtClean="0">
-                <a:latin typeface="+mn-ea"/>
-                <a:ea typeface="+mn-ea"/>
-              </a:rPr>
-              <a:t>(XOR, ⊕), </a:t>
-            </a:r>
-            <a:r>
-              <a:rPr lang="ko-KR" altLang="en-US" sz="1200" dirty="0" smtClean="0">
-                <a:latin typeface="+mn-ea"/>
-                <a:ea typeface="+mn-ea"/>
-              </a:rPr>
-              <a:t>명제</a:t>
-            </a:r>
-            <a:r>
-              <a:rPr lang="en-US" altLang="ko-KR" sz="1200" dirty="0" smtClean="0">
-                <a:latin typeface="+mn-ea"/>
-                <a:ea typeface="+mn-ea"/>
-              </a:rPr>
-              <a:t>, </a:t>
-            </a:r>
-            <a:r>
-              <a:rPr lang="ko-KR" altLang="en-US" sz="1200" dirty="0" smtClean="0">
-                <a:latin typeface="+mn-ea"/>
-                <a:ea typeface="+mn-ea"/>
-              </a:rPr>
-              <a:t>동치</a:t>
-            </a:r>
-          </a:p>
-          <a:p>
-            <a:r>
-              <a:rPr lang="ko-KR" altLang="en-US" sz="1200" dirty="0" smtClean="0">
-                <a:latin typeface="+mn-ea"/>
-                <a:ea typeface="+mn-ea"/>
-              </a:rPr>
-              <a:t>    </a:t>
-            </a:r>
-            <a:r>
-              <a:rPr lang="en-US" altLang="ko-KR" sz="1200" dirty="0" smtClean="0">
-                <a:latin typeface="+mn-ea"/>
-                <a:ea typeface="+mn-ea"/>
-              </a:rPr>
-              <a:t>: </a:t>
-            </a:r>
-            <a:r>
-              <a:rPr lang="ko-KR" altLang="en-US" sz="1200" dirty="0" smtClean="0">
-                <a:latin typeface="+mn-ea"/>
-                <a:ea typeface="+mn-ea"/>
-              </a:rPr>
-              <a:t>프로그래밍 언어에서는 비트 연산</a:t>
-            </a:r>
-          </a:p>
-          <a:p>
-            <a:r>
-              <a:rPr lang="ko-KR" altLang="en-US" sz="1200" dirty="0" smtClean="0">
-                <a:latin typeface="+mn-ea"/>
-                <a:ea typeface="+mn-ea"/>
-              </a:rPr>
-              <a:t/>
-            </a:r>
-            <a:br>
-              <a:rPr lang="ko-KR" altLang="en-US" sz="1200" dirty="0" smtClean="0">
-                <a:latin typeface="+mn-ea"/>
-                <a:ea typeface="+mn-ea"/>
-              </a:rPr>
-            </a:br>
-            <a:r>
-              <a:rPr lang="ko-KR" altLang="en-US" sz="1200" dirty="0" smtClean="0">
-                <a:latin typeface="+mn-ea"/>
-                <a:ea typeface="+mn-ea"/>
-              </a:rPr>
-              <a:t> </a:t>
-            </a:r>
-            <a:r>
-              <a:rPr lang="en-US" altLang="ko-KR" sz="1200" dirty="0" smtClean="0">
-                <a:latin typeface="+mn-ea"/>
-                <a:ea typeface="+mn-ea"/>
-              </a:rPr>
-              <a:t>- </a:t>
-            </a:r>
-            <a:r>
-              <a:rPr lang="ko-KR" altLang="en-US" sz="1200" dirty="0" smtClean="0">
-                <a:latin typeface="+mn-ea"/>
-                <a:ea typeface="+mn-ea"/>
-              </a:rPr>
-              <a:t>시프트</a:t>
-            </a:r>
-            <a:r>
-              <a:rPr lang="en-US" altLang="ko-KR" sz="1200" dirty="0" smtClean="0">
-                <a:latin typeface="+mn-ea"/>
-                <a:ea typeface="+mn-ea"/>
-              </a:rPr>
-              <a:t>(shift) </a:t>
-            </a:r>
-            <a:r>
-              <a:rPr lang="ko-KR" altLang="en-US" sz="1200" dirty="0" smtClean="0">
-                <a:latin typeface="+mn-ea"/>
-                <a:ea typeface="+mn-ea"/>
-              </a:rPr>
-              <a:t>연산</a:t>
-            </a:r>
-          </a:p>
-          <a:p>
-            <a:r>
-              <a:rPr lang="ko-KR" altLang="en-US" sz="1200" dirty="0" smtClean="0">
-                <a:latin typeface="+mn-ea"/>
-                <a:ea typeface="+mn-ea"/>
-              </a:rPr>
-              <a:t>    </a:t>
-            </a:r>
-            <a:r>
-              <a:rPr lang="en-US" altLang="ko-KR" sz="1200" dirty="0" smtClean="0">
-                <a:latin typeface="+mn-ea"/>
-                <a:ea typeface="+mn-ea"/>
-              </a:rPr>
-              <a:t>: </a:t>
-            </a:r>
-            <a:r>
-              <a:rPr lang="ko-KR" altLang="en-US" sz="1200" dirty="0" smtClean="0">
-                <a:latin typeface="+mn-ea"/>
-                <a:ea typeface="+mn-ea"/>
-              </a:rPr>
-              <a:t>논리 연산뿐만 아니라 각 자리를 이동 가능</a:t>
-            </a:r>
-          </a:p>
-          <a:p>
-            <a:r>
-              <a:rPr lang="ko-KR" altLang="en-US" sz="1200" dirty="0" smtClean="0">
-                <a:latin typeface="+mn-ea"/>
-                <a:ea typeface="+mn-ea"/>
-              </a:rPr>
-              <a:t>        </a:t>
-            </a:r>
-            <a:r>
-              <a:rPr lang="en-US" altLang="ko-KR" sz="1200" dirty="0" err="1" smtClean="0">
-                <a:latin typeface="+mn-ea"/>
-                <a:ea typeface="+mn-ea"/>
-              </a:rPr>
-              <a:t>printf</a:t>
-            </a:r>
-            <a:r>
-              <a:rPr lang="en-US" altLang="ko-KR" sz="1200" dirty="0" smtClean="0">
-                <a:latin typeface="+mn-ea"/>
-                <a:ea typeface="+mn-ea"/>
-              </a:rPr>
-              <a:t>("%u\n", num1 &lt;&lt; 3);  // 24: 0001 1000: num1</a:t>
-            </a:r>
-            <a:r>
-              <a:rPr lang="ko-KR" altLang="en-US" sz="1200" dirty="0" smtClean="0">
-                <a:latin typeface="+mn-ea"/>
-                <a:ea typeface="+mn-ea"/>
-              </a:rPr>
-              <a:t>의 비트 값을 왼쪽으로 </a:t>
-            </a:r>
-            <a:r>
-              <a:rPr lang="en-US" altLang="ko-KR" sz="1200" dirty="0" smtClean="0">
-                <a:latin typeface="+mn-ea"/>
-                <a:ea typeface="+mn-ea"/>
-              </a:rPr>
-              <a:t>3</a:t>
-            </a:r>
-            <a:r>
-              <a:rPr lang="ko-KR" altLang="en-US" sz="1200" dirty="0" smtClean="0">
-                <a:latin typeface="+mn-ea"/>
-                <a:ea typeface="+mn-ea"/>
-              </a:rPr>
-              <a:t>번 이동</a:t>
-            </a:r>
-          </a:p>
-          <a:p>
-            <a:r>
-              <a:rPr lang="ko-KR" altLang="en-US" sz="1200" dirty="0" smtClean="0">
-                <a:latin typeface="+mn-ea"/>
-                <a:ea typeface="+mn-ea"/>
-              </a:rPr>
-              <a:t>        </a:t>
-            </a:r>
-            <a:r>
-              <a:rPr lang="en-US" altLang="ko-KR" sz="1200" dirty="0" err="1" smtClean="0">
-                <a:latin typeface="+mn-ea"/>
-                <a:ea typeface="+mn-ea"/>
-              </a:rPr>
-              <a:t>printf</a:t>
-            </a:r>
-            <a:r>
-              <a:rPr lang="en-US" altLang="ko-KR" sz="1200" dirty="0" smtClean="0">
-                <a:latin typeface="+mn-ea"/>
-                <a:ea typeface="+mn-ea"/>
-              </a:rPr>
-              <a:t>("%u\n", num2 &gt;&gt; 2);  //  6: 0000 0110: num2</a:t>
-            </a:r>
-            <a:r>
-              <a:rPr lang="ko-KR" altLang="en-US" sz="1200" dirty="0" smtClean="0">
-                <a:latin typeface="+mn-ea"/>
-                <a:ea typeface="+mn-ea"/>
-              </a:rPr>
-              <a:t>의 비트 값을 오른쪽으로 </a:t>
-            </a:r>
-            <a:r>
-              <a:rPr lang="en-US" altLang="ko-KR" sz="1200" dirty="0" smtClean="0">
-                <a:latin typeface="+mn-ea"/>
-                <a:ea typeface="+mn-ea"/>
-              </a:rPr>
-              <a:t>2</a:t>
-            </a:r>
-            <a:r>
-              <a:rPr lang="ko-KR" altLang="en-US" sz="1200" dirty="0" smtClean="0">
-                <a:latin typeface="+mn-ea"/>
-                <a:ea typeface="+mn-ea"/>
-              </a:rPr>
-              <a:t>번 이동</a:t>
-            </a:r>
-          </a:p>
-          <a:p>
-            <a:r>
-              <a:rPr lang="ko-KR" altLang="en-US" sz="1200" dirty="0" smtClean="0">
-                <a:latin typeface="+mn-ea"/>
-                <a:ea typeface="+mn-ea"/>
-              </a:rPr>
-              <a:t>        변수 </a:t>
-            </a:r>
-            <a:r>
-              <a:rPr lang="en-US" altLang="ko-KR" sz="1200" dirty="0" smtClean="0">
-                <a:latin typeface="+mn-ea"/>
-                <a:ea typeface="+mn-ea"/>
-              </a:rPr>
-              <a:t>&lt;&lt; </a:t>
-            </a:r>
-            <a:r>
-              <a:rPr lang="ko-KR" altLang="en-US" sz="1200" dirty="0" smtClean="0">
-                <a:latin typeface="+mn-ea"/>
-                <a:ea typeface="+mn-ea"/>
-              </a:rPr>
-              <a:t>이동할 비트 수 형식 사용</a:t>
-            </a:r>
-          </a:p>
-          <a:p>
-            <a:r>
-              <a:rPr lang="ko-KR" altLang="en-US" sz="1200" dirty="0" smtClean="0">
-                <a:latin typeface="+mn-ea"/>
-                <a:ea typeface="+mn-ea"/>
-              </a:rPr>
-              <a:t>        변수 </a:t>
-            </a:r>
-            <a:r>
-              <a:rPr lang="en-US" altLang="ko-KR" sz="1200" dirty="0" smtClean="0">
-                <a:latin typeface="+mn-ea"/>
-                <a:ea typeface="+mn-ea"/>
-              </a:rPr>
-              <a:t>&gt;&gt; </a:t>
-            </a:r>
-            <a:r>
-              <a:rPr lang="ko-KR" altLang="en-US" sz="1200" dirty="0" smtClean="0">
-                <a:latin typeface="+mn-ea"/>
-                <a:ea typeface="+mn-ea"/>
-              </a:rPr>
-              <a:t>이동할 비트 수 형식 사용</a:t>
-            </a:r>
-          </a:p>
-          <a:p>
-            <a:r>
-              <a:rPr lang="ko-KR" altLang="en-US" sz="1200" dirty="0" smtClean="0">
-                <a:latin typeface="+mn-ea"/>
-                <a:ea typeface="+mn-ea"/>
-              </a:rPr>
-              <a:t/>
-            </a:r>
-            <a:br>
-              <a:rPr lang="ko-KR" altLang="en-US" sz="1200" dirty="0" smtClean="0">
-                <a:latin typeface="+mn-ea"/>
-                <a:ea typeface="+mn-ea"/>
-              </a:rPr>
-            </a:br>
-            <a:r>
-              <a:rPr lang="ko-KR" altLang="en-US" sz="1200" dirty="0" smtClean="0">
-                <a:latin typeface="+mn-ea"/>
-                <a:ea typeface="+mn-ea"/>
-              </a:rPr>
-              <a:t> </a:t>
-            </a:r>
-            <a:r>
-              <a:rPr lang="en-US" altLang="ko-KR" sz="1200" dirty="0" smtClean="0">
-                <a:latin typeface="+mn-ea"/>
-                <a:ea typeface="+mn-ea"/>
-              </a:rPr>
-              <a:t>- </a:t>
-            </a:r>
-            <a:r>
-              <a:rPr lang="ko-KR" altLang="en-US" sz="1200" dirty="0" smtClean="0">
-                <a:latin typeface="+mn-ea"/>
-                <a:ea typeface="+mn-ea"/>
-              </a:rPr>
-              <a:t>산술 연산</a:t>
-            </a:r>
-          </a:p>
-          <a:p>
-            <a:r>
-              <a:rPr lang="ko-KR" altLang="en-US" sz="1200" dirty="0" smtClean="0">
-                <a:latin typeface="+mn-ea"/>
-                <a:ea typeface="+mn-ea"/>
-              </a:rPr>
-              <a:t>    </a:t>
-            </a:r>
-            <a:r>
-              <a:rPr lang="en-US" altLang="ko-KR" sz="1200" dirty="0" smtClean="0">
-                <a:latin typeface="+mn-ea"/>
-                <a:ea typeface="+mn-ea"/>
-              </a:rPr>
-              <a:t>: </a:t>
-            </a:r>
-            <a:r>
-              <a:rPr lang="ko-KR" altLang="en-US" sz="1200" dirty="0" smtClean="0">
-                <a:latin typeface="+mn-ea"/>
-                <a:ea typeface="+mn-ea"/>
-              </a:rPr>
-              <a:t>산술 연산자</a:t>
-            </a:r>
-          </a:p>
-          <a:p>
-            <a:r>
-              <a:rPr lang="ko-KR" altLang="en-US" sz="1200" dirty="0" smtClean="0">
-                <a:latin typeface="+mn-ea"/>
-                <a:ea typeface="+mn-ea"/>
-              </a:rPr>
-              <a:t>        </a:t>
-            </a:r>
-            <a:r>
-              <a:rPr lang="en-US" altLang="ko-KR" sz="1200" dirty="0" smtClean="0">
-                <a:latin typeface="+mn-ea"/>
-                <a:ea typeface="+mn-ea"/>
-              </a:rPr>
-              <a:t>+-*/%</a:t>
-            </a:r>
-          </a:p>
-          <a:p>
-            <a:r>
-              <a:rPr lang="en-US" altLang="ko-KR" sz="1200" dirty="0" smtClean="0">
-                <a:latin typeface="+mn-ea"/>
-                <a:ea typeface="+mn-ea"/>
-              </a:rPr>
-              <a:t>    : </a:t>
-            </a:r>
-            <a:r>
-              <a:rPr lang="ko-KR" altLang="en-US" sz="1200" dirty="0" smtClean="0">
-                <a:latin typeface="+mn-ea"/>
-                <a:ea typeface="+mn-ea"/>
-              </a:rPr>
-              <a:t>연산자 우선순위</a:t>
-            </a:r>
-          </a:p>
-          <a:p>
-            <a:r>
-              <a:rPr lang="ko-KR" altLang="en-US" sz="1200" dirty="0" smtClean="0">
-                <a:latin typeface="+mn-ea"/>
-                <a:ea typeface="+mn-ea"/>
-              </a:rPr>
-              <a:t>        괄호 안의 부분 식이 먼저 계산</a:t>
-            </a:r>
-          </a:p>
-          <a:p>
-            <a:r>
-              <a:rPr lang="ko-KR" altLang="en-US" sz="1200" dirty="0" smtClean="0">
-                <a:latin typeface="+mn-ea"/>
-                <a:ea typeface="+mn-ea"/>
-              </a:rPr>
-              <a:t>        곱셈</a:t>
-            </a:r>
-            <a:r>
-              <a:rPr lang="en-US" altLang="ko-KR" sz="1200" dirty="0" smtClean="0">
-                <a:latin typeface="+mn-ea"/>
-                <a:ea typeface="+mn-ea"/>
-              </a:rPr>
-              <a:t>, </a:t>
-            </a:r>
-            <a:r>
-              <a:rPr lang="ko-KR" altLang="en-US" sz="1200" dirty="0" err="1" smtClean="0">
-                <a:latin typeface="+mn-ea"/>
-                <a:ea typeface="+mn-ea"/>
-              </a:rPr>
-              <a:t>나눈셈</a:t>
-            </a:r>
-            <a:r>
-              <a:rPr lang="ko-KR" altLang="en-US" sz="1200" dirty="0" smtClean="0">
-                <a:latin typeface="+mn-ea"/>
-                <a:ea typeface="+mn-ea"/>
-              </a:rPr>
-              <a:t> 먼저 계산</a:t>
-            </a:r>
-          </a:p>
-          <a:p>
-            <a:r>
-              <a:rPr lang="ko-KR" altLang="en-US" sz="1200" dirty="0" smtClean="0">
-                <a:latin typeface="+mn-ea"/>
-                <a:ea typeface="+mn-ea"/>
-              </a:rPr>
-              <a:t>    </a:t>
-            </a:r>
-            <a:r>
-              <a:rPr lang="en-US" altLang="ko-KR" sz="1200" dirty="0" smtClean="0">
-                <a:latin typeface="+mn-ea"/>
-                <a:ea typeface="+mn-ea"/>
-              </a:rPr>
-              <a:t>: </a:t>
-            </a:r>
-            <a:r>
-              <a:rPr lang="ko-KR" altLang="en-US" sz="1200" dirty="0" smtClean="0">
-                <a:latin typeface="+mn-ea"/>
-                <a:ea typeface="+mn-ea"/>
-              </a:rPr>
-              <a:t>자동 타입 변환</a:t>
-            </a:r>
-          </a:p>
-          <a:p>
-            <a:r>
-              <a:rPr lang="ko-KR" altLang="en-US" sz="1200" dirty="0" smtClean="0">
-                <a:latin typeface="+mn-ea"/>
-                <a:ea typeface="+mn-ea"/>
-              </a:rPr>
-              <a:t>        컴파일러는 한 </a:t>
-            </a:r>
-            <a:r>
-              <a:rPr lang="ko-KR" altLang="en-US" sz="1200" dirty="0" err="1" smtClean="0">
-                <a:latin typeface="+mn-ea"/>
-                <a:ea typeface="+mn-ea"/>
-              </a:rPr>
-              <a:t>피연산자의</a:t>
-            </a:r>
-            <a:r>
-              <a:rPr lang="ko-KR" altLang="en-US" sz="1200" dirty="0" smtClean="0">
-                <a:latin typeface="+mn-ea"/>
-                <a:ea typeface="+mn-ea"/>
-              </a:rPr>
-              <a:t> 타입이 다른 </a:t>
-            </a:r>
-            <a:r>
-              <a:rPr lang="ko-KR" altLang="en-US" sz="1200" dirty="0" err="1" smtClean="0">
-                <a:latin typeface="+mn-ea"/>
-                <a:ea typeface="+mn-ea"/>
-              </a:rPr>
-              <a:t>피연산자의</a:t>
-            </a:r>
-            <a:r>
-              <a:rPr lang="ko-KR" altLang="en-US" sz="1200" dirty="0" smtClean="0">
-                <a:latin typeface="+mn-ea"/>
-                <a:ea typeface="+mn-ea"/>
-              </a:rPr>
-              <a:t> 타입으로 자동으로 변환하여 두 </a:t>
-            </a:r>
-            <a:r>
-              <a:rPr lang="ko-KR" altLang="en-US" sz="1200" dirty="0" err="1" smtClean="0">
-                <a:latin typeface="+mn-ea"/>
-                <a:ea typeface="+mn-ea"/>
-              </a:rPr>
-              <a:t>피연산자의</a:t>
-            </a:r>
-            <a:r>
-              <a:rPr lang="ko-KR" altLang="en-US" sz="1200" dirty="0" smtClean="0">
-                <a:latin typeface="+mn-ea"/>
-                <a:ea typeface="+mn-ea"/>
-              </a:rPr>
-              <a:t> 타입을 일치시킴</a:t>
-            </a:r>
+              <a:rPr lang="ko-KR" altLang="en-US" sz="1100" dirty="0" err="1" smtClean="0">
+                <a:latin typeface="+mn-ea"/>
+                <a:ea typeface="+mn-ea"/>
+              </a:rPr>
+              <a:t>유한상태머신</a:t>
+            </a:r>
+            <a:endParaRPr lang="ko-KR" altLang="en-US" sz="1100" dirty="0" smtClean="0">
+              <a:latin typeface="+mn-ea"/>
+              <a:ea typeface="+mn-ea"/>
+            </a:endParaRPr>
+          </a:p>
+          <a:p>
+            <a:r>
+              <a:rPr lang="ko-KR" altLang="en-US" sz="1100" dirty="0" smtClean="0">
+                <a:latin typeface="+mn-ea"/>
+                <a:ea typeface="+mn-ea"/>
+              </a:rPr>
+              <a:t>        연산 순서를 관장하는 신호를 생성하는 제어 논리</a:t>
+            </a:r>
+            <a:endParaRPr lang="ko-KR" altLang="en-US" sz="1100" dirty="0">
+              <a:latin typeface="+mn-ea"/>
+              <a:ea typeface="+mn-ea"/>
+            </a:endParaRPr>
           </a:p>
         </p:txBody>
       </p:sp>
     </p:spTree>
     <p:extLst>
       <p:ext uri="{BB962C8B-B14F-4D97-AF65-F5344CB8AC3E}">
-        <p14:creationId xmlns:p14="http://schemas.microsoft.com/office/powerpoint/2010/main" xmlns="" val="4131542772"/>
+        <p14:creationId xmlns="" xmlns:p14="http://schemas.microsoft.com/office/powerpoint/2010/main" val="4131542772"/>
       </p:ext>
     </p:extLst>
   </p:cSld>
@@ -9611,7 +11587,7 @@
   <p:cSld>
     <p:spTree>
       <p:nvGrpSpPr>
-        <p:cNvPr id="1" name="Shape 42"/>
+        <p:cNvPr id="1" name=""/>
         <p:cNvGrpSpPr/>
         <p:nvPr/>
       </p:nvGrpSpPr>
@@ -9623,810 +11599,2652 @@
           <a:chExt cx="0" cy="0"/>
         </a:xfrm>
       </p:grpSpPr>
-      <p:pic>
-        <p:nvPicPr>
-          <p:cNvPr id="8" name="Google Shape;256;p30" descr="3577377975_97c3a4934b_b.jpg">
+      <p:sp>
+        <p:nvSpPr>
+          <p:cNvPr id="3" name="텍스트 개체 틀 2">
             <a:extLst>
               <a:ext uri="{FF2B5EF4-FFF2-40B4-BE49-F238E27FC236}">
-                <a16:creationId xmlns:a16="http://schemas.microsoft.com/office/drawing/2014/main" xmlns="" id="{D85A8641-E761-4D3F-878D-CF8DB428506A}"/>
+                <a16:creationId xmlns="" xmlns:a16="http://schemas.microsoft.com/office/drawing/2014/main" id="{193707F8-7D35-49D6-97F9-C7ED24B53287}"/>
               </a:ext>
             </a:extLst>
           </p:cNvPr>
-          <p:cNvPicPr preferRelativeResize="0"/>
-          <p:nvPr/>
-        </p:nvPicPr>
-        <p:blipFill rotWithShape="1">
-          <a:blip r:embed="rId3" cstate="print">
-            <a:alphaModFix/>
-          </a:blip>
-          <a:srcRect/>
-          <a:stretch/>
-        </p:blipFill>
+          <p:cNvSpPr>
+            <a:spLocks noGrp="1"/>
+          </p:cNvSpPr>
+          <p:nvPr>
+            <p:ph type="body" sz="quarter" idx="10"/>
+          </p:nvPr>
+        </p:nvSpPr>
         <p:spPr>
           <a:xfrm>
-            <a:off x="3445540" y="3152560"/>
-            <a:ext cx="4257676" cy="2299188"/>
+            <a:off x="488504" y="259080"/>
+            <a:ext cx="8928992" cy="394449"/>
+          </a:xfrm>
+        </p:spPr>
+        <p:txBody>
+          <a:bodyPr/>
+          <a:lstStyle/>
+          <a:p>
+            <a:r>
+              <a:rPr lang="ko-KR" altLang="en-US" dirty="0" smtClean="0"/>
+              <a:t>주기억장치</a:t>
+            </a:r>
+            <a:endParaRPr lang="ko-KR" altLang="en-US" dirty="0" smtClean="0"/>
+          </a:p>
+        </p:txBody>
+      </p:sp>
+      <p:sp>
+        <p:nvSpPr>
+          <p:cNvPr id="5" name="슬라이드 번호 개체 틀 4">
+            <a:extLst>
+              <a:ext uri="{FF2B5EF4-FFF2-40B4-BE49-F238E27FC236}">
+                <a16:creationId xmlns="" xmlns:a16="http://schemas.microsoft.com/office/drawing/2014/main" id="{7B8300BC-19A2-42D0-BBC6-4599CDA8AB1E}"/>
+              </a:ext>
+            </a:extLst>
+          </p:cNvPr>
+          <p:cNvSpPr>
+            <a:spLocks noGrp="1"/>
+          </p:cNvSpPr>
+          <p:nvPr>
+            <p:ph type="sldNum" sz="quarter" idx="4"/>
+          </p:nvPr>
+        </p:nvSpPr>
+        <p:spPr>
+          <a:xfrm>
+            <a:off x="8705849" y="6457951"/>
+            <a:ext cx="671513" cy="238124"/>
+          </a:xfrm>
+        </p:spPr>
+        <p:txBody>
+          <a:bodyPr/>
+          <a:lstStyle/>
+          <a:p>
+            <a:fld id="{E6D3F70A-DAC0-4DEB-BE9D-9150D327277C}" type="slidenum">
+              <a:rPr lang="en-US" altLang="ko-KR" smtClean="0"/>
+              <a:pPr/>
+              <a:t>7</a:t>
+            </a:fld>
+            <a:endParaRPr lang="ko-KR" altLang="en-US" dirty="0"/>
+          </a:p>
+        </p:txBody>
+      </p:sp>
+      <p:sp>
+        <p:nvSpPr>
+          <p:cNvPr id="9" name="TextBox 8"/>
+          <p:cNvSpPr txBox="1"/>
+          <p:nvPr/>
+        </p:nvSpPr>
+        <p:spPr>
+          <a:xfrm>
+            <a:off x="704528" y="1052737"/>
+            <a:ext cx="8424936" cy="5328591"/>
           </a:xfrm>
           <a:prstGeom prst="rect">
             <a:avLst/>
           </a:prstGeom>
           <a:noFill/>
-          <a:ln>
-            <a:noFill/>
-          </a:ln>
         </p:spPr>
-      </p:pic>
+        <p:txBody>
+          <a:bodyPr wrap="square" numCol="2" rtlCol="0">
+            <a:spAutoFit/>
+          </a:bodyPr>
+          <a:lstStyle/>
+          <a:p>
+            <a:r>
+              <a:rPr lang="ko-KR" altLang="en-US" sz="900" b="1" u="sng" dirty="0" smtClean="0"/>
+              <a:t> </a:t>
+            </a:r>
+            <a:r>
+              <a:rPr lang="en-US" altLang="ko-KR" sz="900" b="1" u="sng" dirty="0" smtClean="0"/>
+              <a:t>- </a:t>
+            </a:r>
+            <a:r>
+              <a:rPr lang="ko-KR" altLang="en-US" sz="900" b="1" u="sng" dirty="0" smtClean="0"/>
+              <a:t>기억장치의 분류</a:t>
+            </a:r>
+          </a:p>
+          <a:p>
+            <a:r>
+              <a:rPr lang="ko-KR" altLang="en-US" sz="900" dirty="0" smtClean="0"/>
+              <a:t>    </a:t>
+            </a:r>
+            <a:r>
+              <a:rPr lang="en-US" altLang="ko-KR" sz="900" dirty="0" smtClean="0"/>
+              <a:t>: </a:t>
+            </a:r>
+            <a:r>
+              <a:rPr lang="ko-KR" altLang="en-US" sz="900" dirty="0" smtClean="0"/>
+              <a:t>접근 속도</a:t>
+            </a:r>
+            <a:r>
+              <a:rPr lang="en-US" altLang="ko-KR" sz="900" dirty="0" smtClean="0"/>
+              <a:t>, </a:t>
+            </a:r>
+            <a:r>
+              <a:rPr lang="ko-KR" altLang="en-US" sz="900" dirty="0" smtClean="0"/>
+              <a:t>기억 용량</a:t>
+            </a:r>
+            <a:r>
+              <a:rPr lang="en-US" altLang="ko-KR" sz="900" dirty="0" smtClean="0"/>
+              <a:t>, </a:t>
+            </a:r>
+            <a:r>
+              <a:rPr lang="ko-KR" altLang="en-US" sz="900" dirty="0" smtClean="0"/>
+              <a:t>용도 등에 따라 레지스터</a:t>
+            </a:r>
+            <a:r>
+              <a:rPr lang="en-US" altLang="ko-KR" sz="900" dirty="0" smtClean="0"/>
+              <a:t>, </a:t>
+            </a:r>
+            <a:r>
+              <a:rPr lang="ko-KR" altLang="en-US" sz="900" dirty="0" smtClean="0"/>
+              <a:t>캐시 메모리</a:t>
+            </a:r>
+            <a:r>
+              <a:rPr lang="en-US" altLang="ko-KR" sz="900" dirty="0" smtClean="0"/>
+              <a:t>, </a:t>
+            </a:r>
+            <a:r>
+              <a:rPr lang="ko-KR" altLang="en-US" sz="900" dirty="0" smtClean="0"/>
+              <a:t>주기억장치</a:t>
+            </a:r>
+            <a:r>
+              <a:rPr lang="en-US" altLang="ko-KR" sz="900" dirty="0" smtClean="0"/>
+              <a:t>, </a:t>
+            </a:r>
+            <a:r>
+              <a:rPr lang="ko-KR" altLang="en-US" sz="900" dirty="0" smtClean="0"/>
+              <a:t>보조기억장치로 나뉨</a:t>
+            </a:r>
+          </a:p>
+          <a:p>
+            <a:r>
+              <a:rPr lang="ko-KR" altLang="en-US" sz="900" dirty="0" smtClean="0"/>
+              <a:t>    </a:t>
+            </a:r>
+            <a:r>
+              <a:rPr lang="en-US" altLang="ko-KR" sz="900" dirty="0" smtClean="0"/>
+              <a:t>: </a:t>
+            </a:r>
+            <a:r>
+              <a:rPr lang="ko-KR" altLang="en-US" sz="900" dirty="0" smtClean="0"/>
+              <a:t>레지스터 </a:t>
+            </a:r>
+            <a:r>
+              <a:rPr lang="en-US" altLang="ko-KR" sz="900" dirty="0" smtClean="0"/>
+              <a:t>// </a:t>
+            </a:r>
+            <a:r>
+              <a:rPr lang="ko-KR" altLang="en-US" sz="900" dirty="0" smtClean="0"/>
+              <a:t>중앙처리장치 내부에 존재하는 기억장치</a:t>
+            </a:r>
+            <a:r>
+              <a:rPr lang="en-US" altLang="ko-KR" sz="900" dirty="0" smtClean="0"/>
+              <a:t>, </a:t>
+            </a:r>
+            <a:r>
+              <a:rPr lang="ko-KR" altLang="en-US" sz="900" dirty="0" smtClean="0"/>
+              <a:t>접근 시간이 중앙처리장치의 처리 </a:t>
+            </a:r>
+            <a:r>
+              <a:rPr lang="ko-KR" altLang="en-US" sz="900" dirty="0" smtClean="0"/>
+              <a:t>속도</a:t>
+            </a:r>
+            <a:r>
+              <a:rPr lang="ko-KR" altLang="en-US" sz="900" dirty="0" smtClean="0"/>
+              <a:t> </a:t>
+            </a:r>
+            <a:r>
+              <a:rPr lang="ko-KR" altLang="en-US" sz="900" dirty="0" err="1" smtClean="0"/>
+              <a:t>비</a:t>
+            </a:r>
+            <a:r>
+              <a:rPr lang="ko-KR" altLang="en-US" sz="900" dirty="0" err="1" smtClean="0"/>
+              <a:t>슷</a:t>
+            </a:r>
+            <a:endParaRPr lang="ko-KR" altLang="en-US" sz="900" dirty="0" smtClean="0"/>
+          </a:p>
+          <a:p>
+            <a:r>
+              <a:rPr lang="ko-KR" altLang="en-US" sz="900" dirty="0" smtClean="0"/>
+              <a:t>    </a:t>
+            </a:r>
+            <a:r>
+              <a:rPr lang="en-US" altLang="ko-KR" sz="900" dirty="0" smtClean="0"/>
+              <a:t>: </a:t>
+            </a:r>
+            <a:r>
+              <a:rPr lang="ko-KR" altLang="en-US" sz="900" dirty="0" smtClean="0"/>
+              <a:t>캐시 메모리 </a:t>
+            </a:r>
+            <a:r>
+              <a:rPr lang="en-US" altLang="ko-KR" sz="900" dirty="0" smtClean="0"/>
+              <a:t>// </a:t>
+            </a:r>
+            <a:r>
+              <a:rPr lang="ko-KR" altLang="en-US" sz="900" dirty="0" smtClean="0"/>
+              <a:t>중앙처리장치가 주기억장치에 접근할 때 속도 차이를 줄이기 위해 사용</a:t>
+            </a:r>
+            <a:r>
+              <a:rPr lang="en-US" altLang="ko-KR" sz="900" dirty="0" smtClean="0"/>
+              <a:t>, </a:t>
+            </a:r>
+            <a:r>
+              <a:rPr lang="ko-KR" altLang="en-US" sz="900" dirty="0" smtClean="0"/>
+              <a:t>실행 중인 프로그램의 명령어와 데이터를 저장</a:t>
+            </a:r>
+            <a:r>
+              <a:rPr lang="en-US" altLang="ko-KR" sz="900" dirty="0" smtClean="0"/>
+              <a:t>, </a:t>
+            </a:r>
+            <a:r>
+              <a:rPr lang="ko-KR" altLang="en-US" sz="900" dirty="0" smtClean="0"/>
+              <a:t>기억 용량은 작지만 접근 시간이 주기억장치보다 </a:t>
+            </a:r>
+            <a:r>
+              <a:rPr lang="en-US" altLang="ko-KR" sz="900" dirty="0" smtClean="0"/>
+              <a:t>5 ~ 10</a:t>
+            </a:r>
+            <a:r>
+              <a:rPr lang="ko-KR" altLang="en-US" sz="900" dirty="0" smtClean="0"/>
+              <a:t>배 정도 빠름</a:t>
+            </a:r>
+          </a:p>
+          <a:p>
+            <a:r>
+              <a:rPr lang="ko-KR" altLang="en-US" sz="900" dirty="0" smtClean="0"/>
+              <a:t>    </a:t>
+            </a:r>
+            <a:r>
+              <a:rPr lang="en-US" altLang="ko-KR" sz="900" dirty="0" smtClean="0"/>
+              <a:t>: </a:t>
+            </a:r>
+            <a:r>
+              <a:rPr lang="ko-KR" altLang="en-US" sz="900" dirty="0" smtClean="0"/>
+              <a:t>주기억장치 </a:t>
+            </a:r>
+            <a:r>
+              <a:rPr lang="en-US" altLang="ko-KR" sz="900" dirty="0" smtClean="0"/>
+              <a:t>// </a:t>
+            </a:r>
+            <a:r>
+              <a:rPr lang="ko-KR" altLang="en-US" sz="900" dirty="0" smtClean="0"/>
+              <a:t>중앙처리장치가 직접 데이터를 읽고 쓸 수 있는 장치</a:t>
+            </a:r>
+          </a:p>
+          <a:p>
+            <a:r>
+              <a:rPr lang="ko-KR" altLang="en-US" sz="900" dirty="0" smtClean="0"/>
+              <a:t>    </a:t>
+            </a:r>
+            <a:r>
+              <a:rPr lang="en-US" altLang="ko-KR" sz="900" dirty="0" smtClean="0"/>
+              <a:t>: </a:t>
+            </a:r>
+            <a:r>
+              <a:rPr lang="ko-KR" altLang="en-US" sz="900" dirty="0" smtClean="0"/>
+              <a:t>보조기억장치 </a:t>
+            </a:r>
+            <a:r>
+              <a:rPr lang="en-US" altLang="ko-KR" sz="900" dirty="0" smtClean="0"/>
+              <a:t>// </a:t>
+            </a:r>
+            <a:r>
+              <a:rPr lang="ko-KR" altLang="en-US" sz="900" dirty="0" smtClean="0"/>
+              <a:t>주기억장치에 비해 접근 시간은 느리지만 기억 용량이 큼</a:t>
+            </a:r>
+            <a:r>
+              <a:rPr lang="en-US" altLang="ko-KR" sz="900" dirty="0" smtClean="0"/>
+              <a:t>, </a:t>
+            </a:r>
+            <a:r>
+              <a:rPr lang="ko-KR" altLang="en-US" sz="900" dirty="0" smtClean="0"/>
+              <a:t>접근 시간은 주기억장치보다 약 </a:t>
+            </a:r>
+            <a:r>
+              <a:rPr lang="en-US" altLang="ko-KR" sz="900" dirty="0" smtClean="0"/>
+              <a:t>1,000</a:t>
+            </a:r>
+            <a:r>
+              <a:rPr lang="ko-KR" altLang="en-US" sz="900" dirty="0" smtClean="0"/>
+              <a:t>배 정도 느림</a:t>
+            </a:r>
+          </a:p>
+          <a:p>
+            <a:r>
+              <a:rPr lang="ko-KR" altLang="en-US" sz="900" dirty="0" smtClean="0"/>
+              <a:t/>
+            </a:r>
+            <a:br>
+              <a:rPr lang="ko-KR" altLang="en-US" sz="900" dirty="0" smtClean="0"/>
+            </a:br>
+            <a:r>
+              <a:rPr lang="ko-KR" altLang="en-US" sz="900" b="1" u="sng" dirty="0" smtClean="0"/>
+              <a:t> </a:t>
+            </a:r>
+            <a:r>
+              <a:rPr lang="en-US" altLang="ko-KR" sz="900" b="1" u="sng" dirty="0" smtClean="0"/>
+              <a:t>- </a:t>
+            </a:r>
+            <a:r>
+              <a:rPr lang="ko-KR" altLang="en-US" sz="900" b="1" u="sng" dirty="0" smtClean="0"/>
+              <a:t>성능 결정 요소</a:t>
+            </a:r>
+          </a:p>
+          <a:p>
+            <a:r>
+              <a:rPr lang="ko-KR" altLang="en-US" sz="900" dirty="0" smtClean="0"/>
+              <a:t>    </a:t>
+            </a:r>
+            <a:r>
+              <a:rPr lang="en-US" altLang="ko-KR" sz="900" dirty="0" smtClean="0"/>
+              <a:t>: </a:t>
+            </a:r>
+            <a:r>
+              <a:rPr lang="ko-KR" altLang="en-US" sz="900" dirty="0" smtClean="0"/>
+              <a:t>전달 모드</a:t>
+            </a:r>
+            <a:r>
+              <a:rPr lang="en-US" altLang="ko-KR" sz="900" dirty="0" smtClean="0"/>
+              <a:t>(</a:t>
+            </a:r>
+            <a:r>
+              <a:rPr lang="ko-KR" altLang="en-US" sz="900" dirty="0" smtClean="0"/>
+              <a:t>지속성</a:t>
+            </a:r>
+            <a:r>
+              <a:rPr lang="en-US" altLang="ko-KR" sz="900" dirty="0" smtClean="0"/>
+              <a:t>/</a:t>
+            </a:r>
+            <a:r>
+              <a:rPr lang="ko-KR" altLang="en-US" sz="900" dirty="0" smtClean="0"/>
+              <a:t>비지속성 메시지</a:t>
+            </a:r>
+            <a:r>
+              <a:rPr lang="en-US" altLang="ko-KR" sz="900" dirty="0" smtClean="0"/>
+              <a:t>)</a:t>
+            </a:r>
+          </a:p>
+          <a:p>
+            <a:r>
+              <a:rPr lang="en-US" altLang="ko-KR" sz="900" dirty="0" smtClean="0"/>
+              <a:t>        </a:t>
+            </a:r>
+            <a:r>
+              <a:rPr lang="ko-KR" altLang="en-US" sz="900" dirty="0" smtClean="0"/>
+              <a:t>지속성 메시지는 브로커에 오류가 발생하는 경우 메시지 전달을 </a:t>
+            </a:r>
+            <a:r>
+              <a:rPr lang="ko-KR" altLang="en-US" sz="900" dirty="0" err="1" smtClean="0"/>
+              <a:t>보장합</a:t>
+            </a:r>
+            <a:endParaRPr lang="ko-KR" altLang="en-US" sz="900" dirty="0" smtClean="0"/>
+          </a:p>
+          <a:p>
+            <a:r>
+              <a:rPr lang="ko-KR" altLang="en-US" sz="900" dirty="0" smtClean="0"/>
+              <a:t>        브로커는 브로커에 오류가 발생하더라도 지속성 메시지가 손실되지 않도록 안정적으로 메시지를 저장</a:t>
+            </a:r>
+          </a:p>
+          <a:p>
+            <a:r>
+              <a:rPr lang="ko-KR" altLang="en-US" sz="900" dirty="0" smtClean="0"/>
+              <a:t>        브로커는 수신되는 각 지속성 메시지의 수신을 확인</a:t>
+            </a:r>
+          </a:p>
+          <a:p>
+            <a:r>
+              <a:rPr lang="ko-KR" altLang="en-US" sz="900" dirty="0" smtClean="0"/>
+              <a:t>    </a:t>
+            </a:r>
+            <a:r>
+              <a:rPr lang="en-US" altLang="ko-KR" sz="900" dirty="0" smtClean="0"/>
+              <a:t>: </a:t>
+            </a:r>
+            <a:r>
+              <a:rPr lang="ko-KR" altLang="en-US" sz="900" dirty="0" smtClean="0"/>
+              <a:t>트랜잭션 사용</a:t>
+            </a:r>
+          </a:p>
+          <a:p>
+            <a:r>
+              <a:rPr lang="ko-KR" altLang="en-US" sz="900" dirty="0" smtClean="0"/>
+              <a:t>        </a:t>
+            </a:r>
+            <a:r>
+              <a:rPr lang="ko-KR" altLang="en-US" sz="900" dirty="0" err="1" smtClean="0"/>
+              <a:t>트랜잭션된</a:t>
+            </a:r>
+            <a:r>
+              <a:rPr lang="ko-KR" altLang="en-US" sz="900" dirty="0" smtClean="0"/>
+              <a:t> 세션에서 생성된 모든 메시지와 </a:t>
+            </a:r>
+            <a:r>
+              <a:rPr lang="ko-KR" altLang="en-US" sz="900" dirty="0" err="1" smtClean="0"/>
+              <a:t>트랜잭션된</a:t>
+            </a:r>
+            <a:r>
+              <a:rPr lang="ko-KR" altLang="en-US" sz="900" dirty="0" smtClean="0"/>
+              <a:t> 세션에서 사용된 모든 메시지가 하나의 단위로 처리되거나 처리되지 않도록</a:t>
+            </a:r>
+            <a:r>
+              <a:rPr lang="en-US" altLang="ko-KR" sz="900" dirty="0" smtClean="0"/>
+              <a:t>(</a:t>
+            </a:r>
+            <a:r>
+              <a:rPr lang="ko-KR" altLang="en-US" sz="900" dirty="0" err="1" smtClean="0"/>
+              <a:t>롤백되도록</a:t>
+            </a:r>
+            <a:r>
+              <a:rPr lang="en-US" altLang="ko-KR" sz="900" dirty="0" smtClean="0"/>
+              <a:t>) </a:t>
+            </a:r>
+            <a:r>
+              <a:rPr lang="ko-KR" altLang="en-US" sz="900" dirty="0" smtClean="0"/>
+              <a:t>보장</a:t>
+            </a:r>
+          </a:p>
+          <a:p>
+            <a:r>
+              <a:rPr lang="ko-KR" altLang="en-US" sz="900" dirty="0" smtClean="0"/>
+              <a:t>        </a:t>
+            </a:r>
+            <a:r>
+              <a:rPr lang="en-US" altLang="ko-KR" sz="900" dirty="0" smtClean="0"/>
+              <a:t>Message Queue</a:t>
+            </a:r>
+            <a:r>
+              <a:rPr lang="ko-KR" altLang="en-US" sz="900" dirty="0" smtClean="0"/>
+              <a:t>는 로컬 트랜잭션과 분산 트랜잭션을 모두 지원</a:t>
+            </a:r>
+          </a:p>
+          <a:p>
+            <a:r>
+              <a:rPr lang="ko-KR" altLang="en-US" sz="900" dirty="0" smtClean="0"/>
+              <a:t>    </a:t>
+            </a:r>
+            <a:r>
+              <a:rPr lang="en-US" altLang="ko-KR" sz="900" dirty="0" smtClean="0"/>
+              <a:t>: </a:t>
+            </a:r>
+            <a:r>
+              <a:rPr lang="ko-KR" altLang="en-US" sz="900" dirty="0" smtClean="0"/>
+              <a:t>확인 모드</a:t>
+            </a:r>
+          </a:p>
+          <a:p>
+            <a:r>
+              <a:rPr lang="ko-KR" altLang="en-US" sz="900" dirty="0" smtClean="0"/>
+              <a:t>        </a:t>
+            </a:r>
+            <a:r>
+              <a:rPr lang="en-US" altLang="ko-KR" sz="900" dirty="0" smtClean="0"/>
+              <a:t>Message Queue </a:t>
+            </a:r>
+            <a:r>
+              <a:rPr lang="ko-KR" altLang="en-US" sz="900" dirty="0" smtClean="0"/>
+              <a:t>브로커가 클라이언트에 전달한 메시지 사용에 대해 클라이언트가 확인 응답을 보내는 것</a:t>
+            </a:r>
+          </a:p>
+          <a:p>
+            <a:r>
+              <a:rPr lang="ko-KR" altLang="en-US" sz="900" dirty="0" smtClean="0"/>
+              <a:t>        클라이언트의 메시지 확인 없이 세션이 닫히거나 확인이 처리되기 전에 브로커에 오류가 발생하는 경우 브로커는 해당 메시지를 재전송하여 </a:t>
+            </a:r>
+            <a:r>
+              <a:rPr lang="en-US" altLang="ko-KR" sz="900" dirty="0" err="1" smtClean="0"/>
+              <a:t>JMSRedelivered</a:t>
+            </a:r>
+            <a:r>
+              <a:rPr lang="en-US" altLang="ko-KR" sz="900" dirty="0" smtClean="0"/>
+              <a:t> </a:t>
+            </a:r>
+            <a:r>
+              <a:rPr lang="ko-KR" altLang="en-US" sz="900" dirty="0" smtClean="0"/>
+              <a:t>플래그를 설정</a:t>
+            </a:r>
+          </a:p>
+          <a:p>
+            <a:r>
+              <a:rPr lang="ko-KR" altLang="en-US" sz="900" dirty="0" smtClean="0"/>
+              <a:t>    </a:t>
+            </a:r>
+            <a:r>
+              <a:rPr lang="en-US" altLang="ko-KR" sz="900" dirty="0" smtClean="0"/>
+              <a:t>: </a:t>
+            </a:r>
+            <a:r>
+              <a:rPr lang="ko-KR" altLang="en-US" sz="900" dirty="0" smtClean="0"/>
+              <a:t>영구 및 </a:t>
+            </a:r>
+            <a:r>
+              <a:rPr lang="ko-KR" altLang="en-US" sz="900" dirty="0" err="1" smtClean="0"/>
+              <a:t>비영구</a:t>
+            </a:r>
+            <a:r>
+              <a:rPr lang="ko-KR" altLang="en-US" sz="900" dirty="0" smtClean="0"/>
+              <a:t> 가입</a:t>
+            </a:r>
+          </a:p>
+          <a:p>
+            <a:r>
+              <a:rPr lang="ko-KR" altLang="en-US" sz="900" dirty="0" smtClean="0"/>
+              <a:t>        </a:t>
+            </a:r>
+            <a:r>
+              <a:rPr lang="en-US" altLang="ko-KR" sz="900" dirty="0" smtClean="0"/>
+              <a:t>Message Queue </a:t>
+            </a:r>
+            <a:r>
+              <a:rPr lang="ko-KR" altLang="en-US" sz="900" dirty="0" smtClean="0"/>
+              <a:t>메시지 서비스는 브로커에 오류가 발생하더라도 복구 후 목록을 사용할 수 있도록 각 영구 가입에 할당된 메시지 목록을 영구 저장</a:t>
+            </a:r>
+          </a:p>
+          <a:p>
+            <a:r>
+              <a:rPr lang="ko-KR" altLang="en-US" sz="900" dirty="0" smtClean="0"/>
+              <a:t>        브로커에 오류가 발생하더라도 복구 후 해당 사용자가 활성화되면 메시지를 계속 전달할 수 있도록 영구 가입의 지속성 메시지가 영구적으로 저장</a:t>
+            </a:r>
+          </a:p>
+          <a:p>
+            <a:r>
+              <a:rPr lang="ko-KR" altLang="en-US" sz="900" dirty="0" smtClean="0"/>
+              <a:t/>
+            </a:r>
+            <a:br>
+              <a:rPr lang="ko-KR" altLang="en-US" sz="900" dirty="0" smtClean="0"/>
+            </a:br>
+            <a:r>
+              <a:rPr lang="ko-KR" altLang="en-US" sz="900" b="1" u="sng" dirty="0" smtClean="0"/>
+              <a:t> </a:t>
+            </a:r>
+            <a:r>
+              <a:rPr lang="en-US" altLang="ko-KR" sz="900" b="1" u="sng" dirty="0" smtClean="0"/>
+              <a:t>- </a:t>
+            </a:r>
+            <a:r>
+              <a:rPr lang="ko-KR" altLang="en-US" sz="900" b="1" u="sng" dirty="0" smtClean="0"/>
+              <a:t>계층적 기억 장치 시스템</a:t>
+            </a:r>
+          </a:p>
+          <a:p>
+            <a:r>
+              <a:rPr lang="ko-KR" altLang="en-US" sz="900" dirty="0" smtClean="0"/>
+              <a:t>    </a:t>
+            </a:r>
+            <a:r>
+              <a:rPr lang="en-US" altLang="ko-KR" sz="900" dirty="0" smtClean="0"/>
+              <a:t>: </a:t>
+            </a:r>
+            <a:r>
+              <a:rPr lang="ko-KR" altLang="en-US" sz="900" dirty="0" smtClean="0"/>
+              <a:t>속도</a:t>
+            </a:r>
+            <a:r>
+              <a:rPr lang="en-US" altLang="ko-KR" sz="900" dirty="0" smtClean="0"/>
+              <a:t>, </a:t>
+            </a:r>
+            <a:r>
+              <a:rPr lang="ko-KR" altLang="en-US" sz="900" dirty="0" smtClean="0"/>
+              <a:t>가격 및 크기가 다양한 기억장치들을 계층적으로 설치함으로써 </a:t>
+            </a:r>
+            <a:r>
+              <a:rPr lang="ko-KR" altLang="en-US" sz="900" dirty="0" err="1" smtClean="0"/>
+              <a:t>성능대</a:t>
+            </a:r>
+            <a:r>
+              <a:rPr lang="ko-KR" altLang="en-US" sz="900" dirty="0" smtClean="0"/>
+              <a:t> </a:t>
+            </a:r>
+            <a:r>
+              <a:rPr lang="ko-KR" altLang="en-US" sz="900" dirty="0" err="1" smtClean="0"/>
+              <a:t>가격비</a:t>
+            </a:r>
+            <a:r>
+              <a:rPr lang="ko-KR" altLang="en-US" sz="900" dirty="0" smtClean="0"/>
+              <a:t> </a:t>
+            </a:r>
+            <a:r>
+              <a:rPr lang="en-US" altLang="ko-KR" sz="900" dirty="0" smtClean="0"/>
+              <a:t>(performance/cost ratio)</a:t>
+            </a:r>
+            <a:r>
+              <a:rPr lang="ko-KR" altLang="en-US" sz="900" dirty="0" smtClean="0"/>
+              <a:t>를 높이는 시스템 구성 방식</a:t>
+            </a:r>
+          </a:p>
+          <a:p>
+            <a:r>
+              <a:rPr lang="ko-KR" altLang="en-US" sz="900" dirty="0" smtClean="0"/>
+              <a:t>    </a:t>
+            </a:r>
+            <a:r>
+              <a:rPr lang="en-US" altLang="ko-KR" sz="900" dirty="0" smtClean="0"/>
+              <a:t>: </a:t>
+            </a:r>
+            <a:r>
+              <a:rPr lang="ko-KR" altLang="en-US" sz="900" dirty="0" smtClean="0"/>
+              <a:t>필요성 </a:t>
+            </a:r>
+            <a:r>
+              <a:rPr lang="en-US" altLang="ko-KR" sz="900" dirty="0" smtClean="0"/>
+              <a:t>// </a:t>
+            </a:r>
+            <a:r>
+              <a:rPr lang="ko-KR" altLang="en-US" sz="900" dirty="0" smtClean="0"/>
+              <a:t>기억장치들은 속도</a:t>
+            </a:r>
+            <a:r>
+              <a:rPr lang="en-US" altLang="ko-KR" sz="900" dirty="0" smtClean="0"/>
+              <a:t>, </a:t>
+            </a:r>
+            <a:r>
+              <a:rPr lang="ko-KR" altLang="en-US" sz="900" dirty="0" smtClean="0"/>
+              <a:t>용량 및 가격 측면에서 매우 </a:t>
+            </a:r>
+            <a:r>
+              <a:rPr lang="ko-KR" altLang="en-US" sz="900" dirty="0" err="1" smtClean="0"/>
+              <a:t>댜양</a:t>
+            </a:r>
+            <a:endParaRPr lang="ko-KR" altLang="en-US" sz="900" dirty="0" smtClean="0"/>
+          </a:p>
+          <a:p>
+            <a:r>
+              <a:rPr lang="ko-KR" altLang="en-US" sz="900" dirty="0" smtClean="0"/>
+              <a:t>    </a:t>
+            </a:r>
+            <a:r>
+              <a:rPr lang="en-US" altLang="ko-KR" sz="900" dirty="0" smtClean="0"/>
+              <a:t>: </a:t>
+            </a:r>
+            <a:r>
+              <a:rPr lang="ko-KR" altLang="en-US" sz="900" dirty="0" smtClean="0"/>
+              <a:t>적절한 성능</a:t>
+            </a:r>
+            <a:r>
+              <a:rPr lang="en-US" altLang="ko-KR" sz="900" dirty="0" smtClean="0"/>
+              <a:t>(</a:t>
+            </a:r>
+            <a:r>
+              <a:rPr lang="ko-KR" altLang="en-US" sz="900" dirty="0" smtClean="0"/>
+              <a:t>속도</a:t>
+            </a:r>
+            <a:r>
+              <a:rPr lang="en-US" altLang="ko-KR" sz="900" dirty="0" smtClean="0"/>
+              <a:t>), </a:t>
+            </a:r>
+            <a:r>
+              <a:rPr lang="ko-KR" altLang="en-US" sz="900" dirty="0" smtClean="0"/>
+              <a:t>용량 및 가격의 기억장치 구성 필요</a:t>
+            </a:r>
+          </a:p>
+          <a:p>
+            <a:r>
+              <a:rPr lang="ko-KR" altLang="en-US" sz="900" dirty="0" smtClean="0"/>
+              <a:t>    </a:t>
+            </a:r>
+            <a:r>
+              <a:rPr lang="en-US" altLang="ko-KR" sz="900" dirty="0" smtClean="0"/>
+              <a:t>: </a:t>
+            </a:r>
+            <a:r>
+              <a:rPr lang="ko-KR" altLang="en-US" sz="900" dirty="0" smtClean="0"/>
+              <a:t>효과 </a:t>
+            </a:r>
+            <a:r>
+              <a:rPr lang="en-US" altLang="ko-KR" sz="900" dirty="0" smtClean="0"/>
+              <a:t>: </a:t>
+            </a:r>
+            <a:r>
+              <a:rPr lang="ko-KR" altLang="en-US" sz="900" dirty="0" smtClean="0"/>
+              <a:t>기억장치시스템의 성능 대 </a:t>
+            </a:r>
+            <a:r>
+              <a:rPr lang="ko-KR" altLang="en-US" sz="900" dirty="0" err="1" smtClean="0"/>
+              <a:t>가격비</a:t>
+            </a:r>
+            <a:r>
+              <a:rPr lang="ko-KR" altLang="en-US" sz="900" dirty="0" smtClean="0"/>
+              <a:t> </a:t>
+            </a:r>
+            <a:r>
+              <a:rPr lang="en-US" altLang="ko-KR" sz="900" dirty="0" smtClean="0"/>
+              <a:t>(performance/cost ratio) </a:t>
+            </a:r>
+            <a:r>
+              <a:rPr lang="ko-KR" altLang="en-US" sz="900" dirty="0" smtClean="0"/>
+              <a:t>향상</a:t>
+            </a:r>
+          </a:p>
+          <a:p>
+            <a:r>
+              <a:rPr lang="ko-KR" altLang="en-US" sz="900" dirty="0" smtClean="0"/>
+              <a:t>    </a:t>
+            </a:r>
+            <a:r>
+              <a:rPr lang="en-US" altLang="ko-KR" sz="900" dirty="0" smtClean="0"/>
+              <a:t>: </a:t>
+            </a:r>
+            <a:r>
+              <a:rPr lang="ko-KR" altLang="en-US" sz="900" dirty="0" smtClean="0"/>
+              <a:t>첫 번째 계층 기억장치 </a:t>
+            </a:r>
+            <a:r>
+              <a:rPr lang="en-US" altLang="ko-KR" sz="900" dirty="0" smtClean="0"/>
+              <a:t>// </a:t>
+            </a:r>
+            <a:r>
+              <a:rPr lang="ko-KR" altLang="en-US" sz="900" dirty="0" smtClean="0"/>
+              <a:t>속도가 빠르지만 가격은 높은 기억장치 사용</a:t>
+            </a:r>
+          </a:p>
+          <a:p>
+            <a:r>
+              <a:rPr lang="ko-KR" altLang="en-US" sz="900" dirty="0" smtClean="0"/>
+              <a:t>    </a:t>
+            </a:r>
+            <a:r>
+              <a:rPr lang="en-US" altLang="ko-KR" sz="900" dirty="0" smtClean="0"/>
+              <a:t>: </a:t>
+            </a:r>
+            <a:r>
+              <a:rPr lang="ko-KR" altLang="en-US" sz="900" dirty="0" smtClean="0"/>
+              <a:t>두 번째 계층 기억장치 </a:t>
+            </a:r>
+            <a:r>
+              <a:rPr lang="en-US" altLang="ko-KR" sz="900" dirty="0" smtClean="0"/>
+              <a:t>// </a:t>
+            </a:r>
+            <a:r>
+              <a:rPr lang="ko-KR" altLang="en-US" sz="900" dirty="0" smtClean="0"/>
+              <a:t>속도는 느리지만 가격이 낮은 기억장치 사용</a:t>
+            </a:r>
+          </a:p>
+          <a:p>
+            <a:r>
+              <a:rPr lang="ko-KR" altLang="en-US" sz="900" dirty="0" smtClean="0"/>
+              <a:t>    </a:t>
+            </a:r>
+            <a:r>
+              <a:rPr lang="en-US" altLang="ko-KR" sz="900" dirty="0" smtClean="0"/>
+              <a:t>: </a:t>
+            </a:r>
+            <a:r>
+              <a:rPr lang="ko-KR" altLang="en-US" sz="900" dirty="0" smtClean="0"/>
+              <a:t>내부 기억장치 </a:t>
+            </a:r>
+            <a:r>
+              <a:rPr lang="en-US" altLang="ko-KR" sz="900" dirty="0" smtClean="0"/>
+              <a:t>(internal memory) // CPU</a:t>
+            </a:r>
+            <a:r>
+              <a:rPr lang="ko-KR" altLang="en-US" sz="900" dirty="0" smtClean="0"/>
+              <a:t>가 직접 엑세스 할 수 있는 기억장치들 </a:t>
+            </a:r>
+            <a:r>
+              <a:rPr lang="en-US" altLang="ko-KR" sz="900" dirty="0" smtClean="0"/>
+              <a:t>EX) CPU</a:t>
+            </a:r>
+            <a:r>
+              <a:rPr lang="ko-KR" altLang="en-US" sz="900" dirty="0" smtClean="0"/>
+              <a:t>레지스터</a:t>
+            </a:r>
+            <a:r>
+              <a:rPr lang="en-US" altLang="ko-KR" sz="900" dirty="0" smtClean="0"/>
+              <a:t>, </a:t>
+            </a:r>
+            <a:r>
+              <a:rPr lang="ko-KR" altLang="en-US" sz="900" dirty="0" smtClean="0"/>
+              <a:t>캐시 메모리</a:t>
+            </a:r>
+            <a:r>
+              <a:rPr lang="en-US" altLang="ko-KR" sz="900" dirty="0" smtClean="0"/>
+              <a:t>, </a:t>
+            </a:r>
+            <a:r>
+              <a:rPr lang="ko-KR" altLang="en-US" sz="900" dirty="0" smtClean="0"/>
+              <a:t>주기억장치</a:t>
+            </a:r>
+          </a:p>
+          <a:p>
+            <a:r>
+              <a:rPr lang="ko-KR" altLang="en-US" sz="900" dirty="0" smtClean="0"/>
+              <a:t>    </a:t>
+            </a:r>
+            <a:r>
+              <a:rPr lang="en-US" altLang="ko-KR" sz="900" dirty="0" smtClean="0"/>
+              <a:t>: </a:t>
+            </a:r>
+            <a:r>
+              <a:rPr lang="ko-KR" altLang="en-US" sz="900" dirty="0" smtClean="0"/>
+              <a:t>외부 기억장치 </a:t>
+            </a:r>
+            <a:r>
+              <a:rPr lang="en-US" altLang="ko-KR" sz="900" dirty="0" smtClean="0"/>
+              <a:t>(external memory) // CPU</a:t>
+            </a:r>
+            <a:r>
+              <a:rPr lang="ko-KR" altLang="en-US" sz="900" dirty="0" smtClean="0"/>
+              <a:t>가 직접 엑세스 할 수 없고</a:t>
+            </a:r>
+            <a:r>
+              <a:rPr lang="en-US" altLang="ko-KR" sz="900" dirty="0" smtClean="0"/>
+              <a:t>, </a:t>
+            </a:r>
+            <a:r>
+              <a:rPr lang="ko-KR" altLang="en-US" sz="900" dirty="0" smtClean="0"/>
+              <a:t>장치 제어기 </a:t>
+            </a:r>
+            <a:r>
+              <a:rPr lang="en-US" altLang="ko-KR" sz="900" dirty="0" smtClean="0"/>
+              <a:t>(device controller)</a:t>
+            </a:r>
+            <a:r>
+              <a:rPr lang="ko-KR" altLang="en-US" sz="900" dirty="0" smtClean="0"/>
+              <a:t>를 통해서만 </a:t>
+            </a:r>
+            <a:r>
+              <a:rPr lang="ko-KR" altLang="en-US" sz="900" dirty="0" err="1" smtClean="0"/>
+              <a:t>엑세스</a:t>
+            </a:r>
+            <a:r>
+              <a:rPr lang="ko-KR" altLang="en-US" sz="900" dirty="0" smtClean="0"/>
+              <a:t> 할 수 있는 기억장치들 </a:t>
+            </a:r>
+            <a:r>
+              <a:rPr lang="en-US" altLang="ko-KR" sz="900" dirty="0" smtClean="0"/>
+              <a:t>EX) </a:t>
+            </a:r>
+            <a:r>
+              <a:rPr lang="ko-KR" altLang="en-US" sz="900" dirty="0" smtClean="0"/>
+              <a:t>디스크</a:t>
+            </a:r>
+            <a:r>
+              <a:rPr lang="en-US" altLang="ko-KR" sz="900" dirty="0" smtClean="0"/>
+              <a:t>, SSD, CD-ROM</a:t>
+            </a:r>
+          </a:p>
+          <a:p>
+            <a:r>
+              <a:rPr lang="en-US" altLang="ko-KR" sz="900" dirty="0" smtClean="0"/>
+              <a:t/>
+            </a:r>
+            <a:br>
+              <a:rPr lang="en-US" altLang="ko-KR" sz="900" dirty="0" smtClean="0"/>
+            </a:br>
+            <a:r>
+              <a:rPr lang="en-US" altLang="ko-KR" sz="900" b="1" u="sng" dirty="0" smtClean="0"/>
+              <a:t> - </a:t>
+            </a:r>
+            <a:r>
+              <a:rPr lang="ko-KR" altLang="en-US" sz="900" b="1" u="sng" dirty="0" smtClean="0"/>
+              <a:t>반도체 메모리</a:t>
+            </a:r>
+          </a:p>
+          <a:p>
+            <a:r>
+              <a:rPr lang="ko-KR" altLang="en-US" sz="900" dirty="0" smtClean="0"/>
+              <a:t>    </a:t>
+            </a:r>
+            <a:r>
+              <a:rPr lang="en-US" altLang="ko-KR" sz="900" dirty="0" smtClean="0"/>
+              <a:t>: </a:t>
+            </a:r>
+            <a:r>
+              <a:rPr lang="ko-KR" altLang="en-US" sz="900" dirty="0" smtClean="0"/>
+              <a:t>반도체의 회로를 전기적으로 제어함으로써</a:t>
+            </a:r>
+            <a:r>
+              <a:rPr lang="en-US" altLang="ko-KR" sz="900" dirty="0" smtClean="0"/>
+              <a:t>, </a:t>
+            </a:r>
+            <a:r>
+              <a:rPr lang="ko-KR" altLang="en-US" sz="900" dirty="0" smtClean="0"/>
+              <a:t>데이터를 기억 </a:t>
+            </a:r>
+            <a:r>
+              <a:rPr lang="en-US" altLang="ko-KR" sz="900" dirty="0" smtClean="0"/>
+              <a:t>· </a:t>
+            </a:r>
+            <a:r>
+              <a:rPr lang="ko-KR" altLang="en-US" sz="900" dirty="0" smtClean="0"/>
+              <a:t>저장하는 반도체 회로 장치</a:t>
+            </a:r>
+          </a:p>
+          <a:p>
+            <a:r>
+              <a:rPr lang="ko-KR" altLang="en-US" sz="900" dirty="0" smtClean="0"/>
+              <a:t>    </a:t>
+            </a:r>
+            <a:r>
+              <a:rPr lang="en-US" altLang="ko-KR" sz="900" dirty="0" smtClean="0"/>
+              <a:t>:  </a:t>
+            </a:r>
+            <a:r>
+              <a:rPr lang="ko-KR" altLang="en-US" sz="900" dirty="0" smtClean="0"/>
+              <a:t>자기 및 광학 디스크 장치 등과 비교 시</a:t>
+            </a:r>
+            <a:r>
+              <a:rPr lang="en-US" altLang="ko-KR" sz="900" dirty="0" smtClean="0"/>
+              <a:t>, </a:t>
+            </a:r>
+            <a:r>
+              <a:rPr lang="ko-KR" altLang="en-US" sz="900" dirty="0" smtClean="0"/>
+              <a:t>데이터 읽기 및 쓰기 속도가 빠르고 기억 밀도가 높다</a:t>
+            </a:r>
+          </a:p>
+          <a:p>
+            <a:r>
+              <a:rPr lang="ko-KR" altLang="en-US" sz="900" dirty="0" smtClean="0"/>
+              <a:t/>
+            </a:r>
+            <a:br>
+              <a:rPr lang="ko-KR" altLang="en-US" sz="900" dirty="0" smtClean="0"/>
+            </a:br>
+            <a:r>
+              <a:rPr lang="ko-KR" altLang="en-US" sz="900" dirty="0" smtClean="0"/>
+              <a:t> </a:t>
+            </a:r>
+            <a:r>
+              <a:rPr lang="en-US" altLang="ko-KR" sz="900" b="1" u="sng" dirty="0" smtClean="0"/>
+              <a:t>- </a:t>
+            </a:r>
+            <a:r>
+              <a:rPr lang="ko-KR" altLang="en-US" sz="900" b="1" u="sng" dirty="0" smtClean="0"/>
+              <a:t>메모리 모듈 </a:t>
+            </a:r>
+            <a:r>
+              <a:rPr lang="ko-KR" altLang="en-US" sz="900" b="1" u="sng" dirty="0" err="1" smtClean="0"/>
+              <a:t>맵</a:t>
+            </a:r>
+            <a:endParaRPr lang="ko-KR" altLang="en-US" sz="900" b="1" u="sng" dirty="0" smtClean="0"/>
+          </a:p>
+          <a:p>
+            <a:r>
+              <a:rPr lang="ko-KR" altLang="en-US" sz="900" dirty="0" smtClean="0"/>
+              <a:t>    </a:t>
+            </a:r>
+            <a:r>
+              <a:rPr lang="en-US" altLang="ko-KR" sz="900" dirty="0" smtClean="0"/>
+              <a:t>: RDIMM, LRDIMM, UDIMM, SODIMM, ECC UDIMM</a:t>
+            </a:r>
+          </a:p>
+          <a:p>
+            <a:r>
+              <a:rPr lang="en-US" altLang="ko-KR" sz="900" dirty="0" smtClean="0"/>
+              <a:t>    : clock </a:t>
+            </a:r>
+            <a:r>
+              <a:rPr lang="ko-KR" altLang="en-US" sz="900" dirty="0" smtClean="0"/>
+              <a:t>및 </a:t>
+            </a:r>
+            <a:r>
+              <a:rPr lang="en-US" altLang="ko-KR" sz="900" dirty="0" smtClean="0"/>
+              <a:t>command, address </a:t>
+            </a:r>
+            <a:r>
+              <a:rPr lang="ko-KR" altLang="en-US" sz="900" dirty="0" smtClean="0"/>
+              <a:t>신호 향상을 위한 레지스터 포함</a:t>
+            </a:r>
+          </a:p>
+          <a:p>
+            <a:r>
+              <a:rPr lang="ko-KR" altLang="en-US" sz="900" dirty="0" smtClean="0"/>
+              <a:t>    </a:t>
+            </a:r>
+            <a:r>
+              <a:rPr lang="en-US" altLang="ko-KR" sz="900" dirty="0" smtClean="0"/>
+              <a:t>: x4 / x8 org. </a:t>
+            </a:r>
+            <a:r>
+              <a:rPr lang="ko-KR" altLang="en-US" sz="900" dirty="0" smtClean="0"/>
+              <a:t>지원</a:t>
+            </a:r>
+            <a:r>
+              <a:rPr lang="en-US" altLang="ko-KR" sz="900" dirty="0" smtClean="0"/>
+              <a:t>, Multi-DIMM per channel </a:t>
+            </a:r>
+            <a:r>
+              <a:rPr lang="ko-KR" altLang="en-US" sz="900" dirty="0" smtClean="0"/>
+              <a:t>가능</a:t>
+            </a:r>
+            <a:r>
+              <a:rPr lang="en-US" altLang="ko-KR" sz="900" dirty="0" smtClean="0"/>
+              <a:t>, Multi-Rank </a:t>
+            </a:r>
+            <a:r>
+              <a:rPr lang="ko-KR" altLang="en-US" sz="900" dirty="0" smtClean="0"/>
+              <a:t>통한 </a:t>
+            </a:r>
+            <a:r>
+              <a:rPr lang="ko-KR" altLang="en-US" sz="900" dirty="0" err="1" smtClean="0"/>
+              <a:t>고용량</a:t>
+            </a:r>
+            <a:r>
+              <a:rPr lang="ko-KR" altLang="en-US" sz="900" dirty="0" smtClean="0"/>
+              <a:t> 구성 가능</a:t>
+            </a:r>
+          </a:p>
+          <a:p>
+            <a:r>
+              <a:rPr lang="ko-KR" altLang="en-US" sz="900" dirty="0" smtClean="0"/>
+              <a:t>    </a:t>
+            </a:r>
+            <a:r>
+              <a:rPr lang="en-US" altLang="ko-KR" sz="900" dirty="0" smtClean="0"/>
+              <a:t>: </a:t>
+            </a:r>
+            <a:r>
+              <a:rPr lang="ko-KR" altLang="en-US" sz="900" dirty="0" smtClean="0"/>
+              <a:t>서버 램으로 많이 쓰임</a:t>
+            </a:r>
+          </a:p>
+          <a:p>
+            <a:r>
+              <a:rPr lang="ko-KR" altLang="en-US" sz="900" dirty="0" smtClean="0"/>
+              <a:t/>
+            </a:r>
+            <a:br>
+              <a:rPr lang="ko-KR" altLang="en-US" sz="900" dirty="0" smtClean="0"/>
+            </a:br>
+            <a:r>
+              <a:rPr lang="ko-KR" altLang="en-US" sz="900" dirty="0" smtClean="0"/>
+              <a:t> </a:t>
+            </a:r>
+            <a:r>
+              <a:rPr lang="en-US" altLang="ko-KR" sz="900" b="1" u="sng" dirty="0" smtClean="0"/>
+              <a:t>- </a:t>
+            </a:r>
+            <a:r>
+              <a:rPr lang="ko-KR" altLang="en-US" sz="900" b="1" u="sng" dirty="0" smtClean="0"/>
+              <a:t>캐시메모리</a:t>
+            </a:r>
+          </a:p>
+          <a:p>
+            <a:r>
+              <a:rPr lang="ko-KR" altLang="en-US" sz="900" dirty="0" smtClean="0"/>
+              <a:t>    </a:t>
+            </a:r>
+            <a:r>
+              <a:rPr lang="en-US" altLang="ko-KR" sz="900" dirty="0" smtClean="0"/>
+              <a:t>: </a:t>
+            </a:r>
+            <a:r>
+              <a:rPr lang="ko-KR" altLang="en-US" sz="900" dirty="0" smtClean="0"/>
+              <a:t>메인 메모리와 </a:t>
+            </a:r>
+            <a:r>
+              <a:rPr lang="en-US" altLang="ko-KR" sz="900" dirty="0" smtClean="0"/>
+              <a:t>CPU</a:t>
+            </a:r>
+            <a:r>
+              <a:rPr lang="ko-KR" altLang="en-US" sz="900" dirty="0" smtClean="0"/>
+              <a:t>간의 데이터 속도 향상을 위한 중간 버퍼 역할을 하는 </a:t>
+            </a:r>
+            <a:r>
+              <a:rPr lang="en-US" altLang="ko-KR" sz="900" dirty="0" smtClean="0"/>
+              <a:t>CPU</a:t>
+            </a:r>
+            <a:r>
+              <a:rPr lang="ko-KR" altLang="en-US" sz="900" dirty="0" smtClean="0"/>
+              <a:t>내 또는 외에 존재하는 메모리</a:t>
+            </a:r>
+          </a:p>
+          <a:p>
+            <a:r>
+              <a:rPr lang="ko-KR" altLang="en-US" sz="900" dirty="0" smtClean="0"/>
+              <a:t>    </a:t>
+            </a:r>
+            <a:r>
+              <a:rPr lang="en-US" altLang="ko-KR" sz="900" dirty="0" smtClean="0"/>
+              <a:t>: L1 &gt;&gt; L2 &gt;&gt; L3 </a:t>
+            </a:r>
+            <a:r>
+              <a:rPr lang="ko-KR" altLang="en-US" sz="900" dirty="0" smtClean="0"/>
+              <a:t>속도</a:t>
+            </a:r>
+            <a:r>
+              <a:rPr lang="en-US" altLang="ko-KR" sz="900" dirty="0" smtClean="0"/>
+              <a:t>, </a:t>
+            </a:r>
+            <a:r>
+              <a:rPr lang="ko-KR" altLang="en-US" sz="900" dirty="0" smtClean="0"/>
+              <a:t>가격 매우 비쌈</a:t>
+            </a:r>
+          </a:p>
+          <a:p>
+            <a:r>
+              <a:rPr lang="ko-KR" altLang="en-US" sz="900" dirty="0" smtClean="0"/>
+              <a:t>    </a:t>
+            </a:r>
+            <a:r>
+              <a:rPr lang="en-US" altLang="ko-KR" sz="900" dirty="0" smtClean="0"/>
+              <a:t>: L1</a:t>
+            </a:r>
+            <a:r>
+              <a:rPr lang="ko-KR" altLang="en-US" sz="900" dirty="0" smtClean="0"/>
+              <a:t>순으로 코어에 근접하게 위치 및 작동</a:t>
+            </a:r>
+          </a:p>
+          <a:p>
+            <a:r>
+              <a:rPr lang="ko-KR" altLang="en-US" sz="900" dirty="0" smtClean="0"/>
+              <a:t>    </a:t>
+            </a:r>
+            <a:r>
+              <a:rPr lang="en-US" altLang="ko-KR" sz="900" dirty="0" smtClean="0"/>
+              <a:t>: </a:t>
+            </a:r>
+            <a:r>
+              <a:rPr lang="ko-KR" altLang="en-US" sz="900" dirty="0" smtClean="0"/>
+              <a:t>데이터의 임시 보관소 </a:t>
+            </a:r>
+            <a:r>
+              <a:rPr lang="en-US" altLang="ko-KR" sz="900" dirty="0" smtClean="0"/>
+              <a:t>Cache Memory ‘Cache’</a:t>
+            </a:r>
+            <a:r>
+              <a:rPr lang="ko-KR" altLang="en-US" sz="900" dirty="0" smtClean="0"/>
+              <a:t>라는 의미는 보관이나 저장의 의미</a:t>
+            </a:r>
+          </a:p>
+          <a:p>
+            <a:r>
+              <a:rPr lang="ko-KR" altLang="en-US" sz="900" dirty="0" smtClean="0"/>
+              <a:t>    </a:t>
+            </a:r>
+            <a:r>
+              <a:rPr lang="en-US" altLang="ko-KR" sz="900" dirty="0" smtClean="0"/>
+              <a:t>: </a:t>
+            </a:r>
+            <a:r>
+              <a:rPr lang="ko-KR" altLang="en-US" sz="900" dirty="0" smtClean="0"/>
+              <a:t>공간적 지역성</a:t>
+            </a:r>
+            <a:r>
+              <a:rPr lang="en-US" altLang="ko-KR" sz="900" dirty="0" smtClean="0"/>
+              <a:t>(Locality) </a:t>
+            </a:r>
+            <a:r>
+              <a:rPr lang="ko-KR" altLang="en-US" sz="900" dirty="0" smtClean="0"/>
+              <a:t>공간적 지역성</a:t>
+            </a:r>
+            <a:r>
+              <a:rPr lang="en-US" altLang="ko-KR" sz="900" dirty="0" smtClean="0"/>
+              <a:t>(spatial locality of reference)</a:t>
+            </a:r>
+            <a:r>
+              <a:rPr lang="ko-KR" altLang="en-US" sz="900" dirty="0" smtClean="0"/>
+              <a:t>이라는 것은 한 번 참조한 메모리의 옆에 있는 메모리를 다시 참조하게 되는 성질</a:t>
+            </a:r>
+            <a:endParaRPr lang="ko-KR" altLang="en-US" sz="900" dirty="0"/>
+          </a:p>
+        </p:txBody>
+      </p:sp>
+    </p:spTree>
+    <p:extLst>
+      <p:ext uri="{BB962C8B-B14F-4D97-AF65-F5344CB8AC3E}">
+        <p14:creationId xmlns="" xmlns:p14="http://schemas.microsoft.com/office/powerpoint/2010/main" val="4131542772"/>
+      </p:ext>
+    </p:extLst>
+  </p:cSld>
+  <p:clrMapOvr>
+    <a:masterClrMapping/>
+  </p:clrMapOvr>
+  <p:timing>
+    <p:tnLst>
+      <p:par>
+        <p:cTn id="1" dur="indefinite" restart="never" nodeType="tmRoot"/>
+      </p:par>
+    </p:tnLst>
+  </p:timing>
+</p:sld>
+</file>
+
+<file path=ppt/slides/slide8.xml><?xml version="1.0" encoding="utf-8"?>
+<p:sld xmlns:a="http://schemas.openxmlformats.org/drawingml/2006/main" xmlns:r="http://schemas.openxmlformats.org/officeDocument/2006/relationships" xmlns:p="http://schemas.openxmlformats.org/presentationml/2006/main">
+  <p:cSld>
+    <p:spTree>
+      <p:nvGrpSpPr>
+        <p:cNvPr id="1" name=""/>
+        <p:cNvGrpSpPr/>
+        <p:nvPr/>
+      </p:nvGrpSpPr>
+      <p:grpSpPr>
+        <a:xfrm>
+          <a:off x="0" y="0"/>
+          <a:ext cx="0" cy="0"/>
+          <a:chOff x="0" y="0"/>
+          <a:chExt cx="0" cy="0"/>
+        </a:xfrm>
+      </p:grpSpPr>
       <p:sp>
         <p:nvSpPr>
-          <p:cNvPr id="9" name="Google Shape;257;p30">
+          <p:cNvPr id="3" name="텍스트 개체 틀 2">
             <a:extLst>
               <a:ext uri="{FF2B5EF4-FFF2-40B4-BE49-F238E27FC236}">
-                <a16:creationId xmlns:a16="http://schemas.microsoft.com/office/drawing/2014/main" xmlns="" id="{6529DBB0-C8B5-46AE-97E7-F927E787FD56}"/>
+                <a16:creationId xmlns="" xmlns:a16="http://schemas.microsoft.com/office/drawing/2014/main" id="{193707F8-7D35-49D6-97F9-C7ED24B53287}"/>
               </a:ext>
             </a:extLst>
           </p:cNvPr>
-          <p:cNvSpPr/>
-          <p:nvPr/>
+          <p:cNvSpPr>
+            <a:spLocks noGrp="1"/>
+          </p:cNvSpPr>
+          <p:nvPr>
+            <p:ph type="body" sz="quarter" idx="10"/>
+          </p:nvPr>
         </p:nvSpPr>
         <p:spPr>
           <a:xfrm>
-            <a:off x="1712" y="0"/>
-            <a:ext cx="9904288" cy="6858000"/>
+            <a:off x="488504" y="259080"/>
+            <a:ext cx="8928992" cy="394449"/>
           </a:xfrm>
-          <a:prstGeom prst="rect">
-            <a:avLst/>
-          </a:prstGeom>
-          <a:gradFill>
-            <a:gsLst>
-              <a:gs pos="0">
-                <a:srgbClr val="FFFFFF"/>
-              </a:gs>
-              <a:gs pos="100000">
-                <a:srgbClr val="93AFC1">
-                  <a:alpha val="69803"/>
-                </a:srgbClr>
-              </a:gs>
-            </a:gsLst>
-            <a:lin ang="18900000" scaled="0"/>
-          </a:gradFill>
-          <a:ln>
-            <a:noFill/>
-          </a:ln>
         </p:spPr>
         <p:txBody>
-          <a:bodyPr spcFirstLastPara="1" wrap="square" lIns="91425" tIns="45700" rIns="91425" bIns="45700" anchor="ctr" anchorCtr="1">
-            <a:noAutofit/>
-          </a:bodyPr>
+          <a:bodyPr/>
           <a:lstStyle/>
           <a:p>
-            <a:pPr marL="0" marR="0" lvl="0" indent="0" algn="l" rtl="0">
-              <a:lnSpc>
-                <a:spcPct val="100000"/>
-              </a:lnSpc>
-              <a:spcBef>
-                <a:spcPts val="0"/>
-              </a:spcBef>
-              <a:spcAft>
-                <a:spcPts val="0"/>
-              </a:spcAft>
-              <a:buClr>
-                <a:schemeClr val="dk1"/>
-              </a:buClr>
-              <a:buSzPts val="1400"/>
-              <a:buFont typeface="Calibri"/>
-              <a:buNone/>
-            </a:pPr>
-            <a:endParaRPr sz="1400" b="1" i="0" u="none" strike="noStrike" cap="none">
-              <a:solidFill>
-                <a:srgbClr val="000000"/>
-              </a:solidFill>
-              <a:latin typeface="Arial"/>
-              <a:ea typeface="Arial"/>
-              <a:cs typeface="Arial"/>
-              <a:sym typeface="Arial"/>
-            </a:endParaRPr>
+            <a:r>
+              <a:rPr lang="ko-KR" altLang="en-US" dirty="0" smtClean="0"/>
+              <a:t>보조기억장치</a:t>
+            </a:r>
+            <a:endParaRPr lang="ko-KR" altLang="en-US" dirty="0" smtClean="0"/>
           </a:p>
         </p:txBody>
       </p:sp>
-      <p:cxnSp>
-        <p:nvCxnSpPr>
-          <p:cNvPr id="10" name="Google Shape;258;p30">
+      <p:sp>
+        <p:nvSpPr>
+          <p:cNvPr id="5" name="슬라이드 번호 개체 틀 4">
             <a:extLst>
               <a:ext uri="{FF2B5EF4-FFF2-40B4-BE49-F238E27FC236}">
-                <a16:creationId xmlns:a16="http://schemas.microsoft.com/office/drawing/2014/main" xmlns="" id="{166046AC-4D9E-4CD3-AEF1-5AE695845694}"/>
+                <a16:creationId xmlns="" xmlns:a16="http://schemas.microsoft.com/office/drawing/2014/main" id="{7B8300BC-19A2-42D0-BBC6-4599CDA8AB1E}"/>
               </a:ext>
             </a:extLst>
           </p:cNvPr>
-          <p:cNvCxnSpPr/>
-          <p:nvPr/>
-        </p:nvCxnSpPr>
+          <p:cNvSpPr>
+            <a:spLocks noGrp="1"/>
+          </p:cNvSpPr>
+          <p:nvPr>
+            <p:ph type="sldNum" sz="quarter" idx="4"/>
+          </p:nvPr>
+        </p:nvSpPr>
         <p:spPr>
           <a:xfrm>
-            <a:off x="4132632" y="3393831"/>
-            <a:ext cx="836700" cy="0"/>
+            <a:off x="8705849" y="6457951"/>
+            <a:ext cx="671513" cy="238124"/>
           </a:xfrm>
-          <a:prstGeom prst="straightConnector1">
-            <a:avLst/>
-          </a:prstGeom>
-          <a:noFill/>
-          <a:ln>
-            <a:noFill/>
-          </a:ln>
         </p:spPr>
-      </p:cxnSp>
-      <p:cxnSp>
-        <p:nvCxnSpPr>
-          <p:cNvPr id="11" name="Google Shape;259;p30">
-            <a:extLst>
-              <a:ext uri="{FF2B5EF4-FFF2-40B4-BE49-F238E27FC236}">
-                <a16:creationId xmlns:a16="http://schemas.microsoft.com/office/drawing/2014/main" xmlns="" id="{89487DF4-B578-4CB3-9747-A82E4C67C8E1}"/>
-              </a:ext>
-            </a:extLst>
-          </p:cNvPr>
-          <p:cNvCxnSpPr/>
-          <p:nvPr/>
-        </p:nvCxnSpPr>
-        <p:spPr>
-          <a:xfrm>
-            <a:off x="4132632" y="5542085"/>
-            <a:ext cx="836700" cy="0"/>
-          </a:xfrm>
-          <a:prstGeom prst="straightConnector1">
-            <a:avLst/>
-          </a:prstGeom>
-          <a:noFill/>
-          <a:ln>
-            <a:noFill/>
-          </a:ln>
-        </p:spPr>
-      </p:cxnSp>
-      <p:cxnSp>
-        <p:nvCxnSpPr>
-          <p:cNvPr id="12" name="Google Shape;260;p30">
-            <a:extLst>
-              <a:ext uri="{FF2B5EF4-FFF2-40B4-BE49-F238E27FC236}">
-                <a16:creationId xmlns:a16="http://schemas.microsoft.com/office/drawing/2014/main" xmlns="" id="{D3FE6C58-FA59-4F8E-B3BB-6F84950C9B15}"/>
-              </a:ext>
-            </a:extLst>
-          </p:cNvPr>
-          <p:cNvCxnSpPr/>
-          <p:nvPr/>
-        </p:nvCxnSpPr>
-        <p:spPr>
-          <a:xfrm>
-            <a:off x="4132632" y="3393831"/>
-            <a:ext cx="0" cy="508500"/>
-          </a:xfrm>
-          <a:prstGeom prst="straightConnector1">
-            <a:avLst/>
-          </a:prstGeom>
-          <a:noFill/>
-          <a:ln>
-            <a:noFill/>
-          </a:ln>
-        </p:spPr>
-      </p:cxnSp>
-      <p:cxnSp>
-        <p:nvCxnSpPr>
-          <p:cNvPr id="13" name="Google Shape;261;p30">
-            <a:extLst>
-              <a:ext uri="{FF2B5EF4-FFF2-40B4-BE49-F238E27FC236}">
-                <a16:creationId xmlns:a16="http://schemas.microsoft.com/office/drawing/2014/main" xmlns="" id="{5FF768E6-A978-43D9-BD08-255ED0EB3097}"/>
-              </a:ext>
-            </a:extLst>
-          </p:cNvPr>
-          <p:cNvCxnSpPr/>
-          <p:nvPr/>
-        </p:nvCxnSpPr>
-        <p:spPr>
-          <a:xfrm>
-            <a:off x="9027016" y="3393831"/>
-            <a:ext cx="0" cy="508500"/>
-          </a:xfrm>
-          <a:prstGeom prst="straightConnector1">
-            <a:avLst/>
-          </a:prstGeom>
-          <a:noFill/>
-          <a:ln>
-            <a:noFill/>
-          </a:ln>
-        </p:spPr>
-      </p:cxnSp>
-      <p:cxnSp>
-        <p:nvCxnSpPr>
-          <p:cNvPr id="14" name="Google Shape;262;p30">
-            <a:extLst>
-              <a:ext uri="{FF2B5EF4-FFF2-40B4-BE49-F238E27FC236}">
-                <a16:creationId xmlns:a16="http://schemas.microsoft.com/office/drawing/2014/main" xmlns="" id="{298E7B74-B7D4-497C-AF8B-08273C3AE196}"/>
-              </a:ext>
-            </a:extLst>
-          </p:cNvPr>
-          <p:cNvCxnSpPr/>
-          <p:nvPr/>
-        </p:nvCxnSpPr>
-        <p:spPr>
-          <a:xfrm>
-            <a:off x="4969366" y="3393831"/>
-            <a:ext cx="4057800" cy="0"/>
-          </a:xfrm>
-          <a:prstGeom prst="straightConnector1">
-            <a:avLst/>
-          </a:prstGeom>
-          <a:noFill/>
-          <a:ln>
-            <a:noFill/>
-          </a:ln>
-        </p:spPr>
-      </p:cxnSp>
-      <p:cxnSp>
-        <p:nvCxnSpPr>
-          <p:cNvPr id="15" name="Google Shape;263;p30">
-            <a:extLst>
-              <a:ext uri="{FF2B5EF4-FFF2-40B4-BE49-F238E27FC236}">
-                <a16:creationId xmlns:a16="http://schemas.microsoft.com/office/drawing/2014/main" xmlns="" id="{ACDDA6D9-BF8B-4F97-9F94-D8C2EF0FC340}"/>
-              </a:ext>
-            </a:extLst>
-          </p:cNvPr>
-          <p:cNvCxnSpPr/>
-          <p:nvPr/>
-        </p:nvCxnSpPr>
-        <p:spPr>
-          <a:xfrm>
-            <a:off x="4132632" y="3902320"/>
-            <a:ext cx="0" cy="1011000"/>
-          </a:xfrm>
-          <a:prstGeom prst="straightConnector1">
-            <a:avLst/>
-          </a:prstGeom>
-          <a:noFill/>
-          <a:ln>
-            <a:noFill/>
-          </a:ln>
-        </p:spPr>
-      </p:cxnSp>
-      <p:cxnSp>
-        <p:nvCxnSpPr>
-          <p:cNvPr id="16" name="Google Shape;264;p30">
-            <a:extLst>
-              <a:ext uri="{FF2B5EF4-FFF2-40B4-BE49-F238E27FC236}">
-                <a16:creationId xmlns:a16="http://schemas.microsoft.com/office/drawing/2014/main" xmlns="" id="{0A17A86B-976E-4AD6-B982-D328BB42988C}"/>
-              </a:ext>
-            </a:extLst>
-          </p:cNvPr>
-          <p:cNvCxnSpPr/>
-          <p:nvPr/>
-        </p:nvCxnSpPr>
-        <p:spPr>
-          <a:xfrm>
-            <a:off x="9027016" y="3902320"/>
-            <a:ext cx="0" cy="1011000"/>
-          </a:xfrm>
-          <a:prstGeom prst="straightConnector1">
-            <a:avLst/>
-          </a:prstGeom>
-          <a:noFill/>
-          <a:ln>
-            <a:noFill/>
-          </a:ln>
-        </p:spPr>
-      </p:cxnSp>
-      <p:cxnSp>
-        <p:nvCxnSpPr>
-          <p:cNvPr id="17" name="Google Shape;265;p30">
-            <a:extLst>
-              <a:ext uri="{FF2B5EF4-FFF2-40B4-BE49-F238E27FC236}">
-                <a16:creationId xmlns:a16="http://schemas.microsoft.com/office/drawing/2014/main" xmlns="" id="{A896A65B-E33A-402A-9059-F33DCA649B82}"/>
-              </a:ext>
-            </a:extLst>
-          </p:cNvPr>
-          <p:cNvCxnSpPr/>
-          <p:nvPr/>
-        </p:nvCxnSpPr>
-        <p:spPr>
-          <a:xfrm>
-            <a:off x="4132632" y="4913435"/>
-            <a:ext cx="0" cy="628500"/>
-          </a:xfrm>
-          <a:prstGeom prst="straightConnector1">
-            <a:avLst/>
-          </a:prstGeom>
-          <a:noFill/>
-          <a:ln>
-            <a:noFill/>
-          </a:ln>
-        </p:spPr>
-      </p:cxnSp>
-      <p:cxnSp>
-        <p:nvCxnSpPr>
-          <p:cNvPr id="18" name="Google Shape;266;p30">
-            <a:extLst>
-              <a:ext uri="{FF2B5EF4-FFF2-40B4-BE49-F238E27FC236}">
-                <a16:creationId xmlns:a16="http://schemas.microsoft.com/office/drawing/2014/main" xmlns="" id="{67009E4C-36CB-4196-9E75-FF5832F505FE}"/>
-              </a:ext>
-            </a:extLst>
-          </p:cNvPr>
-          <p:cNvCxnSpPr/>
-          <p:nvPr/>
-        </p:nvCxnSpPr>
-        <p:spPr>
-          <a:xfrm>
-            <a:off x="9027016" y="4913435"/>
-            <a:ext cx="0" cy="628500"/>
-          </a:xfrm>
-          <a:prstGeom prst="straightConnector1">
-            <a:avLst/>
-          </a:prstGeom>
-          <a:noFill/>
-          <a:ln>
-            <a:noFill/>
-          </a:ln>
-        </p:spPr>
-      </p:cxnSp>
-      <p:cxnSp>
-        <p:nvCxnSpPr>
-          <p:cNvPr id="19" name="Google Shape;267;p30">
-            <a:extLst>
-              <a:ext uri="{FF2B5EF4-FFF2-40B4-BE49-F238E27FC236}">
-                <a16:creationId xmlns:a16="http://schemas.microsoft.com/office/drawing/2014/main" xmlns="" id="{8D4C6A71-657E-4934-B9B3-07C144AD42A9}"/>
-              </a:ext>
-            </a:extLst>
-          </p:cNvPr>
-          <p:cNvCxnSpPr/>
-          <p:nvPr/>
-        </p:nvCxnSpPr>
-        <p:spPr>
-          <a:xfrm>
-            <a:off x="4969366" y="5542085"/>
-            <a:ext cx="4057800" cy="0"/>
-          </a:xfrm>
-          <a:prstGeom prst="straightConnector1">
-            <a:avLst/>
-          </a:prstGeom>
-          <a:noFill/>
-          <a:ln>
-            <a:noFill/>
-          </a:ln>
-        </p:spPr>
-      </p:cxnSp>
-      <p:cxnSp>
-        <p:nvCxnSpPr>
-          <p:cNvPr id="20" name="Google Shape;268;p30">
-            <a:extLst>
-              <a:ext uri="{FF2B5EF4-FFF2-40B4-BE49-F238E27FC236}">
-                <a16:creationId xmlns:a16="http://schemas.microsoft.com/office/drawing/2014/main" xmlns="" id="{BFDA0DAC-899F-47E4-BA91-6FC537B195F4}"/>
-              </a:ext>
-            </a:extLst>
-          </p:cNvPr>
-          <p:cNvCxnSpPr/>
-          <p:nvPr/>
-        </p:nvCxnSpPr>
-        <p:spPr>
-          <a:xfrm>
-            <a:off x="1712" y="3048000"/>
-            <a:ext cx="9144000" cy="0"/>
-          </a:xfrm>
-          <a:prstGeom prst="straightConnector1">
-            <a:avLst/>
-          </a:prstGeom>
-          <a:noFill/>
-          <a:ln w="28575" cap="flat" cmpd="sng">
-            <a:solidFill>
-              <a:srgbClr val="808080"/>
-            </a:solidFill>
-            <a:prstDash val="solid"/>
-            <a:round/>
-            <a:headEnd type="none" w="sm" len="sm"/>
-            <a:tailEnd type="none" w="sm" len="sm"/>
-          </a:ln>
-        </p:spPr>
-      </p:cxnSp>
+        <p:txBody>
+          <a:bodyPr/>
+          <a:lstStyle/>
+          <a:p>
+            <a:fld id="{E6D3F70A-DAC0-4DEB-BE9D-9150D327277C}" type="slidenum">
+              <a:rPr lang="en-US" altLang="ko-KR" smtClean="0"/>
+              <a:pPr/>
+              <a:t>8</a:t>
+            </a:fld>
+            <a:endParaRPr lang="ko-KR" altLang="en-US" dirty="0"/>
+          </a:p>
+        </p:txBody>
+      </p:sp>
       <p:sp>
         <p:nvSpPr>
-          <p:cNvPr id="21" name="Google Shape;269;p30">
-            <a:extLst>
-              <a:ext uri="{FF2B5EF4-FFF2-40B4-BE49-F238E27FC236}">
-                <a16:creationId xmlns:a16="http://schemas.microsoft.com/office/drawing/2014/main" xmlns="" id="{BB920256-744A-4E5D-B349-AC265C212870}"/>
-              </a:ext>
-            </a:extLst>
-          </p:cNvPr>
+          <p:cNvPr id="9" name="TextBox 8"/>
           <p:cNvSpPr txBox="1"/>
           <p:nvPr/>
         </p:nvSpPr>
         <p:spPr>
           <a:xfrm>
-            <a:off x="186351" y="5945066"/>
-            <a:ext cx="8707200" cy="597600"/>
+            <a:off x="704528" y="1052737"/>
+            <a:ext cx="8424936" cy="5509200"/>
           </a:xfrm>
           <a:prstGeom prst="rect">
             <a:avLst/>
           </a:prstGeom>
           <a:noFill/>
-          <a:ln>
-            <a:noFill/>
-          </a:ln>
         </p:spPr>
         <p:txBody>
-          <a:bodyPr spcFirstLastPara="1" wrap="square" lIns="70875" tIns="70875" rIns="70875" bIns="70875" anchor="t" anchorCtr="0">
-            <a:noAutofit/>
+          <a:bodyPr wrap="square" numCol="2" rtlCol="0">
+            <a:spAutoFit/>
           </a:bodyPr>
           <a:lstStyle/>
           <a:p>
-            <a:pPr marL="0" marR="0" lvl="0" indent="0" algn="l" rtl="0">
-              <a:spcBef>
-                <a:spcPts val="0"/>
-              </a:spcBef>
-              <a:spcAft>
-                <a:spcPts val="0"/>
-              </a:spcAft>
-              <a:buNone/>
-            </a:pPr>
-            <a:r>
-              <a:rPr lang="en" sz="1108" b="1" i="0" u="none" strike="noStrike" cap="none" dirty="0">
-                <a:ln>
-                  <a:solidFill>
-                    <a:schemeClr val="accent1">
-                      <a:shade val="50000"/>
-                      <a:alpha val="0"/>
-                    </a:schemeClr>
-                  </a:solidFill>
-                </a:ln>
-                <a:solidFill>
-                  <a:srgbClr val="000000"/>
-                </a:solidFill>
-                <a:latin typeface="+mn-ea"/>
-                <a:ea typeface="+mn-ea"/>
-                <a:cs typeface="Arial"/>
-                <a:sym typeface="Arial"/>
-              </a:rPr>
-              <a:t>Copyright ⓒ 2021 by </a:t>
-            </a:r>
-            <a:r>
-              <a:rPr lang="en" sz="1108" b="1" dirty="0">
-                <a:ln>
-                  <a:solidFill>
-                    <a:schemeClr val="accent1">
-                      <a:shade val="50000"/>
-                      <a:alpha val="0"/>
-                    </a:schemeClr>
-                  </a:solidFill>
-                </a:ln>
-                <a:latin typeface="+mn-ea"/>
-                <a:ea typeface="+mn-ea"/>
-              </a:rPr>
-              <a:t>SWM</a:t>
-            </a:r>
-            <a:endParaRPr dirty="0">
-              <a:ln>
-                <a:solidFill>
-                  <a:schemeClr val="accent1">
-                    <a:shade val="50000"/>
-                    <a:alpha val="0"/>
-                  </a:schemeClr>
-                </a:solidFill>
-              </a:ln>
-              <a:latin typeface="+mn-ea"/>
-              <a:ea typeface="+mn-ea"/>
-            </a:endParaRPr>
-          </a:p>
-          <a:p>
-            <a:pPr marL="0" marR="0" lvl="0" indent="0" algn="l" rtl="0">
-              <a:spcBef>
-                <a:spcPts val="369"/>
-              </a:spcBef>
-              <a:spcAft>
-                <a:spcPts val="0"/>
-              </a:spcAft>
-              <a:buNone/>
-            </a:pPr>
-            <a:r>
-              <a:rPr lang="en" sz="738" i="1" dirty="0">
-                <a:ln>
-                  <a:solidFill>
-                    <a:schemeClr val="accent1">
-                      <a:shade val="50000"/>
-                      <a:alpha val="0"/>
-                    </a:schemeClr>
-                  </a:solidFill>
-                </a:ln>
-                <a:latin typeface="+mn-ea"/>
-                <a:ea typeface="+mn-ea"/>
-              </a:rPr>
-              <a:t>SWM</a:t>
-            </a:r>
-            <a:r>
-              <a:rPr lang="en" sz="738" b="0" i="1" u="none" strike="noStrike" cap="none" dirty="0">
-                <a:ln>
-                  <a:solidFill>
-                    <a:schemeClr val="accent1">
-                      <a:shade val="50000"/>
-                      <a:alpha val="0"/>
-                    </a:schemeClr>
-                  </a:solidFill>
-                </a:ln>
-                <a:solidFill>
-                  <a:srgbClr val="000000"/>
-                </a:solidFill>
-                <a:latin typeface="+mn-ea"/>
-                <a:ea typeface="+mn-ea"/>
-                <a:cs typeface="Arial"/>
-                <a:sym typeface="Arial"/>
-              </a:rPr>
-              <a:t> reserves all right of this document.  No part of this document may be produced, stored in a retrieval system, or transmitted, in any form or by any means, electronic, mechanical, photocopying,  recording or otherwise, without the prior written permission of </a:t>
-            </a:r>
-            <a:r>
-              <a:rPr lang="en" sz="738" i="1" dirty="0">
-                <a:ln>
-                  <a:solidFill>
-                    <a:schemeClr val="accent1">
-                      <a:shade val="50000"/>
-                      <a:alpha val="0"/>
-                    </a:schemeClr>
-                  </a:solidFill>
-                </a:ln>
-                <a:latin typeface="+mn-ea"/>
-                <a:ea typeface="+mn-ea"/>
-              </a:rPr>
-              <a:t>SWM</a:t>
-            </a:r>
-            <a:endParaRPr sz="1108" b="1" i="0" u="none" strike="noStrike" cap="none" dirty="0">
-              <a:ln>
-                <a:solidFill>
-                  <a:schemeClr val="accent1">
-                    <a:shade val="50000"/>
-                    <a:alpha val="0"/>
-                  </a:schemeClr>
-                </a:solidFill>
-              </a:ln>
-              <a:solidFill>
-                <a:srgbClr val="000000"/>
-              </a:solidFill>
-              <a:latin typeface="+mn-ea"/>
-              <a:ea typeface="+mn-ea"/>
-              <a:cs typeface="Arial"/>
-              <a:sym typeface="Arial"/>
-            </a:endParaRPr>
+            <a:r>
+              <a:rPr lang="ko-KR" altLang="en-US" sz="1400" b="1" u="sng" dirty="0" smtClean="0"/>
+              <a:t> </a:t>
+            </a:r>
+            <a:r>
+              <a:rPr lang="en-US" altLang="ko-KR" sz="1400" b="1" u="sng" dirty="0" smtClean="0"/>
+              <a:t>- </a:t>
+            </a:r>
+            <a:r>
+              <a:rPr lang="ko-KR" altLang="en-US" sz="1400" b="1" u="sng" dirty="0" smtClean="0"/>
+              <a:t>자기 디스크 장치</a:t>
+            </a:r>
+          </a:p>
+          <a:p>
+            <a:r>
+              <a:rPr lang="ko-KR" altLang="en-US" sz="1400" dirty="0" smtClean="0"/>
+              <a:t>    </a:t>
+            </a:r>
+            <a:r>
+              <a:rPr lang="en-US" altLang="ko-KR" sz="1400" dirty="0" smtClean="0"/>
+              <a:t>: </a:t>
+            </a:r>
+            <a:r>
+              <a:rPr lang="ko-KR" altLang="en-US" sz="1400" dirty="0" smtClean="0"/>
+              <a:t>강자성 박막의 미소 자구의 </a:t>
+            </a:r>
+            <a:r>
+              <a:rPr lang="ko-KR" altLang="en-US" sz="1400" dirty="0" err="1" smtClean="0"/>
+              <a:t>자화의</a:t>
+            </a:r>
+            <a:r>
+              <a:rPr lang="ko-KR" altLang="en-US" sz="1400" dirty="0" smtClean="0"/>
+              <a:t> 방향을 좌우로 평행 또는 </a:t>
+            </a:r>
+            <a:r>
+              <a:rPr lang="ko-KR" altLang="en-US" sz="1400" dirty="0" smtClean="0"/>
+              <a:t>반 평행하게</a:t>
+            </a:r>
+            <a:r>
+              <a:rPr lang="ko-KR" altLang="en-US" sz="1400" dirty="0" smtClean="0"/>
+              <a:t> 제어하여 기록하고 거기에서 나오는 자기장의 변화를 감지하여 기록된 정보를 재생하는 컴퓨터용 보조 기록장치의 매체</a:t>
+            </a:r>
+          </a:p>
+          <a:p>
+            <a:r>
+              <a:rPr lang="ko-KR" altLang="en-US" sz="1400" dirty="0" smtClean="0"/>
+              <a:t>    </a:t>
+            </a:r>
+            <a:r>
+              <a:rPr lang="en-US" altLang="ko-KR" sz="1400" dirty="0" smtClean="0"/>
+              <a:t>: </a:t>
+            </a:r>
+            <a:r>
+              <a:rPr lang="ko-KR" altLang="en-US" sz="1400" dirty="0" smtClean="0"/>
+              <a:t>대표적 제품 </a:t>
+            </a:r>
+            <a:r>
+              <a:rPr lang="en-US" altLang="ko-KR" sz="1400" dirty="0" smtClean="0"/>
+              <a:t>// HDD</a:t>
+            </a:r>
+          </a:p>
+          <a:p>
+            <a:r>
+              <a:rPr lang="en-US" altLang="ko-KR" sz="1400" dirty="0" smtClean="0"/>
+              <a:t>    : </a:t>
+            </a:r>
+            <a:r>
+              <a:rPr lang="ko-KR" altLang="en-US" sz="1400" dirty="0" smtClean="0"/>
+              <a:t>대표적 회사 </a:t>
+            </a:r>
+            <a:r>
+              <a:rPr lang="en-US" altLang="ko-KR" sz="1400" dirty="0" smtClean="0"/>
+              <a:t>// TOSHIBA, SEAGATE, WD, </a:t>
+            </a:r>
+            <a:r>
+              <a:rPr lang="en-US" altLang="ko-KR" sz="1400" dirty="0" smtClean="0"/>
+              <a:t>HGST</a:t>
+            </a:r>
+          </a:p>
+          <a:p>
+            <a:endParaRPr lang="en-US" altLang="ko-KR" sz="1400" dirty="0" smtClean="0"/>
+          </a:p>
+          <a:p>
+            <a:r>
+              <a:rPr lang="en-US" altLang="ko-KR" sz="1400" dirty="0" smtClean="0"/>
+              <a:t> </a:t>
+            </a:r>
+            <a:r>
+              <a:rPr lang="en-US" altLang="ko-KR" sz="1400" b="1" u="sng" dirty="0" smtClean="0"/>
+              <a:t>- </a:t>
+            </a:r>
+            <a:r>
+              <a:rPr lang="en-US" altLang="ko-KR" sz="1400" b="1" u="sng" dirty="0" smtClean="0"/>
+              <a:t>RAID</a:t>
+            </a:r>
+          </a:p>
+          <a:p>
+            <a:r>
+              <a:rPr lang="en-US" altLang="ko-KR" sz="1400" dirty="0" smtClean="0"/>
+              <a:t>    : </a:t>
+            </a:r>
+            <a:r>
+              <a:rPr lang="ko-KR" altLang="en-US" sz="1400" dirty="0" err="1" smtClean="0"/>
+              <a:t>여러개의</a:t>
+            </a:r>
+            <a:r>
+              <a:rPr lang="ko-KR" altLang="en-US" sz="1400" dirty="0" smtClean="0"/>
+              <a:t> 디스크를 묶어 하나의 디스크 </a:t>
+            </a:r>
+            <a:r>
+              <a:rPr lang="ko-KR" altLang="en-US" sz="1400" dirty="0" err="1" smtClean="0"/>
+              <a:t>처럼</a:t>
+            </a:r>
+            <a:r>
+              <a:rPr lang="ko-KR" altLang="en-US" sz="1400" dirty="0" smtClean="0"/>
+              <a:t> 사용하는 기술</a:t>
+            </a:r>
+          </a:p>
+          <a:p>
+            <a:r>
+              <a:rPr lang="ko-KR" altLang="en-US" sz="1400" dirty="0" smtClean="0"/>
+              <a:t>    </a:t>
+            </a:r>
+            <a:r>
+              <a:rPr lang="en-US" altLang="ko-KR" sz="1400" dirty="0" smtClean="0"/>
+              <a:t>: </a:t>
+            </a:r>
+            <a:r>
+              <a:rPr lang="ko-KR" altLang="en-US" sz="1400" dirty="0" smtClean="0"/>
+              <a:t>상대적으로 속도가 </a:t>
+            </a:r>
+            <a:r>
+              <a:rPr lang="en-US" altLang="ko-KR" sz="1400" dirty="0" smtClean="0"/>
+              <a:t>(</a:t>
+            </a:r>
+            <a:r>
+              <a:rPr lang="ko-KR" altLang="en-US" sz="1400" dirty="0" smtClean="0"/>
+              <a:t>많이</a:t>
+            </a:r>
+            <a:r>
+              <a:rPr lang="en-US" altLang="ko-KR" sz="1400" dirty="0" smtClean="0"/>
+              <a:t>) </a:t>
+            </a:r>
+            <a:r>
+              <a:rPr lang="ko-KR" altLang="en-US" sz="1400" dirty="0" smtClean="0"/>
+              <a:t>느린 하드디스크를 보완하기 위해 만든 기술</a:t>
+            </a:r>
+          </a:p>
+          <a:p>
+            <a:r>
+              <a:rPr lang="ko-KR" altLang="en-US" sz="1400" dirty="0" smtClean="0"/>
+              <a:t>    </a:t>
+            </a:r>
+            <a:r>
+              <a:rPr lang="en-US" altLang="ko-KR" sz="1400" dirty="0" smtClean="0"/>
+              <a:t>: RAID</a:t>
+            </a:r>
+            <a:r>
+              <a:rPr lang="ko-KR" altLang="en-US" sz="1400" dirty="0" smtClean="0"/>
+              <a:t>를 구성하는 디스크의 개수가 같아도</a:t>
+            </a:r>
+            <a:r>
+              <a:rPr lang="en-US" altLang="ko-KR" sz="1400" dirty="0" smtClean="0"/>
+              <a:t>, RAID</a:t>
+            </a:r>
+            <a:r>
+              <a:rPr lang="ko-KR" altLang="en-US" sz="1400" dirty="0" smtClean="0"/>
+              <a:t>의 구성 방식에 따라 성능</a:t>
+            </a:r>
+            <a:r>
+              <a:rPr lang="en-US" altLang="ko-KR" sz="1400" dirty="0" smtClean="0"/>
+              <a:t>, </a:t>
+            </a:r>
+            <a:r>
+              <a:rPr lang="ko-KR" altLang="en-US" sz="1400" dirty="0" smtClean="0"/>
+              <a:t>용량이 바뀌게 됨</a:t>
+            </a:r>
+          </a:p>
+          <a:p>
+            <a:r>
+              <a:rPr lang="ko-KR" altLang="en-US" sz="1400" dirty="0" smtClean="0"/>
+              <a:t/>
+            </a:r>
+            <a:br>
+              <a:rPr lang="ko-KR" altLang="en-US" sz="1400" dirty="0" smtClean="0"/>
+            </a:br>
+            <a:r>
+              <a:rPr lang="ko-KR" altLang="en-US" sz="1400" b="1" u="sng" dirty="0" smtClean="0"/>
+              <a:t> </a:t>
+            </a:r>
+            <a:r>
+              <a:rPr lang="en-US" altLang="ko-KR" sz="1400" b="1" u="sng" dirty="0" smtClean="0"/>
+              <a:t>- </a:t>
+            </a:r>
+            <a:r>
+              <a:rPr lang="ko-KR" altLang="en-US" sz="1400" b="1" u="sng" dirty="0" smtClean="0"/>
+              <a:t>광디스크 저장장치</a:t>
+            </a:r>
+          </a:p>
+          <a:p>
+            <a:r>
+              <a:rPr lang="ko-KR" altLang="en-US" sz="1400" dirty="0" smtClean="0"/>
+              <a:t>    </a:t>
+            </a:r>
+            <a:r>
+              <a:rPr lang="en-US" altLang="ko-KR" sz="1400" dirty="0" smtClean="0"/>
+              <a:t>: </a:t>
+            </a:r>
+            <a:r>
+              <a:rPr lang="ko-KR" altLang="en-US" sz="1400" dirty="0" smtClean="0"/>
+              <a:t>고강도 레이저를 이용해 알루미늄 코팅된 평판 표면의 미세 피트들에 정보를 기록</a:t>
+            </a:r>
+          </a:p>
+          <a:p>
+            <a:r>
+              <a:rPr lang="ko-KR" altLang="en-US" sz="1400" dirty="0" smtClean="0"/>
+              <a:t>    </a:t>
+            </a:r>
+            <a:r>
+              <a:rPr lang="en-US" altLang="ko-KR" sz="1400" dirty="0" smtClean="0"/>
+              <a:t>: </a:t>
+            </a:r>
+            <a:r>
+              <a:rPr lang="ko-KR" altLang="en-US" sz="1400" dirty="0" smtClean="0"/>
+              <a:t>정보를 인식 할 때는 저전력 레이저를 이용해 미세 피트들로부터 반사되는 빛의 강도에 의해 정보를 인식</a:t>
+            </a:r>
+          </a:p>
+          <a:p>
+            <a:r>
+              <a:rPr lang="ko-KR" altLang="en-US" sz="1400" dirty="0" smtClean="0"/>
+              <a:t>    </a:t>
+            </a:r>
+            <a:r>
+              <a:rPr lang="en-US" altLang="ko-KR" sz="1400" dirty="0" smtClean="0"/>
+              <a:t>: </a:t>
+            </a:r>
+            <a:r>
+              <a:rPr lang="ko-KR" altLang="en-US" sz="1400" dirty="0" smtClean="0"/>
+              <a:t>디스크 표면에 레이저를 쏘아 태운 부분과 그렇지 않은 부분으로 정보를 기록</a:t>
+            </a:r>
+          </a:p>
+          <a:p>
+            <a:r>
+              <a:rPr lang="ko-KR" altLang="en-US" sz="1400" dirty="0" smtClean="0"/>
+              <a:t>    </a:t>
+            </a:r>
+            <a:r>
+              <a:rPr lang="en-US" altLang="ko-KR" sz="1400" dirty="0" smtClean="0"/>
+              <a:t>: </a:t>
+            </a:r>
+            <a:r>
+              <a:rPr lang="ko-KR" altLang="en-US" sz="1400" dirty="0" smtClean="0"/>
+              <a:t>빛의 강도로 이진수 </a:t>
+            </a:r>
+            <a:r>
+              <a:rPr lang="en-US" altLang="ko-KR" sz="1400" dirty="0" smtClean="0"/>
+              <a:t>0 </a:t>
+            </a:r>
+            <a:r>
+              <a:rPr lang="ko-KR" altLang="en-US" sz="1400" dirty="0" smtClean="0"/>
+              <a:t>과 </a:t>
+            </a:r>
+            <a:r>
+              <a:rPr lang="en-US" altLang="ko-KR" sz="1400" dirty="0" smtClean="0"/>
+              <a:t>1</a:t>
+            </a:r>
+            <a:r>
+              <a:rPr lang="ko-KR" altLang="en-US" sz="1400" dirty="0" smtClean="0"/>
+              <a:t>에 대응시켜 데이터를 읽음</a:t>
+            </a:r>
+          </a:p>
+          <a:p>
+            <a:r>
+              <a:rPr lang="ko-KR" altLang="en-US" sz="1400" dirty="0" smtClean="0"/>
+              <a:t/>
+            </a:r>
+            <a:br>
+              <a:rPr lang="ko-KR" altLang="en-US" sz="1400" dirty="0" smtClean="0"/>
+            </a:br>
+            <a:r>
+              <a:rPr lang="ko-KR" altLang="en-US" sz="1400" dirty="0" smtClean="0"/>
+              <a:t> </a:t>
+            </a:r>
+            <a:r>
+              <a:rPr lang="en-US" altLang="ko-KR" sz="1400" b="1" u="sng" dirty="0" smtClean="0"/>
+              <a:t>- USB </a:t>
+            </a:r>
+            <a:r>
+              <a:rPr lang="ko-KR" altLang="en-US" sz="1400" b="1" u="sng" dirty="0" smtClean="0"/>
+              <a:t>메모리</a:t>
+            </a:r>
+          </a:p>
+          <a:p>
+            <a:r>
+              <a:rPr lang="ko-KR" altLang="en-US" sz="1400" dirty="0" smtClean="0"/>
+              <a:t>    </a:t>
+            </a:r>
+            <a:r>
+              <a:rPr lang="en-US" altLang="ko-KR" sz="1400" dirty="0" smtClean="0"/>
+              <a:t>: USB flash drive</a:t>
+            </a:r>
+          </a:p>
+          <a:p>
+            <a:r>
+              <a:rPr lang="en-US" altLang="ko-KR" sz="1400" dirty="0" smtClean="0"/>
+              <a:t>    : 2000</a:t>
+            </a:r>
+            <a:r>
+              <a:rPr lang="ko-KR" altLang="en-US" sz="1400" dirty="0" smtClean="0"/>
+              <a:t>년 </a:t>
+            </a:r>
+            <a:r>
+              <a:rPr lang="en-US" altLang="ko-KR" sz="1400" dirty="0" smtClean="0"/>
+              <a:t>11</a:t>
+            </a:r>
+            <a:r>
+              <a:rPr lang="ko-KR" altLang="en-US" sz="1400" dirty="0" smtClean="0"/>
+              <a:t>월 </a:t>
+            </a:r>
+            <a:r>
+              <a:rPr lang="en-US" altLang="ko-KR" sz="1400" dirty="0" smtClean="0"/>
+              <a:t>M-Systems</a:t>
+            </a:r>
+            <a:r>
+              <a:rPr lang="ko-KR" altLang="en-US" sz="1400" dirty="0" smtClean="0"/>
+              <a:t>에서 </a:t>
+            </a:r>
+            <a:r>
+              <a:rPr lang="en-US" altLang="ko-KR" sz="1400" dirty="0" smtClean="0"/>
+              <a:t>8, 16, 32 MB </a:t>
+            </a:r>
+            <a:r>
+              <a:rPr lang="ko-KR" altLang="en-US" sz="1400" dirty="0" smtClean="0"/>
+              <a:t>용량의 제품을 개발하여 판매한 것이 시초</a:t>
+            </a:r>
+          </a:p>
+          <a:p>
+            <a:r>
+              <a:rPr lang="ko-KR" altLang="en-US" sz="1400" dirty="0" smtClean="0"/>
+              <a:t>    </a:t>
+            </a:r>
+            <a:r>
+              <a:rPr lang="en-US" altLang="ko-KR" sz="1400" dirty="0" smtClean="0"/>
+              <a:t>: </a:t>
+            </a:r>
+            <a:r>
+              <a:rPr lang="ko-KR" altLang="en-US" sz="1400" dirty="0" smtClean="0"/>
+              <a:t>파일 이동이나 파일 보관 용도로 사용</a:t>
+            </a:r>
+          </a:p>
+          <a:p>
+            <a:r>
+              <a:rPr lang="ko-KR" altLang="en-US" sz="1400" dirty="0" smtClean="0"/>
+              <a:t/>
+            </a:r>
+            <a:br>
+              <a:rPr lang="ko-KR" altLang="en-US" sz="1400" dirty="0" smtClean="0"/>
+            </a:br>
+            <a:r>
+              <a:rPr lang="ko-KR" altLang="en-US" sz="1400" dirty="0" smtClean="0"/>
+              <a:t> </a:t>
+            </a:r>
+            <a:r>
+              <a:rPr lang="en-US" altLang="ko-KR" sz="1400" b="1" u="sng" dirty="0" smtClean="0"/>
+              <a:t>- CCD </a:t>
+            </a:r>
+            <a:r>
+              <a:rPr lang="ko-KR" altLang="en-US" sz="1400" b="1" u="sng" dirty="0" smtClean="0"/>
+              <a:t>메모리</a:t>
+            </a:r>
+          </a:p>
+          <a:p>
+            <a:r>
+              <a:rPr lang="ko-KR" altLang="en-US" sz="1400" dirty="0" smtClean="0"/>
+              <a:t>    </a:t>
+            </a:r>
+            <a:r>
+              <a:rPr lang="en-US" altLang="ko-KR" sz="1400" dirty="0" smtClean="0"/>
+              <a:t>: </a:t>
+            </a:r>
+            <a:r>
+              <a:rPr lang="ko-KR" altLang="en-US" sz="1400" dirty="0" smtClean="0"/>
+              <a:t>빛을 전하로 변환시켜 이미지를 얻어내는 센서</a:t>
+            </a:r>
+          </a:p>
+          <a:p>
+            <a:r>
+              <a:rPr lang="ko-KR" altLang="en-US" sz="1400" dirty="0" smtClean="0"/>
+              <a:t>    </a:t>
+            </a:r>
+            <a:r>
+              <a:rPr lang="en-US" altLang="ko-KR" sz="1400" dirty="0" smtClean="0"/>
+              <a:t>: </a:t>
+            </a:r>
+            <a:r>
+              <a:rPr lang="ko-KR" altLang="en-US" sz="1400" dirty="0" smtClean="0"/>
+              <a:t>소자 내부에서 전하를 조작</a:t>
+            </a:r>
+            <a:r>
+              <a:rPr lang="en-US" altLang="ko-KR" sz="1400" dirty="0" smtClean="0"/>
+              <a:t>(</a:t>
+            </a:r>
+            <a:r>
+              <a:rPr lang="ko-KR" altLang="en-US" sz="1400" dirty="0" smtClean="0"/>
+              <a:t>디지털화 등</a:t>
+            </a:r>
+            <a:r>
+              <a:rPr lang="en-US" altLang="ko-KR" sz="1400" dirty="0" smtClean="0"/>
+              <a:t>)</a:t>
+            </a:r>
+            <a:r>
+              <a:rPr lang="ko-KR" altLang="en-US" sz="1400" dirty="0" smtClean="0"/>
+              <a:t>할 수 있는 영역으로 옮기는 역할</a:t>
+            </a:r>
+          </a:p>
+          <a:p>
+            <a:r>
+              <a:rPr lang="ko-KR" altLang="en-US" sz="1400" dirty="0" smtClean="0"/>
+              <a:t>    </a:t>
+            </a:r>
+            <a:r>
+              <a:rPr lang="en-US" altLang="ko-KR" sz="1400" dirty="0" smtClean="0"/>
+              <a:t>: </a:t>
+            </a:r>
+            <a:r>
+              <a:rPr lang="ko-KR" altLang="en-US" sz="1400" dirty="0" smtClean="0"/>
+              <a:t>천문학 분야에서 냉각 </a:t>
+            </a:r>
+            <a:r>
+              <a:rPr lang="en-US" altLang="ko-KR" sz="1400" dirty="0" smtClean="0"/>
+              <a:t>CCD</a:t>
+            </a:r>
+            <a:r>
+              <a:rPr lang="ko-KR" altLang="en-US" sz="1400" dirty="0" smtClean="0"/>
+              <a:t>는 천문 관측 도구 중 대표적으로 꼽히는 물건</a:t>
+            </a:r>
+            <a:endParaRPr lang="ko-KR" altLang="en-US" sz="1400" dirty="0"/>
+          </a:p>
+        </p:txBody>
+      </p:sp>
+    </p:spTree>
+    <p:extLst>
+      <p:ext uri="{BB962C8B-B14F-4D97-AF65-F5344CB8AC3E}">
+        <p14:creationId xmlns="" xmlns:p14="http://schemas.microsoft.com/office/powerpoint/2010/main" val="4131542772"/>
+      </p:ext>
+    </p:extLst>
+  </p:cSld>
+  <p:clrMapOvr>
+    <a:masterClrMapping/>
+  </p:clrMapOvr>
+  <p:timing>
+    <p:tnLst>
+      <p:par>
+        <p:cTn id="1" dur="indefinite" restart="never" nodeType="tmRoot"/>
+      </p:par>
+    </p:tnLst>
+  </p:timing>
+</p:sld>
+</file>
+
+<file path=ppt/slides/slide9.xml><?xml version="1.0" encoding="utf-8"?>
+<p:sld xmlns:a="http://schemas.openxmlformats.org/drawingml/2006/main" xmlns:r="http://schemas.openxmlformats.org/officeDocument/2006/relationships" xmlns:p="http://schemas.openxmlformats.org/presentationml/2006/main">
+  <p:cSld>
+    <p:spTree>
+      <p:nvGrpSpPr>
+        <p:cNvPr id="1" name=""/>
+        <p:cNvGrpSpPr/>
+        <p:nvPr/>
+      </p:nvGrpSpPr>
+      <p:grpSpPr>
+        <a:xfrm>
+          <a:off x="0" y="0"/>
+          <a:ext cx="0" cy="0"/>
+          <a:chOff x="0" y="0"/>
+          <a:chExt cx="0" cy="0"/>
+        </a:xfrm>
+      </p:grpSpPr>
+      <p:sp>
+        <p:nvSpPr>
+          <p:cNvPr id="3" name="텍스트 개체 틀 2">
+            <a:extLst>
+              <a:ext uri="{FF2B5EF4-FFF2-40B4-BE49-F238E27FC236}">
+                <a16:creationId xmlns="" xmlns:a16="http://schemas.microsoft.com/office/drawing/2014/main" id="{193707F8-7D35-49D6-97F9-C7ED24B53287}"/>
+              </a:ext>
+            </a:extLst>
+          </p:cNvPr>
+          <p:cNvSpPr>
+            <a:spLocks noGrp="1"/>
+          </p:cNvSpPr>
+          <p:nvPr>
+            <p:ph type="body" sz="quarter" idx="10"/>
+          </p:nvPr>
+        </p:nvSpPr>
+        <p:spPr>
+          <a:xfrm>
+            <a:off x="488504" y="259080"/>
+            <a:ext cx="8928992" cy="394449"/>
+          </a:xfrm>
+        </p:spPr>
+        <p:txBody>
+          <a:bodyPr/>
+          <a:lstStyle/>
+          <a:p>
+            <a:r>
+              <a:rPr lang="en-US" altLang="ko-KR" dirty="0" smtClean="0"/>
+              <a:t>CPU </a:t>
+            </a:r>
+            <a:r>
+              <a:rPr lang="ko-KR" altLang="en-US" dirty="0" smtClean="0"/>
+              <a:t>구조와 기능</a:t>
+            </a:r>
           </a:p>
         </p:txBody>
       </p:sp>
       <p:sp>
         <p:nvSpPr>
-          <p:cNvPr id="22" name="Google Shape;270;p30">
+          <p:cNvPr id="5" name="슬라이드 번호 개체 틀 4">
             <a:extLst>
               <a:ext uri="{FF2B5EF4-FFF2-40B4-BE49-F238E27FC236}">
-                <a16:creationId xmlns:a16="http://schemas.microsoft.com/office/drawing/2014/main" xmlns="" id="{637C7584-6185-489D-806D-D36C79F20292}"/>
+                <a16:creationId xmlns="" xmlns:a16="http://schemas.microsoft.com/office/drawing/2014/main" id="{7B8300BC-19A2-42D0-BBC6-4599CDA8AB1E}"/>
               </a:ext>
             </a:extLst>
           </p:cNvPr>
-          <p:cNvSpPr/>
+          <p:cNvSpPr>
+            <a:spLocks noGrp="1"/>
+          </p:cNvSpPr>
+          <p:nvPr>
+            <p:ph type="sldNum" sz="quarter" idx="4"/>
+          </p:nvPr>
+        </p:nvSpPr>
+        <p:spPr>
+          <a:xfrm>
+            <a:off x="8705849" y="6457951"/>
+            <a:ext cx="671513" cy="238124"/>
+          </a:xfrm>
+        </p:spPr>
+        <p:txBody>
+          <a:bodyPr/>
+          <a:lstStyle/>
+          <a:p>
+            <a:fld id="{E6D3F70A-DAC0-4DEB-BE9D-9150D327277C}" type="slidenum">
+              <a:rPr lang="en-US" altLang="ko-KR" smtClean="0"/>
+              <a:pPr/>
+              <a:t>9</a:t>
+            </a:fld>
+            <a:endParaRPr lang="ko-KR" altLang="en-US" dirty="0"/>
+          </a:p>
+        </p:txBody>
+      </p:sp>
+      <p:sp>
+        <p:nvSpPr>
+          <p:cNvPr id="9" name="TextBox 8"/>
+          <p:cNvSpPr txBox="1"/>
           <p:nvPr/>
         </p:nvSpPr>
         <p:spPr>
           <a:xfrm>
-            <a:off x="304314" y="3225145"/>
-            <a:ext cx="5872815" cy="1627800"/>
+            <a:off x="704528" y="1052736"/>
+            <a:ext cx="8424936" cy="5328591"/>
           </a:xfrm>
           <a:prstGeom prst="rect">
             <a:avLst/>
           </a:prstGeom>
           <a:noFill/>
-          <a:ln>
-            <a:solidFill>
-              <a:schemeClr val="accent1">
-                <a:shade val="50000"/>
-                <a:alpha val="0"/>
-              </a:schemeClr>
-            </a:solidFill>
-          </a:ln>
         </p:spPr>
         <p:txBody>
-          <a:bodyPr spcFirstLastPara="1" wrap="square" lIns="88600" tIns="53150" rIns="88600" bIns="53150" anchor="t" anchorCtr="0">
-            <a:noAutofit/>
+          <a:bodyPr wrap="square" numCol="2" rtlCol="0">
+            <a:spAutoFit/>
           </a:bodyPr>
           <a:lstStyle/>
           <a:p>
-            <a:pPr marL="0" marR="0" lvl="0" indent="0" algn="l" rtl="0">
-              <a:spcBef>
-                <a:spcPts val="0"/>
-              </a:spcBef>
-              <a:spcAft>
-                <a:spcPts val="0"/>
-              </a:spcAft>
-              <a:buNone/>
-            </a:pPr>
-            <a:r>
-              <a:rPr lang="en" sz="1477" b="0" i="0" u="none" strike="noStrike" cap="none" dirty="0">
-                <a:solidFill>
-                  <a:srgbClr val="000000"/>
-                </a:solidFill>
-                <a:latin typeface="+mn-ea"/>
-                <a:ea typeface="+mn-ea"/>
-                <a:cs typeface="Arial"/>
-                <a:sym typeface="Arial"/>
-              </a:rPr>
-              <a:t>FRTek Tower 7F, 11-25, Simin-daero 327beon-gil, Dongan-gu, Anyang-si, Gyeonggi-do, Korea</a:t>
-            </a:r>
-            <a:endParaRPr dirty="0">
-              <a:latin typeface="+mn-ea"/>
-              <a:ea typeface="+mn-ea"/>
-            </a:endParaRPr>
-          </a:p>
-          <a:p>
-            <a:pPr marL="0" marR="0" lvl="0" indent="0" algn="l" rtl="0">
-              <a:spcBef>
-                <a:spcPts val="693"/>
-              </a:spcBef>
-              <a:spcAft>
-                <a:spcPts val="0"/>
-              </a:spcAft>
-              <a:buNone/>
-            </a:pPr>
-            <a:r>
-              <a:rPr lang="en" sz="1385" b="0" i="0" u="none" strike="noStrike" cap="none" dirty="0">
-                <a:solidFill>
-                  <a:srgbClr val="000000"/>
-                </a:solidFill>
-                <a:latin typeface="+mn-ea"/>
-                <a:ea typeface="+mn-ea"/>
-                <a:cs typeface="Arial"/>
-                <a:sym typeface="Arial"/>
-              </a:rPr>
+            <a:r>
+              <a:rPr lang="ko-KR" altLang="en-US" sz="1000" b="1" u="sng" dirty="0" smtClean="0"/>
+              <a:t> </a:t>
+            </a:r>
+            <a:r>
+              <a:rPr lang="en-US" altLang="ko-KR" sz="1000" b="1" u="sng" dirty="0" smtClean="0"/>
+              <a:t>- CPU</a:t>
+            </a:r>
+            <a:r>
+              <a:rPr lang="ko-KR" altLang="en-US" sz="1000" b="1" u="sng" dirty="0" smtClean="0"/>
+              <a:t>의 기본 구조</a:t>
+            </a:r>
+          </a:p>
+          <a:p>
+            <a:r>
+              <a:rPr lang="ko-KR" altLang="en-US" sz="1000" dirty="0" smtClean="0"/>
+              <a:t>    </a:t>
+            </a:r>
+            <a:r>
+              <a:rPr lang="en-US" altLang="ko-KR" sz="1000" dirty="0" smtClean="0"/>
+              <a:t>: </a:t>
+            </a:r>
+            <a:r>
+              <a:rPr lang="ko-KR" altLang="en-US" sz="1000" dirty="0" smtClean="0"/>
+              <a:t>메인 메모리에 저장되어 있는 명령어를 하나씩 가져와 실행</a:t>
+            </a:r>
+          </a:p>
+          <a:p>
+            <a:r>
+              <a:rPr lang="ko-KR" altLang="en-US" sz="1000" dirty="0" smtClean="0"/>
+              <a:t>    </a:t>
+            </a:r>
+            <a:r>
+              <a:rPr lang="en-US" altLang="ko-KR" sz="1000" dirty="0" smtClean="0"/>
+              <a:t>: </a:t>
+            </a:r>
+            <a:r>
+              <a:rPr lang="ko-KR" altLang="en-US" sz="1000" dirty="0" smtClean="0"/>
+              <a:t>명령어</a:t>
+            </a:r>
+            <a:r>
+              <a:rPr lang="en-US" altLang="ko-KR" sz="1000" dirty="0" smtClean="0"/>
+              <a:t>(</a:t>
+            </a:r>
+            <a:r>
+              <a:rPr lang="ko-KR" altLang="en-US" sz="1000" dirty="0" smtClean="0"/>
+              <a:t>데이터</a:t>
+            </a:r>
+            <a:r>
+              <a:rPr lang="en-US" altLang="ko-KR" sz="1000" dirty="0" smtClean="0"/>
+              <a:t>)</a:t>
+            </a:r>
+            <a:r>
+              <a:rPr lang="ko-KR" altLang="en-US" sz="1000" dirty="0" smtClean="0"/>
+              <a:t>를 인출</a:t>
+            </a:r>
+            <a:r>
+              <a:rPr lang="en-US" altLang="ko-KR" sz="1000" dirty="0" smtClean="0"/>
+              <a:t>, </a:t>
+            </a:r>
+            <a:r>
+              <a:rPr lang="ko-KR" altLang="en-US" sz="1000" dirty="0" smtClean="0"/>
+              <a:t>해석하고 처리와 저장</a:t>
+            </a:r>
+          </a:p>
+          <a:p>
+            <a:r>
+              <a:rPr lang="ko-KR" altLang="en-US" sz="1000" dirty="0" smtClean="0"/>
+              <a:t>    </a:t>
+            </a:r>
+            <a:r>
+              <a:rPr lang="en-US" altLang="ko-KR" sz="1000" dirty="0" smtClean="0"/>
+              <a:t>: </a:t>
+            </a:r>
+            <a:r>
+              <a:rPr lang="ko-KR" altLang="en-US" sz="1000" dirty="0" smtClean="0"/>
+              <a:t>기본적으로 </a:t>
+            </a:r>
+            <a:r>
+              <a:rPr lang="en-US" altLang="ko-KR" sz="1000" dirty="0" smtClean="0"/>
+              <a:t>ALU(</a:t>
+            </a:r>
+            <a:r>
+              <a:rPr lang="ko-KR" altLang="en-US" sz="1000" dirty="0" smtClean="0"/>
+              <a:t>연산장치</a:t>
+            </a:r>
+            <a:r>
+              <a:rPr lang="en-US" altLang="ko-KR" sz="1000" dirty="0" smtClean="0"/>
+              <a:t>), CU(</a:t>
+            </a:r>
+            <a:r>
+              <a:rPr lang="ko-KR" altLang="en-US" sz="1000" dirty="0" smtClean="0"/>
+              <a:t>제어장치</a:t>
+            </a:r>
+            <a:r>
+              <a:rPr lang="en-US" altLang="ko-KR" sz="1000" dirty="0" smtClean="0"/>
+              <a:t>), </a:t>
+            </a:r>
+            <a:r>
+              <a:rPr lang="ko-KR" altLang="en-US" sz="1000" dirty="0" smtClean="0"/>
+              <a:t>레지스터들</a:t>
+            </a:r>
+            <a:r>
+              <a:rPr lang="en-US" altLang="ko-KR" sz="1000" dirty="0" smtClean="0"/>
+              <a:t>, </a:t>
+            </a:r>
+            <a:r>
+              <a:rPr lang="ko-KR" altLang="en-US" sz="1000" dirty="0" smtClean="0"/>
+              <a:t>내부 버스로 구성</a:t>
+            </a:r>
+          </a:p>
+          <a:p>
+            <a:r>
+              <a:rPr lang="ko-KR" altLang="en-US" sz="1000" dirty="0" smtClean="0"/>
+              <a:t>    </a:t>
+            </a:r>
+            <a:r>
+              <a:rPr lang="en-US" altLang="ko-KR" sz="1000" dirty="0" smtClean="0"/>
+              <a:t>: ALU:</a:t>
+            </a:r>
+            <a:r>
+              <a:rPr lang="ko-KR" altLang="en-US" sz="1000" dirty="0" smtClean="0"/>
+              <a:t>각종 산술 연산들</a:t>
+            </a:r>
+            <a:r>
+              <a:rPr lang="en-US" altLang="ko-KR" sz="1000" dirty="0" smtClean="0"/>
+              <a:t>(</a:t>
+            </a:r>
+            <a:r>
+              <a:rPr lang="ko-KR" altLang="en-US" sz="1000" dirty="0" smtClean="0"/>
+              <a:t>덧셈</a:t>
+            </a:r>
+            <a:r>
+              <a:rPr lang="en-US" altLang="ko-KR" sz="1000" dirty="0" smtClean="0"/>
+              <a:t>, </a:t>
+            </a:r>
+            <a:r>
+              <a:rPr lang="ko-KR" altLang="en-US" sz="1000" dirty="0" smtClean="0"/>
+              <a:t>뺄셈</a:t>
+            </a:r>
+            <a:r>
+              <a:rPr lang="en-US" altLang="ko-KR" sz="1000" dirty="0" smtClean="0"/>
+              <a:t>, </a:t>
+            </a:r>
+            <a:r>
+              <a:rPr lang="ko-KR" altLang="en-US" sz="1000" dirty="0" smtClean="0"/>
+              <a:t>곱셈</a:t>
+            </a:r>
+            <a:r>
+              <a:rPr lang="en-US" altLang="ko-KR" sz="1000" dirty="0" smtClean="0"/>
+              <a:t>, </a:t>
+            </a:r>
+            <a:r>
+              <a:rPr lang="ko-KR" altLang="en-US" sz="1000" dirty="0" smtClean="0"/>
+              <a:t>나눗셈</a:t>
+            </a:r>
+            <a:r>
+              <a:rPr lang="en-US" altLang="ko-KR" sz="1000" dirty="0" smtClean="0"/>
+              <a:t>)</a:t>
+            </a:r>
+            <a:r>
+              <a:rPr lang="ko-KR" altLang="en-US" sz="1000" dirty="0" smtClean="0"/>
+              <a:t>과 논리 연산들</a:t>
+            </a:r>
+            <a:r>
+              <a:rPr lang="en-US" altLang="ko-KR" sz="1000" dirty="0" smtClean="0"/>
+              <a:t>(AND, OR, NOT </a:t>
+            </a:r>
+            <a:r>
+              <a:rPr lang="ko-KR" altLang="en-US" sz="1000" dirty="0" smtClean="0"/>
+              <a:t>등</a:t>
+            </a:r>
+            <a:r>
+              <a:rPr lang="en-US" altLang="ko-KR" sz="1000" dirty="0" smtClean="0"/>
+              <a:t>)</a:t>
+            </a:r>
+            <a:r>
+              <a:rPr lang="ko-KR" altLang="en-US" sz="1000" dirty="0" smtClean="0"/>
+              <a:t>을 수행하는 회로들로 이루어진 하드웨어 모듈</a:t>
+            </a:r>
+          </a:p>
+          <a:p>
+            <a:r>
+              <a:rPr lang="ko-KR" altLang="en-US" sz="1000" dirty="0" smtClean="0"/>
+              <a:t>    </a:t>
+            </a:r>
+            <a:r>
+              <a:rPr lang="en-US" altLang="ko-KR" sz="1000" dirty="0" smtClean="0"/>
+              <a:t>: </a:t>
+            </a:r>
+            <a:r>
+              <a:rPr lang="en-US" altLang="ko-KR" sz="1000" dirty="0" err="1" smtClean="0"/>
+              <a:t>Register:CPU</a:t>
+            </a:r>
+            <a:r>
+              <a:rPr lang="en-US" altLang="ko-KR" sz="1000" dirty="0" smtClean="0"/>
+              <a:t> </a:t>
+            </a:r>
+            <a:r>
+              <a:rPr lang="ko-KR" altLang="en-US" sz="1000" dirty="0" smtClean="0"/>
+              <a:t>내부에 위치한 기억장치로서</a:t>
+            </a:r>
+            <a:r>
+              <a:rPr lang="en-US" altLang="ko-KR" sz="1000" dirty="0" smtClean="0"/>
+              <a:t>, </a:t>
+            </a:r>
+            <a:r>
+              <a:rPr lang="ko-KR" altLang="en-US" sz="1000" dirty="0" smtClean="0"/>
+              <a:t>액세스 속도가 컴퓨터의 기억장치들 중에서 가장 빠르다</a:t>
+            </a:r>
+            <a:r>
+              <a:rPr lang="en-US" altLang="ko-KR" sz="1000" dirty="0" smtClean="0"/>
+              <a:t>. </a:t>
+            </a:r>
+            <a:r>
+              <a:rPr lang="ko-KR" altLang="en-US" sz="1000" dirty="0" smtClean="0"/>
+              <a:t>그러나 내부 회로가 복잡하여 비교적 큰 공간을 차지하기 때문에 많은 수의 레지스터들을 </a:t>
+            </a:r>
+            <a:r>
+              <a:rPr lang="en-US" altLang="ko-KR" sz="1000" dirty="0" smtClean="0"/>
+              <a:t>CPU </a:t>
+            </a:r>
+            <a:r>
+              <a:rPr lang="ko-KR" altLang="en-US" sz="1000" dirty="0" smtClean="0"/>
+              <a:t>내부에 포함시키기 어려움</a:t>
+            </a:r>
+          </a:p>
+          <a:p>
+            <a:r>
+              <a:rPr lang="ko-KR" altLang="en-US" sz="1000" dirty="0" smtClean="0"/>
+              <a:t>    </a:t>
+            </a:r>
+            <a:r>
+              <a:rPr lang="en-US" altLang="ko-KR" sz="1000" dirty="0" smtClean="0"/>
+              <a:t>: Control unit:</a:t>
+            </a:r>
+            <a:r>
+              <a:rPr lang="ko-KR" altLang="en-US" sz="1000" dirty="0" smtClean="0"/>
+              <a:t>프로그램 코드</a:t>
+            </a:r>
+            <a:r>
+              <a:rPr lang="en-US" altLang="ko-KR" sz="1000" dirty="0" smtClean="0"/>
+              <a:t>(</a:t>
+            </a:r>
+            <a:r>
+              <a:rPr lang="ko-KR" altLang="en-US" sz="1000" dirty="0" smtClean="0"/>
+              <a:t>명령어</a:t>
+            </a:r>
+            <a:r>
+              <a:rPr lang="en-US" altLang="ko-KR" sz="1000" dirty="0" smtClean="0"/>
+              <a:t>)</a:t>
+            </a:r>
+            <a:r>
+              <a:rPr lang="ko-KR" altLang="en-US" sz="1000" dirty="0" smtClean="0"/>
+              <a:t>를 해석하고</a:t>
+            </a:r>
+            <a:r>
+              <a:rPr lang="en-US" altLang="ko-KR" sz="1000" dirty="0" smtClean="0"/>
+              <a:t>, </a:t>
+            </a:r>
+            <a:r>
+              <a:rPr lang="ko-KR" altLang="en-US" sz="1000" dirty="0" smtClean="0"/>
+              <a:t>그것을 실행하기 위한 제어 신호들</a:t>
+            </a:r>
+            <a:r>
+              <a:rPr lang="en-US" altLang="ko-KR" sz="1000" dirty="0" smtClean="0"/>
+              <a:t>(control signals)</a:t>
+            </a:r>
+            <a:r>
+              <a:rPr lang="ko-KR" altLang="en-US" sz="1000" dirty="0" smtClean="0"/>
+              <a:t>을 순차적으로 발생하는 하드웨어 모듈</a:t>
+            </a:r>
+          </a:p>
+          <a:p>
+            <a:r>
+              <a:rPr lang="ko-KR" altLang="en-US" sz="1000" dirty="0" smtClean="0"/>
               <a:t/>
             </a:r>
             <a:br>
-              <a:rPr lang="en" sz="1385" b="0" i="0" u="none" strike="noStrike" cap="none" dirty="0">
-                <a:solidFill>
-                  <a:srgbClr val="000000"/>
-                </a:solidFill>
-                <a:latin typeface="+mn-ea"/>
-                <a:ea typeface="+mn-ea"/>
-                <a:cs typeface="Arial"/>
-                <a:sym typeface="Arial"/>
-              </a:rPr>
+              <a:rPr lang="ko-KR" altLang="en-US" sz="1000" dirty="0" smtClean="0"/>
             </a:br>
             <a:r>
-              <a:rPr lang="en" sz="1300" b="0" i="0" u="none" strike="noStrike" cap="none" dirty="0">
-                <a:solidFill>
-                  <a:srgbClr val="000000"/>
-                </a:solidFill>
-                <a:latin typeface="+mn-ea"/>
-                <a:ea typeface="+mn-ea"/>
-                <a:cs typeface="Arial"/>
-                <a:sym typeface="Arial"/>
-              </a:rPr>
-              <a:t>Phone  : +</a:t>
-            </a:r>
-            <a:r>
-              <a:rPr lang="en" sz="1300" b="0" i="0" u="none" strike="noStrike" cap="none" dirty="0" smtClean="0">
-                <a:solidFill>
-                  <a:srgbClr val="000000"/>
-                </a:solidFill>
-                <a:latin typeface="+mn-ea"/>
-                <a:ea typeface="+mn-ea"/>
-                <a:cs typeface="Arial"/>
-                <a:sym typeface="Arial"/>
-              </a:rPr>
-              <a:t>82-10-3356-3398</a:t>
-            </a:r>
-            <a:r>
-              <a:rPr lang="en" sz="1300" b="0" i="0" u="none" strike="noStrike" cap="none" dirty="0">
-                <a:solidFill>
-                  <a:srgbClr val="000000"/>
-                </a:solidFill>
-                <a:latin typeface="+mn-ea"/>
-                <a:ea typeface="+mn-ea"/>
-                <a:cs typeface="Arial"/>
-                <a:sym typeface="Arial"/>
-              </a:rPr>
+              <a:rPr lang="ko-KR" altLang="en-US" sz="1000" b="1" u="sng" dirty="0" smtClean="0"/>
+              <a:t> </a:t>
+            </a:r>
+            <a:r>
+              <a:rPr lang="en-US" altLang="ko-KR" sz="1000" b="1" u="sng" dirty="0" smtClean="0"/>
+              <a:t>- </a:t>
+            </a:r>
+            <a:r>
+              <a:rPr lang="ko-KR" altLang="en-US" sz="1000" b="1" u="sng" dirty="0" smtClean="0"/>
+              <a:t>명령어의 형식</a:t>
+            </a:r>
+          </a:p>
+          <a:p>
+            <a:r>
+              <a:rPr lang="ko-KR" altLang="en-US" sz="1000" dirty="0" smtClean="0"/>
+              <a:t>    </a:t>
+            </a:r>
+            <a:r>
+              <a:rPr lang="en-US" altLang="ko-KR" sz="1000" dirty="0" smtClean="0"/>
+              <a:t>: </a:t>
+            </a:r>
+            <a:r>
+              <a:rPr lang="ko-KR" altLang="en-US" sz="1000" dirty="0" smtClean="0"/>
+              <a:t>명령어는 크게 </a:t>
+            </a:r>
+            <a:r>
+              <a:rPr lang="en-US" altLang="ko-KR" sz="1000" dirty="0" smtClean="0"/>
+              <a:t>OP-Code</a:t>
+            </a:r>
+            <a:r>
+              <a:rPr lang="ko-KR" altLang="en-US" sz="1000" dirty="0" smtClean="0"/>
+              <a:t>부</a:t>
+            </a:r>
+            <a:r>
+              <a:rPr lang="en-US" altLang="ko-KR" sz="1000" dirty="0" smtClean="0"/>
+              <a:t>(</a:t>
+            </a:r>
+            <a:r>
+              <a:rPr lang="ko-KR" altLang="en-US" sz="1000" dirty="0" err="1" smtClean="0"/>
+              <a:t>명령부</a:t>
+            </a:r>
+            <a:r>
+              <a:rPr lang="en-US" altLang="ko-KR" sz="1000" dirty="0" smtClean="0"/>
+              <a:t>)</a:t>
+            </a:r>
+            <a:r>
+              <a:rPr lang="ko-KR" altLang="en-US" sz="1000" dirty="0" smtClean="0"/>
+              <a:t>와 </a:t>
+            </a:r>
+            <a:r>
+              <a:rPr lang="en-US" altLang="ko-KR" sz="1000" dirty="0" smtClean="0"/>
+              <a:t>Operand</a:t>
+            </a:r>
+            <a:r>
+              <a:rPr lang="ko-KR" altLang="en-US" sz="1000" dirty="0" smtClean="0"/>
+              <a:t>부</a:t>
+            </a:r>
+            <a:r>
+              <a:rPr lang="en-US" altLang="ko-KR" sz="1000" dirty="0" smtClean="0"/>
+              <a:t>(</a:t>
+            </a:r>
+            <a:r>
+              <a:rPr lang="ko-KR" altLang="en-US" sz="1000" dirty="0" err="1" smtClean="0"/>
+              <a:t>자료부</a:t>
+            </a:r>
+            <a:r>
+              <a:rPr lang="en-US" altLang="ko-KR" sz="1000" dirty="0" smtClean="0"/>
+              <a:t>)</a:t>
+            </a:r>
+            <a:r>
+              <a:rPr lang="ko-KR" altLang="en-US" sz="1000" dirty="0" smtClean="0"/>
+              <a:t>로 구성되는데</a:t>
+            </a:r>
+            <a:r>
+              <a:rPr lang="en-US" altLang="ko-KR" sz="1000" dirty="0" smtClean="0"/>
+              <a:t>, Operand</a:t>
+            </a:r>
+            <a:r>
+              <a:rPr lang="ko-KR" altLang="en-US" sz="1000" dirty="0" smtClean="0"/>
+              <a:t>부의 개수에 따라 다음의 네 가지 형식</a:t>
+            </a:r>
+          </a:p>
+          <a:p>
+            <a:r>
+              <a:rPr lang="ko-KR" altLang="en-US" sz="1000" dirty="0" smtClean="0"/>
+              <a:t>    </a:t>
+            </a:r>
+            <a:r>
+              <a:rPr lang="en-US" altLang="ko-KR" sz="1000" dirty="0" smtClean="0"/>
+              <a:t>: * 3</a:t>
+            </a:r>
+            <a:r>
+              <a:rPr lang="ko-KR" altLang="en-US" sz="1000" dirty="0" smtClean="0"/>
+              <a:t>주소 명령어는 </a:t>
+            </a:r>
+            <a:r>
+              <a:rPr lang="en-US" altLang="ko-KR" sz="1000" dirty="0" smtClean="0"/>
+              <a:t>Operand</a:t>
+            </a:r>
+            <a:r>
+              <a:rPr lang="ko-KR" altLang="en-US" sz="1000" dirty="0" smtClean="0"/>
+              <a:t>부가 세 개로 구성되는 명령어 형식으로 여러 개의 범용 레지스터</a:t>
+            </a:r>
+            <a:r>
+              <a:rPr lang="en-US" altLang="ko-KR" sz="1000" dirty="0" smtClean="0"/>
+              <a:t>(GPR)</a:t>
+            </a:r>
+            <a:r>
+              <a:rPr lang="ko-KR" altLang="en-US" sz="1000" dirty="0" smtClean="0"/>
+              <a:t>를 가진 컴퓨터에서 사용</a:t>
+            </a:r>
+          </a:p>
+          <a:p>
+            <a:r>
+              <a:rPr lang="ko-KR" altLang="en-US" sz="1000" dirty="0" smtClean="0"/>
               <a:t/>
             </a:r>
             <a:br>
-              <a:rPr lang="en" sz="1300" b="0" i="0" u="none" strike="noStrike" cap="none" dirty="0">
-                <a:solidFill>
-                  <a:srgbClr val="000000"/>
-                </a:solidFill>
-                <a:latin typeface="+mn-ea"/>
-                <a:ea typeface="+mn-ea"/>
-                <a:cs typeface="Arial"/>
-                <a:sym typeface="Arial"/>
-              </a:rPr>
+              <a:rPr lang="ko-KR" altLang="en-US" sz="1000" dirty="0" smtClean="0"/>
             </a:br>
             <a:r>
-              <a:rPr lang="en" sz="1300" b="0" i="0" u="none" strike="noStrike" cap="none" dirty="0">
-                <a:solidFill>
-                  <a:srgbClr val="000000"/>
-                </a:solidFill>
-                <a:latin typeface="+mn-ea"/>
-                <a:ea typeface="+mn-ea"/>
-                <a:cs typeface="Arial"/>
-                <a:sym typeface="Arial"/>
-              </a:rPr>
-              <a:t>Fax      : +82-31-470-5199</a:t>
-            </a:r>
-            <a:endParaRPr sz="1300" dirty="0">
-              <a:latin typeface="+mn-ea"/>
-              <a:ea typeface="+mn-ea"/>
-            </a:endParaRPr>
-          </a:p>
-          <a:p>
-            <a:pPr marL="0" marR="0" lvl="0" indent="0" algn="l" rtl="0">
-              <a:spcBef>
-                <a:spcPts val="693"/>
-              </a:spcBef>
-              <a:spcAft>
-                <a:spcPts val="0"/>
-              </a:spcAft>
-              <a:buNone/>
-            </a:pPr>
-            <a:r>
-              <a:rPr lang="en" sz="1385" u="sng" dirty="0">
-                <a:solidFill>
-                  <a:schemeClr val="hlink"/>
-                </a:solidFill>
-                <a:latin typeface="+mn-ea"/>
-                <a:ea typeface="+mn-ea"/>
-                <a:hlinkClick r:id="rId4"/>
-              </a:rPr>
-              <a:t>https://swm.ai</a:t>
-            </a:r>
-            <a:r>
-              <a:rPr lang="en" sz="1385" b="0" i="0" u="none" strike="noStrike" cap="none" dirty="0">
-                <a:solidFill>
-                  <a:srgbClr val="000000"/>
-                </a:solidFill>
-                <a:latin typeface="+mn-ea"/>
-                <a:ea typeface="+mn-ea"/>
-                <a:cs typeface="Arial"/>
-                <a:sym typeface="Arial"/>
-              </a:rPr>
-              <a:t> </a:t>
-            </a:r>
-            <a:endParaRPr dirty="0">
-              <a:latin typeface="+mn-ea"/>
-              <a:ea typeface="+mn-ea"/>
-            </a:endParaRPr>
+              <a:rPr lang="ko-KR" altLang="en-US" sz="1000" b="1" u="sng" dirty="0" smtClean="0"/>
+              <a:t> </a:t>
+            </a:r>
+            <a:r>
+              <a:rPr lang="en-US" altLang="ko-KR" sz="1000" b="1" u="sng" dirty="0" smtClean="0"/>
+              <a:t>- </a:t>
+            </a:r>
+            <a:r>
+              <a:rPr lang="ko-KR" altLang="en-US" sz="1000" b="1" u="sng" dirty="0" smtClean="0"/>
+              <a:t>명령어 사이클</a:t>
+            </a:r>
+          </a:p>
+          <a:p>
+            <a:r>
+              <a:rPr lang="ko-KR" altLang="en-US" sz="1000" dirty="0" smtClean="0"/>
+              <a:t>    </a:t>
+            </a:r>
+            <a:r>
+              <a:rPr lang="en-US" altLang="ko-KR" sz="1000" dirty="0" smtClean="0"/>
+              <a:t>: PC // </a:t>
+            </a:r>
+            <a:r>
+              <a:rPr lang="ko-KR" altLang="en-US" sz="1000" dirty="0" smtClean="0"/>
+              <a:t>다음에 실행할 명령어에 대한 메모리 주소를 추적</a:t>
+            </a:r>
+          </a:p>
+          <a:p>
+            <a:r>
+              <a:rPr lang="ko-KR" altLang="en-US" sz="1000" dirty="0" smtClean="0"/>
+              <a:t>    </a:t>
+            </a:r>
+            <a:r>
+              <a:rPr lang="en-US" altLang="ko-KR" sz="1000" dirty="0" smtClean="0"/>
+              <a:t>: MAR // </a:t>
+            </a:r>
+            <a:r>
+              <a:rPr lang="ko-KR" altLang="en-US" sz="1000" dirty="0" smtClean="0"/>
+              <a:t>다음에 실행할 명령어의 메모리에 있는 주소를 보관</a:t>
+            </a:r>
+          </a:p>
+          <a:p>
+            <a:r>
+              <a:rPr lang="ko-KR" altLang="en-US" sz="1000" dirty="0" smtClean="0"/>
+              <a:t>    </a:t>
+            </a:r>
+            <a:r>
+              <a:rPr lang="en-US" altLang="ko-KR" sz="1000" dirty="0" smtClean="0"/>
+              <a:t>: MBR // </a:t>
+            </a:r>
+            <a:r>
+              <a:rPr lang="ko-KR" altLang="en-US" sz="1000" dirty="0" smtClean="0"/>
+              <a:t>메모리로부터 </a:t>
+            </a:r>
+            <a:r>
+              <a:rPr lang="ko-KR" altLang="en-US" sz="1000" dirty="0" err="1" smtClean="0"/>
+              <a:t>페치</a:t>
+            </a:r>
+            <a:r>
+              <a:rPr lang="en-US" altLang="ko-KR" sz="1000" dirty="0" smtClean="0"/>
+              <a:t>(fetch)</a:t>
+            </a:r>
+            <a:r>
+              <a:rPr lang="ko-KR" altLang="en-US" sz="1000" dirty="0" smtClean="0"/>
+              <a:t>되어 </a:t>
+            </a:r>
+            <a:r>
+              <a:rPr lang="en-US" altLang="ko-KR" sz="1000" dirty="0" err="1" smtClean="0"/>
+              <a:t>cpu</a:t>
+            </a:r>
+            <a:r>
+              <a:rPr lang="ko-KR" altLang="en-US" sz="1000" dirty="0" smtClean="0"/>
+              <a:t>가 처리할 준비가 된 데이터나 메모리에 저장되어 대기 중인 데이터를 보관하는 양방향 레지스터</a:t>
+            </a:r>
+          </a:p>
+          <a:p>
+            <a:r>
+              <a:rPr lang="ko-KR" altLang="en-US" sz="1000" dirty="0" smtClean="0"/>
+              <a:t>    </a:t>
+            </a:r>
+            <a:r>
+              <a:rPr lang="en-US" altLang="ko-KR" sz="1000" dirty="0" smtClean="0"/>
+              <a:t>: IR // </a:t>
+            </a:r>
+            <a:r>
+              <a:rPr lang="ko-KR" altLang="en-US" sz="1000" dirty="0" smtClean="0"/>
+              <a:t>메모리로부터 </a:t>
+            </a:r>
+            <a:r>
+              <a:rPr lang="en-US" altLang="ko-KR" sz="1000" dirty="0" smtClean="0"/>
+              <a:t>fetch </a:t>
+            </a:r>
+            <a:r>
+              <a:rPr lang="ko-KR" altLang="en-US" sz="1000" dirty="0" smtClean="0"/>
+              <a:t>되는 </a:t>
+            </a:r>
+            <a:r>
+              <a:rPr lang="en-US" altLang="ko-KR" sz="1000" dirty="0" smtClean="0"/>
+              <a:t>(</a:t>
+            </a:r>
+            <a:r>
+              <a:rPr lang="ko-KR" altLang="en-US" sz="1000" dirty="0" smtClean="0"/>
+              <a:t>현재 실행할</a:t>
+            </a:r>
+            <a:r>
+              <a:rPr lang="en-US" altLang="ko-KR" sz="1000" dirty="0" smtClean="0"/>
+              <a:t>) </a:t>
+            </a:r>
+            <a:r>
+              <a:rPr lang="ko-KR" altLang="en-US" sz="1000" dirty="0" smtClean="0"/>
+              <a:t>명령어를 일시적으로 보관하는 영역</a:t>
+            </a:r>
+          </a:p>
+          <a:p>
+            <a:r>
+              <a:rPr lang="ko-KR" altLang="en-US" sz="1000" dirty="0" smtClean="0"/>
+              <a:t>    </a:t>
+            </a:r>
+            <a:r>
+              <a:rPr lang="en-US" altLang="ko-KR" sz="1000" dirty="0" smtClean="0"/>
+              <a:t>: CU // </a:t>
+            </a:r>
+            <a:r>
+              <a:rPr lang="ko-KR" altLang="en-US" sz="1000" dirty="0" smtClean="0"/>
+              <a:t>명령어 인출</a:t>
+            </a:r>
+            <a:r>
+              <a:rPr lang="en-US" altLang="ko-KR" sz="1000" dirty="0" smtClean="0"/>
+              <a:t>, </a:t>
+            </a:r>
+            <a:r>
+              <a:rPr lang="ko-KR" altLang="en-US" sz="1000" dirty="0" smtClean="0"/>
+              <a:t>해독</a:t>
+            </a:r>
+            <a:r>
+              <a:rPr lang="en-US" altLang="ko-KR" sz="1000" dirty="0" smtClean="0"/>
+              <a:t>, </a:t>
+            </a:r>
+            <a:r>
+              <a:rPr lang="ko-KR" altLang="en-US" sz="1000" dirty="0" smtClean="0"/>
+              <a:t>실행을 위한 제어신호를 타이밍에 맞춰 발생시킨다</a:t>
+            </a:r>
+            <a:r>
+              <a:rPr lang="en-US" altLang="ko-KR" sz="1000" dirty="0" smtClean="0"/>
+              <a:t>.</a:t>
+            </a:r>
+          </a:p>
+          <a:p>
+            <a:r>
+              <a:rPr lang="en-US" altLang="ko-KR" sz="1000" dirty="0" smtClean="0"/>
+              <a:t>    : ALU // </a:t>
+            </a:r>
+            <a:r>
+              <a:rPr lang="ko-KR" altLang="en-US" sz="1000" dirty="0" smtClean="0"/>
+              <a:t>산술 및 논리 연산을 수행</a:t>
+            </a:r>
+          </a:p>
+          <a:p>
+            <a:r>
+              <a:rPr lang="ko-KR" altLang="en-US" sz="1000" dirty="0" smtClean="0"/>
+              <a:t/>
+            </a:r>
+            <a:br>
+              <a:rPr lang="ko-KR" altLang="en-US" sz="1000" dirty="0" smtClean="0"/>
+            </a:br>
+            <a:r>
+              <a:rPr lang="ko-KR" altLang="en-US" sz="1000" dirty="0" smtClean="0"/>
+              <a:t> </a:t>
+            </a:r>
+            <a:r>
+              <a:rPr lang="en-US" altLang="ko-KR" sz="1000" b="1" u="sng" dirty="0" smtClean="0"/>
+              <a:t>- </a:t>
+            </a:r>
+            <a:r>
+              <a:rPr lang="ko-KR" altLang="en-US" sz="1000" b="1" u="sng" dirty="0" smtClean="0"/>
+              <a:t>명령어 </a:t>
+            </a:r>
+            <a:r>
+              <a:rPr lang="ko-KR" altLang="en-US" sz="1000" b="1" u="sng" dirty="0" err="1" smtClean="0"/>
+              <a:t>파이프라이닝</a:t>
+            </a:r>
+            <a:endParaRPr lang="ko-KR" altLang="en-US" sz="1000" b="1" u="sng" dirty="0" smtClean="0"/>
+          </a:p>
+          <a:p>
+            <a:r>
+              <a:rPr lang="ko-KR" altLang="en-US" sz="1000" dirty="0" smtClean="0"/>
+              <a:t>    </a:t>
+            </a:r>
+            <a:r>
+              <a:rPr lang="en-US" altLang="ko-KR" sz="1000" dirty="0" smtClean="0"/>
+              <a:t>: </a:t>
+            </a:r>
+            <a:r>
+              <a:rPr lang="ko-KR" altLang="en-US" sz="1000" dirty="0" smtClean="0"/>
+              <a:t>명령어를 읽어 순차적으로 실행하는 프로세서에 적용되는 기술</a:t>
+            </a:r>
+          </a:p>
+          <a:p>
+            <a:r>
+              <a:rPr lang="ko-KR" altLang="en-US" sz="1000" dirty="0" smtClean="0"/>
+              <a:t>    </a:t>
+            </a:r>
+            <a:r>
+              <a:rPr lang="en-US" altLang="ko-KR" sz="1000" dirty="0" smtClean="0"/>
+              <a:t>: </a:t>
+            </a:r>
+            <a:r>
+              <a:rPr lang="ko-KR" altLang="en-US" sz="1000" dirty="0" smtClean="0"/>
+              <a:t>한 번에 하나의 명령어만 실행하는 것이 아니라 하나의 명령어가 실행되는 도중에 다른 명령어 실행을 시작</a:t>
+            </a:r>
+          </a:p>
+          <a:p>
+            <a:r>
+              <a:rPr lang="ko-KR" altLang="en-US" sz="1000" dirty="0" smtClean="0"/>
+              <a:t/>
+            </a:r>
+            <a:br>
+              <a:rPr lang="ko-KR" altLang="en-US" sz="1000" dirty="0" smtClean="0"/>
+            </a:br>
+            <a:r>
+              <a:rPr lang="ko-KR" altLang="en-US" sz="1000" dirty="0" smtClean="0"/>
+              <a:t> </a:t>
+            </a:r>
+            <a:r>
+              <a:rPr lang="en-US" altLang="ko-KR" sz="1000" b="1" u="sng" dirty="0" smtClean="0"/>
+              <a:t>- </a:t>
+            </a:r>
+            <a:r>
+              <a:rPr lang="ko-KR" altLang="en-US" sz="1000" b="1" u="sng" dirty="0" smtClean="0"/>
+              <a:t>주소 지정 방식</a:t>
+            </a:r>
+          </a:p>
+          <a:p>
+            <a:r>
+              <a:rPr lang="ko-KR" altLang="en-US" sz="1000" dirty="0" smtClean="0"/>
+              <a:t>    </a:t>
+            </a:r>
+            <a:r>
+              <a:rPr lang="en-US" altLang="ko-KR" sz="1000" dirty="0" smtClean="0"/>
+              <a:t>: </a:t>
+            </a:r>
+            <a:r>
+              <a:rPr lang="ko-KR" altLang="en-US" sz="1000" dirty="0" smtClean="0"/>
+              <a:t>직접 주소 지정방식 </a:t>
+            </a:r>
+            <a:r>
+              <a:rPr lang="en-US" altLang="ko-KR" sz="1000" dirty="0" smtClean="0"/>
+              <a:t>// </a:t>
+            </a:r>
+            <a:r>
+              <a:rPr lang="ko-KR" altLang="en-US" sz="1000" dirty="0" smtClean="0"/>
+              <a:t>주소필드에 오퍼랜드의 주소</a:t>
+            </a:r>
+            <a:r>
+              <a:rPr lang="en-US" altLang="ko-KR" sz="1000" dirty="0" smtClean="0"/>
+              <a:t>(</a:t>
+            </a:r>
+            <a:r>
+              <a:rPr lang="ko-KR" altLang="en-US" sz="1000" dirty="0" smtClean="0"/>
+              <a:t>유효주소</a:t>
+            </a:r>
+            <a:r>
+              <a:rPr lang="en-US" altLang="ko-KR" sz="1000" dirty="0" smtClean="0"/>
+              <a:t>)</a:t>
+            </a:r>
+            <a:r>
+              <a:rPr lang="ko-KR" altLang="en-US" sz="1000" dirty="0" smtClean="0"/>
+              <a:t>를 지정</a:t>
+            </a:r>
+          </a:p>
+          <a:p>
+            <a:r>
+              <a:rPr lang="ko-KR" altLang="en-US" sz="1000" dirty="0" smtClean="0"/>
+              <a:t>    </a:t>
+            </a:r>
+            <a:r>
+              <a:rPr lang="en-US" altLang="ko-KR" sz="1000" dirty="0" smtClean="0"/>
+              <a:t>: </a:t>
+            </a:r>
+            <a:r>
+              <a:rPr lang="ko-KR" altLang="en-US" sz="1000" dirty="0" smtClean="0"/>
+              <a:t>간접 주소 지정방식 </a:t>
+            </a:r>
+            <a:r>
+              <a:rPr lang="en-US" altLang="ko-KR" sz="1000" dirty="0" smtClean="0"/>
+              <a:t>// </a:t>
+            </a:r>
+            <a:r>
+              <a:rPr lang="ko-KR" altLang="en-US" sz="1000" dirty="0" smtClean="0"/>
+              <a:t>주소필드에 유효주소가 저장되어 있는 기억장치 주소를 지정</a:t>
+            </a:r>
+          </a:p>
+          <a:p>
+            <a:r>
+              <a:rPr lang="ko-KR" altLang="en-US" sz="1000" dirty="0" smtClean="0"/>
+              <a:t>    </a:t>
+            </a:r>
+            <a:r>
+              <a:rPr lang="en-US" altLang="ko-KR" sz="1000" dirty="0" smtClean="0"/>
+              <a:t>: </a:t>
+            </a:r>
+            <a:r>
+              <a:rPr lang="ko-KR" altLang="en-US" sz="1000" dirty="0" smtClean="0"/>
+              <a:t>레지스터 주소 지정방식 </a:t>
+            </a:r>
+            <a:r>
+              <a:rPr lang="en-US" altLang="ko-KR" sz="1000" dirty="0" smtClean="0"/>
+              <a:t>// </a:t>
+            </a:r>
+            <a:r>
+              <a:rPr lang="ko-KR" altLang="en-US" sz="1000" dirty="0" smtClean="0"/>
+              <a:t>주소필드에 오퍼랜드</a:t>
+            </a:r>
+            <a:r>
+              <a:rPr lang="en-US" altLang="ko-KR" sz="1000" dirty="0" smtClean="0"/>
+              <a:t>(</a:t>
+            </a:r>
+            <a:r>
+              <a:rPr lang="ko-KR" altLang="en-US" sz="1000" dirty="0" err="1" smtClean="0"/>
+              <a:t>피연산자</a:t>
+            </a:r>
+            <a:r>
+              <a:rPr lang="en-US" altLang="ko-KR" sz="1000" dirty="0" smtClean="0"/>
+              <a:t>)</a:t>
+            </a:r>
+            <a:r>
+              <a:rPr lang="ko-KR" altLang="en-US" sz="1000" dirty="0" smtClean="0"/>
+              <a:t>가 들어있는 레지스터를 지정하는 방식</a:t>
+            </a:r>
+            <a:endParaRPr lang="ko-KR" altLang="en-US" sz="1000" dirty="0"/>
           </a:p>
         </p:txBody>
       </p:sp>
       <p:pic>
         <p:nvPicPr>
-          <p:cNvPr id="26" name="그림 25">
-            <a:extLst>
-              <a:ext uri="{FF2B5EF4-FFF2-40B4-BE49-F238E27FC236}">
-                <a16:creationId xmlns:a16="http://schemas.microsoft.com/office/drawing/2014/main" xmlns="" id="{E0010296-81EB-4D61-A6FF-A6784B1865E5}"/>
-              </a:ext>
-            </a:extLst>
-          </p:cNvPr>
+          <p:cNvPr id="1026" name="Picture 2" descr="https://t1.daumcdn.net/cfile/tistory/255D064952C8E86F04"/>
           <p:cNvPicPr>
-            <a:picLocks noChangeAspect="1"/>
+            <a:picLocks noChangeAspect="1" noChangeArrowheads="1"/>
           </p:cNvPicPr>
           <p:nvPr/>
         </p:nvPicPr>
         <p:blipFill>
-          <a:blip r:embed="rId5" cstate="print">
-            <a:extLst>
-              <a:ext uri="{28A0092B-C50C-407E-A947-70E740481C1C}">
-                <a14:useLocalDpi xmlns:a14="http://schemas.microsoft.com/office/drawing/2010/main" xmlns="" val="0"/>
-              </a:ext>
-            </a:extLst>
-          </a:blip>
+          <a:blip r:embed="rId2" cstate="print"/>
+          <a:srcRect/>
           <a:stretch>
             <a:fillRect/>
           </a:stretch>
         </p:blipFill>
-        <p:spPr>
+        <p:spPr bwMode="auto">
           <a:xfrm>
-            <a:off x="336430" y="2139573"/>
-            <a:ext cx="1958196" cy="806496"/>
+            <a:off x="5183186" y="3140968"/>
+            <a:ext cx="3786710" cy="3011019"/>
           </a:xfrm>
           <a:prstGeom prst="rect">
             <a:avLst/>
           </a:prstGeom>
+          <a:noFill/>
         </p:spPr>
       </p:pic>
     </p:spTree>
     <p:extLst>
       <p:ext uri="{BB962C8B-B14F-4D97-AF65-F5344CB8AC3E}">
-        <p14:creationId xmlns:p14="http://schemas.microsoft.com/office/powerpoint/2010/main" xmlns="" val="2520429303"/>
+        <p14:creationId xmlns="" xmlns:p14="http://schemas.microsoft.com/office/powerpoint/2010/main" val="4131542772"/>
       </p:ext>
     </p:extLst>
   </p:cSld>
@@ -11298,7 +15116,7 @@
   <a:extraClrSchemeLst/>
   <a:extLst>
     <a:ext uri="{05A4C25C-085E-4340-85A3-A5531E510DB2}">
-      <thm15:themeFamily xmlns:thm15="http://schemas.microsoft.com/office/thememl/2012/main" xmlns="" name="Office Theme" id="{62F939B6-93AF-4DB8-9C6B-D6C7DFDC589F}" vid="{4A3C46E8-61CC-4603-A589-7422A47A8E4A}"/>
+      <thm15:themeFamily xmlns="" xmlns:thm15="http://schemas.microsoft.com/office/thememl/2012/main" name="Office Theme" id="{62F939B6-93AF-4DB8-9C6B-D6C7DFDC589F}" vid="{4A3C46E8-61CC-4603-A589-7422A47A8E4A}"/>
     </a:ext>
   </a:extLst>
 </a:theme>
